--- a/Проект «Робот-логист».pptx
+++ b/Проект «Робот-логист».pptx
@@ -7,7 +7,10 @@
   <p:sldIdLst>
     <p:sldId id="256" r:id="rId2"/>
     <p:sldId id="257" r:id="rId3"/>
-    <p:sldId id="258" r:id="rId4"/>
+    <p:sldId id="259" r:id="rId4"/>
+    <p:sldId id="260" r:id="rId5"/>
+    <p:sldId id="261" r:id="rId6"/>
+    <p:sldId id="262" r:id="rId7"/>
   </p:sldIdLst>
   <p:sldSz cx="12192000" cy="6858000"/>
   <p:notesSz cx="6858000" cy="9144000"/>
@@ -106,6 +109,11 @@
       </a:defRPr>
     </a:lvl9pPr>
   </p:defaultTextStyle>
+  <p:extLst>
+    <p:ext uri="{EFAFB233-063F-42B5-8137-9DF3F51BA10A}">
+      <p15:sldGuideLst xmlns:p15="http://schemas.microsoft.com/office/powerpoint/2012/main"/>
+    </p:ext>
+  </p:extLst>
 </p:presentation>
 </file>
 
@@ -298,7 +306,7 @@
           <a:p>
             <a:fld id="{289319FC-3B99-49AD-81CA-FE67D43B35DB}" type="datetimeFigureOut">
               <a:rPr lang="ru-RU" smtClean="0"/>
-              <a:t>09.04.2024</a:t>
+              <a:t>12.04.2024</a:t>
             </a:fld>
             <a:endParaRPr lang="ru-RU"/>
           </a:p>
@@ -734,7 +742,7 @@
           <a:p>
             <a:fld id="{289319FC-3B99-49AD-81CA-FE67D43B35DB}" type="datetimeFigureOut">
               <a:rPr lang="ru-RU" smtClean="0"/>
-              <a:t>09.04.2024</a:t>
+              <a:t>12.04.2024</a:t>
             </a:fld>
             <a:endParaRPr lang="ru-RU"/>
           </a:p>
@@ -982,7 +990,7 @@
           <a:p>
             <a:fld id="{289319FC-3B99-49AD-81CA-FE67D43B35DB}" type="datetimeFigureOut">
               <a:rPr lang="ru-RU" smtClean="0"/>
-              <a:t>09.04.2024</a:t>
+              <a:t>12.04.2024</a:t>
             </a:fld>
             <a:endParaRPr lang="ru-RU"/>
           </a:p>
@@ -1288,7 +1296,7 @@
           <a:p>
             <a:fld id="{289319FC-3B99-49AD-81CA-FE67D43B35DB}" type="datetimeFigureOut">
               <a:rPr lang="ru-RU" smtClean="0"/>
-              <a:t>09.04.2024</a:t>
+              <a:t>12.04.2024</a:t>
             </a:fld>
             <a:endParaRPr lang="ru-RU"/>
           </a:p>
@@ -1604,7 +1612,7 @@
           <a:p>
             <a:fld id="{289319FC-3B99-49AD-81CA-FE67D43B35DB}" type="datetimeFigureOut">
               <a:rPr lang="ru-RU" smtClean="0"/>
-              <a:t>09.04.2024</a:t>
+              <a:t>12.04.2024</a:t>
             </a:fld>
             <a:endParaRPr lang="ru-RU"/>
           </a:p>
@@ -1904,7 +1912,7 @@
           <a:p>
             <a:fld id="{289319FC-3B99-49AD-81CA-FE67D43B35DB}" type="datetimeFigureOut">
               <a:rPr lang="ru-RU" smtClean="0"/>
-              <a:t>09.04.2024</a:t>
+              <a:t>12.04.2024</a:t>
             </a:fld>
             <a:endParaRPr lang="ru-RU"/>
           </a:p>
@@ -2269,7 +2277,7 @@
           <a:p>
             <a:fld id="{289319FC-3B99-49AD-81CA-FE67D43B35DB}" type="datetimeFigureOut">
               <a:rPr lang="ru-RU" smtClean="0"/>
-              <a:t>09.04.2024</a:t>
+              <a:t>12.04.2024</a:t>
             </a:fld>
             <a:endParaRPr lang="ru-RU"/>
           </a:p>
@@ -2443,7 +2451,7 @@
           <a:p>
             <a:fld id="{289319FC-3B99-49AD-81CA-FE67D43B35DB}" type="datetimeFigureOut">
               <a:rPr lang="ru-RU" smtClean="0"/>
-              <a:t>09.04.2024</a:t>
+              <a:t>12.04.2024</a:t>
             </a:fld>
             <a:endParaRPr lang="ru-RU"/>
           </a:p>
@@ -2623,7 +2631,7 @@
           <a:p>
             <a:fld id="{289319FC-3B99-49AD-81CA-FE67D43B35DB}" type="datetimeFigureOut">
               <a:rPr lang="ru-RU" smtClean="0"/>
-              <a:t>09.04.2024</a:t>
+              <a:t>12.04.2024</a:t>
             </a:fld>
             <a:endParaRPr lang="ru-RU"/>
           </a:p>
@@ -2793,7 +2801,7 @@
           <a:p>
             <a:fld id="{289319FC-3B99-49AD-81CA-FE67D43B35DB}" type="datetimeFigureOut">
               <a:rPr lang="ru-RU" smtClean="0"/>
-              <a:t>09.04.2024</a:t>
+              <a:t>12.04.2024</a:t>
             </a:fld>
             <a:endParaRPr lang="ru-RU"/>
           </a:p>
@@ -3041,7 +3049,7 @@
           <a:p>
             <a:fld id="{289319FC-3B99-49AD-81CA-FE67D43B35DB}" type="datetimeFigureOut">
               <a:rPr lang="ru-RU" smtClean="0"/>
-              <a:t>09.04.2024</a:t>
+              <a:t>12.04.2024</a:t>
             </a:fld>
             <a:endParaRPr lang="ru-RU"/>
           </a:p>
@@ -3277,7 +3285,7 @@
           <a:p>
             <a:fld id="{289319FC-3B99-49AD-81CA-FE67D43B35DB}" type="datetimeFigureOut">
               <a:rPr lang="ru-RU" smtClean="0"/>
-              <a:t>09.04.2024</a:t>
+              <a:t>12.04.2024</a:t>
             </a:fld>
             <a:endParaRPr lang="ru-RU"/>
           </a:p>
@@ -3659,7 +3667,7 @@
           <a:p>
             <a:fld id="{289319FC-3B99-49AD-81CA-FE67D43B35DB}" type="datetimeFigureOut">
               <a:rPr lang="ru-RU" smtClean="0"/>
-              <a:t>09.04.2024</a:t>
+              <a:t>12.04.2024</a:t>
             </a:fld>
             <a:endParaRPr lang="ru-RU"/>
           </a:p>
@@ -3777,7 +3785,7 @@
           <a:p>
             <a:fld id="{289319FC-3B99-49AD-81CA-FE67D43B35DB}" type="datetimeFigureOut">
               <a:rPr lang="ru-RU" smtClean="0"/>
-              <a:t>09.04.2024</a:t>
+              <a:t>12.04.2024</a:t>
             </a:fld>
             <a:endParaRPr lang="ru-RU"/>
           </a:p>
@@ -3872,7 +3880,7 @@
           <a:p>
             <a:fld id="{289319FC-3B99-49AD-81CA-FE67D43B35DB}" type="datetimeFigureOut">
               <a:rPr lang="ru-RU" smtClean="0"/>
-              <a:t>09.04.2024</a:t>
+              <a:t>12.04.2024</a:t>
             </a:fld>
             <a:endParaRPr lang="ru-RU"/>
           </a:p>
@@ -4127,7 +4135,7 @@
           <a:p>
             <a:fld id="{289319FC-3B99-49AD-81CA-FE67D43B35DB}" type="datetimeFigureOut">
               <a:rPr lang="ru-RU" smtClean="0"/>
-              <a:t>09.04.2024</a:t>
+              <a:t>12.04.2024</a:t>
             </a:fld>
             <a:endParaRPr lang="ru-RU"/>
           </a:p>
@@ -4410,7 +4418,7 @@
           <a:p>
             <a:fld id="{289319FC-3B99-49AD-81CA-FE67D43B35DB}" type="datetimeFigureOut">
               <a:rPr lang="ru-RU" smtClean="0"/>
-              <a:t>09.04.2024</a:t>
+              <a:t>12.04.2024</a:t>
             </a:fld>
             <a:endParaRPr lang="ru-RU"/>
           </a:p>
@@ -4816,7 +4824,7 @@
           <a:p>
             <a:fld id="{289319FC-3B99-49AD-81CA-FE67D43B35DB}" type="datetimeFigureOut">
               <a:rPr lang="ru-RU" smtClean="0"/>
-              <a:t>09.04.2024</a:t>
+              <a:t>12.04.2024</a:t>
             </a:fld>
             <a:endParaRPr lang="ru-RU"/>
           </a:p>
@@ -5371,12 +5379,28 @@
             <p:ph type="subTitle" idx="1"/>
           </p:nvPr>
         </p:nvSpPr>
-        <p:spPr/>
-        <p:txBody>
-          <a:bodyPr/>
-          <a:lstStyle/>
-          <a:p>
-            <a:endParaRPr lang="ru-RU"/>
+        <p:spPr>
+          <a:xfrm>
+            <a:off x="0" y="5848865"/>
+            <a:ext cx="6400800" cy="1009135"/>
+          </a:xfrm>
+        </p:spPr>
+        <p:txBody>
+          <a:bodyPr/>
+          <a:lstStyle/>
+          <a:p>
+            <a:r>
+              <a:rPr lang="ru-RU" dirty="0" smtClean="0"/>
+              <a:t>Выполнили: Селин Андрей Сергеевич</a:t>
+            </a:r>
+            <a:br>
+              <a:rPr lang="ru-RU" dirty="0" smtClean="0"/>
+            </a:br>
+            <a:r>
+              <a:rPr lang="ru-RU" dirty="0" smtClean="0"/>
+              <a:t>                     _______ Тамара __________</a:t>
+            </a:r>
+            <a:endParaRPr lang="ru-RU" dirty="0"/>
           </a:p>
         </p:txBody>
       </p:sp>
@@ -5420,7 +5444,12 @@
             <p:ph type="title"/>
           </p:nvPr>
         </p:nvSpPr>
-        <p:spPr/>
+        <p:spPr>
+          <a:xfrm>
+            <a:off x="684212" y="685800"/>
+            <a:ext cx="8534400" cy="1507067"/>
+          </a:xfrm>
+        </p:spPr>
         <p:txBody>
           <a:bodyPr/>
           <a:lstStyle/>
@@ -5443,39 +5472,36 @@
             <p:ph idx="1"/>
           </p:nvPr>
         </p:nvSpPr>
-        <p:spPr/>
-        <p:txBody>
-          <a:bodyPr/>
-          <a:lstStyle/>
-          <a:p>
-            <a:r>
-              <a:rPr lang="ru-RU" dirty="0" smtClean="0"/>
-              <a:t>Цель проекта была создать робота-логиста, который может передвигаться между назначенными точками и принимать заказы от приложения.</a:t>
-            </a:r>
-            <a:endParaRPr lang="en-US" dirty="0" smtClean="0"/>
-          </a:p>
-          <a:p>
-            <a:r>
-              <a:rPr lang="ru-RU" dirty="0" smtClean="0"/>
-              <a:t>Задачи Проекта:</a:t>
-            </a:r>
-          </a:p>
-          <a:p>
+        <p:spPr>
+          <a:xfrm>
+            <a:off x="684212" y="2133602"/>
+            <a:ext cx="8534400" cy="1639328"/>
+          </a:xfrm>
+        </p:spPr>
+        <p:txBody>
+          <a:bodyPr/>
+          <a:lstStyle/>
+          <a:p>
+            <a:pPr marL="0" indent="0">
+              <a:buNone/>
+            </a:pPr>
             <a:r>
               <a:rPr lang="ru-RU" dirty="0"/>
               <a:t>С</a:t>
             </a:r>
             <a:r>
               <a:rPr lang="ru-RU" dirty="0" smtClean="0"/>
-              <a:t>оздать приложение</a:t>
-            </a:r>
-          </a:p>
-          <a:p>
+              <a:t>оздать робота-логиста, который может передвигаться между назначенными точками</a:t>
+            </a:r>
+            <a:r>
+              <a:rPr lang="en-US" dirty="0" smtClean="0"/>
+              <a:t> </a:t>
+            </a:r>
             <a:r>
               <a:rPr lang="ru-RU" dirty="0" smtClean="0"/>
-              <a:t>Создать программное обеспечение для робота</a:t>
-            </a:r>
-            <a:endParaRPr lang="ru-RU" dirty="0"/>
+              <a:t>и приложение, которое будет осуществлять связь между потребителем и роботом</a:t>
+            </a:r>
+            <a:endParaRPr lang="en-US" dirty="0" smtClean="0"/>
           </a:p>
         </p:txBody>
       </p:sp>
@@ -5519,14 +5545,19 @@
             <p:ph type="title"/>
           </p:nvPr>
         </p:nvSpPr>
-        <p:spPr/>
+        <p:spPr>
+          <a:xfrm>
+            <a:off x="684212" y="685800"/>
+            <a:ext cx="8534400" cy="1507067"/>
+          </a:xfrm>
+        </p:spPr>
         <p:txBody>
           <a:bodyPr/>
           <a:lstStyle/>
           <a:p>
             <a:r>
               <a:rPr lang="ru-RU" dirty="0" smtClean="0"/>
-              <a:t>Приложение</a:t>
+              <a:t>Задачи ПРОЕКТА</a:t>
             </a:r>
             <a:endParaRPr lang="ru-RU" dirty="0"/>
           </a:p>
@@ -5542,7 +5573,222 @@
             <p:ph idx="1"/>
           </p:nvPr>
         </p:nvSpPr>
-        <p:spPr/>
+        <p:spPr>
+          <a:xfrm>
+            <a:off x="684212" y="2133601"/>
+            <a:ext cx="8534400" cy="4324863"/>
+          </a:xfrm>
+        </p:spPr>
+        <p:txBody>
+          <a:bodyPr/>
+          <a:lstStyle/>
+          <a:p>
+            <a:r>
+              <a:rPr lang="ru-RU" dirty="0" smtClean="0"/>
+              <a:t>Написать рабочую программу к </a:t>
+            </a:r>
+            <a:r>
+              <a:rPr lang="ru-RU" dirty="0" smtClean="0"/>
+              <a:t>роботу</a:t>
+            </a:r>
+            <a:r>
+              <a:rPr lang="en-US" dirty="0" smtClean="0"/>
+              <a:t> </a:t>
+            </a:r>
+            <a:r>
+              <a:rPr lang="ru-RU" dirty="0" smtClean="0"/>
+              <a:t>для движения по полигону в виде графа</a:t>
+            </a:r>
+          </a:p>
+          <a:p>
+            <a:r>
+              <a:rPr lang="ru-RU" dirty="0" smtClean="0"/>
+              <a:t>Написать приложение с понятным оформлением </a:t>
+            </a:r>
+            <a:endParaRPr lang="en-US" dirty="0" smtClean="0"/>
+          </a:p>
+          <a:p>
+            <a:r>
+              <a:rPr lang="ru-RU" dirty="0" smtClean="0"/>
+              <a:t>Организовать связь между приложением на компьютере и роботом</a:t>
+            </a:r>
+            <a:endParaRPr lang="ru-RU" dirty="0" smtClean="0"/>
+          </a:p>
+          <a:p>
+            <a:endParaRPr lang="en-US" dirty="0" smtClean="0"/>
+          </a:p>
+        </p:txBody>
+      </p:sp>
+    </p:spTree>
+    <p:extLst>
+      <p:ext uri="{BB962C8B-B14F-4D97-AF65-F5344CB8AC3E}">
+        <p14:creationId xmlns:p14="http://schemas.microsoft.com/office/powerpoint/2010/main" val="199550505"/>
+      </p:ext>
+    </p:extLst>
+  </p:cSld>
+  <p:clrMapOvr>
+    <a:masterClrMapping/>
+  </p:clrMapOvr>
+</p:sld>
+</file>
+
+<file path=ppt/slides/slide4.xml><?xml version="1.0" encoding="utf-8"?>
+<p:sld xmlns:a="http://schemas.openxmlformats.org/drawingml/2006/main" xmlns:r="http://schemas.openxmlformats.org/officeDocument/2006/relationships" xmlns:p="http://schemas.openxmlformats.org/presentationml/2006/main">
+  <p:cSld>
+    <p:spTree>
+      <p:nvGrpSpPr>
+        <p:cNvPr id="1" name=""/>
+        <p:cNvGrpSpPr/>
+        <p:nvPr/>
+      </p:nvGrpSpPr>
+      <p:grpSpPr>
+        <a:xfrm>
+          <a:off x="0" y="0"/>
+          <a:ext cx="0" cy="0"/>
+          <a:chOff x="0" y="0"/>
+          <a:chExt cx="0" cy="0"/>
+        </a:xfrm>
+      </p:grpSpPr>
+      <p:sp>
+        <p:nvSpPr>
+          <p:cNvPr id="2" name="Заголовок 1"/>
+          <p:cNvSpPr>
+            <a:spLocks noGrp="1"/>
+          </p:cNvSpPr>
+          <p:nvPr>
+            <p:ph type="title"/>
+          </p:nvPr>
+        </p:nvSpPr>
+        <p:spPr>
+          <a:xfrm>
+            <a:off x="684212" y="685800"/>
+            <a:ext cx="8534400" cy="1507067"/>
+          </a:xfrm>
+        </p:spPr>
+        <p:txBody>
+          <a:bodyPr/>
+          <a:lstStyle/>
+          <a:p>
+            <a:r>
+              <a:rPr lang="ru-RU" dirty="0" smtClean="0"/>
+              <a:t>РОБОТ</a:t>
+            </a:r>
+            <a:endParaRPr lang="ru-RU" dirty="0"/>
+          </a:p>
+        </p:txBody>
+      </p:sp>
+      <p:sp>
+        <p:nvSpPr>
+          <p:cNvPr id="3" name="Объект 2"/>
+          <p:cNvSpPr>
+            <a:spLocks noGrp="1"/>
+          </p:cNvSpPr>
+          <p:nvPr>
+            <p:ph idx="1"/>
+          </p:nvPr>
+        </p:nvSpPr>
+        <p:spPr>
+          <a:xfrm>
+            <a:off x="684212" y="2133601"/>
+            <a:ext cx="8534400" cy="4324863"/>
+          </a:xfrm>
+        </p:spPr>
+        <p:txBody>
+          <a:bodyPr/>
+          <a:lstStyle/>
+          <a:p>
+            <a:pPr marL="0" indent="0">
+              <a:buNone/>
+            </a:pPr>
+            <a:r>
+              <a:rPr lang="ru-RU" dirty="0" smtClean="0"/>
+              <a:t>Робот собран на фанерной основе, оснащён 2-мя цифровыми датчиками освещённости, 2 моторами для езды. Управление осуществляется через плату </a:t>
+            </a:r>
+            <a:r>
+              <a:rPr lang="en-US" dirty="0" smtClean="0"/>
+              <a:t>Arduino Mega</a:t>
+            </a:r>
+            <a:r>
+              <a:rPr lang="ru-RU" dirty="0" smtClean="0"/>
+              <a:t> и расширитель для платы с драйверами моторов.</a:t>
+            </a:r>
+          </a:p>
+        </p:txBody>
+      </p:sp>
+    </p:spTree>
+    <p:extLst>
+      <p:ext uri="{BB962C8B-B14F-4D97-AF65-F5344CB8AC3E}">
+        <p14:creationId xmlns:p14="http://schemas.microsoft.com/office/powerpoint/2010/main" val="2309966309"/>
+      </p:ext>
+    </p:extLst>
+  </p:cSld>
+  <p:clrMapOvr>
+    <a:masterClrMapping/>
+  </p:clrMapOvr>
+</p:sld>
+</file>
+
+<file path=ppt/slides/slide5.xml><?xml version="1.0" encoding="utf-8"?>
+<p:sld xmlns:a="http://schemas.openxmlformats.org/drawingml/2006/main" xmlns:r="http://schemas.openxmlformats.org/officeDocument/2006/relationships" xmlns:p="http://schemas.openxmlformats.org/presentationml/2006/main">
+  <p:cSld>
+    <p:spTree>
+      <p:nvGrpSpPr>
+        <p:cNvPr id="1" name=""/>
+        <p:cNvGrpSpPr/>
+        <p:nvPr/>
+      </p:nvGrpSpPr>
+      <p:grpSpPr>
+        <a:xfrm>
+          <a:off x="0" y="0"/>
+          <a:ext cx="0" cy="0"/>
+          <a:chOff x="0" y="0"/>
+          <a:chExt cx="0" cy="0"/>
+        </a:xfrm>
+      </p:grpSpPr>
+      <p:sp>
+        <p:nvSpPr>
+          <p:cNvPr id="2" name="Заголовок 1"/>
+          <p:cNvSpPr>
+            <a:spLocks noGrp="1"/>
+          </p:cNvSpPr>
+          <p:nvPr>
+            <p:ph type="title"/>
+          </p:nvPr>
+        </p:nvSpPr>
+        <p:spPr>
+          <a:xfrm>
+            <a:off x="684212" y="685800"/>
+            <a:ext cx="8534400" cy="1507067"/>
+          </a:xfrm>
+        </p:spPr>
+        <p:txBody>
+          <a:bodyPr/>
+          <a:lstStyle/>
+          <a:p>
+            <a:r>
+              <a:rPr lang="ru-RU" dirty="0" smtClean="0"/>
+              <a:t>ПРИЛОЖЕНИЕ</a:t>
+            </a:r>
+            <a:endParaRPr lang="ru-RU" dirty="0"/>
+          </a:p>
+        </p:txBody>
+      </p:sp>
+      <p:sp>
+        <p:nvSpPr>
+          <p:cNvPr id="3" name="Объект 2"/>
+          <p:cNvSpPr>
+            <a:spLocks noGrp="1"/>
+          </p:cNvSpPr>
+          <p:nvPr>
+            <p:ph idx="1"/>
+          </p:nvPr>
+        </p:nvSpPr>
+        <p:spPr>
+          <a:xfrm>
+            <a:off x="684212" y="2133601"/>
+            <a:ext cx="8534400" cy="4324863"/>
+          </a:xfrm>
+        </p:spPr>
         <p:txBody>
           <a:bodyPr/>
           <a:lstStyle/>
@@ -5567,9 +5813,18 @@
               <a:rPr lang="en-US" dirty="0" smtClean="0"/>
               <a:t>. </a:t>
             </a:r>
+            <a:endParaRPr lang="ru-RU" dirty="0" smtClean="0"/>
+          </a:p>
+          <a:p>
             <a:r>
               <a:rPr lang="ru-RU" dirty="0" smtClean="0"/>
-              <a:t>Основное меню позволяет оформить и отправить заказ роботу. Заказы представляют из себя две точки «откуда» и «куда», между которыми робот должен проехать. В приложении также можно отследить очередь заказов и состояние робота. Как только заказ достигает первого места в очереди, и робот в готовом состоянии, заказ отправляется.  </a:t>
+              <a:t>Основное меню позволяет оформить и отправить заказ роботу. </a:t>
+            </a:r>
+          </a:p>
+          <a:p>
+            <a:r>
+              <a:rPr lang="ru-RU" dirty="0" smtClean="0"/>
+              <a:t>Как только заказ достигает первого места в очереди, и робот в готовом состоянии, заказ отправляется.  </a:t>
             </a:r>
             <a:endParaRPr lang="ru-RU" dirty="0"/>
           </a:p>
@@ -5607,7 +5862,121 @@
     </p:spTree>
     <p:extLst>
       <p:ext uri="{BB962C8B-B14F-4D97-AF65-F5344CB8AC3E}">
-        <p14:creationId xmlns:p14="http://schemas.microsoft.com/office/powerpoint/2010/main" val="2109078487"/>
+        <p14:creationId xmlns:p14="http://schemas.microsoft.com/office/powerpoint/2010/main" val="3685596823"/>
+      </p:ext>
+    </p:extLst>
+  </p:cSld>
+  <p:clrMapOvr>
+    <a:masterClrMapping/>
+  </p:clrMapOvr>
+</p:sld>
+</file>
+
+<file path=ppt/slides/slide6.xml><?xml version="1.0" encoding="utf-8"?>
+<p:sld xmlns:a="http://schemas.openxmlformats.org/drawingml/2006/main" xmlns:r="http://schemas.openxmlformats.org/officeDocument/2006/relationships" xmlns:p="http://schemas.openxmlformats.org/presentationml/2006/main">
+  <p:cSld>
+    <p:spTree>
+      <p:nvGrpSpPr>
+        <p:cNvPr id="1" name=""/>
+        <p:cNvGrpSpPr/>
+        <p:nvPr/>
+      </p:nvGrpSpPr>
+      <p:grpSpPr>
+        <a:xfrm>
+          <a:off x="0" y="0"/>
+          <a:ext cx="0" cy="0"/>
+          <a:chOff x="0" y="0"/>
+          <a:chExt cx="0" cy="0"/>
+        </a:xfrm>
+      </p:grpSpPr>
+      <p:sp>
+        <p:nvSpPr>
+          <p:cNvPr id="2" name="Заголовок 1"/>
+          <p:cNvSpPr>
+            <a:spLocks noGrp="1"/>
+          </p:cNvSpPr>
+          <p:nvPr>
+            <p:ph type="title"/>
+          </p:nvPr>
+        </p:nvSpPr>
+        <p:spPr>
+          <a:xfrm>
+            <a:off x="684212" y="685800"/>
+            <a:ext cx="8534400" cy="1507067"/>
+          </a:xfrm>
+        </p:spPr>
+        <p:txBody>
+          <a:bodyPr/>
+          <a:lstStyle/>
+          <a:p>
+            <a:r>
+              <a:rPr lang="ru-RU" dirty="0" smtClean="0"/>
+              <a:t>СВЯЗЬ</a:t>
+            </a:r>
+            <a:endParaRPr lang="ru-RU" dirty="0"/>
+          </a:p>
+        </p:txBody>
+      </p:sp>
+      <p:sp>
+        <p:nvSpPr>
+          <p:cNvPr id="3" name="Объект 2"/>
+          <p:cNvSpPr>
+            <a:spLocks noGrp="1"/>
+          </p:cNvSpPr>
+          <p:nvPr>
+            <p:ph idx="1"/>
+          </p:nvPr>
+        </p:nvSpPr>
+        <p:spPr>
+          <a:xfrm>
+            <a:off x="684212" y="2133601"/>
+            <a:ext cx="8534400" cy="4324863"/>
+          </a:xfrm>
+        </p:spPr>
+        <p:txBody>
+          <a:bodyPr/>
+          <a:lstStyle/>
+          <a:p>
+            <a:pPr marL="0" indent="0">
+              <a:buNone/>
+            </a:pPr>
+            <a:endParaRPr lang="ru-RU" dirty="0"/>
+          </a:p>
+        </p:txBody>
+      </p:sp>
+      <p:pic>
+        <p:nvPicPr>
+          <p:cNvPr id="4" name="Рисунок 3"/>
+          <p:cNvPicPr>
+            <a:picLocks noChangeAspect="1"/>
+          </p:cNvPicPr>
+          <p:nvPr/>
+        </p:nvPicPr>
+        <p:blipFill rotWithShape="1">
+          <a:blip r:embed="rId2" cstate="print">
+            <a:extLst>
+              <a:ext uri="{28A0092B-C50C-407E-A947-70E740481C1C}">
+                <a14:useLocalDpi xmlns:a14="http://schemas.microsoft.com/office/drawing/2010/main" val="0"/>
+              </a:ext>
+            </a:extLst>
+          </a:blip>
+          <a:srcRect t="60993" b="-1"/>
+          <a:stretch/>
+        </p:blipFill>
+        <p:spPr>
+          <a:xfrm>
+            <a:off x="9080176" y="148281"/>
+            <a:ext cx="2642266" cy="6427480"/>
+          </a:xfrm>
+          <a:prstGeom prst="rect">
+            <a:avLst/>
+          </a:prstGeom>
+        </p:spPr>
+      </p:pic>
+    </p:spTree>
+    <p:extLst>
+      <p:ext uri="{BB962C8B-B14F-4D97-AF65-F5344CB8AC3E}">
+        <p14:creationId xmlns:p14="http://schemas.microsoft.com/office/powerpoint/2010/main" val="2619913407"/>
       </p:ext>
     </p:extLst>
   </p:cSld>

--- a/Проект «Робот-логист».pptx
+++ b/Проект «Робот-логист».pptx
@@ -9,8 +9,12 @@
     <p:sldId id="257" r:id="rId3"/>
     <p:sldId id="259" r:id="rId4"/>
     <p:sldId id="260" r:id="rId5"/>
-    <p:sldId id="261" r:id="rId6"/>
-    <p:sldId id="262" r:id="rId7"/>
+    <p:sldId id="266" r:id="rId6"/>
+    <p:sldId id="261" r:id="rId7"/>
+    <p:sldId id="264" r:id="rId8"/>
+    <p:sldId id="265" r:id="rId9"/>
+    <p:sldId id="262" r:id="rId10"/>
+    <p:sldId id="263" r:id="rId11"/>
   </p:sldIdLst>
   <p:sldSz cx="12192000" cy="6858000"/>
   <p:notesSz cx="6858000" cy="9144000"/>
@@ -306,7 +310,7 @@
           <a:p>
             <a:fld id="{289319FC-3B99-49AD-81CA-FE67D43B35DB}" type="datetimeFigureOut">
               <a:rPr lang="ru-RU" smtClean="0"/>
-              <a:t>12.04.2024</a:t>
+              <a:t>16.04.2024</a:t>
             </a:fld>
             <a:endParaRPr lang="ru-RU"/>
           </a:p>
@@ -742,7 +746,7 @@
           <a:p>
             <a:fld id="{289319FC-3B99-49AD-81CA-FE67D43B35DB}" type="datetimeFigureOut">
               <a:rPr lang="ru-RU" smtClean="0"/>
-              <a:t>12.04.2024</a:t>
+              <a:t>16.04.2024</a:t>
             </a:fld>
             <a:endParaRPr lang="ru-RU"/>
           </a:p>
@@ -990,7 +994,7 @@
           <a:p>
             <a:fld id="{289319FC-3B99-49AD-81CA-FE67D43B35DB}" type="datetimeFigureOut">
               <a:rPr lang="ru-RU" smtClean="0"/>
-              <a:t>12.04.2024</a:t>
+              <a:t>16.04.2024</a:t>
             </a:fld>
             <a:endParaRPr lang="ru-RU"/>
           </a:p>
@@ -1296,7 +1300,7 @@
           <a:p>
             <a:fld id="{289319FC-3B99-49AD-81CA-FE67D43B35DB}" type="datetimeFigureOut">
               <a:rPr lang="ru-RU" smtClean="0"/>
-              <a:t>12.04.2024</a:t>
+              <a:t>16.04.2024</a:t>
             </a:fld>
             <a:endParaRPr lang="ru-RU"/>
           </a:p>
@@ -1612,7 +1616,7 @@
           <a:p>
             <a:fld id="{289319FC-3B99-49AD-81CA-FE67D43B35DB}" type="datetimeFigureOut">
               <a:rPr lang="ru-RU" smtClean="0"/>
-              <a:t>12.04.2024</a:t>
+              <a:t>16.04.2024</a:t>
             </a:fld>
             <a:endParaRPr lang="ru-RU"/>
           </a:p>
@@ -1912,7 +1916,7 @@
           <a:p>
             <a:fld id="{289319FC-3B99-49AD-81CA-FE67D43B35DB}" type="datetimeFigureOut">
               <a:rPr lang="ru-RU" smtClean="0"/>
-              <a:t>12.04.2024</a:t>
+              <a:t>16.04.2024</a:t>
             </a:fld>
             <a:endParaRPr lang="ru-RU"/>
           </a:p>
@@ -2277,7 +2281,7 @@
           <a:p>
             <a:fld id="{289319FC-3B99-49AD-81CA-FE67D43B35DB}" type="datetimeFigureOut">
               <a:rPr lang="ru-RU" smtClean="0"/>
-              <a:t>12.04.2024</a:t>
+              <a:t>16.04.2024</a:t>
             </a:fld>
             <a:endParaRPr lang="ru-RU"/>
           </a:p>
@@ -2451,7 +2455,7 @@
           <a:p>
             <a:fld id="{289319FC-3B99-49AD-81CA-FE67D43B35DB}" type="datetimeFigureOut">
               <a:rPr lang="ru-RU" smtClean="0"/>
-              <a:t>12.04.2024</a:t>
+              <a:t>16.04.2024</a:t>
             </a:fld>
             <a:endParaRPr lang="ru-RU"/>
           </a:p>
@@ -2631,7 +2635,7 @@
           <a:p>
             <a:fld id="{289319FC-3B99-49AD-81CA-FE67D43B35DB}" type="datetimeFigureOut">
               <a:rPr lang="ru-RU" smtClean="0"/>
-              <a:t>12.04.2024</a:t>
+              <a:t>16.04.2024</a:t>
             </a:fld>
             <a:endParaRPr lang="ru-RU"/>
           </a:p>
@@ -2801,7 +2805,7 @@
           <a:p>
             <a:fld id="{289319FC-3B99-49AD-81CA-FE67D43B35DB}" type="datetimeFigureOut">
               <a:rPr lang="ru-RU" smtClean="0"/>
-              <a:t>12.04.2024</a:t>
+              <a:t>16.04.2024</a:t>
             </a:fld>
             <a:endParaRPr lang="ru-RU"/>
           </a:p>
@@ -3049,7 +3053,7 @@
           <a:p>
             <a:fld id="{289319FC-3B99-49AD-81CA-FE67D43B35DB}" type="datetimeFigureOut">
               <a:rPr lang="ru-RU" smtClean="0"/>
-              <a:t>12.04.2024</a:t>
+              <a:t>16.04.2024</a:t>
             </a:fld>
             <a:endParaRPr lang="ru-RU"/>
           </a:p>
@@ -3285,7 +3289,7 @@
           <a:p>
             <a:fld id="{289319FC-3B99-49AD-81CA-FE67D43B35DB}" type="datetimeFigureOut">
               <a:rPr lang="ru-RU" smtClean="0"/>
-              <a:t>12.04.2024</a:t>
+              <a:t>16.04.2024</a:t>
             </a:fld>
             <a:endParaRPr lang="ru-RU"/>
           </a:p>
@@ -3667,7 +3671,7 @@
           <a:p>
             <a:fld id="{289319FC-3B99-49AD-81CA-FE67D43B35DB}" type="datetimeFigureOut">
               <a:rPr lang="ru-RU" smtClean="0"/>
-              <a:t>12.04.2024</a:t>
+              <a:t>16.04.2024</a:t>
             </a:fld>
             <a:endParaRPr lang="ru-RU"/>
           </a:p>
@@ -3785,7 +3789,7 @@
           <a:p>
             <a:fld id="{289319FC-3B99-49AD-81CA-FE67D43B35DB}" type="datetimeFigureOut">
               <a:rPr lang="ru-RU" smtClean="0"/>
-              <a:t>12.04.2024</a:t>
+              <a:t>16.04.2024</a:t>
             </a:fld>
             <a:endParaRPr lang="ru-RU"/>
           </a:p>
@@ -3880,7 +3884,7 @@
           <a:p>
             <a:fld id="{289319FC-3B99-49AD-81CA-FE67D43B35DB}" type="datetimeFigureOut">
               <a:rPr lang="ru-RU" smtClean="0"/>
-              <a:t>12.04.2024</a:t>
+              <a:t>16.04.2024</a:t>
             </a:fld>
             <a:endParaRPr lang="ru-RU"/>
           </a:p>
@@ -4135,7 +4139,7 @@
           <a:p>
             <a:fld id="{289319FC-3B99-49AD-81CA-FE67D43B35DB}" type="datetimeFigureOut">
               <a:rPr lang="ru-RU" smtClean="0"/>
-              <a:t>12.04.2024</a:t>
+              <a:t>16.04.2024</a:t>
             </a:fld>
             <a:endParaRPr lang="ru-RU"/>
           </a:p>
@@ -4418,7 +4422,7 @@
           <a:p>
             <a:fld id="{289319FC-3B99-49AD-81CA-FE67D43B35DB}" type="datetimeFigureOut">
               <a:rPr lang="ru-RU" smtClean="0"/>
-              <a:t>12.04.2024</a:t>
+              <a:t>16.04.2024</a:t>
             </a:fld>
             <a:endParaRPr lang="ru-RU"/>
           </a:p>
@@ -4824,7 +4828,7 @@
           <a:p>
             <a:fld id="{289319FC-3B99-49AD-81CA-FE67D43B35DB}" type="datetimeFigureOut">
               <a:rPr lang="ru-RU" smtClean="0"/>
-              <a:t>12.04.2024</a:t>
+              <a:t>16.04.2024</a:t>
             </a:fld>
             <a:endParaRPr lang="ru-RU"/>
           </a:p>
@@ -5414,6 +5418,109 @@
   <p:clrMapOvr>
     <a:masterClrMapping/>
   </p:clrMapOvr>
+  <p:timing>
+    <p:tnLst>
+      <p:par>
+        <p:cTn id="1" dur="indefinite" restart="never" nodeType="tmRoot"/>
+      </p:par>
+    </p:tnLst>
+  </p:timing>
+</p:sld>
+</file>
+
+<file path=ppt/slides/slide10.xml><?xml version="1.0" encoding="utf-8"?>
+<p:sld xmlns:a="http://schemas.openxmlformats.org/drawingml/2006/main" xmlns:r="http://schemas.openxmlformats.org/officeDocument/2006/relationships" xmlns:p="http://schemas.openxmlformats.org/presentationml/2006/main">
+  <p:cSld>
+    <p:spTree>
+      <p:nvGrpSpPr>
+        <p:cNvPr id="1" name=""/>
+        <p:cNvGrpSpPr/>
+        <p:nvPr/>
+      </p:nvGrpSpPr>
+      <p:grpSpPr>
+        <a:xfrm>
+          <a:off x="0" y="0"/>
+          <a:ext cx="0" cy="0"/>
+          <a:chOff x="0" y="0"/>
+          <a:chExt cx="0" cy="0"/>
+        </a:xfrm>
+      </p:grpSpPr>
+      <p:sp>
+        <p:nvSpPr>
+          <p:cNvPr id="2" name="Заголовок 1"/>
+          <p:cNvSpPr>
+            <a:spLocks noGrp="1"/>
+          </p:cNvSpPr>
+          <p:nvPr>
+            <p:ph type="title"/>
+          </p:nvPr>
+        </p:nvSpPr>
+        <p:spPr>
+          <a:xfrm>
+            <a:off x="684212" y="685800"/>
+            <a:ext cx="8534400" cy="1507067"/>
+          </a:xfrm>
+        </p:spPr>
+        <p:txBody>
+          <a:bodyPr/>
+          <a:lstStyle/>
+          <a:p>
+            <a:r>
+              <a:rPr lang="ru-RU" dirty="0" smtClean="0"/>
+              <a:t>Заключение</a:t>
+            </a:r>
+            <a:endParaRPr lang="ru-RU" dirty="0"/>
+          </a:p>
+        </p:txBody>
+      </p:sp>
+      <p:sp>
+        <p:nvSpPr>
+          <p:cNvPr id="3" name="Объект 2"/>
+          <p:cNvSpPr>
+            <a:spLocks noGrp="1"/>
+          </p:cNvSpPr>
+          <p:nvPr>
+            <p:ph idx="1"/>
+          </p:nvPr>
+        </p:nvSpPr>
+        <p:spPr>
+          <a:xfrm>
+            <a:off x="684212" y="2133601"/>
+            <a:ext cx="8534400" cy="4324863"/>
+          </a:xfrm>
+        </p:spPr>
+        <p:txBody>
+          <a:bodyPr/>
+          <a:lstStyle/>
+          <a:p>
+            <a:pPr marL="0" indent="0">
+              <a:buNone/>
+            </a:pPr>
+            <a:r>
+              <a:rPr lang="ru-RU" dirty="0" smtClean="0"/>
+              <a:t>В текущем состоянии наш робот способен выполнять главную задачу, он в состоянии ездить по графу</a:t>
+            </a:r>
+            <a:endParaRPr lang="ru-RU" dirty="0"/>
+          </a:p>
+        </p:txBody>
+      </p:sp>
+    </p:spTree>
+    <p:extLst>
+      <p:ext uri="{BB962C8B-B14F-4D97-AF65-F5344CB8AC3E}">
+        <p14:creationId xmlns:p14="http://schemas.microsoft.com/office/powerpoint/2010/main" val="52305158"/>
+      </p:ext>
+    </p:extLst>
+  </p:cSld>
+  <p:clrMapOvr>
+    <a:masterClrMapping/>
+  </p:clrMapOvr>
+  <p:timing>
+    <p:tnLst>
+      <p:par>
+        <p:cTn id="1" dur="indefinite" restart="never" nodeType="tmRoot"/>
+      </p:par>
+    </p:tnLst>
+  </p:timing>
 </p:sld>
 </file>
 
@@ -5491,7 +5598,15 @@
             </a:r>
             <a:r>
               <a:rPr lang="ru-RU" dirty="0" smtClean="0"/>
-              <a:t>оздать робота-логиста, который может передвигаться между назначенными точками</a:t>
+              <a:t>оздать робота-логиста, который может передвигаться между назначенными </a:t>
+            </a:r>
+            <a:r>
+              <a:rPr lang="ru-RU" dirty="0" smtClean="0"/>
+              <a:t>точкам</a:t>
+            </a:r>
+            <a:r>
+              <a:rPr lang="ru-RU" dirty="0" smtClean="0"/>
+              <a:t>и,</a:t>
             </a:r>
             <a:r>
               <a:rPr lang="en-US" dirty="0" smtClean="0"/>
@@ -5515,6 +5630,13 @@
   <p:clrMapOvr>
     <a:masterClrMapping/>
   </p:clrMapOvr>
+  <p:timing>
+    <p:tnLst>
+      <p:par>
+        <p:cTn id="1" dur="indefinite" restart="never" nodeType="tmRoot"/>
+      </p:par>
+    </p:tnLst>
+  </p:timing>
 </p:sld>
 </file>
 
@@ -5585,11 +5707,7 @@
           <a:p>
             <a:r>
               <a:rPr lang="ru-RU" dirty="0" smtClean="0"/>
-              <a:t>Написать рабочую программу к </a:t>
-            </a:r>
-            <a:r>
-              <a:rPr lang="ru-RU" dirty="0" smtClean="0"/>
-              <a:t>роботу</a:t>
+              <a:t>Написать рабочую программу к роботу</a:t>
             </a:r>
             <a:r>
               <a:rPr lang="en-US" dirty="0" smtClean="0"/>
@@ -5612,7 +5730,6 @@
               <a:rPr lang="ru-RU" dirty="0" smtClean="0"/>
               <a:t>Организовать связь между приложением на компьютере и роботом</a:t>
             </a:r>
-            <a:endParaRPr lang="ru-RU" dirty="0" smtClean="0"/>
           </a:p>
           <a:p>
             <a:endParaRPr lang="en-US" dirty="0" smtClean="0"/>
@@ -5629,6 +5746,13 @@
   <p:clrMapOvr>
     <a:masterClrMapping/>
   </p:clrMapOvr>
+  <p:timing>
+    <p:tnLst>
+      <p:par>
+        <p:cTn id="1" dur="indefinite" restart="never" nodeType="tmRoot"/>
+      </p:par>
+    </p:tnLst>
+  </p:timing>
 </p:sld>
 </file>
 
@@ -5697,12 +5821,55 @@
           <a:bodyPr/>
           <a:lstStyle/>
           <a:p>
-            <a:pPr marL="0" indent="0">
-              <a:buNone/>
-            </a:pPr>
             <a:r>
               <a:rPr lang="ru-RU" dirty="0" smtClean="0"/>
-              <a:t>Робот собран на фанерной основе, оснащён 2-мя цифровыми датчиками освещённости, 2 моторами для езды. Управление осуществляется через плату </a:t>
+              <a:t>Робот собран на фанерной </a:t>
+            </a:r>
+            <a:r>
+              <a:rPr lang="ru-RU" dirty="0" smtClean="0"/>
+              <a:t>основе</a:t>
+            </a:r>
+          </a:p>
+          <a:p>
+            <a:r>
+              <a:rPr lang="ru-RU" dirty="0"/>
+              <a:t>О</a:t>
+            </a:r>
+            <a:r>
+              <a:rPr lang="ru-RU" dirty="0" smtClean="0"/>
+              <a:t>снащён </a:t>
+            </a:r>
+            <a:r>
+              <a:rPr lang="ru-RU" dirty="0" smtClean="0"/>
+              <a:t>2-мя цифровыми датчиками </a:t>
+            </a:r>
+            <a:r>
+              <a:rPr lang="ru-RU" dirty="0" smtClean="0"/>
+              <a:t>освещённости</a:t>
+            </a:r>
+          </a:p>
+          <a:p>
+            <a:r>
+              <a:rPr lang="ru-RU" dirty="0" smtClean="0"/>
+              <a:t>Имеет 2 мотора </a:t>
+            </a:r>
+            <a:r>
+              <a:rPr lang="ru-RU" dirty="0" smtClean="0"/>
+              <a:t>для </a:t>
+            </a:r>
+            <a:r>
+              <a:rPr lang="ru-RU" dirty="0" smtClean="0"/>
+              <a:t>езды </a:t>
+            </a:r>
+          </a:p>
+          <a:p>
+            <a:r>
+              <a:rPr lang="ru-RU" dirty="0" smtClean="0"/>
+              <a:t>Управление </a:t>
+            </a:r>
+            <a:r>
+              <a:rPr lang="ru-RU" dirty="0" smtClean="0"/>
+              <a:t>осуществляется через плату </a:t>
             </a:r>
             <a:r>
               <a:rPr lang="en-US" dirty="0" smtClean="0"/>
@@ -5710,7 +5877,11 @@
             </a:r>
             <a:r>
               <a:rPr lang="ru-RU" dirty="0" smtClean="0"/>
-              <a:t> и расширитель для платы с драйверами моторов.</a:t>
+              <a:t> и расширитель для платы с драйверами моторов</a:t>
+            </a:r>
+            <a:r>
+              <a:rPr lang="ru-RU" dirty="0" smtClean="0"/>
+              <a:t>.</a:t>
             </a:r>
           </a:p>
         </p:txBody>
@@ -5725,6 +5896,13 @@
   <p:clrMapOvr>
     <a:masterClrMapping/>
   </p:clrMapOvr>
+  <p:timing>
+    <p:tnLst>
+      <p:par>
+        <p:cTn id="1" dur="indefinite" restart="never" nodeType="tmRoot"/>
+      </p:par>
+    </p:tnLst>
+  </p:timing>
 </p:sld>
 </file>
 
@@ -5767,7 +5945,7 @@
           <a:p>
             <a:r>
               <a:rPr lang="ru-RU" dirty="0" smtClean="0"/>
-              <a:t>ПРИЛОЖЕНИЕ</a:t>
+              <a:t>РОБОТ</a:t>
             </a:r>
             <a:endParaRPr lang="ru-RU" dirty="0"/>
           </a:p>
@@ -5795,13 +5973,130 @@
           <a:p>
             <a:r>
               <a:rPr lang="ru-RU" dirty="0" smtClean="0"/>
-              <a:t>Приложение было написано на языке </a:t>
+              <a:t>Программа написана на </a:t>
             </a:r>
             <a:r>
               <a:rPr lang="en-US" dirty="0" smtClean="0"/>
               <a:t>C++</a:t>
             </a:r>
             <a:r>
+              <a:rPr lang="ru-RU" dirty="0"/>
+              <a:t> </a:t>
+            </a:r>
+            <a:r>
+              <a:rPr lang="ru-RU" dirty="0" smtClean="0"/>
+              <a:t>и представляет собой конечный автомат</a:t>
+            </a:r>
+          </a:p>
+          <a:p>
+            <a:r>
+              <a:rPr lang="ru-RU" dirty="0" smtClean="0"/>
+              <a:t>Робот постоянно отправляет на компьютер свой статус, который отображается в приложении</a:t>
+            </a:r>
+          </a:p>
+          <a:p>
+            <a:r>
+              <a:rPr lang="ru-RU" dirty="0" smtClean="0"/>
+              <a:t>Движение по линии работает через пропорциональный регулятор (смысла в более продвинутых регуляторах нет из-за достаточно примитивной конструкции)</a:t>
+            </a:r>
+            <a:endParaRPr lang="en-US" dirty="0" smtClean="0"/>
+          </a:p>
+        </p:txBody>
+      </p:sp>
+    </p:spTree>
+    <p:extLst>
+      <p:ext uri="{BB962C8B-B14F-4D97-AF65-F5344CB8AC3E}">
+        <p14:creationId xmlns:p14="http://schemas.microsoft.com/office/powerpoint/2010/main" val="1292651629"/>
+      </p:ext>
+    </p:extLst>
+  </p:cSld>
+  <p:clrMapOvr>
+    <a:masterClrMapping/>
+  </p:clrMapOvr>
+  <p:timing>
+    <p:tnLst>
+      <p:par>
+        <p:cTn id="1" dur="indefinite" restart="never" nodeType="tmRoot"/>
+      </p:par>
+    </p:tnLst>
+  </p:timing>
+</p:sld>
+</file>
+
+<file path=ppt/slides/slide6.xml><?xml version="1.0" encoding="utf-8"?>
+<p:sld xmlns:a="http://schemas.openxmlformats.org/drawingml/2006/main" xmlns:r="http://schemas.openxmlformats.org/officeDocument/2006/relationships" xmlns:p="http://schemas.openxmlformats.org/presentationml/2006/main">
+  <p:cSld>
+    <p:spTree>
+      <p:nvGrpSpPr>
+        <p:cNvPr id="1" name=""/>
+        <p:cNvGrpSpPr/>
+        <p:nvPr/>
+      </p:nvGrpSpPr>
+      <p:grpSpPr>
+        <a:xfrm>
+          <a:off x="0" y="0"/>
+          <a:ext cx="0" cy="0"/>
+          <a:chOff x="0" y="0"/>
+          <a:chExt cx="0" cy="0"/>
+        </a:xfrm>
+      </p:grpSpPr>
+      <p:sp>
+        <p:nvSpPr>
+          <p:cNvPr id="2" name="Заголовок 1"/>
+          <p:cNvSpPr>
+            <a:spLocks noGrp="1"/>
+          </p:cNvSpPr>
+          <p:nvPr>
+            <p:ph type="title"/>
+          </p:nvPr>
+        </p:nvSpPr>
+        <p:spPr>
+          <a:xfrm>
+            <a:off x="684212" y="685800"/>
+            <a:ext cx="8534400" cy="1507067"/>
+          </a:xfrm>
+        </p:spPr>
+        <p:txBody>
+          <a:bodyPr/>
+          <a:lstStyle/>
+          <a:p>
+            <a:r>
+              <a:rPr lang="ru-RU" dirty="0" smtClean="0"/>
+              <a:t>ПРИЛОЖЕНИЕ</a:t>
+            </a:r>
+            <a:endParaRPr lang="ru-RU" dirty="0"/>
+          </a:p>
+        </p:txBody>
+      </p:sp>
+      <p:sp>
+        <p:nvSpPr>
+          <p:cNvPr id="3" name="Объект 2"/>
+          <p:cNvSpPr>
+            <a:spLocks noGrp="1"/>
+          </p:cNvSpPr>
+          <p:nvPr>
+            <p:ph idx="1"/>
+          </p:nvPr>
+        </p:nvSpPr>
+        <p:spPr>
+          <a:xfrm>
+            <a:off x="684212" y="2133601"/>
+            <a:ext cx="8534400" cy="4324863"/>
+          </a:xfrm>
+        </p:spPr>
+        <p:txBody>
+          <a:bodyPr/>
+          <a:lstStyle/>
+          <a:p>
+            <a:r>
+              <a:rPr lang="ru-RU" dirty="0" smtClean="0"/>
+              <a:t>Приложение было написано на языке </a:t>
+            </a:r>
+            <a:r>
+              <a:rPr lang="en-US" dirty="0" smtClean="0"/>
+              <a:t>C++</a:t>
+            </a:r>
+            <a:r>
               <a:rPr lang="ru-RU" dirty="0" smtClean="0"/>
               <a:t>, с помощью библиотеки </a:t>
             </a:r>
@@ -5816,15 +6111,42 @@
             <a:endParaRPr lang="ru-RU" dirty="0" smtClean="0"/>
           </a:p>
           <a:p>
+            <a:endParaRPr lang="ru-RU" dirty="0" smtClean="0"/>
+          </a:p>
+          <a:p>
             <a:r>
               <a:rPr lang="ru-RU" dirty="0" smtClean="0"/>
               <a:t>Основное меню позволяет оформить и отправить заказ роботу. </a:t>
             </a:r>
+            <a:endParaRPr lang="ru-RU" dirty="0" smtClean="0"/>
+          </a:p>
+          <a:p>
+            <a:endParaRPr lang="ru-RU" dirty="0" smtClean="0"/>
           </a:p>
           <a:p>
             <a:r>
               <a:rPr lang="ru-RU" dirty="0" smtClean="0"/>
-              <a:t>Как только заказ достигает первого места в очереди, и робот в готовом состоянии, заказ отправляется.  </a:t>
+              <a:t>Как только заказ достигает первого места в очереди, и робот </a:t>
+            </a:r>
+            <a:r>
+              <a:rPr lang="ru-RU" dirty="0" smtClean="0"/>
+              <a:t>состоянии</a:t>
+            </a:r>
+            <a:r>
+              <a:rPr lang="en-US" dirty="0"/>
+              <a:t> </a:t>
+            </a:r>
+            <a:r>
+              <a:rPr lang="ru-RU" dirty="0" smtClean="0"/>
+              <a:t>его принять</a:t>
+            </a:r>
+            <a:r>
+              <a:rPr lang="ru-RU" dirty="0" smtClean="0"/>
+              <a:t>, </a:t>
+            </a:r>
+            <a:r>
+              <a:rPr lang="ru-RU" dirty="0" smtClean="0"/>
+              <a:t>заказ отправляется.  </a:t>
             </a:r>
             <a:endParaRPr lang="ru-RU" dirty="0"/>
           </a:p>
@@ -5869,10 +6191,17 @@
   <p:clrMapOvr>
     <a:masterClrMapping/>
   </p:clrMapOvr>
+  <p:timing>
+    <p:tnLst>
+      <p:par>
+        <p:cTn id="1" dur="indefinite" restart="never" nodeType="tmRoot"/>
+      </p:par>
+    </p:tnLst>
+  </p:timing>
 </p:sld>
 </file>
 
-<file path=ppt/slides/slide6.xml><?xml version="1.0" encoding="utf-8"?>
+<file path=ppt/slides/slide7.xml><?xml version="1.0" encoding="utf-8"?>
 <p:sld xmlns:a="http://schemas.openxmlformats.org/drawingml/2006/main" xmlns:r="http://schemas.openxmlformats.org/officeDocument/2006/relationships" xmlns:p="http://schemas.openxmlformats.org/presentationml/2006/main">
   <p:cSld>
     <p:spTree>
@@ -5901,6 +6230,407 @@
         </p:nvSpPr>
         <p:spPr>
           <a:xfrm>
+            <a:off x="684212" y="59724"/>
+            <a:ext cx="8534400" cy="1507067"/>
+          </a:xfrm>
+        </p:spPr>
+        <p:txBody>
+          <a:bodyPr/>
+          <a:lstStyle/>
+          <a:p>
+            <a:r>
+              <a:rPr lang="ru-RU" dirty="0" smtClean="0"/>
+              <a:t>Разделение приложения</a:t>
+            </a:r>
+            <a:endParaRPr lang="ru-RU" dirty="0"/>
+          </a:p>
+        </p:txBody>
+      </p:sp>
+      <p:sp>
+        <p:nvSpPr>
+          <p:cNvPr id="3" name="Объект 2"/>
+          <p:cNvSpPr>
+            <a:spLocks noGrp="1"/>
+          </p:cNvSpPr>
+          <p:nvPr>
+            <p:ph idx="1"/>
+          </p:nvPr>
+        </p:nvSpPr>
+        <p:spPr>
+          <a:xfrm>
+            <a:off x="684212" y="1474574"/>
+            <a:ext cx="11178274" cy="4728518"/>
+          </a:xfrm>
+        </p:spPr>
+        <p:txBody>
+          <a:bodyPr/>
+          <a:lstStyle/>
+          <a:p>
+            <a:pPr marL="457200" indent="-457200">
+              <a:buFont typeface="+mj-lt"/>
+              <a:buAutoNum type="arabicPeriod"/>
+            </a:pPr>
+            <a:r>
+              <a:rPr lang="en-US" dirty="0" smtClean="0"/>
+              <a:t>SRC</a:t>
+            </a:r>
+            <a:r>
+              <a:rPr lang="ru-RU" dirty="0" smtClean="0"/>
+              <a:t> (ядро программы)</a:t>
+            </a:r>
+            <a:endParaRPr lang="en-US" dirty="0" smtClean="0"/>
+          </a:p>
+          <a:p>
+            <a:pPr marL="914400" lvl="1" indent="-457200">
+              <a:buFont typeface="+mj-lt"/>
+              <a:buAutoNum type="arabicPeriod"/>
+            </a:pPr>
+            <a:r>
+              <a:rPr lang="en-US" dirty="0" smtClean="0"/>
+              <a:t>Main (</a:t>
+            </a:r>
+            <a:r>
+              <a:rPr lang="ru-RU" dirty="0" smtClean="0"/>
+              <a:t>основной файл)</a:t>
+            </a:r>
+            <a:endParaRPr lang="en-US" dirty="0" smtClean="0"/>
+          </a:p>
+          <a:p>
+            <a:pPr marL="914400" lvl="1" indent="-457200">
+              <a:buFont typeface="+mj-lt"/>
+              <a:buAutoNum type="arabicPeriod"/>
+            </a:pPr>
+            <a:r>
+              <a:rPr lang="en-US" dirty="0" smtClean="0"/>
+              <a:t>App</a:t>
+            </a:r>
+            <a:r>
+              <a:rPr lang="ru-RU" dirty="0" smtClean="0"/>
+              <a:t> (логика и </a:t>
+            </a:r>
+            <a:r>
+              <a:rPr lang="ru-RU" dirty="0" err="1" smtClean="0"/>
+              <a:t>отрисовка</a:t>
+            </a:r>
+            <a:r>
+              <a:rPr lang="ru-RU" dirty="0" smtClean="0"/>
+              <a:t> приложения)</a:t>
+            </a:r>
+            <a:endParaRPr lang="en-US" dirty="0" smtClean="0"/>
+          </a:p>
+          <a:p>
+            <a:pPr marL="457200" indent="-457200">
+              <a:buFont typeface="+mj-lt"/>
+              <a:buAutoNum type="arabicPeriod"/>
+            </a:pPr>
+            <a:r>
+              <a:rPr lang="en-US" dirty="0" smtClean="0"/>
+              <a:t>Classes</a:t>
+            </a:r>
+            <a:r>
+              <a:rPr lang="ru-RU" dirty="0" smtClean="0"/>
+              <a:t> (классы)</a:t>
+            </a:r>
+            <a:endParaRPr lang="en-US" dirty="0" smtClean="0"/>
+          </a:p>
+          <a:p>
+            <a:pPr marL="914400" lvl="1" indent="-457200">
+              <a:buFont typeface="+mj-lt"/>
+              <a:buAutoNum type="arabicPeriod"/>
+            </a:pPr>
+            <a:r>
+              <a:rPr lang="en-US" dirty="0" smtClean="0"/>
+              <a:t>Button</a:t>
+            </a:r>
+            <a:r>
+              <a:rPr lang="ru-RU" dirty="0" smtClean="0"/>
+              <a:t> (одиночная кнопка без текстур)</a:t>
+            </a:r>
+            <a:endParaRPr lang="en-US" dirty="0" smtClean="0"/>
+          </a:p>
+          <a:p>
+            <a:pPr marL="914400" lvl="1" indent="-457200">
+              <a:buFont typeface="+mj-lt"/>
+              <a:buAutoNum type="arabicPeriod"/>
+            </a:pPr>
+            <a:r>
+              <a:rPr lang="en-US" dirty="0" smtClean="0"/>
+              <a:t>Graf</a:t>
+            </a:r>
+            <a:r>
+              <a:rPr lang="ru-RU" dirty="0" smtClean="0"/>
+              <a:t> (описание графа, по которому ездит робот)</a:t>
+            </a:r>
+            <a:endParaRPr lang="en-US" dirty="0" smtClean="0"/>
+          </a:p>
+          <a:p>
+            <a:pPr marL="914400" lvl="1" indent="-457200">
+              <a:buFont typeface="+mj-lt"/>
+              <a:buAutoNum type="arabicPeriod"/>
+            </a:pPr>
+            <a:r>
+              <a:rPr lang="en-US" dirty="0" smtClean="0"/>
+              <a:t>Queue</a:t>
+            </a:r>
+            <a:r>
+              <a:rPr lang="ru-RU" dirty="0" smtClean="0"/>
+              <a:t> (очередь, отправка запроса)</a:t>
+            </a:r>
+            <a:endParaRPr lang="en-US" dirty="0" smtClean="0"/>
+          </a:p>
+          <a:p>
+            <a:pPr marL="914400" lvl="1" indent="-457200">
+              <a:buFont typeface="+mj-lt"/>
+              <a:buAutoNum type="arabicPeriod"/>
+            </a:pPr>
+            <a:r>
+              <a:rPr lang="en-US" dirty="0" err="1" smtClean="0"/>
+              <a:t>RadioButton</a:t>
+            </a:r>
+            <a:r>
+              <a:rPr lang="ru-RU" dirty="0" smtClean="0"/>
+              <a:t> (кнопка в составе группы, которая может быть активна)</a:t>
+            </a:r>
+            <a:endParaRPr lang="en-US" dirty="0" smtClean="0"/>
+          </a:p>
+          <a:p>
+            <a:pPr marL="914400" lvl="1" indent="-457200">
+              <a:buFont typeface="+mj-lt"/>
+              <a:buAutoNum type="arabicPeriod"/>
+            </a:pPr>
+            <a:r>
+              <a:rPr lang="en-US" dirty="0" err="1" smtClean="0"/>
+              <a:t>RadioButtonControl</a:t>
+            </a:r>
+            <a:r>
+              <a:rPr lang="ru-RU" dirty="0" smtClean="0"/>
+              <a:t> (управление группой радиокнопок)</a:t>
+            </a:r>
+            <a:endParaRPr lang="en-US" dirty="0" smtClean="0"/>
+          </a:p>
+          <a:p>
+            <a:pPr marL="914400" lvl="1" indent="-457200">
+              <a:buFont typeface="+mj-lt"/>
+              <a:buAutoNum type="arabicPeriod"/>
+            </a:pPr>
+            <a:r>
+              <a:rPr lang="en-US" dirty="0" smtClean="0"/>
+              <a:t>Request</a:t>
+            </a:r>
+            <a:r>
+              <a:rPr lang="ru-RU" dirty="0" smtClean="0"/>
+              <a:t> (заявка, определение пути и создание алгоритма)</a:t>
+            </a:r>
+            <a:endParaRPr lang="en-US" dirty="0" smtClean="0"/>
+          </a:p>
+          <a:p>
+            <a:pPr marL="914400" lvl="1" indent="-457200">
+              <a:buFont typeface="+mj-lt"/>
+              <a:buAutoNum type="arabicPeriod"/>
+            </a:pPr>
+            <a:r>
+              <a:rPr lang="en-US" dirty="0" err="1" smtClean="0"/>
+              <a:t>Texturebutton</a:t>
+            </a:r>
+            <a:r>
+              <a:rPr lang="ru-RU" dirty="0" smtClean="0"/>
+              <a:t> (кнопка с текстурой)</a:t>
+            </a:r>
+            <a:endParaRPr lang="en-US" dirty="0" smtClean="0"/>
+          </a:p>
+        </p:txBody>
+      </p:sp>
+    </p:spTree>
+    <p:extLst>
+      <p:ext uri="{BB962C8B-B14F-4D97-AF65-F5344CB8AC3E}">
+        <p14:creationId xmlns:p14="http://schemas.microsoft.com/office/powerpoint/2010/main" val="1137705815"/>
+      </p:ext>
+    </p:extLst>
+  </p:cSld>
+  <p:clrMapOvr>
+    <a:masterClrMapping/>
+  </p:clrMapOvr>
+  <p:timing>
+    <p:tnLst>
+      <p:par>
+        <p:cTn id="1" dur="indefinite" restart="never" nodeType="tmRoot"/>
+      </p:par>
+    </p:tnLst>
+  </p:timing>
+</p:sld>
+</file>
+
+<file path=ppt/slides/slide8.xml><?xml version="1.0" encoding="utf-8"?>
+<p:sld xmlns:a="http://schemas.openxmlformats.org/drawingml/2006/main" xmlns:r="http://schemas.openxmlformats.org/officeDocument/2006/relationships" xmlns:p="http://schemas.openxmlformats.org/presentationml/2006/main">
+  <p:cSld>
+    <p:spTree>
+      <p:nvGrpSpPr>
+        <p:cNvPr id="1" name=""/>
+        <p:cNvGrpSpPr/>
+        <p:nvPr/>
+      </p:nvGrpSpPr>
+      <p:grpSpPr>
+        <a:xfrm>
+          <a:off x="0" y="0"/>
+          <a:ext cx="0" cy="0"/>
+          <a:chOff x="0" y="0"/>
+          <a:chExt cx="0" cy="0"/>
+        </a:xfrm>
+      </p:grpSpPr>
+      <p:sp>
+        <p:nvSpPr>
+          <p:cNvPr id="2" name="Заголовок 1"/>
+          <p:cNvSpPr>
+            <a:spLocks noGrp="1"/>
+          </p:cNvSpPr>
+          <p:nvPr>
+            <p:ph type="title"/>
+          </p:nvPr>
+        </p:nvSpPr>
+        <p:spPr>
+          <a:xfrm>
+            <a:off x="684212" y="59724"/>
+            <a:ext cx="8534400" cy="1507067"/>
+          </a:xfrm>
+        </p:spPr>
+        <p:txBody>
+          <a:bodyPr/>
+          <a:lstStyle/>
+          <a:p>
+            <a:r>
+              <a:rPr lang="ru-RU" dirty="0" smtClean="0"/>
+              <a:t>Заявка</a:t>
+            </a:r>
+          </a:p>
+        </p:txBody>
+      </p:sp>
+      <p:sp>
+        <p:nvSpPr>
+          <p:cNvPr id="3" name="Объект 2"/>
+          <p:cNvSpPr>
+            <a:spLocks noGrp="1"/>
+          </p:cNvSpPr>
+          <p:nvPr>
+            <p:ph idx="1"/>
+          </p:nvPr>
+        </p:nvSpPr>
+        <p:spPr>
+          <a:xfrm>
+            <a:off x="684212" y="1474574"/>
+            <a:ext cx="11178274" cy="4728518"/>
+          </a:xfrm>
+        </p:spPr>
+        <p:txBody>
+          <a:bodyPr/>
+          <a:lstStyle/>
+          <a:p>
+            <a:pPr marL="457200" indent="-457200">
+              <a:buFont typeface="+mj-lt"/>
+              <a:buAutoNum type="arabicPeriod"/>
+            </a:pPr>
+            <a:r>
+              <a:rPr lang="ru-RU" dirty="0" smtClean="0"/>
+              <a:t>Заявка формируется на основе двух входных данных, «откуда» и «куда»</a:t>
+            </a:r>
+          </a:p>
+          <a:p>
+            <a:pPr marL="457200" indent="-457200">
+              <a:buFont typeface="+mj-lt"/>
+              <a:buAutoNum type="arabicPeriod"/>
+            </a:pPr>
+            <a:endParaRPr lang="ru-RU" dirty="0" smtClean="0"/>
+          </a:p>
+          <a:p>
+            <a:pPr marL="457200" indent="-457200">
+              <a:buFont typeface="+mj-lt"/>
+              <a:buAutoNum type="arabicPeriod"/>
+            </a:pPr>
+            <a:r>
+              <a:rPr lang="ru-RU" dirty="0" smtClean="0"/>
+              <a:t>Поиск кратчайшего пути осуществляется по алгоритму </a:t>
+            </a:r>
+            <a:r>
+              <a:rPr lang="ru-RU" dirty="0" err="1"/>
+              <a:t>Д</a:t>
+            </a:r>
+            <a:r>
+              <a:rPr lang="ru-RU" dirty="0" err="1" smtClean="0"/>
+              <a:t>ейкстры</a:t>
+            </a:r>
+            <a:r>
+              <a:rPr lang="ru-RU" dirty="0" smtClean="0"/>
+              <a:t>.</a:t>
+            </a:r>
+          </a:p>
+          <a:p>
+            <a:pPr marL="457200" indent="-457200">
+              <a:buFont typeface="+mj-lt"/>
+              <a:buAutoNum type="arabicPeriod"/>
+            </a:pPr>
+            <a:endParaRPr lang="ru-RU" dirty="0" smtClean="0"/>
+          </a:p>
+          <a:p>
+            <a:pPr marL="457200" indent="-457200">
+              <a:buFont typeface="+mj-lt"/>
+              <a:buAutoNum type="arabicPeriod"/>
+            </a:pPr>
+            <a:r>
+              <a:rPr lang="ru-RU" dirty="0" smtClean="0"/>
+              <a:t>Конвертация из пути в алгоритм</a:t>
+            </a:r>
+            <a:endParaRPr lang="en-US" dirty="0" smtClean="0"/>
+          </a:p>
+        </p:txBody>
+      </p:sp>
+    </p:spTree>
+    <p:extLst>
+      <p:ext uri="{BB962C8B-B14F-4D97-AF65-F5344CB8AC3E}">
+        <p14:creationId xmlns:p14="http://schemas.microsoft.com/office/powerpoint/2010/main" val="470562920"/>
+      </p:ext>
+    </p:extLst>
+  </p:cSld>
+  <p:clrMapOvr>
+    <a:masterClrMapping/>
+  </p:clrMapOvr>
+  <p:timing>
+    <p:tnLst>
+      <p:par>
+        <p:cTn id="1" dur="indefinite" restart="never" nodeType="tmRoot"/>
+      </p:par>
+    </p:tnLst>
+  </p:timing>
+</p:sld>
+</file>
+
+<file path=ppt/slides/slide9.xml><?xml version="1.0" encoding="utf-8"?>
+<p:sld xmlns:a="http://schemas.openxmlformats.org/drawingml/2006/main" xmlns:r="http://schemas.openxmlformats.org/officeDocument/2006/relationships" xmlns:p="http://schemas.openxmlformats.org/presentationml/2006/main">
+  <p:cSld>
+    <p:spTree>
+      <p:nvGrpSpPr>
+        <p:cNvPr id="1" name=""/>
+        <p:cNvGrpSpPr/>
+        <p:nvPr/>
+      </p:nvGrpSpPr>
+      <p:grpSpPr>
+        <a:xfrm>
+          <a:off x="0" y="0"/>
+          <a:ext cx="0" cy="0"/>
+          <a:chOff x="0" y="0"/>
+          <a:chExt cx="0" cy="0"/>
+        </a:xfrm>
+      </p:grpSpPr>
+      <p:sp>
+        <p:nvSpPr>
+          <p:cNvPr id="2" name="Заголовок 1"/>
+          <p:cNvSpPr>
+            <a:spLocks noGrp="1"/>
+          </p:cNvSpPr>
+          <p:nvPr>
+            <p:ph type="title"/>
+          </p:nvPr>
+        </p:nvSpPr>
+        <p:spPr>
+          <a:xfrm>
             <a:off x="684212" y="685800"/>
             <a:ext cx="8534400" cy="1507067"/>
           </a:xfrm>
@@ -5929,8 +6659,8 @@
         </p:nvSpPr>
         <p:spPr>
           <a:xfrm>
-            <a:off x="684212" y="2133601"/>
-            <a:ext cx="8534400" cy="4324863"/>
+            <a:off x="684212" y="1705233"/>
+            <a:ext cx="8534400" cy="4753232"/>
           </a:xfrm>
         </p:spPr>
         <p:txBody>
@@ -5940,39 +6670,66 @@
             <a:pPr marL="0" indent="0">
               <a:buNone/>
             </a:pPr>
-            <a:endParaRPr lang="ru-RU" dirty="0"/>
-          </a:p>
-        </p:txBody>
-      </p:sp>
-      <p:pic>
-        <p:nvPicPr>
-          <p:cNvPr id="4" name="Рисунок 3"/>
-          <p:cNvPicPr>
-            <a:picLocks noChangeAspect="1"/>
-          </p:cNvPicPr>
-          <p:nvPr/>
-        </p:nvPicPr>
-        <p:blipFill rotWithShape="1">
-          <a:blip r:embed="rId2" cstate="print">
-            <a:extLst>
-              <a:ext uri="{28A0092B-C50C-407E-A947-70E740481C1C}">
-                <a14:useLocalDpi xmlns:a14="http://schemas.microsoft.com/office/drawing/2010/main" val="0"/>
-              </a:ext>
-            </a:extLst>
-          </a:blip>
-          <a:srcRect t="60993" b="-1"/>
-          <a:stretch/>
-        </p:blipFill>
-        <p:spPr>
-          <a:xfrm>
-            <a:off x="9080176" y="148281"/>
-            <a:ext cx="2642266" cy="6427480"/>
-          </a:xfrm>
-          <a:prstGeom prst="rect">
-            <a:avLst/>
-          </a:prstGeom>
-        </p:spPr>
-      </p:pic>
+            <a:r>
+              <a:rPr lang="ru-RU" dirty="0" smtClean="0"/>
+              <a:t>Связь осуществляется череп </a:t>
+            </a:r>
+            <a:r>
+              <a:rPr lang="ru-RU" dirty="0" err="1" smtClean="0"/>
+              <a:t>радиомодуль</a:t>
+            </a:r>
+            <a:r>
+              <a:rPr lang="ru-RU" dirty="0" smtClean="0"/>
+              <a:t>, подключённый к компьютеру и роботу. Данные о заказе преобразуются в готовый алгоритм, который приходит на робота.</a:t>
+            </a:r>
+          </a:p>
+          <a:p>
+            <a:pPr marL="0" indent="0">
+              <a:buNone/>
+            </a:pPr>
+            <a:r>
+              <a:rPr lang="ru-RU" dirty="0" smtClean="0"/>
+              <a:t>Все действия робота это всего лишь проезд до следующей клетки, поворот до следующей линии направо и налево, поэтому приложение шифрует весь алгоритм до последовательности цифр, пример: «13142133».</a:t>
+            </a:r>
+          </a:p>
+          <a:p>
+            <a:pPr marL="0" indent="0">
+              <a:buNone/>
+            </a:pPr>
+            <a:r>
+              <a:rPr lang="ru-RU" dirty="0" smtClean="0"/>
+              <a:t>«1» – проезд до следующей клетки</a:t>
+            </a:r>
+          </a:p>
+          <a:p>
+            <a:pPr marL="0" indent="0">
+              <a:buNone/>
+            </a:pPr>
+            <a:r>
+              <a:rPr lang="ru-RU" dirty="0" smtClean="0"/>
+              <a:t>«2» - поворот до линии направо</a:t>
+            </a:r>
+          </a:p>
+          <a:p>
+            <a:pPr marL="0" indent="0">
+              <a:buNone/>
+            </a:pPr>
+            <a:r>
+              <a:rPr lang="ru-RU" dirty="0" smtClean="0"/>
+              <a:t>«3» – поворот до линии налево</a:t>
+            </a:r>
+          </a:p>
+          <a:p>
+            <a:pPr marL="0" indent="0">
+              <a:buNone/>
+            </a:pPr>
+            <a:r>
+              <a:rPr lang="ru-RU" dirty="0" smtClean="0"/>
+              <a:t>«4» - разделитель алгоритма на до начальной клетки и после</a:t>
+            </a:r>
+          </a:p>
+        </p:txBody>
+      </p:sp>
     </p:spTree>
     <p:extLst>
       <p:ext uri="{BB962C8B-B14F-4D97-AF65-F5344CB8AC3E}">
@@ -5983,6 +6740,13 @@
   <p:clrMapOvr>
     <a:masterClrMapping/>
   </p:clrMapOvr>
+  <p:timing>
+    <p:tnLst>
+      <p:par>
+        <p:cTn id="1" dur="indefinite" restart="never" nodeType="tmRoot"/>
+      </p:par>
+    </p:tnLst>
+  </p:timing>
 </p:sld>
 </file>
 

--- a/Проект «Робот-логист».pptx
+++ b/Проект «Робот-логист».pptx
@@ -163,7 +163,7 @@
           </a:lstStyle>
           <a:p>
             <a:r>
-              <a:rPr lang="ru-RU" smtClean="0"/>
+              <a:rPr lang="ru-RU"/>
               <a:t>Образец заголовка</a:t>
             </a:r>
             <a:endParaRPr lang="en-US" dirty="0"/>
@@ -282,7 +282,7 @@
           </a:lstStyle>
           <a:p>
             <a:r>
-              <a:rPr lang="ru-RU" smtClean="0"/>
+              <a:rPr lang="ru-RU"/>
               <a:t>Образец подзаголовка</a:t>
             </a:r>
             <a:endParaRPr lang="en-US" dirty="0"/>
@@ -306,7 +306,7 @@
           <a:p>
             <a:fld id="{289319FC-3B99-49AD-81CA-FE67D43B35DB}" type="datetimeFigureOut">
               <a:rPr lang="ru-RU" smtClean="0"/>
-              <a:t>12.04.2024</a:t>
+              <a:t>19.04.2024</a:t>
             </a:fld>
             <a:endParaRPr lang="ru-RU"/>
           </a:p>
@@ -575,7 +575,7 @@
           <a:lstStyle/>
           <a:p>
             <a:r>
-              <a:rPr lang="ru-RU" smtClean="0"/>
+              <a:rPr lang="ru-RU"/>
               <a:t>Образец заголовка</a:t>
             </a:r>
             <a:endParaRPr lang="en-US" dirty="0"/>
@@ -662,7 +662,7 @@
           </a:lstStyle>
           <a:p>
             <a:r>
-              <a:rPr lang="ru-RU" smtClean="0"/>
+              <a:rPr lang="ru-RU"/>
               <a:t>Вставка рисунка</a:t>
             </a:r>
             <a:endParaRPr lang="en-US" dirty="0"/>
@@ -719,7 +719,7 @@
           <a:p>
             <a:pPr lvl="0"/>
             <a:r>
-              <a:rPr lang="ru-RU" smtClean="0"/>
+              <a:rPr lang="ru-RU"/>
               <a:t>Образец текста</a:t>
             </a:r>
           </a:p>
@@ -742,7 +742,7 @@
           <a:p>
             <a:fld id="{289319FC-3B99-49AD-81CA-FE67D43B35DB}" type="datetimeFigureOut">
               <a:rPr lang="ru-RU" smtClean="0"/>
-              <a:t>12.04.2024</a:t>
+              <a:t>19.04.2024</a:t>
             </a:fld>
             <a:endParaRPr lang="ru-RU"/>
           </a:p>
@@ -847,7 +847,7 @@
           </a:lstStyle>
           <a:p>
             <a:r>
-              <a:rPr lang="ru-RU" smtClean="0"/>
+              <a:rPr lang="ru-RU"/>
               <a:t>Образец заголовка</a:t>
             </a:r>
             <a:endParaRPr lang="en-US" dirty="0"/>
@@ -967,7 +967,7 @@
           <a:p>
             <a:pPr lvl="0"/>
             <a:r>
-              <a:rPr lang="ru-RU" smtClean="0"/>
+              <a:rPr lang="ru-RU"/>
               <a:t>Образец текста</a:t>
             </a:r>
           </a:p>
@@ -990,7 +990,7 @@
           <a:p>
             <a:fld id="{289319FC-3B99-49AD-81CA-FE67D43B35DB}" type="datetimeFigureOut">
               <a:rPr lang="ru-RU" smtClean="0"/>
-              <a:t>12.04.2024</a:t>
+              <a:t>19.04.2024</a:t>
             </a:fld>
             <a:endParaRPr lang="ru-RU"/>
           </a:p>
@@ -1099,7 +1099,7 @@
           </a:lstStyle>
           <a:p>
             <a:r>
-              <a:rPr lang="ru-RU" smtClean="0"/>
+              <a:rPr lang="ru-RU"/>
               <a:t>Образец заголовка</a:t>
             </a:r>
             <a:endParaRPr lang="en-US" dirty="0"/>
@@ -1154,7 +1154,7 @@
           <a:p>
             <a:pPr lvl="0"/>
             <a:r>
-              <a:rPr lang="ru-RU" smtClean="0"/>
+              <a:rPr lang="ru-RU"/>
               <a:t>Образец текста</a:t>
             </a:r>
           </a:p>
@@ -1273,7 +1273,7 @@
           <a:p>
             <a:pPr lvl="0"/>
             <a:r>
-              <a:rPr lang="ru-RU" smtClean="0"/>
+              <a:rPr lang="ru-RU"/>
               <a:t>Образец текста</a:t>
             </a:r>
           </a:p>
@@ -1296,7 +1296,7 @@
           <a:p>
             <a:fld id="{289319FC-3B99-49AD-81CA-FE67D43B35DB}" type="datetimeFigureOut">
               <a:rPr lang="ru-RU" smtClean="0"/>
-              <a:t>12.04.2024</a:t>
+              <a:t>19.04.2024</a:t>
             </a:fld>
             <a:endParaRPr lang="ru-RU"/>
           </a:p>
@@ -1469,7 +1469,7 @@
           </a:lstStyle>
           <a:p>
             <a:r>
-              <a:rPr lang="ru-RU" smtClean="0"/>
+              <a:rPr lang="ru-RU"/>
               <a:t>Образец заголовка</a:t>
             </a:r>
             <a:endParaRPr lang="en-US" dirty="0"/>
@@ -1589,7 +1589,7 @@
           <a:p>
             <a:pPr lvl="0"/>
             <a:r>
-              <a:rPr lang="ru-RU" smtClean="0"/>
+              <a:rPr lang="ru-RU"/>
               <a:t>Образец текста</a:t>
             </a:r>
           </a:p>
@@ -1612,7 +1612,7 @@
           <a:p>
             <a:fld id="{289319FC-3B99-49AD-81CA-FE67D43B35DB}" type="datetimeFigureOut">
               <a:rPr lang="ru-RU" smtClean="0"/>
-              <a:t>12.04.2024</a:t>
+              <a:t>19.04.2024</a:t>
             </a:fld>
             <a:endParaRPr lang="ru-RU"/>
           </a:p>
@@ -1721,7 +1721,7 @@
           </a:lstStyle>
           <a:p>
             <a:r>
-              <a:rPr lang="ru-RU" smtClean="0"/>
+              <a:rPr lang="ru-RU"/>
               <a:t>Образец заголовка</a:t>
             </a:r>
             <a:endParaRPr lang="en-US" dirty="0"/>
@@ -1770,7 +1770,7 @@
               <a:buNone/>
             </a:pPr>
             <a:r>
-              <a:rPr lang="ru-RU" smtClean="0"/>
+              <a:rPr lang="ru-RU"/>
               <a:t>Образец текста</a:t>
             </a:r>
           </a:p>
@@ -1889,7 +1889,7 @@
           <a:p>
             <a:pPr lvl="0"/>
             <a:r>
-              <a:rPr lang="ru-RU" smtClean="0"/>
+              <a:rPr lang="ru-RU"/>
               <a:t>Образец текста</a:t>
             </a:r>
           </a:p>
@@ -1912,7 +1912,7 @@
           <a:p>
             <a:fld id="{289319FC-3B99-49AD-81CA-FE67D43B35DB}" type="datetimeFigureOut">
               <a:rPr lang="ru-RU" smtClean="0"/>
-              <a:t>12.04.2024</a:t>
+              <a:t>19.04.2024</a:t>
             </a:fld>
             <a:endParaRPr lang="ru-RU"/>
           </a:p>
@@ -2086,7 +2086,7 @@
           <a:p>
             <a:pPr marL="0" lvl="0"/>
             <a:r>
-              <a:rPr lang="ru-RU" smtClean="0"/>
+              <a:rPr lang="ru-RU"/>
               <a:t>Образец заголовка</a:t>
             </a:r>
             <a:endParaRPr lang="en-US" dirty="0"/>
@@ -2135,7 +2135,7 @@
               <a:buNone/>
             </a:pPr>
             <a:r>
-              <a:rPr lang="ru-RU" smtClean="0"/>
+              <a:rPr lang="ru-RU"/>
               <a:t>Образец текста</a:t>
             </a:r>
           </a:p>
@@ -2254,7 +2254,7 @@
           <a:p>
             <a:pPr lvl="0"/>
             <a:r>
-              <a:rPr lang="ru-RU" smtClean="0"/>
+              <a:rPr lang="ru-RU"/>
               <a:t>Образец текста</a:t>
             </a:r>
           </a:p>
@@ -2277,7 +2277,7 @@
           <a:p>
             <a:fld id="{289319FC-3B99-49AD-81CA-FE67D43B35DB}" type="datetimeFigureOut">
               <a:rPr lang="ru-RU" smtClean="0"/>
-              <a:t>12.04.2024</a:t>
+              <a:t>19.04.2024</a:t>
             </a:fld>
             <a:endParaRPr lang="ru-RU"/>
           </a:p>
@@ -2375,7 +2375,7 @@
           </a:lstStyle>
           <a:p>
             <a:r>
-              <a:rPr lang="ru-RU" smtClean="0"/>
+              <a:rPr lang="ru-RU"/>
               <a:t>Образец заголовка</a:t>
             </a:r>
             <a:endParaRPr lang="en-US" dirty="0"/>
@@ -2399,35 +2399,35 @@
           <a:p>
             <a:pPr lvl="0"/>
             <a:r>
-              <a:rPr lang="ru-RU" smtClean="0"/>
+              <a:rPr lang="ru-RU"/>
               <a:t>Образец текста</a:t>
             </a:r>
           </a:p>
           <a:p>
             <a:pPr lvl="1"/>
             <a:r>
-              <a:rPr lang="ru-RU" smtClean="0"/>
+              <a:rPr lang="ru-RU"/>
               <a:t>Второй уровень</a:t>
             </a:r>
           </a:p>
           <a:p>
             <a:pPr lvl="2"/>
             <a:r>
-              <a:rPr lang="ru-RU" smtClean="0"/>
+              <a:rPr lang="ru-RU"/>
               <a:t>Третий уровень</a:t>
             </a:r>
           </a:p>
           <a:p>
             <a:pPr lvl="3"/>
             <a:r>
-              <a:rPr lang="ru-RU" smtClean="0"/>
+              <a:rPr lang="ru-RU"/>
               <a:t>Четвертый уровень</a:t>
             </a:r>
           </a:p>
           <a:p>
             <a:pPr lvl="4"/>
             <a:r>
-              <a:rPr lang="ru-RU" smtClean="0"/>
+              <a:rPr lang="ru-RU"/>
               <a:t>Пятый уровень</a:t>
             </a:r>
             <a:endParaRPr lang="en-US" dirty="0"/>
@@ -2451,7 +2451,7 @@
           <a:p>
             <a:fld id="{289319FC-3B99-49AD-81CA-FE67D43B35DB}" type="datetimeFigureOut">
               <a:rPr lang="ru-RU" smtClean="0"/>
-              <a:t>12.04.2024</a:t>
+              <a:t>19.04.2024</a:t>
             </a:fld>
             <a:endParaRPr lang="ru-RU"/>
           </a:p>
@@ -2550,7 +2550,7 @@
           <a:lstStyle/>
           <a:p>
             <a:r>
-              <a:rPr lang="ru-RU" smtClean="0"/>
+              <a:rPr lang="ru-RU"/>
               <a:t>Образец заголовка</a:t>
             </a:r>
             <a:endParaRPr lang="en-US" dirty="0"/>
@@ -2579,35 +2579,35 @@
           <a:p>
             <a:pPr lvl="0"/>
             <a:r>
-              <a:rPr lang="ru-RU" smtClean="0"/>
+              <a:rPr lang="ru-RU"/>
               <a:t>Образец текста</a:t>
             </a:r>
           </a:p>
           <a:p>
             <a:pPr lvl="1"/>
             <a:r>
-              <a:rPr lang="ru-RU" smtClean="0"/>
+              <a:rPr lang="ru-RU"/>
               <a:t>Второй уровень</a:t>
             </a:r>
           </a:p>
           <a:p>
             <a:pPr lvl="2"/>
             <a:r>
-              <a:rPr lang="ru-RU" smtClean="0"/>
+              <a:rPr lang="ru-RU"/>
               <a:t>Третий уровень</a:t>
             </a:r>
           </a:p>
           <a:p>
             <a:pPr lvl="3"/>
             <a:r>
-              <a:rPr lang="ru-RU" smtClean="0"/>
+              <a:rPr lang="ru-RU"/>
               <a:t>Четвертый уровень</a:t>
             </a:r>
           </a:p>
           <a:p>
             <a:pPr lvl="4"/>
             <a:r>
-              <a:rPr lang="ru-RU" smtClean="0"/>
+              <a:rPr lang="ru-RU"/>
               <a:t>Пятый уровень</a:t>
             </a:r>
             <a:endParaRPr lang="en-US" dirty="0"/>
@@ -2631,7 +2631,7 @@
           <a:p>
             <a:fld id="{289319FC-3B99-49AD-81CA-FE67D43B35DB}" type="datetimeFigureOut">
               <a:rPr lang="ru-RU" smtClean="0"/>
-              <a:t>12.04.2024</a:t>
+              <a:t>19.04.2024</a:t>
             </a:fld>
             <a:endParaRPr lang="ru-RU"/>
           </a:p>
@@ -2725,7 +2725,7 @@
           <a:lstStyle/>
           <a:p>
             <a:r>
-              <a:rPr lang="ru-RU" smtClean="0"/>
+              <a:rPr lang="ru-RU"/>
               <a:t>Образец заголовка</a:t>
             </a:r>
             <a:endParaRPr lang="en-US" dirty="0"/>
@@ -2749,35 +2749,35 @@
           <a:p>
             <a:pPr lvl="0"/>
             <a:r>
-              <a:rPr lang="ru-RU" smtClean="0"/>
+              <a:rPr lang="ru-RU"/>
               <a:t>Образец текста</a:t>
             </a:r>
           </a:p>
           <a:p>
             <a:pPr lvl="1"/>
             <a:r>
-              <a:rPr lang="ru-RU" smtClean="0"/>
+              <a:rPr lang="ru-RU"/>
               <a:t>Второй уровень</a:t>
             </a:r>
           </a:p>
           <a:p>
             <a:pPr lvl="2"/>
             <a:r>
-              <a:rPr lang="ru-RU" smtClean="0"/>
+              <a:rPr lang="ru-RU"/>
               <a:t>Третий уровень</a:t>
             </a:r>
           </a:p>
           <a:p>
             <a:pPr lvl="3"/>
             <a:r>
-              <a:rPr lang="ru-RU" smtClean="0"/>
+              <a:rPr lang="ru-RU"/>
               <a:t>Четвертый уровень</a:t>
             </a:r>
           </a:p>
           <a:p>
             <a:pPr lvl="4"/>
             <a:r>
-              <a:rPr lang="ru-RU" smtClean="0"/>
+              <a:rPr lang="ru-RU"/>
               <a:t>Пятый уровень</a:t>
             </a:r>
             <a:endParaRPr lang="en-US" dirty="0"/>
@@ -2801,7 +2801,7 @@
           <a:p>
             <a:fld id="{289319FC-3B99-49AD-81CA-FE67D43B35DB}" type="datetimeFigureOut">
               <a:rPr lang="ru-RU" smtClean="0"/>
-              <a:t>12.04.2024</a:t>
+              <a:t>19.04.2024</a:t>
             </a:fld>
             <a:endParaRPr lang="ru-RU"/>
           </a:p>
@@ -2906,7 +2906,7 @@
           </a:lstStyle>
           <a:p>
             <a:r>
-              <a:rPr lang="ru-RU" smtClean="0"/>
+              <a:rPr lang="ru-RU"/>
               <a:t>Образец заголовка</a:t>
             </a:r>
             <a:endParaRPr lang="en-US" dirty="0"/>
@@ -3026,7 +3026,7 @@
           <a:p>
             <a:pPr lvl="0"/>
             <a:r>
-              <a:rPr lang="ru-RU" smtClean="0"/>
+              <a:rPr lang="ru-RU"/>
               <a:t>Образец текста</a:t>
             </a:r>
           </a:p>
@@ -3049,7 +3049,7 @@
           <a:p>
             <a:fld id="{289319FC-3B99-49AD-81CA-FE67D43B35DB}" type="datetimeFigureOut">
               <a:rPr lang="ru-RU" smtClean="0"/>
-              <a:t>12.04.2024</a:t>
+              <a:t>19.04.2024</a:t>
             </a:fld>
             <a:endParaRPr lang="ru-RU"/>
           </a:p>
@@ -3143,7 +3143,7 @@
           <a:lstStyle/>
           <a:p>
             <a:r>
-              <a:rPr lang="ru-RU" smtClean="0"/>
+              <a:rPr lang="ru-RU"/>
               <a:t>Образец заголовка</a:t>
             </a:r>
             <a:endParaRPr lang="en-US" dirty="0"/>
@@ -3174,35 +3174,35 @@
           <a:p>
             <a:pPr lvl="0"/>
             <a:r>
-              <a:rPr lang="ru-RU" smtClean="0"/>
+              <a:rPr lang="ru-RU"/>
               <a:t>Образец текста</a:t>
             </a:r>
           </a:p>
           <a:p>
             <a:pPr lvl="1"/>
             <a:r>
-              <a:rPr lang="ru-RU" smtClean="0"/>
+              <a:rPr lang="ru-RU"/>
               <a:t>Второй уровень</a:t>
             </a:r>
           </a:p>
           <a:p>
             <a:pPr lvl="2"/>
             <a:r>
-              <a:rPr lang="ru-RU" smtClean="0"/>
+              <a:rPr lang="ru-RU"/>
               <a:t>Третий уровень</a:t>
             </a:r>
           </a:p>
           <a:p>
             <a:pPr lvl="3"/>
             <a:r>
-              <a:rPr lang="ru-RU" smtClean="0"/>
+              <a:rPr lang="ru-RU"/>
               <a:t>Четвертый уровень</a:t>
             </a:r>
           </a:p>
           <a:p>
             <a:pPr lvl="4"/>
             <a:r>
-              <a:rPr lang="ru-RU" smtClean="0"/>
+              <a:rPr lang="ru-RU"/>
               <a:t>Пятый уровень</a:t>
             </a:r>
             <a:endParaRPr lang="en-US" dirty="0"/>
@@ -3233,35 +3233,35 @@
           <a:p>
             <a:pPr lvl="0"/>
             <a:r>
-              <a:rPr lang="ru-RU" smtClean="0"/>
+              <a:rPr lang="ru-RU"/>
               <a:t>Образец текста</a:t>
             </a:r>
           </a:p>
           <a:p>
             <a:pPr lvl="1"/>
             <a:r>
-              <a:rPr lang="ru-RU" smtClean="0"/>
+              <a:rPr lang="ru-RU"/>
               <a:t>Второй уровень</a:t>
             </a:r>
           </a:p>
           <a:p>
             <a:pPr lvl="2"/>
             <a:r>
-              <a:rPr lang="ru-RU" smtClean="0"/>
+              <a:rPr lang="ru-RU"/>
               <a:t>Третий уровень</a:t>
             </a:r>
           </a:p>
           <a:p>
             <a:pPr lvl="3"/>
             <a:r>
-              <a:rPr lang="ru-RU" smtClean="0"/>
+              <a:rPr lang="ru-RU"/>
               <a:t>Четвертый уровень</a:t>
             </a:r>
           </a:p>
           <a:p>
             <a:pPr lvl="4"/>
             <a:r>
-              <a:rPr lang="ru-RU" smtClean="0"/>
+              <a:rPr lang="ru-RU"/>
               <a:t>Пятый уровень</a:t>
             </a:r>
             <a:endParaRPr lang="en-US" dirty="0"/>
@@ -3285,7 +3285,7 @@
           <a:p>
             <a:fld id="{289319FC-3B99-49AD-81CA-FE67D43B35DB}" type="datetimeFigureOut">
               <a:rPr lang="ru-RU" smtClean="0"/>
-              <a:t>12.04.2024</a:t>
+              <a:t>19.04.2024</a:t>
             </a:fld>
             <a:endParaRPr lang="ru-RU"/>
           </a:p>
@@ -3383,7 +3383,7 @@
           </a:lstStyle>
           <a:p>
             <a:r>
-              <a:rPr lang="ru-RU" smtClean="0"/>
+              <a:rPr lang="ru-RU"/>
               <a:t>Образец заголовка</a:t>
             </a:r>
             <a:endParaRPr lang="en-US" dirty="0"/>
@@ -3455,7 +3455,7 @@
           <a:p>
             <a:pPr lvl="0"/>
             <a:r>
-              <a:rPr lang="ru-RU" smtClean="0"/>
+              <a:rPr lang="ru-RU"/>
               <a:t>Образец текста</a:t>
             </a:r>
           </a:p>
@@ -3485,35 +3485,35 @@
           <a:p>
             <a:pPr lvl="0"/>
             <a:r>
-              <a:rPr lang="ru-RU" smtClean="0"/>
+              <a:rPr lang="ru-RU"/>
               <a:t>Образец текста</a:t>
             </a:r>
           </a:p>
           <a:p>
             <a:pPr lvl="1"/>
             <a:r>
-              <a:rPr lang="ru-RU" smtClean="0"/>
+              <a:rPr lang="ru-RU"/>
               <a:t>Второй уровень</a:t>
             </a:r>
           </a:p>
           <a:p>
             <a:pPr lvl="2"/>
             <a:r>
-              <a:rPr lang="ru-RU" smtClean="0"/>
+              <a:rPr lang="ru-RU"/>
               <a:t>Третий уровень</a:t>
             </a:r>
           </a:p>
           <a:p>
             <a:pPr lvl="3"/>
             <a:r>
-              <a:rPr lang="ru-RU" smtClean="0"/>
+              <a:rPr lang="ru-RU"/>
               <a:t>Четвертый уровень</a:t>
             </a:r>
           </a:p>
           <a:p>
             <a:pPr lvl="4"/>
             <a:r>
-              <a:rPr lang="ru-RU" smtClean="0"/>
+              <a:rPr lang="ru-RU"/>
               <a:t>Пятый уровень</a:t>
             </a:r>
             <a:endParaRPr lang="en-US" dirty="0"/>
@@ -3585,7 +3585,7 @@
           <a:p>
             <a:pPr lvl="0"/>
             <a:r>
-              <a:rPr lang="ru-RU" smtClean="0"/>
+              <a:rPr lang="ru-RU"/>
               <a:t>Образец текста</a:t>
             </a:r>
           </a:p>
@@ -3615,35 +3615,35 @@
           <a:p>
             <a:pPr lvl="0"/>
             <a:r>
-              <a:rPr lang="ru-RU" smtClean="0"/>
+              <a:rPr lang="ru-RU"/>
               <a:t>Образец текста</a:t>
             </a:r>
           </a:p>
           <a:p>
             <a:pPr lvl="1"/>
             <a:r>
-              <a:rPr lang="ru-RU" smtClean="0"/>
+              <a:rPr lang="ru-RU"/>
               <a:t>Второй уровень</a:t>
             </a:r>
           </a:p>
           <a:p>
             <a:pPr lvl="2"/>
             <a:r>
-              <a:rPr lang="ru-RU" smtClean="0"/>
+              <a:rPr lang="ru-RU"/>
               <a:t>Третий уровень</a:t>
             </a:r>
           </a:p>
           <a:p>
             <a:pPr lvl="3"/>
             <a:r>
-              <a:rPr lang="ru-RU" smtClean="0"/>
+              <a:rPr lang="ru-RU"/>
               <a:t>Четвертый уровень</a:t>
             </a:r>
           </a:p>
           <a:p>
             <a:pPr lvl="4"/>
             <a:r>
-              <a:rPr lang="ru-RU" smtClean="0"/>
+              <a:rPr lang="ru-RU"/>
               <a:t>Пятый уровень</a:t>
             </a:r>
             <a:endParaRPr lang="en-US" dirty="0"/>
@@ -3667,7 +3667,7 @@
           <a:p>
             <a:fld id="{289319FC-3B99-49AD-81CA-FE67D43B35DB}" type="datetimeFigureOut">
               <a:rPr lang="ru-RU" smtClean="0"/>
-              <a:t>12.04.2024</a:t>
+              <a:t>19.04.2024</a:t>
             </a:fld>
             <a:endParaRPr lang="ru-RU"/>
           </a:p>
@@ -3761,7 +3761,7 @@
           <a:lstStyle/>
           <a:p>
             <a:r>
-              <a:rPr lang="ru-RU" smtClean="0"/>
+              <a:rPr lang="ru-RU"/>
               <a:t>Образец заголовка</a:t>
             </a:r>
             <a:endParaRPr lang="en-US" dirty="0"/>
@@ -3785,7 +3785,7 @@
           <a:p>
             <a:fld id="{289319FC-3B99-49AD-81CA-FE67D43B35DB}" type="datetimeFigureOut">
               <a:rPr lang="ru-RU" smtClean="0"/>
-              <a:t>12.04.2024</a:t>
+              <a:t>19.04.2024</a:t>
             </a:fld>
             <a:endParaRPr lang="ru-RU"/>
           </a:p>
@@ -3880,7 +3880,7 @@
           <a:p>
             <a:fld id="{289319FC-3B99-49AD-81CA-FE67D43B35DB}" type="datetimeFigureOut">
               <a:rPr lang="ru-RU" smtClean="0"/>
-              <a:t>12.04.2024</a:t>
+              <a:t>19.04.2024</a:t>
             </a:fld>
             <a:endParaRPr lang="ru-RU"/>
           </a:p>
@@ -3985,7 +3985,7 @@
           </a:lstStyle>
           <a:p>
             <a:r>
-              <a:rPr lang="ru-RU" smtClean="0"/>
+              <a:rPr lang="ru-RU"/>
               <a:t>Образец заголовка</a:t>
             </a:r>
             <a:endParaRPr lang="en-US" dirty="0"/>
@@ -4016,35 +4016,35 @@
           <a:p>
             <a:pPr lvl="0"/>
             <a:r>
-              <a:rPr lang="ru-RU" smtClean="0"/>
+              <a:rPr lang="ru-RU"/>
               <a:t>Образец текста</a:t>
             </a:r>
           </a:p>
           <a:p>
             <a:pPr lvl="1"/>
             <a:r>
-              <a:rPr lang="ru-RU" smtClean="0"/>
+              <a:rPr lang="ru-RU"/>
               <a:t>Второй уровень</a:t>
             </a:r>
           </a:p>
           <a:p>
             <a:pPr lvl="2"/>
             <a:r>
-              <a:rPr lang="ru-RU" smtClean="0"/>
+              <a:rPr lang="ru-RU"/>
               <a:t>Третий уровень</a:t>
             </a:r>
           </a:p>
           <a:p>
             <a:pPr lvl="3"/>
             <a:r>
-              <a:rPr lang="ru-RU" smtClean="0"/>
+              <a:rPr lang="ru-RU"/>
               <a:t>Четвертый уровень</a:t>
             </a:r>
           </a:p>
           <a:p>
             <a:pPr lvl="4"/>
             <a:r>
-              <a:rPr lang="ru-RU" smtClean="0"/>
+              <a:rPr lang="ru-RU"/>
               <a:t>Пятый уровень</a:t>
             </a:r>
             <a:endParaRPr lang="en-US" dirty="0"/>
@@ -4112,7 +4112,7 @@
           <a:p>
             <a:pPr lvl="0"/>
             <a:r>
-              <a:rPr lang="ru-RU" smtClean="0"/>
+              <a:rPr lang="ru-RU"/>
               <a:t>Образец текста</a:t>
             </a:r>
           </a:p>
@@ -4135,7 +4135,7 @@
           <a:p>
             <a:fld id="{289319FC-3B99-49AD-81CA-FE67D43B35DB}" type="datetimeFigureOut">
               <a:rPr lang="ru-RU" smtClean="0"/>
-              <a:t>12.04.2024</a:t>
+              <a:t>19.04.2024</a:t>
             </a:fld>
             <a:endParaRPr lang="ru-RU"/>
           </a:p>
@@ -4240,7 +4240,7 @@
           </a:lstStyle>
           <a:p>
             <a:r>
-              <a:rPr lang="ru-RU" smtClean="0"/>
+              <a:rPr lang="ru-RU"/>
               <a:t>Образец заголовка</a:t>
             </a:r>
             <a:endParaRPr lang="en-US" dirty="0"/>
@@ -4327,7 +4327,7 @@
           </a:lstStyle>
           <a:p>
             <a:r>
-              <a:rPr lang="ru-RU" smtClean="0"/>
+              <a:rPr lang="ru-RU"/>
               <a:t>Вставка рисунка</a:t>
             </a:r>
             <a:endParaRPr lang="en-US" dirty="0"/>
@@ -4395,7 +4395,7 @@
           <a:p>
             <a:pPr lvl="0"/>
             <a:r>
-              <a:rPr lang="ru-RU" smtClean="0"/>
+              <a:rPr lang="ru-RU"/>
               <a:t>Образец текста</a:t>
             </a:r>
           </a:p>
@@ -4418,7 +4418,7 @@
           <a:p>
             <a:fld id="{289319FC-3B99-49AD-81CA-FE67D43B35DB}" type="datetimeFigureOut">
               <a:rPr lang="ru-RU" smtClean="0"/>
-              <a:t>12.04.2024</a:t>
+              <a:t>19.04.2024</a:t>
             </a:fld>
             <a:endParaRPr lang="ru-RU"/>
           </a:p>
@@ -4718,7 +4718,7 @@
           <a:lstStyle/>
           <a:p>
             <a:r>
-              <a:rPr lang="ru-RU" smtClean="0"/>
+              <a:rPr lang="ru-RU"/>
               <a:t>Образец заголовка</a:t>
             </a:r>
             <a:endParaRPr lang="en-US" dirty="0"/>
@@ -4752,35 +4752,35 @@
           <a:p>
             <a:pPr lvl="0"/>
             <a:r>
-              <a:rPr lang="ru-RU" smtClean="0"/>
+              <a:rPr lang="ru-RU"/>
               <a:t>Образец текста</a:t>
             </a:r>
           </a:p>
           <a:p>
             <a:pPr lvl="1"/>
             <a:r>
-              <a:rPr lang="ru-RU" smtClean="0"/>
+              <a:rPr lang="ru-RU"/>
               <a:t>Второй уровень</a:t>
             </a:r>
           </a:p>
           <a:p>
             <a:pPr lvl="2"/>
             <a:r>
-              <a:rPr lang="ru-RU" smtClean="0"/>
+              <a:rPr lang="ru-RU"/>
               <a:t>Третий уровень</a:t>
             </a:r>
           </a:p>
           <a:p>
             <a:pPr lvl="3"/>
             <a:r>
-              <a:rPr lang="ru-RU" smtClean="0"/>
+              <a:rPr lang="ru-RU"/>
               <a:t>Четвертый уровень</a:t>
             </a:r>
           </a:p>
           <a:p>
             <a:pPr lvl="4"/>
             <a:r>
-              <a:rPr lang="ru-RU" smtClean="0"/>
+              <a:rPr lang="ru-RU"/>
               <a:t>Пятый уровень</a:t>
             </a:r>
             <a:endParaRPr lang="en-US" dirty="0"/>
@@ -4824,7 +4824,7 @@
           <a:p>
             <a:fld id="{289319FC-3B99-49AD-81CA-FE67D43B35DB}" type="datetimeFigureOut">
               <a:rPr lang="ru-RU" smtClean="0"/>
-              <a:t>12.04.2024</a:t>
+              <a:t>19.04.2024</a:t>
             </a:fld>
             <a:endParaRPr lang="ru-RU"/>
           </a:p>
@@ -5362,10 +5362,9 @@
           <a:lstStyle/>
           <a:p>
             <a:r>
-              <a:rPr lang="ru-RU" dirty="0" smtClean="0"/>
+              <a:rPr lang="ru-RU" dirty="0"/>
               <a:t>Проект «Робот-логист»</a:t>
             </a:r>
-            <a:endParaRPr lang="ru-RU" dirty="0"/>
           </a:p>
         </p:txBody>
       </p:sp>
@@ -5390,17 +5389,20 @@
           <a:lstStyle/>
           <a:p>
             <a:r>
-              <a:rPr lang="ru-RU" dirty="0" smtClean="0"/>
+              <a:rPr lang="ru-RU" dirty="0"/>
               <a:t>Выполнили: Селин Андрей Сергеевич</a:t>
             </a:r>
             <a:br>
-              <a:rPr lang="ru-RU" dirty="0" smtClean="0"/>
+              <a:rPr lang="ru-RU" dirty="0"/>
             </a:br>
             <a:r>
-              <a:rPr lang="ru-RU" dirty="0" smtClean="0"/>
-              <a:t>                     _______ Тамара __________</a:t>
-            </a:r>
-            <a:endParaRPr lang="ru-RU" dirty="0"/>
+              <a:rPr lang="ru-RU"/>
+              <a:t>                      Матухова</a:t>
+            </a:r>
+            <a:r>
+              <a:rPr lang="ru-RU" dirty="0"/>
+              <a:t> Тамара Романовна</a:t>
+            </a:r>
           </a:p>
         </p:txBody>
       </p:sp>
@@ -5455,10 +5457,9 @@
           <a:lstStyle/>
           <a:p>
             <a:r>
-              <a:rPr lang="ru-RU" dirty="0" smtClean="0"/>
+              <a:rPr lang="ru-RU" dirty="0"/>
               <a:t>Цель проекта</a:t>
             </a:r>
-            <a:endParaRPr lang="ru-RU" dirty="0"/>
           </a:p>
         </p:txBody>
       </p:sp>
@@ -5487,21 +5488,17 @@
             </a:pPr>
             <a:r>
               <a:rPr lang="ru-RU" dirty="0"/>
-              <a:t>С</a:t>
-            </a:r>
-            <a:r>
-              <a:rPr lang="ru-RU" dirty="0" smtClean="0"/>
-              <a:t>оздать робота-логиста, который может передвигаться между назначенными точками</a:t>
-            </a:r>
-            <a:r>
-              <a:rPr lang="en-US" dirty="0" smtClean="0"/>
+              <a:t>Создать робота-логиста, который может передвигаться между назначенными точками</a:t>
+            </a:r>
+            <a:r>
+              <a:rPr lang="en-US" dirty="0"/>
               <a:t> </a:t>
             </a:r>
             <a:r>
-              <a:rPr lang="ru-RU" dirty="0" smtClean="0"/>
+              <a:rPr lang="ru-RU" dirty="0"/>
               <a:t>и приложение, которое будет осуществлять связь между потребителем и роботом</a:t>
             </a:r>
-            <a:endParaRPr lang="en-US" dirty="0" smtClean="0"/>
+            <a:endParaRPr lang="en-US" dirty="0"/>
           </a:p>
         </p:txBody>
       </p:sp>
@@ -5556,10 +5553,9 @@
           <a:lstStyle/>
           <a:p>
             <a:r>
-              <a:rPr lang="ru-RU" dirty="0" smtClean="0"/>
+              <a:rPr lang="ru-RU" dirty="0"/>
               <a:t>Задачи ПРОЕКТА</a:t>
             </a:r>
-            <a:endParaRPr lang="ru-RU" dirty="0"/>
           </a:p>
         </p:txBody>
       </p:sp>
@@ -5584,38 +5580,33 @@
           <a:lstStyle/>
           <a:p>
             <a:r>
-              <a:rPr lang="ru-RU" dirty="0" smtClean="0"/>
-              <a:t>Написать рабочую программу к </a:t>
-            </a:r>
-            <a:r>
-              <a:rPr lang="ru-RU" dirty="0" smtClean="0"/>
-              <a:t>роботу</a:t>
-            </a:r>
-            <a:r>
-              <a:rPr lang="en-US" dirty="0" smtClean="0"/>
+              <a:rPr lang="ru-RU" dirty="0"/>
+              <a:t>Написать рабочую программу к роботу</a:t>
+            </a:r>
+            <a:r>
+              <a:rPr lang="en-US" dirty="0"/>
               <a:t> </a:t>
             </a:r>
             <a:r>
-              <a:rPr lang="ru-RU" dirty="0" smtClean="0"/>
+              <a:rPr lang="ru-RU" dirty="0"/>
               <a:t>для движения по полигону в виде графа</a:t>
             </a:r>
           </a:p>
           <a:p>
             <a:r>
-              <a:rPr lang="ru-RU" dirty="0" smtClean="0"/>
+              <a:rPr lang="ru-RU" dirty="0"/>
               <a:t>Написать приложение с понятным оформлением </a:t>
             </a:r>
-            <a:endParaRPr lang="en-US" dirty="0" smtClean="0"/>
-          </a:p>
-          <a:p>
-            <a:r>
-              <a:rPr lang="ru-RU" dirty="0" smtClean="0"/>
+            <a:endParaRPr lang="en-US" dirty="0"/>
+          </a:p>
+          <a:p>
+            <a:r>
+              <a:rPr lang="ru-RU" dirty="0"/>
               <a:t>Организовать связь между приложением на компьютере и роботом</a:t>
             </a:r>
-            <a:endParaRPr lang="ru-RU" dirty="0" smtClean="0"/>
-          </a:p>
-          <a:p>
-            <a:endParaRPr lang="en-US" dirty="0" smtClean="0"/>
+          </a:p>
+          <a:p>
+            <a:endParaRPr lang="en-US" dirty="0"/>
           </a:p>
         </p:txBody>
       </p:sp>
@@ -5670,10 +5661,9 @@
           <a:lstStyle/>
           <a:p>
             <a:r>
-              <a:rPr lang="ru-RU" dirty="0" smtClean="0"/>
+              <a:rPr lang="ru-RU" dirty="0"/>
               <a:t>РОБОТ</a:t>
             </a:r>
-            <a:endParaRPr lang="ru-RU" dirty="0"/>
           </a:p>
         </p:txBody>
       </p:sp>
@@ -5701,15 +5691,15 @@
               <a:buNone/>
             </a:pPr>
             <a:r>
-              <a:rPr lang="ru-RU" dirty="0" smtClean="0"/>
+              <a:rPr lang="ru-RU" dirty="0"/>
               <a:t>Робот собран на фанерной основе, оснащён 2-мя цифровыми датчиками освещённости, 2 моторами для езды. Управление осуществляется через плату </a:t>
             </a:r>
             <a:r>
-              <a:rPr lang="en-US" dirty="0" smtClean="0"/>
+              <a:rPr lang="en-US" dirty="0"/>
               <a:t>Arduino Mega</a:t>
             </a:r>
             <a:r>
-              <a:rPr lang="ru-RU" dirty="0" smtClean="0"/>
+              <a:rPr lang="ru-RU" dirty="0"/>
               <a:t> и расширитель для платы с драйверами моторов.</a:t>
             </a:r>
           </a:p>
@@ -5766,10 +5756,9 @@
           <a:lstStyle/>
           <a:p>
             <a:r>
-              <a:rPr lang="ru-RU" dirty="0" smtClean="0"/>
+              <a:rPr lang="ru-RU" dirty="0"/>
               <a:t>ПРИЛОЖЕНИЕ</a:t>
             </a:r>
-            <a:endParaRPr lang="ru-RU" dirty="0"/>
           </a:p>
         </p:txBody>
       </p:sp>
@@ -5794,39 +5783,38 @@
           <a:lstStyle/>
           <a:p>
             <a:r>
-              <a:rPr lang="ru-RU" dirty="0" smtClean="0"/>
+              <a:rPr lang="ru-RU" dirty="0"/>
               <a:t>Приложение было написано на языке </a:t>
             </a:r>
             <a:r>
-              <a:rPr lang="en-US" dirty="0" smtClean="0"/>
+              <a:rPr lang="en-US" dirty="0"/>
               <a:t>C++</a:t>
             </a:r>
             <a:r>
-              <a:rPr lang="ru-RU" dirty="0" smtClean="0"/>
+              <a:rPr lang="ru-RU" dirty="0"/>
               <a:t>, с помощью библиотеки </a:t>
             </a:r>
             <a:r>
-              <a:rPr lang="en-US" dirty="0" err="1" smtClean="0"/>
+              <a:rPr lang="en-US" dirty="0" err="1"/>
               <a:t>RayLib</a:t>
             </a:r>
             <a:r>
-              <a:rPr lang="en-US" dirty="0" smtClean="0"/>
+              <a:rPr lang="en-US" dirty="0"/>
               <a:t>. </a:t>
             </a:r>
-            <a:endParaRPr lang="ru-RU" dirty="0" smtClean="0"/>
-          </a:p>
-          <a:p>
-            <a:r>
-              <a:rPr lang="ru-RU" dirty="0" smtClean="0"/>
+            <a:endParaRPr lang="ru-RU" dirty="0"/>
+          </a:p>
+          <a:p>
+            <a:r>
+              <a:rPr lang="ru-RU" dirty="0"/>
               <a:t>Основное меню позволяет оформить и отправить заказ роботу. </a:t>
             </a:r>
           </a:p>
           <a:p>
             <a:r>
-              <a:rPr lang="ru-RU" dirty="0" smtClean="0"/>
+              <a:rPr lang="ru-RU" dirty="0"/>
               <a:t>Как только заказ достигает первого места в очереди, и робот в готовом состоянии, заказ отправляется.  </a:t>
             </a:r>
-            <a:endParaRPr lang="ru-RU" dirty="0"/>
           </a:p>
         </p:txBody>
       </p:sp>
@@ -5910,10 +5898,9 @@
           <a:lstStyle/>
           <a:p>
             <a:r>
-              <a:rPr lang="ru-RU" dirty="0" smtClean="0"/>
+              <a:rPr lang="ru-RU" dirty="0"/>
               <a:t>СВЯЗЬ</a:t>
             </a:r>
-            <a:endParaRPr lang="ru-RU" dirty="0"/>
           </a:p>
         </p:txBody>
       </p:sp>

--- a/Проект «Робот-логист».pptx
+++ b/Проект «Робот-логист».pptx
@@ -9,12 +9,8 @@
     <p:sldId id="257" r:id="rId3"/>
     <p:sldId id="259" r:id="rId4"/>
     <p:sldId id="260" r:id="rId5"/>
-    <p:sldId id="266" r:id="rId6"/>
-    <p:sldId id="261" r:id="rId7"/>
-    <p:sldId id="264" r:id="rId8"/>
-    <p:sldId id="265" r:id="rId9"/>
-    <p:sldId id="262" r:id="rId10"/>
-    <p:sldId id="263" r:id="rId11"/>
+    <p:sldId id="261" r:id="rId6"/>
+    <p:sldId id="262" r:id="rId7"/>
   </p:sldIdLst>
   <p:sldSz cx="12192000" cy="6858000"/>
   <p:notesSz cx="6858000" cy="9144000"/>
@@ -167,7 +163,7 @@
           </a:lstStyle>
           <a:p>
             <a:r>
-              <a:rPr lang="ru-RU" smtClean="0"/>
+              <a:rPr lang="ru-RU"/>
               <a:t>Образец заголовка</a:t>
             </a:r>
             <a:endParaRPr lang="en-US" dirty="0"/>
@@ -286,7 +282,7 @@
           </a:lstStyle>
           <a:p>
             <a:r>
-              <a:rPr lang="ru-RU" smtClean="0"/>
+              <a:rPr lang="ru-RU"/>
               <a:t>Образец подзаголовка</a:t>
             </a:r>
             <a:endParaRPr lang="en-US" dirty="0"/>
@@ -310,7 +306,7 @@
           <a:p>
             <a:fld id="{289319FC-3B99-49AD-81CA-FE67D43B35DB}" type="datetimeFigureOut">
               <a:rPr lang="ru-RU" smtClean="0"/>
-              <a:t>16.04.2024</a:t>
+              <a:t>19.04.2024</a:t>
             </a:fld>
             <a:endParaRPr lang="ru-RU"/>
           </a:p>
@@ -579,7 +575,7 @@
           <a:lstStyle/>
           <a:p>
             <a:r>
-              <a:rPr lang="ru-RU" smtClean="0"/>
+              <a:rPr lang="ru-RU"/>
               <a:t>Образец заголовка</a:t>
             </a:r>
             <a:endParaRPr lang="en-US" dirty="0"/>
@@ -666,7 +662,7 @@
           </a:lstStyle>
           <a:p>
             <a:r>
-              <a:rPr lang="ru-RU" smtClean="0"/>
+              <a:rPr lang="ru-RU"/>
               <a:t>Вставка рисунка</a:t>
             </a:r>
             <a:endParaRPr lang="en-US" dirty="0"/>
@@ -723,7 +719,7 @@
           <a:p>
             <a:pPr lvl="0"/>
             <a:r>
-              <a:rPr lang="ru-RU" smtClean="0"/>
+              <a:rPr lang="ru-RU"/>
               <a:t>Образец текста</a:t>
             </a:r>
           </a:p>
@@ -746,7 +742,7 @@
           <a:p>
             <a:fld id="{289319FC-3B99-49AD-81CA-FE67D43B35DB}" type="datetimeFigureOut">
               <a:rPr lang="ru-RU" smtClean="0"/>
-              <a:t>16.04.2024</a:t>
+              <a:t>19.04.2024</a:t>
             </a:fld>
             <a:endParaRPr lang="ru-RU"/>
           </a:p>
@@ -851,7 +847,7 @@
           </a:lstStyle>
           <a:p>
             <a:r>
-              <a:rPr lang="ru-RU" smtClean="0"/>
+              <a:rPr lang="ru-RU"/>
               <a:t>Образец заголовка</a:t>
             </a:r>
             <a:endParaRPr lang="en-US" dirty="0"/>
@@ -971,7 +967,7 @@
           <a:p>
             <a:pPr lvl="0"/>
             <a:r>
-              <a:rPr lang="ru-RU" smtClean="0"/>
+              <a:rPr lang="ru-RU"/>
               <a:t>Образец текста</a:t>
             </a:r>
           </a:p>
@@ -994,7 +990,7 @@
           <a:p>
             <a:fld id="{289319FC-3B99-49AD-81CA-FE67D43B35DB}" type="datetimeFigureOut">
               <a:rPr lang="ru-RU" smtClean="0"/>
-              <a:t>16.04.2024</a:t>
+              <a:t>19.04.2024</a:t>
             </a:fld>
             <a:endParaRPr lang="ru-RU"/>
           </a:p>
@@ -1103,7 +1099,7 @@
           </a:lstStyle>
           <a:p>
             <a:r>
-              <a:rPr lang="ru-RU" smtClean="0"/>
+              <a:rPr lang="ru-RU"/>
               <a:t>Образец заголовка</a:t>
             </a:r>
             <a:endParaRPr lang="en-US" dirty="0"/>
@@ -1158,7 +1154,7 @@
           <a:p>
             <a:pPr lvl="0"/>
             <a:r>
-              <a:rPr lang="ru-RU" smtClean="0"/>
+              <a:rPr lang="ru-RU"/>
               <a:t>Образец текста</a:t>
             </a:r>
           </a:p>
@@ -1277,7 +1273,7 @@
           <a:p>
             <a:pPr lvl="0"/>
             <a:r>
-              <a:rPr lang="ru-RU" smtClean="0"/>
+              <a:rPr lang="ru-RU"/>
               <a:t>Образец текста</a:t>
             </a:r>
           </a:p>
@@ -1300,7 +1296,7 @@
           <a:p>
             <a:fld id="{289319FC-3B99-49AD-81CA-FE67D43B35DB}" type="datetimeFigureOut">
               <a:rPr lang="ru-RU" smtClean="0"/>
-              <a:t>16.04.2024</a:t>
+              <a:t>19.04.2024</a:t>
             </a:fld>
             <a:endParaRPr lang="ru-RU"/>
           </a:p>
@@ -1473,7 +1469,7 @@
           </a:lstStyle>
           <a:p>
             <a:r>
-              <a:rPr lang="ru-RU" smtClean="0"/>
+              <a:rPr lang="ru-RU"/>
               <a:t>Образец заголовка</a:t>
             </a:r>
             <a:endParaRPr lang="en-US" dirty="0"/>
@@ -1593,7 +1589,7 @@
           <a:p>
             <a:pPr lvl="0"/>
             <a:r>
-              <a:rPr lang="ru-RU" smtClean="0"/>
+              <a:rPr lang="ru-RU"/>
               <a:t>Образец текста</a:t>
             </a:r>
           </a:p>
@@ -1616,7 +1612,7 @@
           <a:p>
             <a:fld id="{289319FC-3B99-49AD-81CA-FE67D43B35DB}" type="datetimeFigureOut">
               <a:rPr lang="ru-RU" smtClean="0"/>
-              <a:t>16.04.2024</a:t>
+              <a:t>19.04.2024</a:t>
             </a:fld>
             <a:endParaRPr lang="ru-RU"/>
           </a:p>
@@ -1725,7 +1721,7 @@
           </a:lstStyle>
           <a:p>
             <a:r>
-              <a:rPr lang="ru-RU" smtClean="0"/>
+              <a:rPr lang="ru-RU"/>
               <a:t>Образец заголовка</a:t>
             </a:r>
             <a:endParaRPr lang="en-US" dirty="0"/>
@@ -1774,7 +1770,7 @@
               <a:buNone/>
             </a:pPr>
             <a:r>
-              <a:rPr lang="ru-RU" smtClean="0"/>
+              <a:rPr lang="ru-RU"/>
               <a:t>Образец текста</a:t>
             </a:r>
           </a:p>
@@ -1893,7 +1889,7 @@
           <a:p>
             <a:pPr lvl="0"/>
             <a:r>
-              <a:rPr lang="ru-RU" smtClean="0"/>
+              <a:rPr lang="ru-RU"/>
               <a:t>Образец текста</a:t>
             </a:r>
           </a:p>
@@ -1916,7 +1912,7 @@
           <a:p>
             <a:fld id="{289319FC-3B99-49AD-81CA-FE67D43B35DB}" type="datetimeFigureOut">
               <a:rPr lang="ru-RU" smtClean="0"/>
-              <a:t>16.04.2024</a:t>
+              <a:t>19.04.2024</a:t>
             </a:fld>
             <a:endParaRPr lang="ru-RU"/>
           </a:p>
@@ -2090,7 +2086,7 @@
           <a:p>
             <a:pPr marL="0" lvl="0"/>
             <a:r>
-              <a:rPr lang="ru-RU" smtClean="0"/>
+              <a:rPr lang="ru-RU"/>
               <a:t>Образец заголовка</a:t>
             </a:r>
             <a:endParaRPr lang="en-US" dirty="0"/>
@@ -2139,7 +2135,7 @@
               <a:buNone/>
             </a:pPr>
             <a:r>
-              <a:rPr lang="ru-RU" smtClean="0"/>
+              <a:rPr lang="ru-RU"/>
               <a:t>Образец текста</a:t>
             </a:r>
           </a:p>
@@ -2258,7 +2254,7 @@
           <a:p>
             <a:pPr lvl="0"/>
             <a:r>
-              <a:rPr lang="ru-RU" smtClean="0"/>
+              <a:rPr lang="ru-RU"/>
               <a:t>Образец текста</a:t>
             </a:r>
           </a:p>
@@ -2281,7 +2277,7 @@
           <a:p>
             <a:fld id="{289319FC-3B99-49AD-81CA-FE67D43B35DB}" type="datetimeFigureOut">
               <a:rPr lang="ru-RU" smtClean="0"/>
-              <a:t>16.04.2024</a:t>
+              <a:t>19.04.2024</a:t>
             </a:fld>
             <a:endParaRPr lang="ru-RU"/>
           </a:p>
@@ -2379,7 +2375,7 @@
           </a:lstStyle>
           <a:p>
             <a:r>
-              <a:rPr lang="ru-RU" smtClean="0"/>
+              <a:rPr lang="ru-RU"/>
               <a:t>Образец заголовка</a:t>
             </a:r>
             <a:endParaRPr lang="en-US" dirty="0"/>
@@ -2403,35 +2399,35 @@
           <a:p>
             <a:pPr lvl="0"/>
             <a:r>
-              <a:rPr lang="ru-RU" smtClean="0"/>
+              <a:rPr lang="ru-RU"/>
               <a:t>Образец текста</a:t>
             </a:r>
           </a:p>
           <a:p>
             <a:pPr lvl="1"/>
             <a:r>
-              <a:rPr lang="ru-RU" smtClean="0"/>
+              <a:rPr lang="ru-RU"/>
               <a:t>Второй уровень</a:t>
             </a:r>
           </a:p>
           <a:p>
             <a:pPr lvl="2"/>
             <a:r>
-              <a:rPr lang="ru-RU" smtClean="0"/>
+              <a:rPr lang="ru-RU"/>
               <a:t>Третий уровень</a:t>
             </a:r>
           </a:p>
           <a:p>
             <a:pPr lvl="3"/>
             <a:r>
-              <a:rPr lang="ru-RU" smtClean="0"/>
+              <a:rPr lang="ru-RU"/>
               <a:t>Четвертый уровень</a:t>
             </a:r>
           </a:p>
           <a:p>
             <a:pPr lvl="4"/>
             <a:r>
-              <a:rPr lang="ru-RU" smtClean="0"/>
+              <a:rPr lang="ru-RU"/>
               <a:t>Пятый уровень</a:t>
             </a:r>
             <a:endParaRPr lang="en-US" dirty="0"/>
@@ -2455,7 +2451,7 @@
           <a:p>
             <a:fld id="{289319FC-3B99-49AD-81CA-FE67D43B35DB}" type="datetimeFigureOut">
               <a:rPr lang="ru-RU" smtClean="0"/>
-              <a:t>16.04.2024</a:t>
+              <a:t>19.04.2024</a:t>
             </a:fld>
             <a:endParaRPr lang="ru-RU"/>
           </a:p>
@@ -2554,7 +2550,7 @@
           <a:lstStyle/>
           <a:p>
             <a:r>
-              <a:rPr lang="ru-RU" smtClean="0"/>
+              <a:rPr lang="ru-RU"/>
               <a:t>Образец заголовка</a:t>
             </a:r>
             <a:endParaRPr lang="en-US" dirty="0"/>
@@ -2583,35 +2579,35 @@
           <a:p>
             <a:pPr lvl="0"/>
             <a:r>
-              <a:rPr lang="ru-RU" smtClean="0"/>
+              <a:rPr lang="ru-RU"/>
               <a:t>Образец текста</a:t>
             </a:r>
           </a:p>
           <a:p>
             <a:pPr lvl="1"/>
             <a:r>
-              <a:rPr lang="ru-RU" smtClean="0"/>
+              <a:rPr lang="ru-RU"/>
               <a:t>Второй уровень</a:t>
             </a:r>
           </a:p>
           <a:p>
             <a:pPr lvl="2"/>
             <a:r>
-              <a:rPr lang="ru-RU" smtClean="0"/>
+              <a:rPr lang="ru-RU"/>
               <a:t>Третий уровень</a:t>
             </a:r>
           </a:p>
           <a:p>
             <a:pPr lvl="3"/>
             <a:r>
-              <a:rPr lang="ru-RU" smtClean="0"/>
+              <a:rPr lang="ru-RU"/>
               <a:t>Четвертый уровень</a:t>
             </a:r>
           </a:p>
           <a:p>
             <a:pPr lvl="4"/>
             <a:r>
-              <a:rPr lang="ru-RU" smtClean="0"/>
+              <a:rPr lang="ru-RU"/>
               <a:t>Пятый уровень</a:t>
             </a:r>
             <a:endParaRPr lang="en-US" dirty="0"/>
@@ -2635,7 +2631,7 @@
           <a:p>
             <a:fld id="{289319FC-3B99-49AD-81CA-FE67D43B35DB}" type="datetimeFigureOut">
               <a:rPr lang="ru-RU" smtClean="0"/>
-              <a:t>16.04.2024</a:t>
+              <a:t>19.04.2024</a:t>
             </a:fld>
             <a:endParaRPr lang="ru-RU"/>
           </a:p>
@@ -2729,7 +2725,7 @@
           <a:lstStyle/>
           <a:p>
             <a:r>
-              <a:rPr lang="ru-RU" smtClean="0"/>
+              <a:rPr lang="ru-RU"/>
               <a:t>Образец заголовка</a:t>
             </a:r>
             <a:endParaRPr lang="en-US" dirty="0"/>
@@ -2753,35 +2749,35 @@
           <a:p>
             <a:pPr lvl="0"/>
             <a:r>
-              <a:rPr lang="ru-RU" smtClean="0"/>
+              <a:rPr lang="ru-RU"/>
               <a:t>Образец текста</a:t>
             </a:r>
           </a:p>
           <a:p>
             <a:pPr lvl="1"/>
             <a:r>
-              <a:rPr lang="ru-RU" smtClean="0"/>
+              <a:rPr lang="ru-RU"/>
               <a:t>Второй уровень</a:t>
             </a:r>
           </a:p>
           <a:p>
             <a:pPr lvl="2"/>
             <a:r>
-              <a:rPr lang="ru-RU" smtClean="0"/>
+              <a:rPr lang="ru-RU"/>
               <a:t>Третий уровень</a:t>
             </a:r>
           </a:p>
           <a:p>
             <a:pPr lvl="3"/>
             <a:r>
-              <a:rPr lang="ru-RU" smtClean="0"/>
+              <a:rPr lang="ru-RU"/>
               <a:t>Четвертый уровень</a:t>
             </a:r>
           </a:p>
           <a:p>
             <a:pPr lvl="4"/>
             <a:r>
-              <a:rPr lang="ru-RU" smtClean="0"/>
+              <a:rPr lang="ru-RU"/>
               <a:t>Пятый уровень</a:t>
             </a:r>
             <a:endParaRPr lang="en-US" dirty="0"/>
@@ -2805,7 +2801,7 @@
           <a:p>
             <a:fld id="{289319FC-3B99-49AD-81CA-FE67D43B35DB}" type="datetimeFigureOut">
               <a:rPr lang="ru-RU" smtClean="0"/>
-              <a:t>16.04.2024</a:t>
+              <a:t>19.04.2024</a:t>
             </a:fld>
             <a:endParaRPr lang="ru-RU"/>
           </a:p>
@@ -2910,7 +2906,7 @@
           </a:lstStyle>
           <a:p>
             <a:r>
-              <a:rPr lang="ru-RU" smtClean="0"/>
+              <a:rPr lang="ru-RU"/>
               <a:t>Образец заголовка</a:t>
             </a:r>
             <a:endParaRPr lang="en-US" dirty="0"/>
@@ -3030,7 +3026,7 @@
           <a:p>
             <a:pPr lvl="0"/>
             <a:r>
-              <a:rPr lang="ru-RU" smtClean="0"/>
+              <a:rPr lang="ru-RU"/>
               <a:t>Образец текста</a:t>
             </a:r>
           </a:p>
@@ -3053,7 +3049,7 @@
           <a:p>
             <a:fld id="{289319FC-3B99-49AD-81CA-FE67D43B35DB}" type="datetimeFigureOut">
               <a:rPr lang="ru-RU" smtClean="0"/>
-              <a:t>16.04.2024</a:t>
+              <a:t>19.04.2024</a:t>
             </a:fld>
             <a:endParaRPr lang="ru-RU"/>
           </a:p>
@@ -3147,7 +3143,7 @@
           <a:lstStyle/>
           <a:p>
             <a:r>
-              <a:rPr lang="ru-RU" smtClean="0"/>
+              <a:rPr lang="ru-RU"/>
               <a:t>Образец заголовка</a:t>
             </a:r>
             <a:endParaRPr lang="en-US" dirty="0"/>
@@ -3178,35 +3174,35 @@
           <a:p>
             <a:pPr lvl="0"/>
             <a:r>
-              <a:rPr lang="ru-RU" smtClean="0"/>
+              <a:rPr lang="ru-RU"/>
               <a:t>Образец текста</a:t>
             </a:r>
           </a:p>
           <a:p>
             <a:pPr lvl="1"/>
             <a:r>
-              <a:rPr lang="ru-RU" smtClean="0"/>
+              <a:rPr lang="ru-RU"/>
               <a:t>Второй уровень</a:t>
             </a:r>
           </a:p>
           <a:p>
             <a:pPr lvl="2"/>
             <a:r>
-              <a:rPr lang="ru-RU" smtClean="0"/>
+              <a:rPr lang="ru-RU"/>
               <a:t>Третий уровень</a:t>
             </a:r>
           </a:p>
           <a:p>
             <a:pPr lvl="3"/>
             <a:r>
-              <a:rPr lang="ru-RU" smtClean="0"/>
+              <a:rPr lang="ru-RU"/>
               <a:t>Четвертый уровень</a:t>
             </a:r>
           </a:p>
           <a:p>
             <a:pPr lvl="4"/>
             <a:r>
-              <a:rPr lang="ru-RU" smtClean="0"/>
+              <a:rPr lang="ru-RU"/>
               <a:t>Пятый уровень</a:t>
             </a:r>
             <a:endParaRPr lang="en-US" dirty="0"/>
@@ -3237,35 +3233,35 @@
           <a:p>
             <a:pPr lvl="0"/>
             <a:r>
-              <a:rPr lang="ru-RU" smtClean="0"/>
+              <a:rPr lang="ru-RU"/>
               <a:t>Образец текста</a:t>
             </a:r>
           </a:p>
           <a:p>
             <a:pPr lvl="1"/>
             <a:r>
-              <a:rPr lang="ru-RU" smtClean="0"/>
+              <a:rPr lang="ru-RU"/>
               <a:t>Второй уровень</a:t>
             </a:r>
           </a:p>
           <a:p>
             <a:pPr lvl="2"/>
             <a:r>
-              <a:rPr lang="ru-RU" smtClean="0"/>
+              <a:rPr lang="ru-RU"/>
               <a:t>Третий уровень</a:t>
             </a:r>
           </a:p>
           <a:p>
             <a:pPr lvl="3"/>
             <a:r>
-              <a:rPr lang="ru-RU" smtClean="0"/>
+              <a:rPr lang="ru-RU"/>
               <a:t>Четвертый уровень</a:t>
             </a:r>
           </a:p>
           <a:p>
             <a:pPr lvl="4"/>
             <a:r>
-              <a:rPr lang="ru-RU" smtClean="0"/>
+              <a:rPr lang="ru-RU"/>
               <a:t>Пятый уровень</a:t>
             </a:r>
             <a:endParaRPr lang="en-US" dirty="0"/>
@@ -3289,7 +3285,7 @@
           <a:p>
             <a:fld id="{289319FC-3B99-49AD-81CA-FE67D43B35DB}" type="datetimeFigureOut">
               <a:rPr lang="ru-RU" smtClean="0"/>
-              <a:t>16.04.2024</a:t>
+              <a:t>19.04.2024</a:t>
             </a:fld>
             <a:endParaRPr lang="ru-RU"/>
           </a:p>
@@ -3387,7 +3383,7 @@
           </a:lstStyle>
           <a:p>
             <a:r>
-              <a:rPr lang="ru-RU" smtClean="0"/>
+              <a:rPr lang="ru-RU"/>
               <a:t>Образец заголовка</a:t>
             </a:r>
             <a:endParaRPr lang="en-US" dirty="0"/>
@@ -3459,7 +3455,7 @@
           <a:p>
             <a:pPr lvl="0"/>
             <a:r>
-              <a:rPr lang="ru-RU" smtClean="0"/>
+              <a:rPr lang="ru-RU"/>
               <a:t>Образец текста</a:t>
             </a:r>
           </a:p>
@@ -3489,35 +3485,35 @@
           <a:p>
             <a:pPr lvl="0"/>
             <a:r>
-              <a:rPr lang="ru-RU" smtClean="0"/>
+              <a:rPr lang="ru-RU"/>
               <a:t>Образец текста</a:t>
             </a:r>
           </a:p>
           <a:p>
             <a:pPr lvl="1"/>
             <a:r>
-              <a:rPr lang="ru-RU" smtClean="0"/>
+              <a:rPr lang="ru-RU"/>
               <a:t>Второй уровень</a:t>
             </a:r>
           </a:p>
           <a:p>
             <a:pPr lvl="2"/>
             <a:r>
-              <a:rPr lang="ru-RU" smtClean="0"/>
+              <a:rPr lang="ru-RU"/>
               <a:t>Третий уровень</a:t>
             </a:r>
           </a:p>
           <a:p>
             <a:pPr lvl="3"/>
             <a:r>
-              <a:rPr lang="ru-RU" smtClean="0"/>
+              <a:rPr lang="ru-RU"/>
               <a:t>Четвертый уровень</a:t>
             </a:r>
           </a:p>
           <a:p>
             <a:pPr lvl="4"/>
             <a:r>
-              <a:rPr lang="ru-RU" smtClean="0"/>
+              <a:rPr lang="ru-RU"/>
               <a:t>Пятый уровень</a:t>
             </a:r>
             <a:endParaRPr lang="en-US" dirty="0"/>
@@ -3589,7 +3585,7 @@
           <a:p>
             <a:pPr lvl="0"/>
             <a:r>
-              <a:rPr lang="ru-RU" smtClean="0"/>
+              <a:rPr lang="ru-RU"/>
               <a:t>Образец текста</a:t>
             </a:r>
           </a:p>
@@ -3619,35 +3615,35 @@
           <a:p>
             <a:pPr lvl="0"/>
             <a:r>
-              <a:rPr lang="ru-RU" smtClean="0"/>
+              <a:rPr lang="ru-RU"/>
               <a:t>Образец текста</a:t>
             </a:r>
           </a:p>
           <a:p>
             <a:pPr lvl="1"/>
             <a:r>
-              <a:rPr lang="ru-RU" smtClean="0"/>
+              <a:rPr lang="ru-RU"/>
               <a:t>Второй уровень</a:t>
             </a:r>
           </a:p>
           <a:p>
             <a:pPr lvl="2"/>
             <a:r>
-              <a:rPr lang="ru-RU" smtClean="0"/>
+              <a:rPr lang="ru-RU"/>
               <a:t>Третий уровень</a:t>
             </a:r>
           </a:p>
           <a:p>
             <a:pPr lvl="3"/>
             <a:r>
-              <a:rPr lang="ru-RU" smtClean="0"/>
+              <a:rPr lang="ru-RU"/>
               <a:t>Четвертый уровень</a:t>
             </a:r>
           </a:p>
           <a:p>
             <a:pPr lvl="4"/>
             <a:r>
-              <a:rPr lang="ru-RU" smtClean="0"/>
+              <a:rPr lang="ru-RU"/>
               <a:t>Пятый уровень</a:t>
             </a:r>
             <a:endParaRPr lang="en-US" dirty="0"/>
@@ -3671,7 +3667,7 @@
           <a:p>
             <a:fld id="{289319FC-3B99-49AD-81CA-FE67D43B35DB}" type="datetimeFigureOut">
               <a:rPr lang="ru-RU" smtClean="0"/>
-              <a:t>16.04.2024</a:t>
+              <a:t>19.04.2024</a:t>
             </a:fld>
             <a:endParaRPr lang="ru-RU"/>
           </a:p>
@@ -3765,7 +3761,7 @@
           <a:lstStyle/>
           <a:p>
             <a:r>
-              <a:rPr lang="ru-RU" smtClean="0"/>
+              <a:rPr lang="ru-RU"/>
               <a:t>Образец заголовка</a:t>
             </a:r>
             <a:endParaRPr lang="en-US" dirty="0"/>
@@ -3789,7 +3785,7 @@
           <a:p>
             <a:fld id="{289319FC-3B99-49AD-81CA-FE67D43B35DB}" type="datetimeFigureOut">
               <a:rPr lang="ru-RU" smtClean="0"/>
-              <a:t>16.04.2024</a:t>
+              <a:t>19.04.2024</a:t>
             </a:fld>
             <a:endParaRPr lang="ru-RU"/>
           </a:p>
@@ -3884,7 +3880,7 @@
           <a:p>
             <a:fld id="{289319FC-3B99-49AD-81CA-FE67D43B35DB}" type="datetimeFigureOut">
               <a:rPr lang="ru-RU" smtClean="0"/>
-              <a:t>16.04.2024</a:t>
+              <a:t>19.04.2024</a:t>
             </a:fld>
             <a:endParaRPr lang="ru-RU"/>
           </a:p>
@@ -3989,7 +3985,7 @@
           </a:lstStyle>
           <a:p>
             <a:r>
-              <a:rPr lang="ru-RU" smtClean="0"/>
+              <a:rPr lang="ru-RU"/>
               <a:t>Образец заголовка</a:t>
             </a:r>
             <a:endParaRPr lang="en-US" dirty="0"/>
@@ -4020,35 +4016,35 @@
           <a:p>
             <a:pPr lvl="0"/>
             <a:r>
-              <a:rPr lang="ru-RU" smtClean="0"/>
+              <a:rPr lang="ru-RU"/>
               <a:t>Образец текста</a:t>
             </a:r>
           </a:p>
           <a:p>
             <a:pPr lvl="1"/>
             <a:r>
-              <a:rPr lang="ru-RU" smtClean="0"/>
+              <a:rPr lang="ru-RU"/>
               <a:t>Второй уровень</a:t>
             </a:r>
           </a:p>
           <a:p>
             <a:pPr lvl="2"/>
             <a:r>
-              <a:rPr lang="ru-RU" smtClean="0"/>
+              <a:rPr lang="ru-RU"/>
               <a:t>Третий уровень</a:t>
             </a:r>
           </a:p>
           <a:p>
             <a:pPr lvl="3"/>
             <a:r>
-              <a:rPr lang="ru-RU" smtClean="0"/>
+              <a:rPr lang="ru-RU"/>
               <a:t>Четвертый уровень</a:t>
             </a:r>
           </a:p>
           <a:p>
             <a:pPr lvl="4"/>
             <a:r>
-              <a:rPr lang="ru-RU" smtClean="0"/>
+              <a:rPr lang="ru-RU"/>
               <a:t>Пятый уровень</a:t>
             </a:r>
             <a:endParaRPr lang="en-US" dirty="0"/>
@@ -4116,7 +4112,7 @@
           <a:p>
             <a:pPr lvl="0"/>
             <a:r>
-              <a:rPr lang="ru-RU" smtClean="0"/>
+              <a:rPr lang="ru-RU"/>
               <a:t>Образец текста</a:t>
             </a:r>
           </a:p>
@@ -4139,7 +4135,7 @@
           <a:p>
             <a:fld id="{289319FC-3B99-49AD-81CA-FE67D43B35DB}" type="datetimeFigureOut">
               <a:rPr lang="ru-RU" smtClean="0"/>
-              <a:t>16.04.2024</a:t>
+              <a:t>19.04.2024</a:t>
             </a:fld>
             <a:endParaRPr lang="ru-RU"/>
           </a:p>
@@ -4244,7 +4240,7 @@
           </a:lstStyle>
           <a:p>
             <a:r>
-              <a:rPr lang="ru-RU" smtClean="0"/>
+              <a:rPr lang="ru-RU"/>
               <a:t>Образец заголовка</a:t>
             </a:r>
             <a:endParaRPr lang="en-US" dirty="0"/>
@@ -4331,7 +4327,7 @@
           </a:lstStyle>
           <a:p>
             <a:r>
-              <a:rPr lang="ru-RU" smtClean="0"/>
+              <a:rPr lang="ru-RU"/>
               <a:t>Вставка рисунка</a:t>
             </a:r>
             <a:endParaRPr lang="en-US" dirty="0"/>
@@ -4399,7 +4395,7 @@
           <a:p>
             <a:pPr lvl="0"/>
             <a:r>
-              <a:rPr lang="ru-RU" smtClean="0"/>
+              <a:rPr lang="ru-RU"/>
               <a:t>Образец текста</a:t>
             </a:r>
           </a:p>
@@ -4422,7 +4418,7 @@
           <a:p>
             <a:fld id="{289319FC-3B99-49AD-81CA-FE67D43B35DB}" type="datetimeFigureOut">
               <a:rPr lang="ru-RU" smtClean="0"/>
-              <a:t>16.04.2024</a:t>
+              <a:t>19.04.2024</a:t>
             </a:fld>
             <a:endParaRPr lang="ru-RU"/>
           </a:p>
@@ -4722,7 +4718,7 @@
           <a:lstStyle/>
           <a:p>
             <a:r>
-              <a:rPr lang="ru-RU" smtClean="0"/>
+              <a:rPr lang="ru-RU"/>
               <a:t>Образец заголовка</a:t>
             </a:r>
             <a:endParaRPr lang="en-US" dirty="0"/>
@@ -4756,35 +4752,35 @@
           <a:p>
             <a:pPr lvl="0"/>
             <a:r>
-              <a:rPr lang="ru-RU" smtClean="0"/>
+              <a:rPr lang="ru-RU"/>
               <a:t>Образец текста</a:t>
             </a:r>
           </a:p>
           <a:p>
             <a:pPr lvl="1"/>
             <a:r>
-              <a:rPr lang="ru-RU" smtClean="0"/>
+              <a:rPr lang="ru-RU"/>
               <a:t>Второй уровень</a:t>
             </a:r>
           </a:p>
           <a:p>
             <a:pPr lvl="2"/>
             <a:r>
-              <a:rPr lang="ru-RU" smtClean="0"/>
+              <a:rPr lang="ru-RU"/>
               <a:t>Третий уровень</a:t>
             </a:r>
           </a:p>
           <a:p>
             <a:pPr lvl="3"/>
             <a:r>
-              <a:rPr lang="ru-RU" smtClean="0"/>
+              <a:rPr lang="ru-RU"/>
               <a:t>Четвертый уровень</a:t>
             </a:r>
           </a:p>
           <a:p>
             <a:pPr lvl="4"/>
             <a:r>
-              <a:rPr lang="ru-RU" smtClean="0"/>
+              <a:rPr lang="ru-RU"/>
               <a:t>Пятый уровень</a:t>
             </a:r>
             <a:endParaRPr lang="en-US" dirty="0"/>
@@ -4828,7 +4824,7 @@
           <a:p>
             <a:fld id="{289319FC-3B99-49AD-81CA-FE67D43B35DB}" type="datetimeFigureOut">
               <a:rPr lang="ru-RU" smtClean="0"/>
-              <a:t>16.04.2024</a:t>
+              <a:t>19.04.2024</a:t>
             </a:fld>
             <a:endParaRPr lang="ru-RU"/>
           </a:p>
@@ -5366,10 +5362,9 @@
           <a:lstStyle/>
           <a:p>
             <a:r>
-              <a:rPr lang="ru-RU" dirty="0" smtClean="0"/>
+              <a:rPr lang="ru-RU" dirty="0"/>
               <a:t>Проект «Робот-логист»</a:t>
             </a:r>
-            <a:endParaRPr lang="ru-RU" dirty="0"/>
           </a:p>
         </p:txBody>
       </p:sp>
@@ -5394,17 +5389,20 @@
           <a:lstStyle/>
           <a:p>
             <a:r>
-              <a:rPr lang="ru-RU" dirty="0" smtClean="0"/>
+              <a:rPr lang="ru-RU" dirty="0"/>
               <a:t>Выполнили: Селин Андрей Сергеевич</a:t>
             </a:r>
             <a:br>
-              <a:rPr lang="ru-RU" dirty="0" smtClean="0"/>
+              <a:rPr lang="ru-RU" dirty="0"/>
             </a:br>
             <a:r>
-              <a:rPr lang="ru-RU" dirty="0" smtClean="0"/>
-              <a:t>                     _______ Тамара __________</a:t>
-            </a:r>
-            <a:endParaRPr lang="ru-RU" dirty="0"/>
+              <a:rPr lang="ru-RU"/>
+              <a:t>                      Матухова</a:t>
+            </a:r>
+            <a:r>
+              <a:rPr lang="ru-RU" dirty="0"/>
+              <a:t> Тамара Романовна</a:t>
+            </a:r>
           </a:p>
         </p:txBody>
       </p:sp>
@@ -5418,109 +5416,6 @@
   <p:clrMapOvr>
     <a:masterClrMapping/>
   </p:clrMapOvr>
-  <p:timing>
-    <p:tnLst>
-      <p:par>
-        <p:cTn id="1" dur="indefinite" restart="never" nodeType="tmRoot"/>
-      </p:par>
-    </p:tnLst>
-  </p:timing>
-</p:sld>
-</file>
-
-<file path=ppt/slides/slide10.xml><?xml version="1.0" encoding="utf-8"?>
-<p:sld xmlns:a="http://schemas.openxmlformats.org/drawingml/2006/main" xmlns:r="http://schemas.openxmlformats.org/officeDocument/2006/relationships" xmlns:p="http://schemas.openxmlformats.org/presentationml/2006/main">
-  <p:cSld>
-    <p:spTree>
-      <p:nvGrpSpPr>
-        <p:cNvPr id="1" name=""/>
-        <p:cNvGrpSpPr/>
-        <p:nvPr/>
-      </p:nvGrpSpPr>
-      <p:grpSpPr>
-        <a:xfrm>
-          <a:off x="0" y="0"/>
-          <a:ext cx="0" cy="0"/>
-          <a:chOff x="0" y="0"/>
-          <a:chExt cx="0" cy="0"/>
-        </a:xfrm>
-      </p:grpSpPr>
-      <p:sp>
-        <p:nvSpPr>
-          <p:cNvPr id="2" name="Заголовок 1"/>
-          <p:cNvSpPr>
-            <a:spLocks noGrp="1"/>
-          </p:cNvSpPr>
-          <p:nvPr>
-            <p:ph type="title"/>
-          </p:nvPr>
-        </p:nvSpPr>
-        <p:spPr>
-          <a:xfrm>
-            <a:off x="684212" y="685800"/>
-            <a:ext cx="8534400" cy="1507067"/>
-          </a:xfrm>
-        </p:spPr>
-        <p:txBody>
-          <a:bodyPr/>
-          <a:lstStyle/>
-          <a:p>
-            <a:r>
-              <a:rPr lang="ru-RU" dirty="0" smtClean="0"/>
-              <a:t>Заключение</a:t>
-            </a:r>
-            <a:endParaRPr lang="ru-RU" dirty="0"/>
-          </a:p>
-        </p:txBody>
-      </p:sp>
-      <p:sp>
-        <p:nvSpPr>
-          <p:cNvPr id="3" name="Объект 2"/>
-          <p:cNvSpPr>
-            <a:spLocks noGrp="1"/>
-          </p:cNvSpPr>
-          <p:nvPr>
-            <p:ph idx="1"/>
-          </p:nvPr>
-        </p:nvSpPr>
-        <p:spPr>
-          <a:xfrm>
-            <a:off x="684212" y="2133601"/>
-            <a:ext cx="8534400" cy="4324863"/>
-          </a:xfrm>
-        </p:spPr>
-        <p:txBody>
-          <a:bodyPr/>
-          <a:lstStyle/>
-          <a:p>
-            <a:pPr marL="0" indent="0">
-              <a:buNone/>
-            </a:pPr>
-            <a:r>
-              <a:rPr lang="ru-RU" dirty="0" smtClean="0"/>
-              <a:t>В текущем состоянии наш робот способен выполнять главную задачу, он в состоянии ездить по графу</a:t>
-            </a:r>
-            <a:endParaRPr lang="ru-RU" dirty="0"/>
-          </a:p>
-        </p:txBody>
-      </p:sp>
-    </p:spTree>
-    <p:extLst>
-      <p:ext uri="{BB962C8B-B14F-4D97-AF65-F5344CB8AC3E}">
-        <p14:creationId xmlns:p14="http://schemas.microsoft.com/office/powerpoint/2010/main" val="52305158"/>
-      </p:ext>
-    </p:extLst>
-  </p:cSld>
-  <p:clrMapOvr>
-    <a:masterClrMapping/>
-  </p:clrMapOvr>
-  <p:timing>
-    <p:tnLst>
-      <p:par>
-        <p:cTn id="1" dur="indefinite" restart="never" nodeType="tmRoot"/>
-      </p:par>
-    </p:tnLst>
-  </p:timing>
 </p:sld>
 </file>
 
@@ -5562,10 +5457,9 @@
           <a:lstStyle/>
           <a:p>
             <a:r>
-              <a:rPr lang="ru-RU" dirty="0" smtClean="0"/>
+              <a:rPr lang="ru-RU" dirty="0"/>
               <a:t>Цель проекта</a:t>
             </a:r>
-            <a:endParaRPr lang="ru-RU" dirty="0"/>
           </a:p>
         </p:txBody>
       </p:sp>
@@ -5594,29 +5488,17 @@
             </a:pPr>
             <a:r>
               <a:rPr lang="ru-RU" dirty="0"/>
-              <a:t>С</a:t>
-            </a:r>
-            <a:r>
-              <a:rPr lang="ru-RU" dirty="0" smtClean="0"/>
-              <a:t>оздать робота-логиста, который может передвигаться между назначенными </a:t>
-            </a:r>
-            <a:r>
-              <a:rPr lang="ru-RU" dirty="0" smtClean="0"/>
-              <a:t>точкам</a:t>
-            </a:r>
-            <a:r>
-              <a:rPr lang="ru-RU" dirty="0" smtClean="0"/>
-              <a:t>и,</a:t>
-            </a:r>
-            <a:r>
-              <a:rPr lang="en-US" dirty="0" smtClean="0"/>
+              <a:t>Создать робота-логиста, который может передвигаться между назначенными точками</a:t>
+            </a:r>
+            <a:r>
+              <a:rPr lang="en-US" dirty="0"/>
               <a:t> </a:t>
             </a:r>
             <a:r>
-              <a:rPr lang="ru-RU" dirty="0" smtClean="0"/>
+              <a:rPr lang="ru-RU" dirty="0"/>
               <a:t>и приложение, которое будет осуществлять связь между потребителем и роботом</a:t>
             </a:r>
-            <a:endParaRPr lang="en-US" dirty="0" smtClean="0"/>
+            <a:endParaRPr lang="en-US" dirty="0"/>
           </a:p>
         </p:txBody>
       </p:sp>
@@ -5630,13 +5512,6 @@
   <p:clrMapOvr>
     <a:masterClrMapping/>
   </p:clrMapOvr>
-  <p:timing>
-    <p:tnLst>
-      <p:par>
-        <p:cTn id="1" dur="indefinite" restart="never" nodeType="tmRoot"/>
-      </p:par>
-    </p:tnLst>
-  </p:timing>
 </p:sld>
 </file>
 
@@ -5678,10 +5553,9 @@
           <a:lstStyle/>
           <a:p>
             <a:r>
-              <a:rPr lang="ru-RU" dirty="0" smtClean="0"/>
+              <a:rPr lang="ru-RU" dirty="0"/>
               <a:t>Задачи ПРОЕКТА</a:t>
             </a:r>
-            <a:endParaRPr lang="ru-RU" dirty="0"/>
           </a:p>
         </p:txBody>
       </p:sp>
@@ -5706,33 +5580,33 @@
           <a:lstStyle/>
           <a:p>
             <a:r>
-              <a:rPr lang="ru-RU" dirty="0" smtClean="0"/>
+              <a:rPr lang="ru-RU" dirty="0"/>
               <a:t>Написать рабочую программу к роботу</a:t>
             </a:r>
             <a:r>
-              <a:rPr lang="en-US" dirty="0" smtClean="0"/>
+              <a:rPr lang="en-US" dirty="0"/>
               <a:t> </a:t>
             </a:r>
             <a:r>
-              <a:rPr lang="ru-RU" dirty="0" smtClean="0"/>
+              <a:rPr lang="ru-RU" dirty="0"/>
               <a:t>для движения по полигону в виде графа</a:t>
             </a:r>
           </a:p>
           <a:p>
             <a:r>
-              <a:rPr lang="ru-RU" dirty="0" smtClean="0"/>
+              <a:rPr lang="ru-RU" dirty="0"/>
               <a:t>Написать приложение с понятным оформлением </a:t>
             </a:r>
-            <a:endParaRPr lang="en-US" dirty="0" smtClean="0"/>
-          </a:p>
-          <a:p>
-            <a:r>
-              <a:rPr lang="ru-RU" dirty="0" smtClean="0"/>
+            <a:endParaRPr lang="en-US" dirty="0"/>
+          </a:p>
+          <a:p>
+            <a:r>
+              <a:rPr lang="ru-RU" dirty="0"/>
               <a:t>Организовать связь между приложением на компьютере и роботом</a:t>
             </a:r>
           </a:p>
           <a:p>
-            <a:endParaRPr lang="en-US" dirty="0" smtClean="0"/>
+            <a:endParaRPr lang="en-US" dirty="0"/>
           </a:p>
         </p:txBody>
       </p:sp>
@@ -5746,13 +5620,6 @@
   <p:clrMapOvr>
     <a:masterClrMapping/>
   </p:clrMapOvr>
-  <p:timing>
-    <p:tnLst>
-      <p:par>
-        <p:cTn id="1" dur="indefinite" restart="never" nodeType="tmRoot"/>
-      </p:par>
-    </p:tnLst>
-  </p:timing>
 </p:sld>
 </file>
 
@@ -5794,10 +5661,9 @@
           <a:lstStyle/>
           <a:p>
             <a:r>
-              <a:rPr lang="ru-RU" dirty="0" smtClean="0"/>
+              <a:rPr lang="ru-RU" dirty="0"/>
               <a:t>РОБОТ</a:t>
             </a:r>
-            <a:endParaRPr lang="ru-RU" dirty="0"/>
           </a:p>
         </p:txBody>
       </p:sp>
@@ -5821,67 +5687,20 @@
           <a:bodyPr/>
           <a:lstStyle/>
           <a:p>
-            <a:r>
-              <a:rPr lang="ru-RU" dirty="0" smtClean="0"/>
-              <a:t>Робот собран на фанерной </a:t>
-            </a:r>
-            <a:r>
-              <a:rPr lang="ru-RU" dirty="0" smtClean="0"/>
-              <a:t>основе</a:t>
-            </a:r>
-          </a:p>
-          <a:p>
+            <a:pPr marL="0" indent="0">
+              <a:buNone/>
+            </a:pPr>
             <a:r>
               <a:rPr lang="ru-RU" dirty="0"/>
-              <a:t>О</a:t>
-            </a:r>
-            <a:r>
-              <a:rPr lang="ru-RU" dirty="0" smtClean="0"/>
-              <a:t>снащён </a:t>
-            </a:r>
-            <a:r>
-              <a:rPr lang="ru-RU" dirty="0" smtClean="0"/>
-              <a:t>2-мя цифровыми датчиками </a:t>
-            </a:r>
-            <a:r>
-              <a:rPr lang="ru-RU" dirty="0" smtClean="0"/>
-              <a:t>освещённости</a:t>
-            </a:r>
-          </a:p>
-          <a:p>
-            <a:r>
-              <a:rPr lang="ru-RU" dirty="0" smtClean="0"/>
-              <a:t>Имеет 2 мотора </a:t>
-            </a:r>
-            <a:r>
-              <a:rPr lang="ru-RU" dirty="0" smtClean="0"/>
-              <a:t>для </a:t>
-            </a:r>
-            <a:r>
-              <a:rPr lang="ru-RU" dirty="0" smtClean="0"/>
-              <a:t>езды </a:t>
-            </a:r>
-          </a:p>
-          <a:p>
-            <a:r>
-              <a:rPr lang="ru-RU" dirty="0" smtClean="0"/>
-              <a:t>Управление </a:t>
-            </a:r>
-            <a:r>
-              <a:rPr lang="ru-RU" dirty="0" smtClean="0"/>
-              <a:t>осуществляется через плату </a:t>
-            </a:r>
-            <a:r>
-              <a:rPr lang="en-US" dirty="0" smtClean="0"/>
+              <a:t>Робот собран на фанерной основе, оснащён 2-мя цифровыми датчиками освещённости, 2 моторами для езды. Управление осуществляется через плату </a:t>
+            </a:r>
+            <a:r>
+              <a:rPr lang="en-US" dirty="0"/>
               <a:t>Arduino Mega</a:t>
             </a:r>
             <a:r>
-              <a:rPr lang="ru-RU" dirty="0" smtClean="0"/>
-              <a:t> и расширитель для платы с драйверами моторов</a:t>
-            </a:r>
-            <a:r>
-              <a:rPr lang="ru-RU" dirty="0" smtClean="0"/>
-              <a:t>.</a:t>
+              <a:rPr lang="ru-RU" dirty="0"/>
+              <a:t> и расширитель для платы с драйверами моторов.</a:t>
             </a:r>
           </a:p>
         </p:txBody>
@@ -5896,13 +5715,6 @@
   <p:clrMapOvr>
     <a:masterClrMapping/>
   </p:clrMapOvr>
-  <p:timing>
-    <p:tnLst>
-      <p:par>
-        <p:cTn id="1" dur="indefinite" restart="never" nodeType="tmRoot"/>
-      </p:par>
-    </p:tnLst>
-  </p:timing>
 </p:sld>
 </file>
 
@@ -5944,10 +5756,9 @@
           <a:lstStyle/>
           <a:p>
             <a:r>
-              <a:rPr lang="ru-RU" dirty="0" smtClean="0"/>
-              <a:t>РОБОТ</a:t>
-            </a:r>
-            <a:endParaRPr lang="ru-RU" dirty="0"/>
+              <a:rPr lang="ru-RU" dirty="0"/>
+              <a:t>ПРИЛОЖЕНИЕ</a:t>
+            </a:r>
           </a:p>
         </p:txBody>
       </p:sp>
@@ -5972,183 +5783,38 @@
           <a:lstStyle/>
           <a:p>
             <a:r>
-              <a:rPr lang="ru-RU" dirty="0" smtClean="0"/>
-              <a:t>Программа написана на </a:t>
-            </a:r>
-            <a:r>
-              <a:rPr lang="en-US" dirty="0" smtClean="0"/>
+              <a:rPr lang="ru-RU" dirty="0"/>
+              <a:t>Приложение было написано на языке </a:t>
+            </a:r>
+            <a:r>
+              <a:rPr lang="en-US" dirty="0"/>
               <a:t>C++</a:t>
             </a:r>
             <a:r>
               <a:rPr lang="ru-RU" dirty="0"/>
-              <a:t> </a:t>
-            </a:r>
-            <a:r>
-              <a:rPr lang="ru-RU" dirty="0" smtClean="0"/>
-              <a:t>и представляет собой конечный автомат</a:t>
-            </a:r>
-          </a:p>
-          <a:p>
-            <a:r>
-              <a:rPr lang="ru-RU" dirty="0" smtClean="0"/>
-              <a:t>Робот постоянно отправляет на компьютер свой статус, который отображается в приложении</a:t>
-            </a:r>
-          </a:p>
-          <a:p>
-            <a:r>
-              <a:rPr lang="ru-RU" dirty="0" smtClean="0"/>
-              <a:t>Движение по линии работает через пропорциональный регулятор (смысла в более продвинутых регуляторах нет из-за достаточно примитивной конструкции)</a:t>
-            </a:r>
-            <a:endParaRPr lang="en-US" dirty="0" smtClean="0"/>
-          </a:p>
-        </p:txBody>
-      </p:sp>
-    </p:spTree>
-    <p:extLst>
-      <p:ext uri="{BB962C8B-B14F-4D97-AF65-F5344CB8AC3E}">
-        <p14:creationId xmlns:p14="http://schemas.microsoft.com/office/powerpoint/2010/main" val="1292651629"/>
-      </p:ext>
-    </p:extLst>
-  </p:cSld>
-  <p:clrMapOvr>
-    <a:masterClrMapping/>
-  </p:clrMapOvr>
-  <p:timing>
-    <p:tnLst>
-      <p:par>
-        <p:cTn id="1" dur="indefinite" restart="never" nodeType="tmRoot"/>
-      </p:par>
-    </p:tnLst>
-  </p:timing>
-</p:sld>
-</file>
-
-<file path=ppt/slides/slide6.xml><?xml version="1.0" encoding="utf-8"?>
-<p:sld xmlns:a="http://schemas.openxmlformats.org/drawingml/2006/main" xmlns:r="http://schemas.openxmlformats.org/officeDocument/2006/relationships" xmlns:p="http://schemas.openxmlformats.org/presentationml/2006/main">
-  <p:cSld>
-    <p:spTree>
-      <p:nvGrpSpPr>
-        <p:cNvPr id="1" name=""/>
-        <p:cNvGrpSpPr/>
-        <p:nvPr/>
-      </p:nvGrpSpPr>
-      <p:grpSpPr>
-        <a:xfrm>
-          <a:off x="0" y="0"/>
-          <a:ext cx="0" cy="0"/>
-          <a:chOff x="0" y="0"/>
-          <a:chExt cx="0" cy="0"/>
-        </a:xfrm>
-      </p:grpSpPr>
-      <p:sp>
-        <p:nvSpPr>
-          <p:cNvPr id="2" name="Заголовок 1"/>
-          <p:cNvSpPr>
-            <a:spLocks noGrp="1"/>
-          </p:cNvSpPr>
-          <p:nvPr>
-            <p:ph type="title"/>
-          </p:nvPr>
-        </p:nvSpPr>
-        <p:spPr>
-          <a:xfrm>
-            <a:off x="684212" y="685800"/>
-            <a:ext cx="8534400" cy="1507067"/>
-          </a:xfrm>
-        </p:spPr>
-        <p:txBody>
-          <a:bodyPr/>
-          <a:lstStyle/>
-          <a:p>
-            <a:r>
-              <a:rPr lang="ru-RU" dirty="0" smtClean="0"/>
-              <a:t>ПРИЛОЖЕНИЕ</a:t>
+              <a:t>, с помощью библиотеки </a:t>
+            </a:r>
+            <a:r>
+              <a:rPr lang="en-US" dirty="0" err="1"/>
+              <a:t>RayLib</a:t>
+            </a:r>
+            <a:r>
+              <a:rPr lang="en-US" dirty="0"/>
+              <a:t>. </a:t>
             </a:r>
             <a:endParaRPr lang="ru-RU" dirty="0"/>
           </a:p>
-        </p:txBody>
-      </p:sp>
-      <p:sp>
-        <p:nvSpPr>
-          <p:cNvPr id="3" name="Объект 2"/>
-          <p:cNvSpPr>
-            <a:spLocks noGrp="1"/>
-          </p:cNvSpPr>
-          <p:nvPr>
-            <p:ph idx="1"/>
-          </p:nvPr>
-        </p:nvSpPr>
-        <p:spPr>
-          <a:xfrm>
-            <a:off x="684212" y="2133601"/>
-            <a:ext cx="8534400" cy="4324863"/>
-          </a:xfrm>
-        </p:spPr>
-        <p:txBody>
-          <a:bodyPr/>
-          <a:lstStyle/>
-          <a:p>
-            <a:r>
-              <a:rPr lang="ru-RU" dirty="0" smtClean="0"/>
-              <a:t>Приложение было написано на языке </a:t>
-            </a:r>
-            <a:r>
-              <a:rPr lang="en-US" dirty="0" smtClean="0"/>
-              <a:t>C++</a:t>
-            </a:r>
-            <a:r>
-              <a:rPr lang="ru-RU" dirty="0" smtClean="0"/>
-              <a:t>, с помощью библиотеки </a:t>
-            </a:r>
-            <a:r>
-              <a:rPr lang="en-US" dirty="0" err="1" smtClean="0"/>
-              <a:t>RayLib</a:t>
-            </a:r>
-            <a:r>
-              <a:rPr lang="en-US" dirty="0" smtClean="0"/>
-              <a:t>. </a:t>
-            </a:r>
-            <a:endParaRPr lang="ru-RU" dirty="0" smtClean="0"/>
-          </a:p>
-          <a:p>
-            <a:endParaRPr lang="ru-RU" dirty="0" smtClean="0"/>
-          </a:p>
-          <a:p>
-            <a:r>
-              <a:rPr lang="ru-RU" dirty="0" smtClean="0"/>
+          <a:p>
+            <a:r>
+              <a:rPr lang="ru-RU" dirty="0"/>
               <a:t>Основное меню позволяет оформить и отправить заказ роботу. </a:t>
             </a:r>
-            <a:endParaRPr lang="ru-RU" dirty="0" smtClean="0"/>
-          </a:p>
-          <a:p>
-            <a:endParaRPr lang="ru-RU" dirty="0" smtClean="0"/>
-          </a:p>
-          <a:p>
-            <a:r>
-              <a:rPr lang="ru-RU" dirty="0" smtClean="0"/>
-              <a:t>Как только заказ достигает первого места в очереди, и робот </a:t>
-            </a:r>
-            <a:r>
-              <a:rPr lang="ru-RU" dirty="0" smtClean="0"/>
-              <a:t>состоянии</a:t>
-            </a:r>
-            <a:r>
-              <a:rPr lang="en-US" dirty="0"/>
-              <a:t> </a:t>
-            </a:r>
-            <a:r>
-              <a:rPr lang="ru-RU" dirty="0" smtClean="0"/>
-              <a:t>его принять</a:t>
-            </a:r>
-            <a:r>
-              <a:rPr lang="ru-RU" dirty="0" smtClean="0"/>
-              <a:t>, </a:t>
-            </a:r>
-            <a:r>
-              <a:rPr lang="ru-RU" dirty="0" smtClean="0"/>
-              <a:t>заказ отправляется.  </a:t>
-            </a:r>
-            <a:endParaRPr lang="ru-RU" dirty="0"/>
+          </a:p>
+          <a:p>
+            <a:r>
+              <a:rPr lang="ru-RU" dirty="0"/>
+              <a:t>Как только заказ достигает первого места в очереди, и робот в готовом состоянии, заказ отправляется.  </a:t>
+            </a:r>
           </a:p>
         </p:txBody>
       </p:sp>
@@ -6191,17 +5857,10 @@
   <p:clrMapOvr>
     <a:masterClrMapping/>
   </p:clrMapOvr>
-  <p:timing>
-    <p:tnLst>
-      <p:par>
-        <p:cTn id="1" dur="indefinite" restart="never" nodeType="tmRoot"/>
-      </p:par>
-    </p:tnLst>
-  </p:timing>
 </p:sld>
 </file>
 
-<file path=ppt/slides/slide7.xml><?xml version="1.0" encoding="utf-8"?>
+<file path=ppt/slides/slide6.xml><?xml version="1.0" encoding="utf-8"?>
 <p:sld xmlns:a="http://schemas.openxmlformats.org/drawingml/2006/main" xmlns:r="http://schemas.openxmlformats.org/officeDocument/2006/relationships" xmlns:p="http://schemas.openxmlformats.org/presentationml/2006/main">
   <p:cSld>
     <p:spTree>
@@ -6230,407 +5889,6 @@
         </p:nvSpPr>
         <p:spPr>
           <a:xfrm>
-            <a:off x="684212" y="59724"/>
-            <a:ext cx="8534400" cy="1507067"/>
-          </a:xfrm>
-        </p:spPr>
-        <p:txBody>
-          <a:bodyPr/>
-          <a:lstStyle/>
-          <a:p>
-            <a:r>
-              <a:rPr lang="ru-RU" dirty="0" smtClean="0"/>
-              <a:t>Разделение приложения</a:t>
-            </a:r>
-            <a:endParaRPr lang="ru-RU" dirty="0"/>
-          </a:p>
-        </p:txBody>
-      </p:sp>
-      <p:sp>
-        <p:nvSpPr>
-          <p:cNvPr id="3" name="Объект 2"/>
-          <p:cNvSpPr>
-            <a:spLocks noGrp="1"/>
-          </p:cNvSpPr>
-          <p:nvPr>
-            <p:ph idx="1"/>
-          </p:nvPr>
-        </p:nvSpPr>
-        <p:spPr>
-          <a:xfrm>
-            <a:off x="684212" y="1474574"/>
-            <a:ext cx="11178274" cy="4728518"/>
-          </a:xfrm>
-        </p:spPr>
-        <p:txBody>
-          <a:bodyPr/>
-          <a:lstStyle/>
-          <a:p>
-            <a:pPr marL="457200" indent="-457200">
-              <a:buFont typeface="+mj-lt"/>
-              <a:buAutoNum type="arabicPeriod"/>
-            </a:pPr>
-            <a:r>
-              <a:rPr lang="en-US" dirty="0" smtClean="0"/>
-              <a:t>SRC</a:t>
-            </a:r>
-            <a:r>
-              <a:rPr lang="ru-RU" dirty="0" smtClean="0"/>
-              <a:t> (ядро программы)</a:t>
-            </a:r>
-            <a:endParaRPr lang="en-US" dirty="0" smtClean="0"/>
-          </a:p>
-          <a:p>
-            <a:pPr marL="914400" lvl="1" indent="-457200">
-              <a:buFont typeface="+mj-lt"/>
-              <a:buAutoNum type="arabicPeriod"/>
-            </a:pPr>
-            <a:r>
-              <a:rPr lang="en-US" dirty="0" smtClean="0"/>
-              <a:t>Main (</a:t>
-            </a:r>
-            <a:r>
-              <a:rPr lang="ru-RU" dirty="0" smtClean="0"/>
-              <a:t>основной файл)</a:t>
-            </a:r>
-            <a:endParaRPr lang="en-US" dirty="0" smtClean="0"/>
-          </a:p>
-          <a:p>
-            <a:pPr marL="914400" lvl="1" indent="-457200">
-              <a:buFont typeface="+mj-lt"/>
-              <a:buAutoNum type="arabicPeriod"/>
-            </a:pPr>
-            <a:r>
-              <a:rPr lang="en-US" dirty="0" smtClean="0"/>
-              <a:t>App</a:t>
-            </a:r>
-            <a:r>
-              <a:rPr lang="ru-RU" dirty="0" smtClean="0"/>
-              <a:t> (логика и </a:t>
-            </a:r>
-            <a:r>
-              <a:rPr lang="ru-RU" dirty="0" err="1" smtClean="0"/>
-              <a:t>отрисовка</a:t>
-            </a:r>
-            <a:r>
-              <a:rPr lang="ru-RU" dirty="0" smtClean="0"/>
-              <a:t> приложения)</a:t>
-            </a:r>
-            <a:endParaRPr lang="en-US" dirty="0" smtClean="0"/>
-          </a:p>
-          <a:p>
-            <a:pPr marL="457200" indent="-457200">
-              <a:buFont typeface="+mj-lt"/>
-              <a:buAutoNum type="arabicPeriod"/>
-            </a:pPr>
-            <a:r>
-              <a:rPr lang="en-US" dirty="0" smtClean="0"/>
-              <a:t>Classes</a:t>
-            </a:r>
-            <a:r>
-              <a:rPr lang="ru-RU" dirty="0" smtClean="0"/>
-              <a:t> (классы)</a:t>
-            </a:r>
-            <a:endParaRPr lang="en-US" dirty="0" smtClean="0"/>
-          </a:p>
-          <a:p>
-            <a:pPr marL="914400" lvl="1" indent="-457200">
-              <a:buFont typeface="+mj-lt"/>
-              <a:buAutoNum type="arabicPeriod"/>
-            </a:pPr>
-            <a:r>
-              <a:rPr lang="en-US" dirty="0" smtClean="0"/>
-              <a:t>Button</a:t>
-            </a:r>
-            <a:r>
-              <a:rPr lang="ru-RU" dirty="0" smtClean="0"/>
-              <a:t> (одиночная кнопка без текстур)</a:t>
-            </a:r>
-            <a:endParaRPr lang="en-US" dirty="0" smtClean="0"/>
-          </a:p>
-          <a:p>
-            <a:pPr marL="914400" lvl="1" indent="-457200">
-              <a:buFont typeface="+mj-lt"/>
-              <a:buAutoNum type="arabicPeriod"/>
-            </a:pPr>
-            <a:r>
-              <a:rPr lang="en-US" dirty="0" smtClean="0"/>
-              <a:t>Graf</a:t>
-            </a:r>
-            <a:r>
-              <a:rPr lang="ru-RU" dirty="0" smtClean="0"/>
-              <a:t> (описание графа, по которому ездит робот)</a:t>
-            </a:r>
-            <a:endParaRPr lang="en-US" dirty="0" smtClean="0"/>
-          </a:p>
-          <a:p>
-            <a:pPr marL="914400" lvl="1" indent="-457200">
-              <a:buFont typeface="+mj-lt"/>
-              <a:buAutoNum type="arabicPeriod"/>
-            </a:pPr>
-            <a:r>
-              <a:rPr lang="en-US" dirty="0" smtClean="0"/>
-              <a:t>Queue</a:t>
-            </a:r>
-            <a:r>
-              <a:rPr lang="ru-RU" dirty="0" smtClean="0"/>
-              <a:t> (очередь, отправка запроса)</a:t>
-            </a:r>
-            <a:endParaRPr lang="en-US" dirty="0" smtClean="0"/>
-          </a:p>
-          <a:p>
-            <a:pPr marL="914400" lvl="1" indent="-457200">
-              <a:buFont typeface="+mj-lt"/>
-              <a:buAutoNum type="arabicPeriod"/>
-            </a:pPr>
-            <a:r>
-              <a:rPr lang="en-US" dirty="0" err="1" smtClean="0"/>
-              <a:t>RadioButton</a:t>
-            </a:r>
-            <a:r>
-              <a:rPr lang="ru-RU" dirty="0" smtClean="0"/>
-              <a:t> (кнопка в составе группы, которая может быть активна)</a:t>
-            </a:r>
-            <a:endParaRPr lang="en-US" dirty="0" smtClean="0"/>
-          </a:p>
-          <a:p>
-            <a:pPr marL="914400" lvl="1" indent="-457200">
-              <a:buFont typeface="+mj-lt"/>
-              <a:buAutoNum type="arabicPeriod"/>
-            </a:pPr>
-            <a:r>
-              <a:rPr lang="en-US" dirty="0" err="1" smtClean="0"/>
-              <a:t>RadioButtonControl</a:t>
-            </a:r>
-            <a:r>
-              <a:rPr lang="ru-RU" dirty="0" smtClean="0"/>
-              <a:t> (управление группой радиокнопок)</a:t>
-            </a:r>
-            <a:endParaRPr lang="en-US" dirty="0" smtClean="0"/>
-          </a:p>
-          <a:p>
-            <a:pPr marL="914400" lvl="1" indent="-457200">
-              <a:buFont typeface="+mj-lt"/>
-              <a:buAutoNum type="arabicPeriod"/>
-            </a:pPr>
-            <a:r>
-              <a:rPr lang="en-US" dirty="0" smtClean="0"/>
-              <a:t>Request</a:t>
-            </a:r>
-            <a:r>
-              <a:rPr lang="ru-RU" dirty="0" smtClean="0"/>
-              <a:t> (заявка, определение пути и создание алгоритма)</a:t>
-            </a:r>
-            <a:endParaRPr lang="en-US" dirty="0" smtClean="0"/>
-          </a:p>
-          <a:p>
-            <a:pPr marL="914400" lvl="1" indent="-457200">
-              <a:buFont typeface="+mj-lt"/>
-              <a:buAutoNum type="arabicPeriod"/>
-            </a:pPr>
-            <a:r>
-              <a:rPr lang="en-US" dirty="0" err="1" smtClean="0"/>
-              <a:t>Texturebutton</a:t>
-            </a:r>
-            <a:r>
-              <a:rPr lang="ru-RU" dirty="0" smtClean="0"/>
-              <a:t> (кнопка с текстурой)</a:t>
-            </a:r>
-            <a:endParaRPr lang="en-US" dirty="0" smtClean="0"/>
-          </a:p>
-        </p:txBody>
-      </p:sp>
-    </p:spTree>
-    <p:extLst>
-      <p:ext uri="{BB962C8B-B14F-4D97-AF65-F5344CB8AC3E}">
-        <p14:creationId xmlns:p14="http://schemas.microsoft.com/office/powerpoint/2010/main" val="1137705815"/>
-      </p:ext>
-    </p:extLst>
-  </p:cSld>
-  <p:clrMapOvr>
-    <a:masterClrMapping/>
-  </p:clrMapOvr>
-  <p:timing>
-    <p:tnLst>
-      <p:par>
-        <p:cTn id="1" dur="indefinite" restart="never" nodeType="tmRoot"/>
-      </p:par>
-    </p:tnLst>
-  </p:timing>
-</p:sld>
-</file>
-
-<file path=ppt/slides/slide8.xml><?xml version="1.0" encoding="utf-8"?>
-<p:sld xmlns:a="http://schemas.openxmlformats.org/drawingml/2006/main" xmlns:r="http://schemas.openxmlformats.org/officeDocument/2006/relationships" xmlns:p="http://schemas.openxmlformats.org/presentationml/2006/main">
-  <p:cSld>
-    <p:spTree>
-      <p:nvGrpSpPr>
-        <p:cNvPr id="1" name=""/>
-        <p:cNvGrpSpPr/>
-        <p:nvPr/>
-      </p:nvGrpSpPr>
-      <p:grpSpPr>
-        <a:xfrm>
-          <a:off x="0" y="0"/>
-          <a:ext cx="0" cy="0"/>
-          <a:chOff x="0" y="0"/>
-          <a:chExt cx="0" cy="0"/>
-        </a:xfrm>
-      </p:grpSpPr>
-      <p:sp>
-        <p:nvSpPr>
-          <p:cNvPr id="2" name="Заголовок 1"/>
-          <p:cNvSpPr>
-            <a:spLocks noGrp="1"/>
-          </p:cNvSpPr>
-          <p:nvPr>
-            <p:ph type="title"/>
-          </p:nvPr>
-        </p:nvSpPr>
-        <p:spPr>
-          <a:xfrm>
-            <a:off x="684212" y="59724"/>
-            <a:ext cx="8534400" cy="1507067"/>
-          </a:xfrm>
-        </p:spPr>
-        <p:txBody>
-          <a:bodyPr/>
-          <a:lstStyle/>
-          <a:p>
-            <a:r>
-              <a:rPr lang="ru-RU" dirty="0" smtClean="0"/>
-              <a:t>Заявка</a:t>
-            </a:r>
-          </a:p>
-        </p:txBody>
-      </p:sp>
-      <p:sp>
-        <p:nvSpPr>
-          <p:cNvPr id="3" name="Объект 2"/>
-          <p:cNvSpPr>
-            <a:spLocks noGrp="1"/>
-          </p:cNvSpPr>
-          <p:nvPr>
-            <p:ph idx="1"/>
-          </p:nvPr>
-        </p:nvSpPr>
-        <p:spPr>
-          <a:xfrm>
-            <a:off x="684212" y="1474574"/>
-            <a:ext cx="11178274" cy="4728518"/>
-          </a:xfrm>
-        </p:spPr>
-        <p:txBody>
-          <a:bodyPr/>
-          <a:lstStyle/>
-          <a:p>
-            <a:pPr marL="457200" indent="-457200">
-              <a:buFont typeface="+mj-lt"/>
-              <a:buAutoNum type="arabicPeriod"/>
-            </a:pPr>
-            <a:r>
-              <a:rPr lang="ru-RU" dirty="0" smtClean="0"/>
-              <a:t>Заявка формируется на основе двух входных данных, «откуда» и «куда»</a:t>
-            </a:r>
-          </a:p>
-          <a:p>
-            <a:pPr marL="457200" indent="-457200">
-              <a:buFont typeface="+mj-lt"/>
-              <a:buAutoNum type="arabicPeriod"/>
-            </a:pPr>
-            <a:endParaRPr lang="ru-RU" dirty="0" smtClean="0"/>
-          </a:p>
-          <a:p>
-            <a:pPr marL="457200" indent="-457200">
-              <a:buFont typeface="+mj-lt"/>
-              <a:buAutoNum type="arabicPeriod"/>
-            </a:pPr>
-            <a:r>
-              <a:rPr lang="ru-RU" dirty="0" smtClean="0"/>
-              <a:t>Поиск кратчайшего пути осуществляется по алгоритму </a:t>
-            </a:r>
-            <a:r>
-              <a:rPr lang="ru-RU" dirty="0" err="1"/>
-              <a:t>Д</a:t>
-            </a:r>
-            <a:r>
-              <a:rPr lang="ru-RU" dirty="0" err="1" smtClean="0"/>
-              <a:t>ейкстры</a:t>
-            </a:r>
-            <a:r>
-              <a:rPr lang="ru-RU" dirty="0" smtClean="0"/>
-              <a:t>.</a:t>
-            </a:r>
-          </a:p>
-          <a:p>
-            <a:pPr marL="457200" indent="-457200">
-              <a:buFont typeface="+mj-lt"/>
-              <a:buAutoNum type="arabicPeriod"/>
-            </a:pPr>
-            <a:endParaRPr lang="ru-RU" dirty="0" smtClean="0"/>
-          </a:p>
-          <a:p>
-            <a:pPr marL="457200" indent="-457200">
-              <a:buFont typeface="+mj-lt"/>
-              <a:buAutoNum type="arabicPeriod"/>
-            </a:pPr>
-            <a:r>
-              <a:rPr lang="ru-RU" dirty="0" smtClean="0"/>
-              <a:t>Конвертация из пути в алгоритм</a:t>
-            </a:r>
-            <a:endParaRPr lang="en-US" dirty="0" smtClean="0"/>
-          </a:p>
-        </p:txBody>
-      </p:sp>
-    </p:spTree>
-    <p:extLst>
-      <p:ext uri="{BB962C8B-B14F-4D97-AF65-F5344CB8AC3E}">
-        <p14:creationId xmlns:p14="http://schemas.microsoft.com/office/powerpoint/2010/main" val="470562920"/>
-      </p:ext>
-    </p:extLst>
-  </p:cSld>
-  <p:clrMapOvr>
-    <a:masterClrMapping/>
-  </p:clrMapOvr>
-  <p:timing>
-    <p:tnLst>
-      <p:par>
-        <p:cTn id="1" dur="indefinite" restart="never" nodeType="tmRoot"/>
-      </p:par>
-    </p:tnLst>
-  </p:timing>
-</p:sld>
-</file>
-
-<file path=ppt/slides/slide9.xml><?xml version="1.0" encoding="utf-8"?>
-<p:sld xmlns:a="http://schemas.openxmlformats.org/drawingml/2006/main" xmlns:r="http://schemas.openxmlformats.org/officeDocument/2006/relationships" xmlns:p="http://schemas.openxmlformats.org/presentationml/2006/main">
-  <p:cSld>
-    <p:spTree>
-      <p:nvGrpSpPr>
-        <p:cNvPr id="1" name=""/>
-        <p:cNvGrpSpPr/>
-        <p:nvPr/>
-      </p:nvGrpSpPr>
-      <p:grpSpPr>
-        <a:xfrm>
-          <a:off x="0" y="0"/>
-          <a:ext cx="0" cy="0"/>
-          <a:chOff x="0" y="0"/>
-          <a:chExt cx="0" cy="0"/>
-        </a:xfrm>
-      </p:grpSpPr>
-      <p:sp>
-        <p:nvSpPr>
-          <p:cNvPr id="2" name="Заголовок 1"/>
-          <p:cNvSpPr>
-            <a:spLocks noGrp="1"/>
-          </p:cNvSpPr>
-          <p:nvPr>
-            <p:ph type="title"/>
-          </p:nvPr>
-        </p:nvSpPr>
-        <p:spPr>
-          <a:xfrm>
             <a:off x="684212" y="685800"/>
             <a:ext cx="8534400" cy="1507067"/>
           </a:xfrm>
@@ -6640,10 +5898,9 @@
           <a:lstStyle/>
           <a:p>
             <a:r>
-              <a:rPr lang="ru-RU" dirty="0" smtClean="0"/>
+              <a:rPr lang="ru-RU" dirty="0"/>
               <a:t>СВЯЗЬ</a:t>
             </a:r>
-            <a:endParaRPr lang="ru-RU" dirty="0"/>
           </a:p>
         </p:txBody>
       </p:sp>
@@ -6659,8 +5916,8 @@
         </p:nvSpPr>
         <p:spPr>
           <a:xfrm>
-            <a:off x="684212" y="1705233"/>
-            <a:ext cx="8534400" cy="4753232"/>
+            <a:off x="684212" y="2133601"/>
+            <a:ext cx="8534400" cy="4324863"/>
           </a:xfrm>
         </p:spPr>
         <p:txBody>
@@ -6670,66 +5927,39 @@
             <a:pPr marL="0" indent="0">
               <a:buNone/>
             </a:pPr>
-            <a:r>
-              <a:rPr lang="ru-RU" dirty="0" smtClean="0"/>
-              <a:t>Связь осуществляется череп </a:t>
-            </a:r>
-            <a:r>
-              <a:rPr lang="ru-RU" dirty="0" err="1" smtClean="0"/>
-              <a:t>радиомодуль</a:t>
-            </a:r>
-            <a:r>
-              <a:rPr lang="ru-RU" dirty="0" smtClean="0"/>
-              <a:t>, подключённый к компьютеру и роботу. Данные о заказе преобразуются в готовый алгоритм, который приходит на робота.</a:t>
-            </a:r>
-          </a:p>
-          <a:p>
-            <a:pPr marL="0" indent="0">
-              <a:buNone/>
-            </a:pPr>
-            <a:r>
-              <a:rPr lang="ru-RU" dirty="0" smtClean="0"/>
-              <a:t>Все действия робота это всего лишь проезд до следующей клетки, поворот до следующей линии направо и налево, поэтому приложение шифрует весь алгоритм до последовательности цифр, пример: «13142133».</a:t>
-            </a:r>
-          </a:p>
-          <a:p>
-            <a:pPr marL="0" indent="0">
-              <a:buNone/>
-            </a:pPr>
-            <a:r>
-              <a:rPr lang="ru-RU" dirty="0" smtClean="0"/>
-              <a:t>«1» – проезд до следующей клетки</a:t>
-            </a:r>
-          </a:p>
-          <a:p>
-            <a:pPr marL="0" indent="0">
-              <a:buNone/>
-            </a:pPr>
-            <a:r>
-              <a:rPr lang="ru-RU" dirty="0" smtClean="0"/>
-              <a:t>«2» - поворот до линии направо</a:t>
-            </a:r>
-          </a:p>
-          <a:p>
-            <a:pPr marL="0" indent="0">
-              <a:buNone/>
-            </a:pPr>
-            <a:r>
-              <a:rPr lang="ru-RU" dirty="0" smtClean="0"/>
-              <a:t>«3» – поворот до линии налево</a:t>
-            </a:r>
-          </a:p>
-          <a:p>
-            <a:pPr marL="0" indent="0">
-              <a:buNone/>
-            </a:pPr>
-            <a:r>
-              <a:rPr lang="ru-RU" dirty="0" smtClean="0"/>
-              <a:t>«4» - разделитель алгоритма на до начальной клетки и после</a:t>
-            </a:r>
-          </a:p>
-        </p:txBody>
-      </p:sp>
+            <a:endParaRPr lang="ru-RU" dirty="0"/>
+          </a:p>
+        </p:txBody>
+      </p:sp>
+      <p:pic>
+        <p:nvPicPr>
+          <p:cNvPr id="4" name="Рисунок 3"/>
+          <p:cNvPicPr>
+            <a:picLocks noChangeAspect="1"/>
+          </p:cNvPicPr>
+          <p:nvPr/>
+        </p:nvPicPr>
+        <p:blipFill rotWithShape="1">
+          <a:blip r:embed="rId2" cstate="print">
+            <a:extLst>
+              <a:ext uri="{28A0092B-C50C-407E-A947-70E740481C1C}">
+                <a14:useLocalDpi xmlns:a14="http://schemas.microsoft.com/office/drawing/2010/main" val="0"/>
+              </a:ext>
+            </a:extLst>
+          </a:blip>
+          <a:srcRect t="60993" b="-1"/>
+          <a:stretch/>
+        </p:blipFill>
+        <p:spPr>
+          <a:xfrm>
+            <a:off x="9080176" y="148281"/>
+            <a:ext cx="2642266" cy="6427480"/>
+          </a:xfrm>
+          <a:prstGeom prst="rect">
+            <a:avLst/>
+          </a:prstGeom>
+        </p:spPr>
+      </p:pic>
     </p:spTree>
     <p:extLst>
       <p:ext uri="{BB962C8B-B14F-4D97-AF65-F5344CB8AC3E}">
@@ -6740,13 +5970,6 @@
   <p:clrMapOvr>
     <a:masterClrMapping/>
   </p:clrMapOvr>
-  <p:timing>
-    <p:tnLst>
-      <p:par>
-        <p:cTn id="1" dur="indefinite" restart="never" nodeType="tmRoot"/>
-      </p:par>
-    </p:tnLst>
-  </p:timing>
 </p:sld>
 </file>
 

--- a/Проект «Робот-логист».pptx
+++ b/Проект «Робот-логист».pptx
@@ -9,8 +9,12 @@
     <p:sldId id="257" r:id="rId3"/>
     <p:sldId id="259" r:id="rId4"/>
     <p:sldId id="260" r:id="rId5"/>
-    <p:sldId id="261" r:id="rId6"/>
-    <p:sldId id="262" r:id="rId7"/>
+    <p:sldId id="266" r:id="rId6"/>
+    <p:sldId id="261" r:id="rId7"/>
+    <p:sldId id="264" r:id="rId8"/>
+    <p:sldId id="265" r:id="rId9"/>
+    <p:sldId id="262" r:id="rId10"/>
+    <p:sldId id="263" r:id="rId11"/>
   </p:sldIdLst>
   <p:sldSz cx="12192000" cy="6858000"/>
   <p:notesSz cx="6858000" cy="9144000"/>
@@ -163,7 +167,7 @@
           </a:lstStyle>
           <a:p>
             <a:r>
-              <a:rPr lang="ru-RU"/>
+              <a:rPr lang="ru-RU" smtClean="0"/>
               <a:t>Образец заголовка</a:t>
             </a:r>
             <a:endParaRPr lang="en-US" dirty="0"/>
@@ -282,7 +286,7 @@
           </a:lstStyle>
           <a:p>
             <a:r>
-              <a:rPr lang="ru-RU"/>
+              <a:rPr lang="ru-RU" smtClean="0"/>
               <a:t>Образец подзаголовка</a:t>
             </a:r>
             <a:endParaRPr lang="en-US" dirty="0"/>
@@ -575,7 +579,7 @@
           <a:lstStyle/>
           <a:p>
             <a:r>
-              <a:rPr lang="ru-RU"/>
+              <a:rPr lang="ru-RU" smtClean="0"/>
               <a:t>Образец заголовка</a:t>
             </a:r>
             <a:endParaRPr lang="en-US" dirty="0"/>
@@ -662,7 +666,7 @@
           </a:lstStyle>
           <a:p>
             <a:r>
-              <a:rPr lang="ru-RU"/>
+              <a:rPr lang="ru-RU" smtClean="0"/>
               <a:t>Вставка рисунка</a:t>
             </a:r>
             <a:endParaRPr lang="en-US" dirty="0"/>
@@ -719,7 +723,7 @@
           <a:p>
             <a:pPr lvl="0"/>
             <a:r>
-              <a:rPr lang="ru-RU"/>
+              <a:rPr lang="ru-RU" smtClean="0"/>
               <a:t>Образец текста</a:t>
             </a:r>
           </a:p>
@@ -847,7 +851,7 @@
           </a:lstStyle>
           <a:p>
             <a:r>
-              <a:rPr lang="ru-RU"/>
+              <a:rPr lang="ru-RU" smtClean="0"/>
               <a:t>Образец заголовка</a:t>
             </a:r>
             <a:endParaRPr lang="en-US" dirty="0"/>
@@ -967,7 +971,7 @@
           <a:p>
             <a:pPr lvl="0"/>
             <a:r>
-              <a:rPr lang="ru-RU"/>
+              <a:rPr lang="ru-RU" smtClean="0"/>
               <a:t>Образец текста</a:t>
             </a:r>
           </a:p>
@@ -1099,7 +1103,7 @@
           </a:lstStyle>
           <a:p>
             <a:r>
-              <a:rPr lang="ru-RU"/>
+              <a:rPr lang="ru-RU" smtClean="0"/>
               <a:t>Образец заголовка</a:t>
             </a:r>
             <a:endParaRPr lang="en-US" dirty="0"/>
@@ -1154,7 +1158,7 @@
           <a:p>
             <a:pPr lvl="0"/>
             <a:r>
-              <a:rPr lang="ru-RU"/>
+              <a:rPr lang="ru-RU" smtClean="0"/>
               <a:t>Образец текста</a:t>
             </a:r>
           </a:p>
@@ -1273,7 +1277,7 @@
           <a:p>
             <a:pPr lvl="0"/>
             <a:r>
-              <a:rPr lang="ru-RU"/>
+              <a:rPr lang="ru-RU" smtClean="0"/>
               <a:t>Образец текста</a:t>
             </a:r>
           </a:p>
@@ -1469,7 +1473,7 @@
           </a:lstStyle>
           <a:p>
             <a:r>
-              <a:rPr lang="ru-RU"/>
+              <a:rPr lang="ru-RU" smtClean="0"/>
               <a:t>Образец заголовка</a:t>
             </a:r>
             <a:endParaRPr lang="en-US" dirty="0"/>
@@ -1589,7 +1593,7 @@
           <a:p>
             <a:pPr lvl="0"/>
             <a:r>
-              <a:rPr lang="ru-RU"/>
+              <a:rPr lang="ru-RU" smtClean="0"/>
               <a:t>Образец текста</a:t>
             </a:r>
           </a:p>
@@ -1721,7 +1725,7 @@
           </a:lstStyle>
           <a:p>
             <a:r>
-              <a:rPr lang="ru-RU"/>
+              <a:rPr lang="ru-RU" smtClean="0"/>
               <a:t>Образец заголовка</a:t>
             </a:r>
             <a:endParaRPr lang="en-US" dirty="0"/>
@@ -1770,7 +1774,7 @@
               <a:buNone/>
             </a:pPr>
             <a:r>
-              <a:rPr lang="ru-RU"/>
+              <a:rPr lang="ru-RU" smtClean="0"/>
               <a:t>Образец текста</a:t>
             </a:r>
           </a:p>
@@ -1889,7 +1893,7 @@
           <a:p>
             <a:pPr lvl="0"/>
             <a:r>
-              <a:rPr lang="ru-RU"/>
+              <a:rPr lang="ru-RU" smtClean="0"/>
               <a:t>Образец текста</a:t>
             </a:r>
           </a:p>
@@ -2086,7 +2090,7 @@
           <a:p>
             <a:pPr marL="0" lvl="0"/>
             <a:r>
-              <a:rPr lang="ru-RU"/>
+              <a:rPr lang="ru-RU" smtClean="0"/>
               <a:t>Образец заголовка</a:t>
             </a:r>
             <a:endParaRPr lang="en-US" dirty="0"/>
@@ -2135,7 +2139,7 @@
               <a:buNone/>
             </a:pPr>
             <a:r>
-              <a:rPr lang="ru-RU"/>
+              <a:rPr lang="ru-RU" smtClean="0"/>
               <a:t>Образец текста</a:t>
             </a:r>
           </a:p>
@@ -2254,7 +2258,7 @@
           <a:p>
             <a:pPr lvl="0"/>
             <a:r>
-              <a:rPr lang="ru-RU"/>
+              <a:rPr lang="ru-RU" smtClean="0"/>
               <a:t>Образец текста</a:t>
             </a:r>
           </a:p>
@@ -2375,7 +2379,7 @@
           </a:lstStyle>
           <a:p>
             <a:r>
-              <a:rPr lang="ru-RU"/>
+              <a:rPr lang="ru-RU" smtClean="0"/>
               <a:t>Образец заголовка</a:t>
             </a:r>
             <a:endParaRPr lang="en-US" dirty="0"/>
@@ -2399,35 +2403,35 @@
           <a:p>
             <a:pPr lvl="0"/>
             <a:r>
-              <a:rPr lang="ru-RU"/>
+              <a:rPr lang="ru-RU" smtClean="0"/>
               <a:t>Образец текста</a:t>
             </a:r>
           </a:p>
           <a:p>
             <a:pPr lvl="1"/>
             <a:r>
-              <a:rPr lang="ru-RU"/>
+              <a:rPr lang="ru-RU" smtClean="0"/>
               <a:t>Второй уровень</a:t>
             </a:r>
           </a:p>
           <a:p>
             <a:pPr lvl="2"/>
             <a:r>
-              <a:rPr lang="ru-RU"/>
+              <a:rPr lang="ru-RU" smtClean="0"/>
               <a:t>Третий уровень</a:t>
             </a:r>
           </a:p>
           <a:p>
             <a:pPr lvl="3"/>
             <a:r>
-              <a:rPr lang="ru-RU"/>
+              <a:rPr lang="ru-RU" smtClean="0"/>
               <a:t>Четвертый уровень</a:t>
             </a:r>
           </a:p>
           <a:p>
             <a:pPr lvl="4"/>
             <a:r>
-              <a:rPr lang="ru-RU"/>
+              <a:rPr lang="ru-RU" smtClean="0"/>
               <a:t>Пятый уровень</a:t>
             </a:r>
             <a:endParaRPr lang="en-US" dirty="0"/>
@@ -2550,7 +2554,7 @@
           <a:lstStyle/>
           <a:p>
             <a:r>
-              <a:rPr lang="ru-RU"/>
+              <a:rPr lang="ru-RU" smtClean="0"/>
               <a:t>Образец заголовка</a:t>
             </a:r>
             <a:endParaRPr lang="en-US" dirty="0"/>
@@ -2579,35 +2583,35 @@
           <a:p>
             <a:pPr lvl="0"/>
             <a:r>
-              <a:rPr lang="ru-RU"/>
+              <a:rPr lang="ru-RU" smtClean="0"/>
               <a:t>Образец текста</a:t>
             </a:r>
           </a:p>
           <a:p>
             <a:pPr lvl="1"/>
             <a:r>
-              <a:rPr lang="ru-RU"/>
+              <a:rPr lang="ru-RU" smtClean="0"/>
               <a:t>Второй уровень</a:t>
             </a:r>
           </a:p>
           <a:p>
             <a:pPr lvl="2"/>
             <a:r>
-              <a:rPr lang="ru-RU"/>
+              <a:rPr lang="ru-RU" smtClean="0"/>
               <a:t>Третий уровень</a:t>
             </a:r>
           </a:p>
           <a:p>
             <a:pPr lvl="3"/>
             <a:r>
-              <a:rPr lang="ru-RU"/>
+              <a:rPr lang="ru-RU" smtClean="0"/>
               <a:t>Четвертый уровень</a:t>
             </a:r>
           </a:p>
           <a:p>
             <a:pPr lvl="4"/>
             <a:r>
-              <a:rPr lang="ru-RU"/>
+              <a:rPr lang="ru-RU" smtClean="0"/>
               <a:t>Пятый уровень</a:t>
             </a:r>
             <a:endParaRPr lang="en-US" dirty="0"/>
@@ -2725,7 +2729,7 @@
           <a:lstStyle/>
           <a:p>
             <a:r>
-              <a:rPr lang="ru-RU"/>
+              <a:rPr lang="ru-RU" smtClean="0"/>
               <a:t>Образец заголовка</a:t>
             </a:r>
             <a:endParaRPr lang="en-US" dirty="0"/>
@@ -2749,35 +2753,35 @@
           <a:p>
             <a:pPr lvl="0"/>
             <a:r>
-              <a:rPr lang="ru-RU"/>
+              <a:rPr lang="ru-RU" smtClean="0"/>
               <a:t>Образец текста</a:t>
             </a:r>
           </a:p>
           <a:p>
             <a:pPr lvl="1"/>
             <a:r>
-              <a:rPr lang="ru-RU"/>
+              <a:rPr lang="ru-RU" smtClean="0"/>
               <a:t>Второй уровень</a:t>
             </a:r>
           </a:p>
           <a:p>
             <a:pPr lvl="2"/>
             <a:r>
-              <a:rPr lang="ru-RU"/>
+              <a:rPr lang="ru-RU" smtClean="0"/>
               <a:t>Третий уровень</a:t>
             </a:r>
           </a:p>
           <a:p>
             <a:pPr lvl="3"/>
             <a:r>
-              <a:rPr lang="ru-RU"/>
+              <a:rPr lang="ru-RU" smtClean="0"/>
               <a:t>Четвертый уровень</a:t>
             </a:r>
           </a:p>
           <a:p>
             <a:pPr lvl="4"/>
             <a:r>
-              <a:rPr lang="ru-RU"/>
+              <a:rPr lang="ru-RU" smtClean="0"/>
               <a:t>Пятый уровень</a:t>
             </a:r>
             <a:endParaRPr lang="en-US" dirty="0"/>
@@ -2906,7 +2910,7 @@
           </a:lstStyle>
           <a:p>
             <a:r>
-              <a:rPr lang="ru-RU"/>
+              <a:rPr lang="ru-RU" smtClean="0"/>
               <a:t>Образец заголовка</a:t>
             </a:r>
             <a:endParaRPr lang="en-US" dirty="0"/>
@@ -3026,7 +3030,7 @@
           <a:p>
             <a:pPr lvl="0"/>
             <a:r>
-              <a:rPr lang="ru-RU"/>
+              <a:rPr lang="ru-RU" smtClean="0"/>
               <a:t>Образец текста</a:t>
             </a:r>
           </a:p>
@@ -3143,7 +3147,7 @@
           <a:lstStyle/>
           <a:p>
             <a:r>
-              <a:rPr lang="ru-RU"/>
+              <a:rPr lang="ru-RU" smtClean="0"/>
               <a:t>Образец заголовка</a:t>
             </a:r>
             <a:endParaRPr lang="en-US" dirty="0"/>
@@ -3174,35 +3178,35 @@
           <a:p>
             <a:pPr lvl="0"/>
             <a:r>
-              <a:rPr lang="ru-RU"/>
+              <a:rPr lang="ru-RU" smtClean="0"/>
               <a:t>Образец текста</a:t>
             </a:r>
           </a:p>
           <a:p>
             <a:pPr lvl="1"/>
             <a:r>
-              <a:rPr lang="ru-RU"/>
+              <a:rPr lang="ru-RU" smtClean="0"/>
               <a:t>Второй уровень</a:t>
             </a:r>
           </a:p>
           <a:p>
             <a:pPr lvl="2"/>
             <a:r>
-              <a:rPr lang="ru-RU"/>
+              <a:rPr lang="ru-RU" smtClean="0"/>
               <a:t>Третий уровень</a:t>
             </a:r>
           </a:p>
           <a:p>
             <a:pPr lvl="3"/>
             <a:r>
-              <a:rPr lang="ru-RU"/>
+              <a:rPr lang="ru-RU" smtClean="0"/>
               <a:t>Четвертый уровень</a:t>
             </a:r>
           </a:p>
           <a:p>
             <a:pPr lvl="4"/>
             <a:r>
-              <a:rPr lang="ru-RU"/>
+              <a:rPr lang="ru-RU" smtClean="0"/>
               <a:t>Пятый уровень</a:t>
             </a:r>
             <a:endParaRPr lang="en-US" dirty="0"/>
@@ -3233,35 +3237,35 @@
           <a:p>
             <a:pPr lvl="0"/>
             <a:r>
-              <a:rPr lang="ru-RU"/>
+              <a:rPr lang="ru-RU" smtClean="0"/>
               <a:t>Образец текста</a:t>
             </a:r>
           </a:p>
           <a:p>
             <a:pPr lvl="1"/>
             <a:r>
-              <a:rPr lang="ru-RU"/>
+              <a:rPr lang="ru-RU" smtClean="0"/>
               <a:t>Второй уровень</a:t>
             </a:r>
           </a:p>
           <a:p>
             <a:pPr lvl="2"/>
             <a:r>
-              <a:rPr lang="ru-RU"/>
+              <a:rPr lang="ru-RU" smtClean="0"/>
               <a:t>Третий уровень</a:t>
             </a:r>
           </a:p>
           <a:p>
             <a:pPr lvl="3"/>
             <a:r>
-              <a:rPr lang="ru-RU"/>
+              <a:rPr lang="ru-RU" smtClean="0"/>
               <a:t>Четвертый уровень</a:t>
             </a:r>
           </a:p>
           <a:p>
             <a:pPr lvl="4"/>
             <a:r>
-              <a:rPr lang="ru-RU"/>
+              <a:rPr lang="ru-RU" smtClean="0"/>
               <a:t>Пятый уровень</a:t>
             </a:r>
             <a:endParaRPr lang="en-US" dirty="0"/>
@@ -3383,7 +3387,7 @@
           </a:lstStyle>
           <a:p>
             <a:r>
-              <a:rPr lang="ru-RU"/>
+              <a:rPr lang="ru-RU" smtClean="0"/>
               <a:t>Образец заголовка</a:t>
             </a:r>
             <a:endParaRPr lang="en-US" dirty="0"/>
@@ -3455,7 +3459,7 @@
           <a:p>
             <a:pPr lvl="0"/>
             <a:r>
-              <a:rPr lang="ru-RU"/>
+              <a:rPr lang="ru-RU" smtClean="0"/>
               <a:t>Образец текста</a:t>
             </a:r>
           </a:p>
@@ -3485,35 +3489,35 @@
           <a:p>
             <a:pPr lvl="0"/>
             <a:r>
-              <a:rPr lang="ru-RU"/>
+              <a:rPr lang="ru-RU" smtClean="0"/>
               <a:t>Образец текста</a:t>
             </a:r>
           </a:p>
           <a:p>
             <a:pPr lvl="1"/>
             <a:r>
-              <a:rPr lang="ru-RU"/>
+              <a:rPr lang="ru-RU" smtClean="0"/>
               <a:t>Второй уровень</a:t>
             </a:r>
           </a:p>
           <a:p>
             <a:pPr lvl="2"/>
             <a:r>
-              <a:rPr lang="ru-RU"/>
+              <a:rPr lang="ru-RU" smtClean="0"/>
               <a:t>Третий уровень</a:t>
             </a:r>
           </a:p>
           <a:p>
             <a:pPr lvl="3"/>
             <a:r>
-              <a:rPr lang="ru-RU"/>
+              <a:rPr lang="ru-RU" smtClean="0"/>
               <a:t>Четвертый уровень</a:t>
             </a:r>
           </a:p>
           <a:p>
             <a:pPr lvl="4"/>
             <a:r>
-              <a:rPr lang="ru-RU"/>
+              <a:rPr lang="ru-RU" smtClean="0"/>
               <a:t>Пятый уровень</a:t>
             </a:r>
             <a:endParaRPr lang="en-US" dirty="0"/>
@@ -3585,7 +3589,7 @@
           <a:p>
             <a:pPr lvl="0"/>
             <a:r>
-              <a:rPr lang="ru-RU"/>
+              <a:rPr lang="ru-RU" smtClean="0"/>
               <a:t>Образец текста</a:t>
             </a:r>
           </a:p>
@@ -3615,35 +3619,35 @@
           <a:p>
             <a:pPr lvl="0"/>
             <a:r>
-              <a:rPr lang="ru-RU"/>
+              <a:rPr lang="ru-RU" smtClean="0"/>
               <a:t>Образец текста</a:t>
             </a:r>
           </a:p>
           <a:p>
             <a:pPr lvl="1"/>
             <a:r>
-              <a:rPr lang="ru-RU"/>
+              <a:rPr lang="ru-RU" smtClean="0"/>
               <a:t>Второй уровень</a:t>
             </a:r>
           </a:p>
           <a:p>
             <a:pPr lvl="2"/>
             <a:r>
-              <a:rPr lang="ru-RU"/>
+              <a:rPr lang="ru-RU" smtClean="0"/>
               <a:t>Третий уровень</a:t>
             </a:r>
           </a:p>
           <a:p>
             <a:pPr lvl="3"/>
             <a:r>
-              <a:rPr lang="ru-RU"/>
+              <a:rPr lang="ru-RU" smtClean="0"/>
               <a:t>Четвертый уровень</a:t>
             </a:r>
           </a:p>
           <a:p>
             <a:pPr lvl="4"/>
             <a:r>
-              <a:rPr lang="ru-RU"/>
+              <a:rPr lang="ru-RU" smtClean="0"/>
               <a:t>Пятый уровень</a:t>
             </a:r>
             <a:endParaRPr lang="en-US" dirty="0"/>
@@ -3761,7 +3765,7 @@
           <a:lstStyle/>
           <a:p>
             <a:r>
-              <a:rPr lang="ru-RU"/>
+              <a:rPr lang="ru-RU" smtClean="0"/>
               <a:t>Образец заголовка</a:t>
             </a:r>
             <a:endParaRPr lang="en-US" dirty="0"/>
@@ -3985,7 +3989,7 @@
           </a:lstStyle>
           <a:p>
             <a:r>
-              <a:rPr lang="ru-RU"/>
+              <a:rPr lang="ru-RU" smtClean="0"/>
               <a:t>Образец заголовка</a:t>
             </a:r>
             <a:endParaRPr lang="en-US" dirty="0"/>
@@ -4016,35 +4020,35 @@
           <a:p>
             <a:pPr lvl="0"/>
             <a:r>
-              <a:rPr lang="ru-RU"/>
+              <a:rPr lang="ru-RU" smtClean="0"/>
               <a:t>Образец текста</a:t>
             </a:r>
           </a:p>
           <a:p>
             <a:pPr lvl="1"/>
             <a:r>
-              <a:rPr lang="ru-RU"/>
+              <a:rPr lang="ru-RU" smtClean="0"/>
               <a:t>Второй уровень</a:t>
             </a:r>
           </a:p>
           <a:p>
             <a:pPr lvl="2"/>
             <a:r>
-              <a:rPr lang="ru-RU"/>
+              <a:rPr lang="ru-RU" smtClean="0"/>
               <a:t>Третий уровень</a:t>
             </a:r>
           </a:p>
           <a:p>
             <a:pPr lvl="3"/>
             <a:r>
-              <a:rPr lang="ru-RU"/>
+              <a:rPr lang="ru-RU" smtClean="0"/>
               <a:t>Четвертый уровень</a:t>
             </a:r>
           </a:p>
           <a:p>
             <a:pPr lvl="4"/>
             <a:r>
-              <a:rPr lang="ru-RU"/>
+              <a:rPr lang="ru-RU" smtClean="0"/>
               <a:t>Пятый уровень</a:t>
             </a:r>
             <a:endParaRPr lang="en-US" dirty="0"/>
@@ -4112,7 +4116,7 @@
           <a:p>
             <a:pPr lvl="0"/>
             <a:r>
-              <a:rPr lang="ru-RU"/>
+              <a:rPr lang="ru-RU" smtClean="0"/>
               <a:t>Образец текста</a:t>
             </a:r>
           </a:p>
@@ -4240,7 +4244,7 @@
           </a:lstStyle>
           <a:p>
             <a:r>
-              <a:rPr lang="ru-RU"/>
+              <a:rPr lang="ru-RU" smtClean="0"/>
               <a:t>Образец заголовка</a:t>
             </a:r>
             <a:endParaRPr lang="en-US" dirty="0"/>
@@ -4327,7 +4331,7 @@
           </a:lstStyle>
           <a:p>
             <a:r>
-              <a:rPr lang="ru-RU"/>
+              <a:rPr lang="ru-RU" smtClean="0"/>
               <a:t>Вставка рисунка</a:t>
             </a:r>
             <a:endParaRPr lang="en-US" dirty="0"/>
@@ -4395,7 +4399,7 @@
           <a:p>
             <a:pPr lvl="0"/>
             <a:r>
-              <a:rPr lang="ru-RU"/>
+              <a:rPr lang="ru-RU" smtClean="0"/>
               <a:t>Образец текста</a:t>
             </a:r>
           </a:p>
@@ -4718,7 +4722,7 @@
           <a:lstStyle/>
           <a:p>
             <a:r>
-              <a:rPr lang="ru-RU"/>
+              <a:rPr lang="ru-RU" smtClean="0"/>
               <a:t>Образец заголовка</a:t>
             </a:r>
             <a:endParaRPr lang="en-US" dirty="0"/>
@@ -4752,35 +4756,35 @@
           <a:p>
             <a:pPr lvl="0"/>
             <a:r>
-              <a:rPr lang="ru-RU"/>
+              <a:rPr lang="ru-RU" smtClean="0"/>
               <a:t>Образец текста</a:t>
             </a:r>
           </a:p>
           <a:p>
             <a:pPr lvl="1"/>
             <a:r>
-              <a:rPr lang="ru-RU"/>
+              <a:rPr lang="ru-RU" smtClean="0"/>
               <a:t>Второй уровень</a:t>
             </a:r>
           </a:p>
           <a:p>
             <a:pPr lvl="2"/>
             <a:r>
-              <a:rPr lang="ru-RU"/>
+              <a:rPr lang="ru-RU" smtClean="0"/>
               <a:t>Третий уровень</a:t>
             </a:r>
           </a:p>
           <a:p>
             <a:pPr lvl="3"/>
             <a:r>
-              <a:rPr lang="ru-RU"/>
+              <a:rPr lang="ru-RU" smtClean="0"/>
               <a:t>Четвертый уровень</a:t>
             </a:r>
           </a:p>
           <a:p>
             <a:pPr lvl="4"/>
             <a:r>
-              <a:rPr lang="ru-RU"/>
+              <a:rPr lang="ru-RU" smtClean="0"/>
               <a:t>Пятый уровень</a:t>
             </a:r>
             <a:endParaRPr lang="en-US" dirty="0"/>
@@ -5362,9 +5366,10 @@
           <a:lstStyle/>
           <a:p>
             <a:r>
-              <a:rPr lang="ru-RU" dirty="0"/>
+              <a:rPr lang="ru-RU" dirty="0" smtClean="0"/>
               <a:t>Проект «Робот-логист»</a:t>
             </a:r>
+            <a:endParaRPr lang="ru-RU" dirty="0"/>
           </a:p>
         </p:txBody>
       </p:sp>
@@ -5389,20 +5394,25 @@
           <a:lstStyle/>
           <a:p>
             <a:r>
-              <a:rPr lang="ru-RU" dirty="0"/>
+              <a:rPr lang="ru-RU" dirty="0" smtClean="0"/>
               <a:t>Выполнили: Селин Андрей Сергеевич</a:t>
             </a:r>
             <a:br>
-              <a:rPr lang="ru-RU" dirty="0"/>
+              <a:rPr lang="ru-RU" dirty="0" smtClean="0"/>
             </a:br>
             <a:r>
-              <a:rPr lang="ru-RU"/>
-              <a:t>                      Матухова</a:t>
+              <a:rPr lang="ru-RU" dirty="0" smtClean="0"/>
+              <a:t>                     </a:t>
+            </a:r>
+            <a:r>
+              <a:rPr lang="ru-RU" dirty="0" err="1"/>
+              <a:t>Матухова</a:t>
             </a:r>
             <a:r>
               <a:rPr lang="ru-RU" dirty="0"/>
               <a:t> Тамара Романовна</a:t>
             </a:r>
+            <a:endParaRPr lang="ru-RU" dirty="0"/>
           </a:p>
         </p:txBody>
       </p:sp>
@@ -5416,6 +5426,109 @@
   <p:clrMapOvr>
     <a:masterClrMapping/>
   </p:clrMapOvr>
+  <p:timing>
+    <p:tnLst>
+      <p:par>
+        <p:cTn id="1" dur="indefinite" restart="never" nodeType="tmRoot"/>
+      </p:par>
+    </p:tnLst>
+  </p:timing>
+</p:sld>
+</file>
+
+<file path=ppt/slides/slide10.xml><?xml version="1.0" encoding="utf-8"?>
+<p:sld xmlns:a="http://schemas.openxmlformats.org/drawingml/2006/main" xmlns:r="http://schemas.openxmlformats.org/officeDocument/2006/relationships" xmlns:p="http://schemas.openxmlformats.org/presentationml/2006/main">
+  <p:cSld>
+    <p:spTree>
+      <p:nvGrpSpPr>
+        <p:cNvPr id="1" name=""/>
+        <p:cNvGrpSpPr/>
+        <p:nvPr/>
+      </p:nvGrpSpPr>
+      <p:grpSpPr>
+        <a:xfrm>
+          <a:off x="0" y="0"/>
+          <a:ext cx="0" cy="0"/>
+          <a:chOff x="0" y="0"/>
+          <a:chExt cx="0" cy="0"/>
+        </a:xfrm>
+      </p:grpSpPr>
+      <p:sp>
+        <p:nvSpPr>
+          <p:cNvPr id="2" name="Заголовок 1"/>
+          <p:cNvSpPr>
+            <a:spLocks noGrp="1"/>
+          </p:cNvSpPr>
+          <p:nvPr>
+            <p:ph type="title"/>
+          </p:nvPr>
+        </p:nvSpPr>
+        <p:spPr>
+          <a:xfrm>
+            <a:off x="684212" y="685800"/>
+            <a:ext cx="8534400" cy="1507067"/>
+          </a:xfrm>
+        </p:spPr>
+        <p:txBody>
+          <a:bodyPr/>
+          <a:lstStyle/>
+          <a:p>
+            <a:r>
+              <a:rPr lang="ru-RU" dirty="0" smtClean="0"/>
+              <a:t>Заключение</a:t>
+            </a:r>
+            <a:endParaRPr lang="ru-RU" dirty="0"/>
+          </a:p>
+        </p:txBody>
+      </p:sp>
+      <p:sp>
+        <p:nvSpPr>
+          <p:cNvPr id="3" name="Объект 2"/>
+          <p:cNvSpPr>
+            <a:spLocks noGrp="1"/>
+          </p:cNvSpPr>
+          <p:nvPr>
+            <p:ph idx="1"/>
+          </p:nvPr>
+        </p:nvSpPr>
+        <p:spPr>
+          <a:xfrm>
+            <a:off x="684212" y="2133601"/>
+            <a:ext cx="8534400" cy="4324863"/>
+          </a:xfrm>
+        </p:spPr>
+        <p:txBody>
+          <a:bodyPr/>
+          <a:lstStyle/>
+          <a:p>
+            <a:pPr marL="0" indent="0">
+              <a:buNone/>
+            </a:pPr>
+            <a:r>
+              <a:rPr lang="ru-RU" dirty="0" smtClean="0"/>
+              <a:t>В текущем состоянии наш робот способен выполнять главную задачу, он в состоянии ездить по графу</a:t>
+            </a:r>
+            <a:endParaRPr lang="ru-RU" dirty="0"/>
+          </a:p>
+        </p:txBody>
+      </p:sp>
+    </p:spTree>
+    <p:extLst>
+      <p:ext uri="{BB962C8B-B14F-4D97-AF65-F5344CB8AC3E}">
+        <p14:creationId xmlns:p14="http://schemas.microsoft.com/office/powerpoint/2010/main" val="52305158"/>
+      </p:ext>
+    </p:extLst>
+  </p:cSld>
+  <p:clrMapOvr>
+    <a:masterClrMapping/>
+  </p:clrMapOvr>
+  <p:timing>
+    <p:tnLst>
+      <p:par>
+        <p:cTn id="1" dur="indefinite" restart="never" nodeType="tmRoot"/>
+      </p:par>
+    </p:tnLst>
+  </p:timing>
 </p:sld>
 </file>
 
@@ -5457,9 +5570,10 @@
           <a:lstStyle/>
           <a:p>
             <a:r>
-              <a:rPr lang="ru-RU" dirty="0"/>
+              <a:rPr lang="ru-RU" dirty="0" smtClean="0"/>
               <a:t>Цель проекта</a:t>
             </a:r>
+            <a:endParaRPr lang="ru-RU" dirty="0"/>
           </a:p>
         </p:txBody>
       </p:sp>
@@ -5488,17 +5602,21 @@
             </a:pPr>
             <a:r>
               <a:rPr lang="ru-RU" dirty="0"/>
-              <a:t>Создать робота-логиста, который может передвигаться между назначенными точками</a:t>
-            </a:r>
-            <a:r>
-              <a:rPr lang="en-US" dirty="0"/>
+              <a:t>С</a:t>
+            </a:r>
+            <a:r>
+              <a:rPr lang="ru-RU" dirty="0" smtClean="0"/>
+              <a:t>оздать робота-логиста, который может передвигаться между назначенными точками,</a:t>
+            </a:r>
+            <a:r>
+              <a:rPr lang="en-US" dirty="0" smtClean="0"/>
               <a:t> </a:t>
             </a:r>
             <a:r>
-              <a:rPr lang="ru-RU" dirty="0"/>
+              <a:rPr lang="ru-RU" dirty="0" smtClean="0"/>
               <a:t>и приложение, которое будет осуществлять связь между потребителем и роботом</a:t>
             </a:r>
-            <a:endParaRPr lang="en-US" dirty="0"/>
+            <a:endParaRPr lang="en-US" dirty="0" smtClean="0"/>
           </a:p>
         </p:txBody>
       </p:sp>
@@ -5512,6 +5630,13 @@
   <p:clrMapOvr>
     <a:masterClrMapping/>
   </p:clrMapOvr>
+  <p:timing>
+    <p:tnLst>
+      <p:par>
+        <p:cTn id="1" dur="indefinite" restart="never" nodeType="tmRoot"/>
+      </p:par>
+    </p:tnLst>
+  </p:timing>
 </p:sld>
 </file>
 
@@ -5553,9 +5678,10 @@
           <a:lstStyle/>
           <a:p>
             <a:r>
-              <a:rPr lang="ru-RU" dirty="0"/>
+              <a:rPr lang="ru-RU" dirty="0" smtClean="0"/>
               <a:t>Задачи ПРОЕКТА</a:t>
             </a:r>
+            <a:endParaRPr lang="ru-RU" dirty="0"/>
           </a:p>
         </p:txBody>
       </p:sp>
@@ -5580,33 +5706,33 @@
           <a:lstStyle/>
           <a:p>
             <a:r>
-              <a:rPr lang="ru-RU" dirty="0"/>
+              <a:rPr lang="ru-RU" dirty="0" smtClean="0"/>
               <a:t>Написать рабочую программу к роботу</a:t>
             </a:r>
             <a:r>
-              <a:rPr lang="en-US" dirty="0"/>
+              <a:rPr lang="en-US" dirty="0" smtClean="0"/>
               <a:t> </a:t>
             </a:r>
             <a:r>
-              <a:rPr lang="ru-RU" dirty="0"/>
+              <a:rPr lang="ru-RU" dirty="0" smtClean="0"/>
               <a:t>для движения по полигону в виде графа</a:t>
             </a:r>
           </a:p>
           <a:p>
             <a:r>
-              <a:rPr lang="ru-RU" dirty="0"/>
+              <a:rPr lang="ru-RU" dirty="0" smtClean="0"/>
               <a:t>Написать приложение с понятным оформлением </a:t>
             </a:r>
-            <a:endParaRPr lang="en-US" dirty="0"/>
-          </a:p>
-          <a:p>
-            <a:r>
-              <a:rPr lang="ru-RU" dirty="0"/>
+            <a:endParaRPr lang="en-US" dirty="0" smtClean="0"/>
+          </a:p>
+          <a:p>
+            <a:r>
+              <a:rPr lang="ru-RU" dirty="0" smtClean="0"/>
               <a:t>Организовать связь между приложением на компьютере и роботом</a:t>
             </a:r>
           </a:p>
           <a:p>
-            <a:endParaRPr lang="en-US" dirty="0"/>
+            <a:endParaRPr lang="en-US" dirty="0" smtClean="0"/>
           </a:p>
         </p:txBody>
       </p:sp>
@@ -5620,6 +5746,13 @@
   <p:clrMapOvr>
     <a:masterClrMapping/>
   </p:clrMapOvr>
+  <p:timing>
+    <p:tnLst>
+      <p:par>
+        <p:cTn id="1" dur="indefinite" restart="never" nodeType="tmRoot"/>
+      </p:par>
+    </p:tnLst>
+  </p:timing>
 </p:sld>
 </file>
 
@@ -5661,9 +5794,10 @@
           <a:lstStyle/>
           <a:p>
             <a:r>
-              <a:rPr lang="ru-RU" dirty="0"/>
+              <a:rPr lang="ru-RU" dirty="0" smtClean="0"/>
               <a:t>РОБОТ</a:t>
             </a:r>
+            <a:endParaRPr lang="ru-RU" dirty="0"/>
           </a:p>
         </p:txBody>
       </p:sp>
@@ -5687,19 +5821,38 @@
           <a:bodyPr/>
           <a:lstStyle/>
           <a:p>
-            <a:pPr marL="0" indent="0">
-              <a:buNone/>
-            </a:pPr>
+            <a:r>
+              <a:rPr lang="ru-RU" dirty="0" smtClean="0"/>
+              <a:t>Робот собран на фанерной основе</a:t>
+            </a:r>
+          </a:p>
+          <a:p>
             <a:r>
               <a:rPr lang="ru-RU" dirty="0"/>
-              <a:t>Робот собран на фанерной основе, оснащён 2-мя цифровыми датчиками освещённости, 2 моторами для езды. Управление осуществляется через плату </a:t>
-            </a:r>
-            <a:r>
-              <a:rPr lang="en-US" dirty="0"/>
+              <a:t>О</a:t>
+            </a:r>
+            <a:r>
+              <a:rPr lang="ru-RU" dirty="0" smtClean="0"/>
+              <a:t>снащён 2-мя цифровыми датчиками освещённости</a:t>
+            </a:r>
+          </a:p>
+          <a:p>
+            <a:r>
+              <a:rPr lang="ru-RU" dirty="0" smtClean="0"/>
+              <a:t>Имеет 2 мотора для езды </a:t>
+            </a:r>
+          </a:p>
+          <a:p>
+            <a:r>
+              <a:rPr lang="ru-RU" dirty="0" smtClean="0"/>
+              <a:t>Управление осуществляется через плату </a:t>
+            </a:r>
+            <a:r>
+              <a:rPr lang="en-US" dirty="0" smtClean="0"/>
               <a:t>Arduino Mega</a:t>
             </a:r>
             <a:r>
-              <a:rPr lang="ru-RU" dirty="0"/>
+              <a:rPr lang="ru-RU" dirty="0" smtClean="0"/>
               <a:t> и расширитель для платы с драйверами моторов.</a:t>
             </a:r>
           </a:p>
@@ -5715,6 +5868,13 @@
   <p:clrMapOvr>
     <a:masterClrMapping/>
   </p:clrMapOvr>
+  <p:timing>
+    <p:tnLst>
+      <p:par>
+        <p:cTn id="1" dur="indefinite" restart="never" nodeType="tmRoot"/>
+      </p:par>
+    </p:tnLst>
+  </p:timing>
 </p:sld>
 </file>
 
@@ -5756,9 +5916,10 @@
           <a:lstStyle/>
           <a:p>
             <a:r>
-              <a:rPr lang="ru-RU" dirty="0"/>
-              <a:t>ПРИЛОЖЕНИЕ</a:t>
-            </a:r>
+              <a:rPr lang="ru-RU" dirty="0" smtClean="0"/>
+              <a:t>РОБОТ</a:t>
+            </a:r>
+            <a:endParaRPr lang="ru-RU" dirty="0"/>
           </a:p>
         </p:txBody>
       </p:sp>
@@ -5783,38 +5944,170 @@
           <a:lstStyle/>
           <a:p>
             <a:r>
+              <a:rPr lang="ru-RU" dirty="0" smtClean="0"/>
+              <a:t>Программа написана на </a:t>
+            </a:r>
+            <a:r>
+              <a:rPr lang="en-US" dirty="0" smtClean="0"/>
+              <a:t>C++</a:t>
+            </a:r>
+            <a:r>
               <a:rPr lang="ru-RU" dirty="0"/>
+              <a:t> </a:t>
+            </a:r>
+            <a:r>
+              <a:rPr lang="ru-RU" dirty="0" smtClean="0"/>
+              <a:t>и представляет собой конечный автомат</a:t>
+            </a:r>
+          </a:p>
+          <a:p>
+            <a:r>
+              <a:rPr lang="ru-RU" dirty="0" smtClean="0"/>
+              <a:t>Робот постоянно отправляет на компьютер свой статус, который отображается в приложении</a:t>
+            </a:r>
+          </a:p>
+          <a:p>
+            <a:r>
+              <a:rPr lang="ru-RU" dirty="0" smtClean="0"/>
+              <a:t>Движение по линии работает через пропорциональный регулятор (смысла в более продвинутых регуляторах нет из-за достаточно примитивной конструкции)</a:t>
+            </a:r>
+            <a:endParaRPr lang="en-US" dirty="0" smtClean="0"/>
+          </a:p>
+        </p:txBody>
+      </p:sp>
+    </p:spTree>
+    <p:extLst>
+      <p:ext uri="{BB962C8B-B14F-4D97-AF65-F5344CB8AC3E}">
+        <p14:creationId xmlns:p14="http://schemas.microsoft.com/office/powerpoint/2010/main" val="1292651629"/>
+      </p:ext>
+    </p:extLst>
+  </p:cSld>
+  <p:clrMapOvr>
+    <a:masterClrMapping/>
+  </p:clrMapOvr>
+  <p:timing>
+    <p:tnLst>
+      <p:par>
+        <p:cTn id="1" dur="indefinite" restart="never" nodeType="tmRoot"/>
+      </p:par>
+    </p:tnLst>
+  </p:timing>
+</p:sld>
+</file>
+
+<file path=ppt/slides/slide6.xml><?xml version="1.0" encoding="utf-8"?>
+<p:sld xmlns:a="http://schemas.openxmlformats.org/drawingml/2006/main" xmlns:r="http://schemas.openxmlformats.org/officeDocument/2006/relationships" xmlns:p="http://schemas.openxmlformats.org/presentationml/2006/main">
+  <p:cSld>
+    <p:spTree>
+      <p:nvGrpSpPr>
+        <p:cNvPr id="1" name=""/>
+        <p:cNvGrpSpPr/>
+        <p:nvPr/>
+      </p:nvGrpSpPr>
+      <p:grpSpPr>
+        <a:xfrm>
+          <a:off x="0" y="0"/>
+          <a:ext cx="0" cy="0"/>
+          <a:chOff x="0" y="0"/>
+          <a:chExt cx="0" cy="0"/>
+        </a:xfrm>
+      </p:grpSpPr>
+      <p:sp>
+        <p:nvSpPr>
+          <p:cNvPr id="2" name="Заголовок 1"/>
+          <p:cNvSpPr>
+            <a:spLocks noGrp="1"/>
+          </p:cNvSpPr>
+          <p:nvPr>
+            <p:ph type="title"/>
+          </p:nvPr>
+        </p:nvSpPr>
+        <p:spPr>
+          <a:xfrm>
+            <a:off x="684212" y="685800"/>
+            <a:ext cx="8534400" cy="1507067"/>
+          </a:xfrm>
+        </p:spPr>
+        <p:txBody>
+          <a:bodyPr/>
+          <a:lstStyle/>
+          <a:p>
+            <a:r>
+              <a:rPr lang="ru-RU" dirty="0" smtClean="0"/>
+              <a:t>ПРИЛОЖЕНИЕ</a:t>
+            </a:r>
+            <a:endParaRPr lang="ru-RU" dirty="0"/>
+          </a:p>
+        </p:txBody>
+      </p:sp>
+      <p:sp>
+        <p:nvSpPr>
+          <p:cNvPr id="3" name="Объект 2"/>
+          <p:cNvSpPr>
+            <a:spLocks noGrp="1"/>
+          </p:cNvSpPr>
+          <p:nvPr>
+            <p:ph idx="1"/>
+          </p:nvPr>
+        </p:nvSpPr>
+        <p:spPr>
+          <a:xfrm>
+            <a:off x="684212" y="2133601"/>
+            <a:ext cx="8534400" cy="4324863"/>
+          </a:xfrm>
+        </p:spPr>
+        <p:txBody>
+          <a:bodyPr/>
+          <a:lstStyle/>
+          <a:p>
+            <a:r>
+              <a:rPr lang="ru-RU" dirty="0" smtClean="0"/>
               <a:t>Приложение было написано на языке </a:t>
             </a:r>
             <a:r>
+              <a:rPr lang="en-US" dirty="0" smtClean="0"/>
+              <a:t>C++</a:t>
+            </a:r>
+            <a:r>
+              <a:rPr lang="ru-RU" dirty="0" smtClean="0"/>
+              <a:t>, с помощью библиотеки </a:t>
+            </a:r>
+            <a:r>
+              <a:rPr lang="en-US" dirty="0" err="1" smtClean="0"/>
+              <a:t>RayLib</a:t>
+            </a:r>
+            <a:r>
+              <a:rPr lang="en-US" dirty="0" smtClean="0"/>
+              <a:t>. </a:t>
+            </a:r>
+            <a:endParaRPr lang="ru-RU" dirty="0" smtClean="0"/>
+          </a:p>
+          <a:p>
+            <a:endParaRPr lang="ru-RU" dirty="0" smtClean="0"/>
+          </a:p>
+          <a:p>
+            <a:r>
+              <a:rPr lang="ru-RU" dirty="0" smtClean="0"/>
+              <a:t>Основное меню позволяет оформить и отправить заказ роботу. </a:t>
+            </a:r>
+          </a:p>
+          <a:p>
+            <a:endParaRPr lang="ru-RU" dirty="0" smtClean="0"/>
+          </a:p>
+          <a:p>
+            <a:r>
+              <a:rPr lang="ru-RU" dirty="0" smtClean="0"/>
+              <a:t>Как только заказ достигает первого места в очереди, и робот состоянии</a:t>
+            </a:r>
+            <a:r>
               <a:rPr lang="en-US" dirty="0"/>
-              <a:t>C++</a:t>
-            </a:r>
-            <a:r>
-              <a:rPr lang="ru-RU" dirty="0"/>
-              <a:t>, с помощью библиотеки </a:t>
-            </a:r>
-            <a:r>
-              <a:rPr lang="en-US" dirty="0" err="1"/>
-              <a:t>RayLib</a:t>
-            </a:r>
-            <a:r>
-              <a:rPr lang="en-US" dirty="0"/>
-              <a:t>. </a:t>
+              <a:t> </a:t>
+            </a:r>
+            <a:r>
+              <a:rPr lang="ru-RU" dirty="0" smtClean="0"/>
+              <a:t>его принять, заказ отправляется.  </a:t>
             </a:r>
             <a:endParaRPr lang="ru-RU" dirty="0"/>
-          </a:p>
-          <a:p>
-            <a:r>
-              <a:rPr lang="ru-RU" dirty="0"/>
-              <a:t>Основное меню позволяет оформить и отправить заказ роботу. </a:t>
-            </a:r>
-          </a:p>
-          <a:p>
-            <a:r>
-              <a:rPr lang="ru-RU" dirty="0"/>
-              <a:t>Как только заказ достигает первого места в очереди, и робот в готовом состоянии, заказ отправляется.  </a:t>
-            </a:r>
           </a:p>
         </p:txBody>
       </p:sp>
@@ -5857,10 +6150,17 @@
   <p:clrMapOvr>
     <a:masterClrMapping/>
   </p:clrMapOvr>
+  <p:timing>
+    <p:tnLst>
+      <p:par>
+        <p:cTn id="1" dur="indefinite" restart="never" nodeType="tmRoot"/>
+      </p:par>
+    </p:tnLst>
+  </p:timing>
 </p:sld>
 </file>
 
-<file path=ppt/slides/slide6.xml><?xml version="1.0" encoding="utf-8"?>
+<file path=ppt/slides/slide7.xml><?xml version="1.0" encoding="utf-8"?>
 <p:sld xmlns:a="http://schemas.openxmlformats.org/drawingml/2006/main" xmlns:r="http://schemas.openxmlformats.org/officeDocument/2006/relationships" xmlns:p="http://schemas.openxmlformats.org/presentationml/2006/main">
   <p:cSld>
     <p:spTree>
@@ -5889,6 +6189,407 @@
         </p:nvSpPr>
         <p:spPr>
           <a:xfrm>
+            <a:off x="684212" y="59724"/>
+            <a:ext cx="8534400" cy="1507067"/>
+          </a:xfrm>
+        </p:spPr>
+        <p:txBody>
+          <a:bodyPr/>
+          <a:lstStyle/>
+          <a:p>
+            <a:r>
+              <a:rPr lang="ru-RU" dirty="0" smtClean="0"/>
+              <a:t>Разделение приложения</a:t>
+            </a:r>
+            <a:endParaRPr lang="ru-RU" dirty="0"/>
+          </a:p>
+        </p:txBody>
+      </p:sp>
+      <p:sp>
+        <p:nvSpPr>
+          <p:cNvPr id="3" name="Объект 2"/>
+          <p:cNvSpPr>
+            <a:spLocks noGrp="1"/>
+          </p:cNvSpPr>
+          <p:nvPr>
+            <p:ph idx="1"/>
+          </p:nvPr>
+        </p:nvSpPr>
+        <p:spPr>
+          <a:xfrm>
+            <a:off x="684212" y="1474574"/>
+            <a:ext cx="11178274" cy="4728518"/>
+          </a:xfrm>
+        </p:spPr>
+        <p:txBody>
+          <a:bodyPr/>
+          <a:lstStyle/>
+          <a:p>
+            <a:pPr marL="457200" indent="-457200">
+              <a:buFont typeface="+mj-lt"/>
+              <a:buAutoNum type="arabicPeriod"/>
+            </a:pPr>
+            <a:r>
+              <a:rPr lang="en-US" dirty="0" smtClean="0"/>
+              <a:t>SRC</a:t>
+            </a:r>
+            <a:r>
+              <a:rPr lang="ru-RU" dirty="0" smtClean="0"/>
+              <a:t> (ядро программы)</a:t>
+            </a:r>
+            <a:endParaRPr lang="en-US" dirty="0" smtClean="0"/>
+          </a:p>
+          <a:p>
+            <a:pPr marL="914400" lvl="1" indent="-457200">
+              <a:buFont typeface="+mj-lt"/>
+              <a:buAutoNum type="arabicPeriod"/>
+            </a:pPr>
+            <a:r>
+              <a:rPr lang="en-US" dirty="0" smtClean="0"/>
+              <a:t>Main (</a:t>
+            </a:r>
+            <a:r>
+              <a:rPr lang="ru-RU" dirty="0" smtClean="0"/>
+              <a:t>основной файл)</a:t>
+            </a:r>
+            <a:endParaRPr lang="en-US" dirty="0" smtClean="0"/>
+          </a:p>
+          <a:p>
+            <a:pPr marL="914400" lvl="1" indent="-457200">
+              <a:buFont typeface="+mj-lt"/>
+              <a:buAutoNum type="arabicPeriod"/>
+            </a:pPr>
+            <a:r>
+              <a:rPr lang="en-US" dirty="0" smtClean="0"/>
+              <a:t>App</a:t>
+            </a:r>
+            <a:r>
+              <a:rPr lang="ru-RU" dirty="0" smtClean="0"/>
+              <a:t> (логика и </a:t>
+            </a:r>
+            <a:r>
+              <a:rPr lang="ru-RU" dirty="0" err="1" smtClean="0"/>
+              <a:t>отрисовка</a:t>
+            </a:r>
+            <a:r>
+              <a:rPr lang="ru-RU" dirty="0" smtClean="0"/>
+              <a:t> приложения)</a:t>
+            </a:r>
+            <a:endParaRPr lang="en-US" dirty="0" smtClean="0"/>
+          </a:p>
+          <a:p>
+            <a:pPr marL="457200" indent="-457200">
+              <a:buFont typeface="+mj-lt"/>
+              <a:buAutoNum type="arabicPeriod"/>
+            </a:pPr>
+            <a:r>
+              <a:rPr lang="en-US" dirty="0" smtClean="0"/>
+              <a:t>Classes</a:t>
+            </a:r>
+            <a:r>
+              <a:rPr lang="ru-RU" dirty="0" smtClean="0"/>
+              <a:t> (классы)</a:t>
+            </a:r>
+            <a:endParaRPr lang="en-US" dirty="0" smtClean="0"/>
+          </a:p>
+          <a:p>
+            <a:pPr marL="914400" lvl="1" indent="-457200">
+              <a:buFont typeface="+mj-lt"/>
+              <a:buAutoNum type="arabicPeriod"/>
+            </a:pPr>
+            <a:r>
+              <a:rPr lang="en-US" dirty="0" smtClean="0"/>
+              <a:t>Button</a:t>
+            </a:r>
+            <a:r>
+              <a:rPr lang="ru-RU" dirty="0" smtClean="0"/>
+              <a:t> (одиночная кнопка без текстур)</a:t>
+            </a:r>
+            <a:endParaRPr lang="en-US" dirty="0" smtClean="0"/>
+          </a:p>
+          <a:p>
+            <a:pPr marL="914400" lvl="1" indent="-457200">
+              <a:buFont typeface="+mj-lt"/>
+              <a:buAutoNum type="arabicPeriod"/>
+            </a:pPr>
+            <a:r>
+              <a:rPr lang="en-US" dirty="0" smtClean="0"/>
+              <a:t>Graf</a:t>
+            </a:r>
+            <a:r>
+              <a:rPr lang="ru-RU" dirty="0" smtClean="0"/>
+              <a:t> (описание графа, по которому ездит робот)</a:t>
+            </a:r>
+            <a:endParaRPr lang="en-US" dirty="0" smtClean="0"/>
+          </a:p>
+          <a:p>
+            <a:pPr marL="914400" lvl="1" indent="-457200">
+              <a:buFont typeface="+mj-lt"/>
+              <a:buAutoNum type="arabicPeriod"/>
+            </a:pPr>
+            <a:r>
+              <a:rPr lang="en-US" dirty="0" smtClean="0"/>
+              <a:t>Queue</a:t>
+            </a:r>
+            <a:r>
+              <a:rPr lang="ru-RU" dirty="0" smtClean="0"/>
+              <a:t> (очередь, отправка запроса)</a:t>
+            </a:r>
+            <a:endParaRPr lang="en-US" dirty="0" smtClean="0"/>
+          </a:p>
+          <a:p>
+            <a:pPr marL="914400" lvl="1" indent="-457200">
+              <a:buFont typeface="+mj-lt"/>
+              <a:buAutoNum type="arabicPeriod"/>
+            </a:pPr>
+            <a:r>
+              <a:rPr lang="en-US" dirty="0" err="1" smtClean="0"/>
+              <a:t>RadioButton</a:t>
+            </a:r>
+            <a:r>
+              <a:rPr lang="ru-RU" dirty="0" smtClean="0"/>
+              <a:t> (кнопка в составе группы, которая может быть активна)</a:t>
+            </a:r>
+            <a:endParaRPr lang="en-US" dirty="0" smtClean="0"/>
+          </a:p>
+          <a:p>
+            <a:pPr marL="914400" lvl="1" indent="-457200">
+              <a:buFont typeface="+mj-lt"/>
+              <a:buAutoNum type="arabicPeriod"/>
+            </a:pPr>
+            <a:r>
+              <a:rPr lang="en-US" dirty="0" err="1" smtClean="0"/>
+              <a:t>RadioButtonControl</a:t>
+            </a:r>
+            <a:r>
+              <a:rPr lang="ru-RU" dirty="0" smtClean="0"/>
+              <a:t> (управление группой радиокнопок)</a:t>
+            </a:r>
+            <a:endParaRPr lang="en-US" dirty="0" smtClean="0"/>
+          </a:p>
+          <a:p>
+            <a:pPr marL="914400" lvl="1" indent="-457200">
+              <a:buFont typeface="+mj-lt"/>
+              <a:buAutoNum type="arabicPeriod"/>
+            </a:pPr>
+            <a:r>
+              <a:rPr lang="en-US" dirty="0" smtClean="0"/>
+              <a:t>Request</a:t>
+            </a:r>
+            <a:r>
+              <a:rPr lang="ru-RU" dirty="0" smtClean="0"/>
+              <a:t> (заявка, определение пути и создание алгоритма)</a:t>
+            </a:r>
+            <a:endParaRPr lang="en-US" dirty="0" smtClean="0"/>
+          </a:p>
+          <a:p>
+            <a:pPr marL="914400" lvl="1" indent="-457200">
+              <a:buFont typeface="+mj-lt"/>
+              <a:buAutoNum type="arabicPeriod"/>
+            </a:pPr>
+            <a:r>
+              <a:rPr lang="en-US" dirty="0" err="1" smtClean="0"/>
+              <a:t>Texturebutton</a:t>
+            </a:r>
+            <a:r>
+              <a:rPr lang="ru-RU" dirty="0" smtClean="0"/>
+              <a:t> (кнопка с текстурой)</a:t>
+            </a:r>
+            <a:endParaRPr lang="en-US" dirty="0" smtClean="0"/>
+          </a:p>
+        </p:txBody>
+      </p:sp>
+    </p:spTree>
+    <p:extLst>
+      <p:ext uri="{BB962C8B-B14F-4D97-AF65-F5344CB8AC3E}">
+        <p14:creationId xmlns:p14="http://schemas.microsoft.com/office/powerpoint/2010/main" val="1137705815"/>
+      </p:ext>
+    </p:extLst>
+  </p:cSld>
+  <p:clrMapOvr>
+    <a:masterClrMapping/>
+  </p:clrMapOvr>
+  <p:timing>
+    <p:tnLst>
+      <p:par>
+        <p:cTn id="1" dur="indefinite" restart="never" nodeType="tmRoot"/>
+      </p:par>
+    </p:tnLst>
+  </p:timing>
+</p:sld>
+</file>
+
+<file path=ppt/slides/slide8.xml><?xml version="1.0" encoding="utf-8"?>
+<p:sld xmlns:a="http://schemas.openxmlformats.org/drawingml/2006/main" xmlns:r="http://schemas.openxmlformats.org/officeDocument/2006/relationships" xmlns:p="http://schemas.openxmlformats.org/presentationml/2006/main">
+  <p:cSld>
+    <p:spTree>
+      <p:nvGrpSpPr>
+        <p:cNvPr id="1" name=""/>
+        <p:cNvGrpSpPr/>
+        <p:nvPr/>
+      </p:nvGrpSpPr>
+      <p:grpSpPr>
+        <a:xfrm>
+          <a:off x="0" y="0"/>
+          <a:ext cx="0" cy="0"/>
+          <a:chOff x="0" y="0"/>
+          <a:chExt cx="0" cy="0"/>
+        </a:xfrm>
+      </p:grpSpPr>
+      <p:sp>
+        <p:nvSpPr>
+          <p:cNvPr id="2" name="Заголовок 1"/>
+          <p:cNvSpPr>
+            <a:spLocks noGrp="1"/>
+          </p:cNvSpPr>
+          <p:nvPr>
+            <p:ph type="title"/>
+          </p:nvPr>
+        </p:nvSpPr>
+        <p:spPr>
+          <a:xfrm>
+            <a:off x="684212" y="59724"/>
+            <a:ext cx="8534400" cy="1507067"/>
+          </a:xfrm>
+        </p:spPr>
+        <p:txBody>
+          <a:bodyPr/>
+          <a:lstStyle/>
+          <a:p>
+            <a:r>
+              <a:rPr lang="ru-RU" dirty="0" smtClean="0"/>
+              <a:t>Заявка</a:t>
+            </a:r>
+          </a:p>
+        </p:txBody>
+      </p:sp>
+      <p:sp>
+        <p:nvSpPr>
+          <p:cNvPr id="3" name="Объект 2"/>
+          <p:cNvSpPr>
+            <a:spLocks noGrp="1"/>
+          </p:cNvSpPr>
+          <p:nvPr>
+            <p:ph idx="1"/>
+          </p:nvPr>
+        </p:nvSpPr>
+        <p:spPr>
+          <a:xfrm>
+            <a:off x="684212" y="1474574"/>
+            <a:ext cx="11178274" cy="4728518"/>
+          </a:xfrm>
+        </p:spPr>
+        <p:txBody>
+          <a:bodyPr/>
+          <a:lstStyle/>
+          <a:p>
+            <a:pPr marL="457200" indent="-457200">
+              <a:buFont typeface="+mj-lt"/>
+              <a:buAutoNum type="arabicPeriod"/>
+            </a:pPr>
+            <a:r>
+              <a:rPr lang="ru-RU" dirty="0" smtClean="0"/>
+              <a:t>Заявка формируется на основе двух входных данных, «откуда» и «куда»</a:t>
+            </a:r>
+          </a:p>
+          <a:p>
+            <a:pPr marL="457200" indent="-457200">
+              <a:buFont typeface="+mj-lt"/>
+              <a:buAutoNum type="arabicPeriod"/>
+            </a:pPr>
+            <a:endParaRPr lang="ru-RU" dirty="0" smtClean="0"/>
+          </a:p>
+          <a:p>
+            <a:pPr marL="457200" indent="-457200">
+              <a:buFont typeface="+mj-lt"/>
+              <a:buAutoNum type="arabicPeriod"/>
+            </a:pPr>
+            <a:r>
+              <a:rPr lang="ru-RU" dirty="0" smtClean="0"/>
+              <a:t>Поиск кратчайшего пути осуществляется по алгоритму </a:t>
+            </a:r>
+            <a:r>
+              <a:rPr lang="ru-RU" dirty="0" err="1"/>
+              <a:t>Д</a:t>
+            </a:r>
+            <a:r>
+              <a:rPr lang="ru-RU" dirty="0" err="1" smtClean="0"/>
+              <a:t>ейкстры</a:t>
+            </a:r>
+            <a:r>
+              <a:rPr lang="ru-RU" dirty="0" smtClean="0"/>
+              <a:t>.</a:t>
+            </a:r>
+          </a:p>
+          <a:p>
+            <a:pPr marL="457200" indent="-457200">
+              <a:buFont typeface="+mj-lt"/>
+              <a:buAutoNum type="arabicPeriod"/>
+            </a:pPr>
+            <a:endParaRPr lang="ru-RU" dirty="0" smtClean="0"/>
+          </a:p>
+          <a:p>
+            <a:pPr marL="457200" indent="-457200">
+              <a:buFont typeface="+mj-lt"/>
+              <a:buAutoNum type="arabicPeriod"/>
+            </a:pPr>
+            <a:r>
+              <a:rPr lang="ru-RU" dirty="0" smtClean="0"/>
+              <a:t>Конвертация из пути в алгоритм</a:t>
+            </a:r>
+            <a:endParaRPr lang="en-US" dirty="0" smtClean="0"/>
+          </a:p>
+        </p:txBody>
+      </p:sp>
+    </p:spTree>
+    <p:extLst>
+      <p:ext uri="{BB962C8B-B14F-4D97-AF65-F5344CB8AC3E}">
+        <p14:creationId xmlns:p14="http://schemas.microsoft.com/office/powerpoint/2010/main" val="470562920"/>
+      </p:ext>
+    </p:extLst>
+  </p:cSld>
+  <p:clrMapOvr>
+    <a:masterClrMapping/>
+  </p:clrMapOvr>
+  <p:timing>
+    <p:tnLst>
+      <p:par>
+        <p:cTn id="1" dur="indefinite" restart="never" nodeType="tmRoot"/>
+      </p:par>
+    </p:tnLst>
+  </p:timing>
+</p:sld>
+</file>
+
+<file path=ppt/slides/slide9.xml><?xml version="1.0" encoding="utf-8"?>
+<p:sld xmlns:a="http://schemas.openxmlformats.org/drawingml/2006/main" xmlns:r="http://schemas.openxmlformats.org/officeDocument/2006/relationships" xmlns:p="http://schemas.openxmlformats.org/presentationml/2006/main">
+  <p:cSld>
+    <p:spTree>
+      <p:nvGrpSpPr>
+        <p:cNvPr id="1" name=""/>
+        <p:cNvGrpSpPr/>
+        <p:nvPr/>
+      </p:nvGrpSpPr>
+      <p:grpSpPr>
+        <a:xfrm>
+          <a:off x="0" y="0"/>
+          <a:ext cx="0" cy="0"/>
+          <a:chOff x="0" y="0"/>
+          <a:chExt cx="0" cy="0"/>
+        </a:xfrm>
+      </p:grpSpPr>
+      <p:sp>
+        <p:nvSpPr>
+          <p:cNvPr id="2" name="Заголовок 1"/>
+          <p:cNvSpPr>
+            <a:spLocks noGrp="1"/>
+          </p:cNvSpPr>
+          <p:nvPr>
+            <p:ph type="title"/>
+          </p:nvPr>
+        </p:nvSpPr>
+        <p:spPr>
+          <a:xfrm>
             <a:off x="684212" y="685800"/>
             <a:ext cx="8534400" cy="1507067"/>
           </a:xfrm>
@@ -5898,9 +6599,10 @@
           <a:lstStyle/>
           <a:p>
             <a:r>
-              <a:rPr lang="ru-RU" dirty="0"/>
+              <a:rPr lang="ru-RU" dirty="0" smtClean="0"/>
               <a:t>СВЯЗЬ</a:t>
             </a:r>
+            <a:endParaRPr lang="ru-RU" dirty="0"/>
           </a:p>
         </p:txBody>
       </p:sp>
@@ -5916,8 +6618,8 @@
         </p:nvSpPr>
         <p:spPr>
           <a:xfrm>
-            <a:off x="684212" y="2133601"/>
-            <a:ext cx="8534400" cy="4324863"/>
+            <a:off x="684212" y="1705233"/>
+            <a:ext cx="8534400" cy="4753232"/>
           </a:xfrm>
         </p:spPr>
         <p:txBody>
@@ -5927,39 +6629,66 @@
             <a:pPr marL="0" indent="0">
               <a:buNone/>
             </a:pPr>
-            <a:endParaRPr lang="ru-RU" dirty="0"/>
-          </a:p>
-        </p:txBody>
-      </p:sp>
-      <p:pic>
-        <p:nvPicPr>
-          <p:cNvPr id="4" name="Рисунок 3"/>
-          <p:cNvPicPr>
-            <a:picLocks noChangeAspect="1"/>
-          </p:cNvPicPr>
-          <p:nvPr/>
-        </p:nvPicPr>
-        <p:blipFill rotWithShape="1">
-          <a:blip r:embed="rId2" cstate="print">
-            <a:extLst>
-              <a:ext uri="{28A0092B-C50C-407E-A947-70E740481C1C}">
-                <a14:useLocalDpi xmlns:a14="http://schemas.microsoft.com/office/drawing/2010/main" val="0"/>
-              </a:ext>
-            </a:extLst>
-          </a:blip>
-          <a:srcRect t="60993" b="-1"/>
-          <a:stretch/>
-        </p:blipFill>
-        <p:spPr>
-          <a:xfrm>
-            <a:off x="9080176" y="148281"/>
-            <a:ext cx="2642266" cy="6427480"/>
-          </a:xfrm>
-          <a:prstGeom prst="rect">
-            <a:avLst/>
-          </a:prstGeom>
-        </p:spPr>
-      </p:pic>
+            <a:r>
+              <a:rPr lang="ru-RU" dirty="0" smtClean="0"/>
+              <a:t>Связь осуществляется череп </a:t>
+            </a:r>
+            <a:r>
+              <a:rPr lang="ru-RU" dirty="0" err="1" smtClean="0"/>
+              <a:t>радиомодуль</a:t>
+            </a:r>
+            <a:r>
+              <a:rPr lang="ru-RU" dirty="0" smtClean="0"/>
+              <a:t>, подключённый к компьютеру и роботу. Данные о заказе преобразуются в готовый алгоритм, который приходит на робота.</a:t>
+            </a:r>
+          </a:p>
+          <a:p>
+            <a:pPr marL="0" indent="0">
+              <a:buNone/>
+            </a:pPr>
+            <a:r>
+              <a:rPr lang="ru-RU" dirty="0" smtClean="0"/>
+              <a:t>Все действия робота это всего лишь проезд до следующей клетки, поворот до следующей линии направо и налево, поэтому приложение шифрует весь алгоритм до последовательности цифр, пример: «13142133».</a:t>
+            </a:r>
+          </a:p>
+          <a:p>
+            <a:pPr marL="0" indent="0">
+              <a:buNone/>
+            </a:pPr>
+            <a:r>
+              <a:rPr lang="ru-RU" dirty="0" smtClean="0"/>
+              <a:t>«1» – проезд до следующей клетки</a:t>
+            </a:r>
+          </a:p>
+          <a:p>
+            <a:pPr marL="0" indent="0">
+              <a:buNone/>
+            </a:pPr>
+            <a:r>
+              <a:rPr lang="ru-RU" dirty="0" smtClean="0"/>
+              <a:t>«2» - поворот до линии направо</a:t>
+            </a:r>
+          </a:p>
+          <a:p>
+            <a:pPr marL="0" indent="0">
+              <a:buNone/>
+            </a:pPr>
+            <a:r>
+              <a:rPr lang="ru-RU" dirty="0" smtClean="0"/>
+              <a:t>«3» – поворот до линии налево</a:t>
+            </a:r>
+          </a:p>
+          <a:p>
+            <a:pPr marL="0" indent="0">
+              <a:buNone/>
+            </a:pPr>
+            <a:r>
+              <a:rPr lang="ru-RU" dirty="0" smtClean="0"/>
+              <a:t>«4» - разделитель алгоритма на до начальной клетки и после</a:t>
+            </a:r>
+          </a:p>
+        </p:txBody>
+      </p:sp>
     </p:spTree>
     <p:extLst>
       <p:ext uri="{BB962C8B-B14F-4D97-AF65-F5344CB8AC3E}">
@@ -5970,6 +6699,13 @@
   <p:clrMapOvr>
     <a:masterClrMapping/>
   </p:clrMapOvr>
+  <p:timing>
+    <p:tnLst>
+      <p:par>
+        <p:cTn id="1" dur="indefinite" restart="never" nodeType="tmRoot"/>
+      </p:par>
+    </p:tnLst>
+  </p:timing>
 </p:sld>
 </file>
 

--- a/Проект «Робот-логист».pptx
+++ b/Проект «Робот-логист».pptx
@@ -115,7 +115,7 @@
   </p:defaultTextStyle>
   <p:extLst>
     <p:ext uri="{EFAFB233-063F-42B5-8137-9DF3F51BA10A}">
-      <p15:sldGuideLst xmlns:p15="http://schemas.microsoft.com/office/powerpoint/2012/main"/>
+      <p15:sldGuideLst xmlns:p15="http://schemas.microsoft.com/office/powerpoint/2012/main" xmlns=""/>
     </p:ext>
   </p:extLst>
 </p:presentation>
@@ -310,7 +310,8 @@
           <a:p>
             <a:fld id="{289319FC-3B99-49AD-81CA-FE67D43B35DB}" type="datetimeFigureOut">
               <a:rPr lang="ru-RU" smtClean="0"/>
-              <a:t>19.04.2024</a:t>
+              <a:pPr/>
+              <a:t>20.04.2024</a:t>
             </a:fld>
             <a:endParaRPr lang="ru-RU"/>
           </a:p>
@@ -352,6 +353,7 @@
           <a:p>
             <a:fld id="{228F7DB4-CDBA-464A-B46E-E265EF20157F}" type="slidenum">
               <a:rPr lang="ru-RU" smtClean="0"/>
+              <a:pPr/>
               <a:t>‹#›</a:t>
             </a:fld>
             <a:endParaRPr lang="ru-RU"/>
@@ -536,7 +538,7 @@
     </p:spTree>
     <p:extLst>
       <p:ext uri="{BB962C8B-B14F-4D97-AF65-F5344CB8AC3E}">
-        <p14:creationId xmlns:p14="http://schemas.microsoft.com/office/powerpoint/2010/main" val="400143774"/>
+        <p14:creationId xmlns:p14="http://schemas.microsoft.com/office/powerpoint/2010/main" xmlns="" val="400143774"/>
       </p:ext>
     </p:extLst>
   </p:cSld>
@@ -746,7 +748,8 @@
           <a:p>
             <a:fld id="{289319FC-3B99-49AD-81CA-FE67D43B35DB}" type="datetimeFigureOut">
               <a:rPr lang="ru-RU" smtClean="0"/>
-              <a:t>19.04.2024</a:t>
+              <a:pPr/>
+              <a:t>20.04.2024</a:t>
             </a:fld>
             <a:endParaRPr lang="ru-RU"/>
           </a:p>
@@ -788,6 +791,7 @@
           <a:p>
             <a:fld id="{228F7DB4-CDBA-464A-B46E-E265EF20157F}" type="slidenum">
               <a:rPr lang="ru-RU" smtClean="0"/>
+              <a:pPr/>
               <a:t>‹#›</a:t>
             </a:fld>
             <a:endParaRPr lang="ru-RU"/>
@@ -797,7 +801,7 @@
     </p:spTree>
     <p:extLst>
       <p:ext uri="{BB962C8B-B14F-4D97-AF65-F5344CB8AC3E}">
-        <p14:creationId xmlns:p14="http://schemas.microsoft.com/office/powerpoint/2010/main" val="93388604"/>
+        <p14:creationId xmlns:p14="http://schemas.microsoft.com/office/powerpoint/2010/main" xmlns="" val="93388604"/>
       </p:ext>
     </p:extLst>
   </p:cSld>
@@ -994,7 +998,8 @@
           <a:p>
             <a:fld id="{289319FC-3B99-49AD-81CA-FE67D43B35DB}" type="datetimeFigureOut">
               <a:rPr lang="ru-RU" smtClean="0"/>
-              <a:t>19.04.2024</a:t>
+              <a:pPr/>
+              <a:t>20.04.2024</a:t>
             </a:fld>
             <a:endParaRPr lang="ru-RU"/>
           </a:p>
@@ -1036,6 +1041,7 @@
           <a:p>
             <a:fld id="{228F7DB4-CDBA-464A-B46E-E265EF20157F}" type="slidenum">
               <a:rPr lang="ru-RU" smtClean="0"/>
+              <a:pPr/>
               <a:t>‹#›</a:t>
             </a:fld>
             <a:endParaRPr lang="ru-RU"/>
@@ -1045,7 +1051,7 @@
     </p:spTree>
     <p:extLst>
       <p:ext uri="{BB962C8B-B14F-4D97-AF65-F5344CB8AC3E}">
-        <p14:creationId xmlns:p14="http://schemas.microsoft.com/office/powerpoint/2010/main" val="444315885"/>
+        <p14:creationId xmlns:p14="http://schemas.microsoft.com/office/powerpoint/2010/main" xmlns="" val="444315885"/>
       </p:ext>
     </p:extLst>
   </p:cSld>
@@ -1300,7 +1306,8 @@
           <a:p>
             <a:fld id="{289319FC-3B99-49AD-81CA-FE67D43B35DB}" type="datetimeFigureOut">
               <a:rPr lang="ru-RU" smtClean="0"/>
-              <a:t>19.04.2024</a:t>
+              <a:pPr/>
+              <a:t>20.04.2024</a:t>
             </a:fld>
             <a:endParaRPr lang="ru-RU"/>
           </a:p>
@@ -1342,6 +1349,7 @@
           <a:p>
             <a:fld id="{228F7DB4-CDBA-464A-B46E-E265EF20157F}" type="slidenum">
               <a:rPr lang="ru-RU" smtClean="0"/>
+              <a:pPr/>
               <a:t>‹#›</a:t>
             </a:fld>
             <a:endParaRPr lang="ru-RU"/>
@@ -1419,7 +1427,7 @@
     </p:spTree>
     <p:extLst>
       <p:ext uri="{BB962C8B-B14F-4D97-AF65-F5344CB8AC3E}">
-        <p14:creationId xmlns:p14="http://schemas.microsoft.com/office/powerpoint/2010/main" val="3960849245"/>
+        <p14:creationId xmlns:p14="http://schemas.microsoft.com/office/powerpoint/2010/main" xmlns="" val="3960849245"/>
       </p:ext>
     </p:extLst>
   </p:cSld>
@@ -1616,7 +1624,8 @@
           <a:p>
             <a:fld id="{289319FC-3B99-49AD-81CA-FE67D43B35DB}" type="datetimeFigureOut">
               <a:rPr lang="ru-RU" smtClean="0"/>
-              <a:t>19.04.2024</a:t>
+              <a:pPr/>
+              <a:t>20.04.2024</a:t>
             </a:fld>
             <a:endParaRPr lang="ru-RU"/>
           </a:p>
@@ -1658,6 +1667,7 @@
           <a:p>
             <a:fld id="{228F7DB4-CDBA-464A-B46E-E265EF20157F}" type="slidenum">
               <a:rPr lang="ru-RU" smtClean="0"/>
+              <a:pPr/>
               <a:t>‹#›</a:t>
             </a:fld>
             <a:endParaRPr lang="ru-RU"/>
@@ -1667,7 +1677,7 @@
     </p:spTree>
     <p:extLst>
       <p:ext uri="{BB962C8B-B14F-4D97-AF65-F5344CB8AC3E}">
-        <p14:creationId xmlns:p14="http://schemas.microsoft.com/office/powerpoint/2010/main" val="2778654995"/>
+        <p14:creationId xmlns:p14="http://schemas.microsoft.com/office/powerpoint/2010/main" xmlns="" val="2778654995"/>
       </p:ext>
     </p:extLst>
   </p:cSld>
@@ -1916,7 +1926,8 @@
           <a:p>
             <a:fld id="{289319FC-3B99-49AD-81CA-FE67D43B35DB}" type="datetimeFigureOut">
               <a:rPr lang="ru-RU" smtClean="0"/>
-              <a:t>19.04.2024</a:t>
+              <a:pPr/>
+              <a:t>20.04.2024</a:t>
             </a:fld>
             <a:endParaRPr lang="ru-RU"/>
           </a:p>
@@ -1958,6 +1969,7 @@
           <a:p>
             <a:fld id="{228F7DB4-CDBA-464A-B46E-E265EF20157F}" type="slidenum">
               <a:rPr lang="ru-RU" smtClean="0"/>
+              <a:pPr/>
               <a:t>‹#›</a:t>
             </a:fld>
             <a:endParaRPr lang="ru-RU"/>
@@ -2035,7 +2047,7 @@
     </p:spTree>
     <p:extLst>
       <p:ext uri="{BB962C8B-B14F-4D97-AF65-F5344CB8AC3E}">
-        <p14:creationId xmlns:p14="http://schemas.microsoft.com/office/powerpoint/2010/main" val="477574210"/>
+        <p14:creationId xmlns:p14="http://schemas.microsoft.com/office/powerpoint/2010/main" xmlns="" val="477574210"/>
       </p:ext>
     </p:extLst>
   </p:cSld>
@@ -2281,7 +2293,8 @@
           <a:p>
             <a:fld id="{289319FC-3B99-49AD-81CA-FE67D43B35DB}" type="datetimeFigureOut">
               <a:rPr lang="ru-RU" smtClean="0"/>
-              <a:t>19.04.2024</a:t>
+              <a:pPr/>
+              <a:t>20.04.2024</a:t>
             </a:fld>
             <a:endParaRPr lang="ru-RU"/>
           </a:p>
@@ -2323,6 +2336,7 @@
           <a:p>
             <a:fld id="{228F7DB4-CDBA-464A-B46E-E265EF20157F}" type="slidenum">
               <a:rPr lang="ru-RU" smtClean="0"/>
+              <a:pPr/>
               <a:t>‹#›</a:t>
             </a:fld>
             <a:endParaRPr lang="ru-RU"/>
@@ -2332,7 +2346,7 @@
     </p:spTree>
     <p:extLst>
       <p:ext uri="{BB962C8B-B14F-4D97-AF65-F5344CB8AC3E}">
-        <p14:creationId xmlns:p14="http://schemas.microsoft.com/office/powerpoint/2010/main" val="654529767"/>
+        <p14:creationId xmlns:p14="http://schemas.microsoft.com/office/powerpoint/2010/main" xmlns="" val="654529767"/>
       </p:ext>
     </p:extLst>
   </p:cSld>
@@ -2455,7 +2469,8 @@
           <a:p>
             <a:fld id="{289319FC-3B99-49AD-81CA-FE67D43B35DB}" type="datetimeFigureOut">
               <a:rPr lang="ru-RU" smtClean="0"/>
-              <a:t>19.04.2024</a:t>
+              <a:pPr/>
+              <a:t>20.04.2024</a:t>
             </a:fld>
             <a:endParaRPr lang="ru-RU"/>
           </a:p>
@@ -2497,6 +2512,7 @@
           <a:p>
             <a:fld id="{228F7DB4-CDBA-464A-B46E-E265EF20157F}" type="slidenum">
               <a:rPr lang="ru-RU" smtClean="0"/>
+              <a:pPr/>
               <a:t>‹#›</a:t>
             </a:fld>
             <a:endParaRPr lang="ru-RU"/>
@@ -2506,7 +2522,7 @@
     </p:spTree>
     <p:extLst>
       <p:ext uri="{BB962C8B-B14F-4D97-AF65-F5344CB8AC3E}">
-        <p14:creationId xmlns:p14="http://schemas.microsoft.com/office/powerpoint/2010/main" val="10010352"/>
+        <p14:creationId xmlns:p14="http://schemas.microsoft.com/office/powerpoint/2010/main" xmlns="" val="10010352"/>
       </p:ext>
     </p:extLst>
   </p:cSld>
@@ -2635,7 +2651,8 @@
           <a:p>
             <a:fld id="{289319FC-3B99-49AD-81CA-FE67D43B35DB}" type="datetimeFigureOut">
               <a:rPr lang="ru-RU" smtClean="0"/>
-              <a:t>19.04.2024</a:t>
+              <a:pPr/>
+              <a:t>20.04.2024</a:t>
             </a:fld>
             <a:endParaRPr lang="ru-RU"/>
           </a:p>
@@ -2677,6 +2694,7 @@
           <a:p>
             <a:fld id="{228F7DB4-CDBA-464A-B46E-E265EF20157F}" type="slidenum">
               <a:rPr lang="ru-RU" smtClean="0"/>
+              <a:pPr/>
               <a:t>‹#›</a:t>
             </a:fld>
             <a:endParaRPr lang="ru-RU"/>
@@ -2686,7 +2704,7 @@
     </p:spTree>
     <p:extLst>
       <p:ext uri="{BB962C8B-B14F-4D97-AF65-F5344CB8AC3E}">
-        <p14:creationId xmlns:p14="http://schemas.microsoft.com/office/powerpoint/2010/main" val="1454943900"/>
+        <p14:creationId xmlns:p14="http://schemas.microsoft.com/office/powerpoint/2010/main" xmlns="" val="1454943900"/>
       </p:ext>
     </p:extLst>
   </p:cSld>
@@ -2805,7 +2823,8 @@
           <a:p>
             <a:fld id="{289319FC-3B99-49AD-81CA-FE67D43B35DB}" type="datetimeFigureOut">
               <a:rPr lang="ru-RU" smtClean="0"/>
-              <a:t>19.04.2024</a:t>
+              <a:pPr/>
+              <a:t>20.04.2024</a:t>
             </a:fld>
             <a:endParaRPr lang="ru-RU"/>
           </a:p>
@@ -2847,6 +2866,7 @@
           <a:p>
             <a:fld id="{228F7DB4-CDBA-464A-B46E-E265EF20157F}" type="slidenum">
               <a:rPr lang="ru-RU" smtClean="0"/>
+              <a:pPr/>
               <a:t>‹#›</a:t>
             </a:fld>
             <a:endParaRPr lang="ru-RU"/>
@@ -2856,7 +2876,7 @@
     </p:spTree>
     <p:extLst>
       <p:ext uri="{BB962C8B-B14F-4D97-AF65-F5344CB8AC3E}">
-        <p14:creationId xmlns:p14="http://schemas.microsoft.com/office/powerpoint/2010/main" val="2231977222"/>
+        <p14:creationId xmlns:p14="http://schemas.microsoft.com/office/powerpoint/2010/main" xmlns="" val="2231977222"/>
       </p:ext>
     </p:extLst>
   </p:cSld>
@@ -3053,7 +3073,8 @@
           <a:p>
             <a:fld id="{289319FC-3B99-49AD-81CA-FE67D43B35DB}" type="datetimeFigureOut">
               <a:rPr lang="ru-RU" smtClean="0"/>
-              <a:t>19.04.2024</a:t>
+              <a:pPr/>
+              <a:t>20.04.2024</a:t>
             </a:fld>
             <a:endParaRPr lang="ru-RU"/>
           </a:p>
@@ -3095,6 +3116,7 @@
           <a:p>
             <a:fld id="{228F7DB4-CDBA-464A-B46E-E265EF20157F}" type="slidenum">
               <a:rPr lang="ru-RU" smtClean="0"/>
+              <a:pPr/>
               <a:t>‹#›</a:t>
             </a:fld>
             <a:endParaRPr lang="ru-RU"/>
@@ -3104,7 +3126,7 @@
     </p:spTree>
     <p:extLst>
       <p:ext uri="{BB962C8B-B14F-4D97-AF65-F5344CB8AC3E}">
-        <p14:creationId xmlns:p14="http://schemas.microsoft.com/office/powerpoint/2010/main" val="2367940784"/>
+        <p14:creationId xmlns:p14="http://schemas.microsoft.com/office/powerpoint/2010/main" xmlns="" val="2367940784"/>
       </p:ext>
     </p:extLst>
   </p:cSld>
@@ -3289,7 +3311,8 @@
           <a:p>
             <a:fld id="{289319FC-3B99-49AD-81CA-FE67D43B35DB}" type="datetimeFigureOut">
               <a:rPr lang="ru-RU" smtClean="0"/>
-              <a:t>19.04.2024</a:t>
+              <a:pPr/>
+              <a:t>20.04.2024</a:t>
             </a:fld>
             <a:endParaRPr lang="ru-RU"/>
           </a:p>
@@ -3331,6 +3354,7 @@
           <a:p>
             <a:fld id="{228F7DB4-CDBA-464A-B46E-E265EF20157F}" type="slidenum">
               <a:rPr lang="ru-RU" smtClean="0"/>
+              <a:pPr/>
               <a:t>‹#›</a:t>
             </a:fld>
             <a:endParaRPr lang="ru-RU"/>
@@ -3340,7 +3364,7 @@
     </p:spTree>
     <p:extLst>
       <p:ext uri="{BB962C8B-B14F-4D97-AF65-F5344CB8AC3E}">
-        <p14:creationId xmlns:p14="http://schemas.microsoft.com/office/powerpoint/2010/main" val="1050845854"/>
+        <p14:creationId xmlns:p14="http://schemas.microsoft.com/office/powerpoint/2010/main" xmlns="" val="1050845854"/>
       </p:ext>
     </p:extLst>
   </p:cSld>
@@ -3671,7 +3695,8 @@
           <a:p>
             <a:fld id="{289319FC-3B99-49AD-81CA-FE67D43B35DB}" type="datetimeFigureOut">
               <a:rPr lang="ru-RU" smtClean="0"/>
-              <a:t>19.04.2024</a:t>
+              <a:pPr/>
+              <a:t>20.04.2024</a:t>
             </a:fld>
             <a:endParaRPr lang="ru-RU"/>
           </a:p>
@@ -3713,6 +3738,7 @@
           <a:p>
             <a:fld id="{228F7DB4-CDBA-464A-B46E-E265EF20157F}" type="slidenum">
               <a:rPr lang="ru-RU" smtClean="0"/>
+              <a:pPr/>
               <a:t>‹#›</a:t>
             </a:fld>
             <a:endParaRPr lang="ru-RU"/>
@@ -3722,7 +3748,7 @@
     </p:spTree>
     <p:extLst>
       <p:ext uri="{BB962C8B-B14F-4D97-AF65-F5344CB8AC3E}">
-        <p14:creationId xmlns:p14="http://schemas.microsoft.com/office/powerpoint/2010/main" val="323782547"/>
+        <p14:creationId xmlns:p14="http://schemas.microsoft.com/office/powerpoint/2010/main" xmlns="" val="323782547"/>
       </p:ext>
     </p:extLst>
   </p:cSld>
@@ -3789,7 +3815,8 @@
           <a:p>
             <a:fld id="{289319FC-3B99-49AD-81CA-FE67D43B35DB}" type="datetimeFigureOut">
               <a:rPr lang="ru-RU" smtClean="0"/>
-              <a:t>19.04.2024</a:t>
+              <a:pPr/>
+              <a:t>20.04.2024</a:t>
             </a:fld>
             <a:endParaRPr lang="ru-RU"/>
           </a:p>
@@ -3831,6 +3858,7 @@
           <a:p>
             <a:fld id="{228F7DB4-CDBA-464A-B46E-E265EF20157F}" type="slidenum">
               <a:rPr lang="ru-RU" smtClean="0"/>
+              <a:pPr/>
               <a:t>‹#›</a:t>
             </a:fld>
             <a:endParaRPr lang="ru-RU"/>
@@ -3840,7 +3868,7 @@
     </p:spTree>
     <p:extLst>
       <p:ext uri="{BB962C8B-B14F-4D97-AF65-F5344CB8AC3E}">
-        <p14:creationId xmlns:p14="http://schemas.microsoft.com/office/powerpoint/2010/main" val="4212558689"/>
+        <p14:creationId xmlns:p14="http://schemas.microsoft.com/office/powerpoint/2010/main" xmlns="" val="4212558689"/>
       </p:ext>
     </p:extLst>
   </p:cSld>
@@ -3884,7 +3912,8 @@
           <a:p>
             <a:fld id="{289319FC-3B99-49AD-81CA-FE67D43B35DB}" type="datetimeFigureOut">
               <a:rPr lang="ru-RU" smtClean="0"/>
-              <a:t>19.04.2024</a:t>
+              <a:pPr/>
+              <a:t>20.04.2024</a:t>
             </a:fld>
             <a:endParaRPr lang="ru-RU"/>
           </a:p>
@@ -3926,6 +3955,7 @@
           <a:p>
             <a:fld id="{228F7DB4-CDBA-464A-B46E-E265EF20157F}" type="slidenum">
               <a:rPr lang="ru-RU" smtClean="0"/>
+              <a:pPr/>
               <a:t>‹#›</a:t>
             </a:fld>
             <a:endParaRPr lang="ru-RU"/>
@@ -3935,7 +3965,7 @@
     </p:spTree>
     <p:extLst>
       <p:ext uri="{BB962C8B-B14F-4D97-AF65-F5344CB8AC3E}">
-        <p14:creationId xmlns:p14="http://schemas.microsoft.com/office/powerpoint/2010/main" val="2754897585"/>
+        <p14:creationId xmlns:p14="http://schemas.microsoft.com/office/powerpoint/2010/main" xmlns="" val="2754897585"/>
       </p:ext>
     </p:extLst>
   </p:cSld>
@@ -4139,7 +4169,8 @@
           <a:p>
             <a:fld id="{289319FC-3B99-49AD-81CA-FE67D43B35DB}" type="datetimeFigureOut">
               <a:rPr lang="ru-RU" smtClean="0"/>
-              <a:t>19.04.2024</a:t>
+              <a:pPr/>
+              <a:t>20.04.2024</a:t>
             </a:fld>
             <a:endParaRPr lang="ru-RU"/>
           </a:p>
@@ -4181,6 +4212,7 @@
           <a:p>
             <a:fld id="{228F7DB4-CDBA-464A-B46E-E265EF20157F}" type="slidenum">
               <a:rPr lang="ru-RU" smtClean="0"/>
+              <a:pPr/>
               <a:t>‹#›</a:t>
             </a:fld>
             <a:endParaRPr lang="ru-RU"/>
@@ -4190,7 +4222,7 @@
     </p:spTree>
     <p:extLst>
       <p:ext uri="{BB962C8B-B14F-4D97-AF65-F5344CB8AC3E}">
-        <p14:creationId xmlns:p14="http://schemas.microsoft.com/office/powerpoint/2010/main" val="1474165170"/>
+        <p14:creationId xmlns:p14="http://schemas.microsoft.com/office/powerpoint/2010/main" xmlns="" val="1474165170"/>
       </p:ext>
     </p:extLst>
   </p:cSld>
@@ -4422,7 +4454,8 @@
           <a:p>
             <a:fld id="{289319FC-3B99-49AD-81CA-FE67D43B35DB}" type="datetimeFigureOut">
               <a:rPr lang="ru-RU" smtClean="0"/>
-              <a:t>19.04.2024</a:t>
+              <a:pPr/>
+              <a:t>20.04.2024</a:t>
             </a:fld>
             <a:endParaRPr lang="ru-RU"/>
           </a:p>
@@ -4464,6 +4497,7 @@
           <a:p>
             <a:fld id="{228F7DB4-CDBA-464A-B46E-E265EF20157F}" type="slidenum">
               <a:rPr lang="ru-RU" smtClean="0"/>
+              <a:pPr/>
               <a:t>‹#›</a:t>
             </a:fld>
             <a:endParaRPr lang="ru-RU"/>
@@ -4473,7 +4507,7 @@
     </p:spTree>
     <p:extLst>
       <p:ext uri="{BB962C8B-B14F-4D97-AF65-F5344CB8AC3E}">
-        <p14:creationId xmlns:p14="http://schemas.microsoft.com/office/powerpoint/2010/main" val="3795297399"/>
+        <p14:creationId xmlns:p14="http://schemas.microsoft.com/office/powerpoint/2010/main" xmlns="" val="3795297399"/>
       </p:ext>
     </p:extLst>
   </p:cSld>
@@ -4828,7 +4862,8 @@
           <a:p>
             <a:fld id="{289319FC-3B99-49AD-81CA-FE67D43B35DB}" type="datetimeFigureOut">
               <a:rPr lang="ru-RU" smtClean="0"/>
-              <a:t>19.04.2024</a:t>
+              <a:pPr/>
+              <a:t>20.04.2024</a:t>
             </a:fld>
             <a:endParaRPr lang="ru-RU"/>
           </a:p>
@@ -4910,6 +4945,7 @@
           <a:p>
             <a:fld id="{228F7DB4-CDBA-464A-B46E-E265EF20157F}" type="slidenum">
               <a:rPr lang="ru-RU" smtClean="0"/>
+              <a:pPr/>
               <a:t>‹#›</a:t>
             </a:fld>
             <a:endParaRPr lang="ru-RU"/>
@@ -4919,7 +4955,7 @@
     </p:spTree>
     <p:extLst>
       <p:ext uri="{BB962C8B-B14F-4D97-AF65-F5344CB8AC3E}">
-        <p14:creationId xmlns:p14="http://schemas.microsoft.com/office/powerpoint/2010/main" val="1063951056"/>
+        <p14:creationId xmlns:p14="http://schemas.microsoft.com/office/powerpoint/2010/main" xmlns="" val="1063951056"/>
       </p:ext>
     </p:extLst>
   </p:cSld>
@@ -5327,7 +5363,7 @@
   </p:txStyles>
   <p:extLst>
     <p:ext uri="{27BBF7A9-308A-43DC-89C8-2F10F3537804}">
-      <p15:sldGuideLst xmlns:p15="http://schemas.microsoft.com/office/powerpoint/2012/main"/>
+      <p15:sldGuideLst xmlns:p15="http://schemas.microsoft.com/office/powerpoint/2012/main" xmlns=""/>
     </p:ext>
   </p:extLst>
 </p:sldMaster>
@@ -5412,14 +5448,13 @@
               <a:rPr lang="ru-RU" dirty="0"/>
               <a:t> Тамара Романовна</a:t>
             </a:r>
-            <a:endParaRPr lang="ru-RU" dirty="0"/>
           </a:p>
         </p:txBody>
       </p:sp>
     </p:spTree>
     <p:extLst>
       <p:ext uri="{BB962C8B-B14F-4D97-AF65-F5344CB8AC3E}">
-        <p14:creationId xmlns:p14="http://schemas.microsoft.com/office/powerpoint/2010/main" val="1800726498"/>
+        <p14:creationId xmlns:p14="http://schemas.microsoft.com/office/powerpoint/2010/main" xmlns="" val="1800726498"/>
       </p:ext>
     </p:extLst>
   </p:cSld>
@@ -5506,7 +5541,15 @@
             </a:pPr>
             <a:r>
               <a:rPr lang="ru-RU" dirty="0" smtClean="0"/>
-              <a:t>В текущем состоянии наш робот способен выполнять главную задачу, он в состоянии ездить по графу</a:t>
+              <a:t>В текущем состоянии наш робот способен выполнять главную задачу, </a:t>
+            </a:r>
+            <a:r>
+              <a:rPr lang="ru-RU" dirty="0" smtClean="0"/>
+              <a:t>но </a:t>
+            </a:r>
+            <a:r>
+              <a:rPr lang="ru-RU" dirty="0" smtClean="0"/>
+              <a:t>у него есть огромные потенциал для развития</a:t>
             </a:r>
             <a:endParaRPr lang="ru-RU" dirty="0"/>
           </a:p>
@@ -5515,7 +5558,7 @@
     </p:spTree>
     <p:extLst>
       <p:ext uri="{BB962C8B-B14F-4D97-AF65-F5344CB8AC3E}">
-        <p14:creationId xmlns:p14="http://schemas.microsoft.com/office/powerpoint/2010/main" val="52305158"/>
+        <p14:creationId xmlns:p14="http://schemas.microsoft.com/office/powerpoint/2010/main" xmlns="" val="52305158"/>
       </p:ext>
     </p:extLst>
   </p:cSld>
@@ -5620,10 +5663,36 @@
           </a:p>
         </p:txBody>
       </p:sp>
+      <p:pic>
+        <p:nvPicPr>
+          <p:cNvPr id="1028" name="Picture 4" descr="C:\Users\Сергей\Downloads\pixil-frame-0 (1).png"/>
+          <p:cNvPicPr>
+            <a:picLocks noChangeAspect="1" noChangeArrowheads="1"/>
+          </p:cNvPicPr>
+          <p:nvPr/>
+        </p:nvPicPr>
+        <p:blipFill>
+          <a:blip r:embed="rId2" cstate="print"/>
+          <a:srcRect/>
+          <a:stretch>
+            <a:fillRect/>
+          </a:stretch>
+        </p:blipFill>
+        <p:spPr bwMode="auto">
+          <a:xfrm>
+            <a:off x="2448165" y="3723715"/>
+            <a:ext cx="7315200" cy="2438400"/>
+          </a:xfrm>
+          <a:prstGeom prst="rect">
+            <a:avLst/>
+          </a:prstGeom>
+          <a:noFill/>
+        </p:spPr>
+      </p:pic>
     </p:spTree>
     <p:extLst>
       <p:ext uri="{BB962C8B-B14F-4D97-AF65-F5344CB8AC3E}">
-        <p14:creationId xmlns:p14="http://schemas.microsoft.com/office/powerpoint/2010/main" val="3112040342"/>
+        <p14:creationId xmlns:p14="http://schemas.microsoft.com/office/powerpoint/2010/main" xmlns="" val="3112040342"/>
       </p:ext>
     </p:extLst>
   </p:cSld>
@@ -5739,7 +5808,7 @@
     </p:spTree>
     <p:extLst>
       <p:ext uri="{BB962C8B-B14F-4D97-AF65-F5344CB8AC3E}">
-        <p14:creationId xmlns:p14="http://schemas.microsoft.com/office/powerpoint/2010/main" val="199550505"/>
+        <p14:creationId xmlns:p14="http://schemas.microsoft.com/office/powerpoint/2010/main" xmlns="" val="199550505"/>
       </p:ext>
     </p:extLst>
   </p:cSld>
@@ -5861,7 +5930,7 @@
     </p:spTree>
     <p:extLst>
       <p:ext uri="{BB962C8B-B14F-4D97-AF65-F5344CB8AC3E}">
-        <p14:creationId xmlns:p14="http://schemas.microsoft.com/office/powerpoint/2010/main" val="2309966309"/>
+        <p14:creationId xmlns:p14="http://schemas.microsoft.com/office/powerpoint/2010/main" xmlns="" val="2309966309"/>
       </p:ext>
     </p:extLst>
   </p:cSld>
@@ -5978,7 +6047,7 @@
     </p:spTree>
     <p:extLst>
       <p:ext uri="{BB962C8B-B14F-4D97-AF65-F5344CB8AC3E}">
-        <p14:creationId xmlns:p14="http://schemas.microsoft.com/office/powerpoint/2010/main" val="1292651629"/>
+        <p14:creationId xmlns:p14="http://schemas.microsoft.com/office/powerpoint/2010/main" xmlns="" val="1292651629"/>
       </p:ext>
     </p:extLst>
   </p:cSld>
@@ -6123,7 +6192,7 @@
           <a:blip r:embed="rId2" cstate="print">
             <a:extLst>
               <a:ext uri="{28A0092B-C50C-407E-A947-70E740481C1C}">
-                <a14:useLocalDpi xmlns:a14="http://schemas.microsoft.com/office/drawing/2010/main" val="0"/>
+                <a14:useLocalDpi xmlns:a14="http://schemas.microsoft.com/office/drawing/2010/main" xmlns="" val="0"/>
               </a:ext>
             </a:extLst>
           </a:blip>
@@ -6143,7 +6212,7 @@
     </p:spTree>
     <p:extLst>
       <p:ext uri="{BB962C8B-B14F-4D97-AF65-F5344CB8AC3E}">
-        <p14:creationId xmlns:p14="http://schemas.microsoft.com/office/powerpoint/2010/main" val="3685596823"/>
+        <p14:creationId xmlns:p14="http://schemas.microsoft.com/office/powerpoint/2010/main" xmlns="" val="3685596823"/>
       </p:ext>
     </p:extLst>
   </p:cSld>
@@ -6402,7 +6471,7 @@
     </p:spTree>
     <p:extLst>
       <p:ext uri="{BB962C8B-B14F-4D97-AF65-F5344CB8AC3E}">
-        <p14:creationId xmlns:p14="http://schemas.microsoft.com/office/powerpoint/2010/main" val="1137705815"/>
+        <p14:creationId xmlns:p14="http://schemas.microsoft.com/office/powerpoint/2010/main" xmlns="" val="1137705815"/>
       </p:ext>
     </p:extLst>
   </p:cSld>
@@ -6448,8 +6517,8 @@
         </p:nvSpPr>
         <p:spPr>
           <a:xfrm>
-            <a:off x="684212" y="59724"/>
-            <a:ext cx="8534400" cy="1507067"/>
+            <a:off x="413279" y="178257"/>
+            <a:ext cx="1965855" cy="1507067"/>
           </a:xfrm>
         </p:spPr>
         <p:txBody>
@@ -6463,88 +6532,298 @@
           </a:p>
         </p:txBody>
       </p:sp>
-      <p:sp>
-        <p:nvSpPr>
-          <p:cNvPr id="3" name="Объект 2"/>
-          <p:cNvSpPr>
-            <a:spLocks noGrp="1"/>
-          </p:cNvSpPr>
-          <p:nvPr>
-            <p:ph idx="1"/>
-          </p:nvPr>
+      <p:pic>
+        <p:nvPicPr>
+          <p:cNvPr id="2050" name="Picture 2"/>
+          <p:cNvPicPr>
+            <a:picLocks noChangeAspect="1" noChangeArrowheads="1"/>
+          </p:cNvPicPr>
+          <p:nvPr/>
+        </p:nvPicPr>
+        <p:blipFill>
+          <a:blip r:embed="rId2" cstate="print"/>
+          <a:srcRect/>
+          <a:stretch>
+            <a:fillRect/>
+          </a:stretch>
+        </p:blipFill>
+        <p:spPr bwMode="auto">
+          <a:xfrm>
+            <a:off x="2981312" y="1888066"/>
+            <a:ext cx="9210688" cy="4969934"/>
+          </a:xfrm>
+          <a:prstGeom prst="rect">
+            <a:avLst/>
+          </a:prstGeom>
+          <a:noFill/>
+          <a:ln w="9525">
+            <a:noFill/>
+            <a:miter lim="800000"/>
+            <a:headEnd/>
+            <a:tailEnd/>
+          </a:ln>
+        </p:spPr>
+      </p:pic>
+      <p:sp>
+        <p:nvSpPr>
+          <p:cNvPr id="6" name="Объект 2"/>
+          <p:cNvSpPr txBox="1">
+            <a:spLocks/>
+          </p:cNvSpPr>
+          <p:nvPr/>
         </p:nvSpPr>
         <p:spPr>
           <a:xfrm>
-            <a:off x="684212" y="1474574"/>
-            <a:ext cx="11178274" cy="4728518"/>
+            <a:off x="2980267" y="0"/>
+            <a:ext cx="9211733" cy="1879600"/>
           </a:xfrm>
+          <a:prstGeom prst="rect">
+            <a:avLst/>
+          </a:prstGeom>
         </p:spPr>
         <p:txBody>
-          <a:bodyPr/>
-          <a:lstStyle/>
-          <a:p>
-            <a:pPr marL="457200" indent="-457200">
+          <a:bodyPr vert="horz" lIns="91440" tIns="45720" rIns="91440" bIns="45720" rtlCol="0" anchor="ctr">
+            <a:normAutofit fontScale="85000" lnSpcReduction="10000"/>
+          </a:bodyPr>
+          <a:lstStyle/>
+          <a:p>
+            <a:pPr marL="457200" marR="0" lvl="0" indent="-457200" algn="l" defTabSz="457200" rtl="0" eaLnBrk="1" fontAlgn="auto" latinLnBrk="0" hangingPunct="1">
+              <a:lnSpc>
+                <a:spcPct val="100000"/>
+              </a:lnSpc>
+              <a:spcBef>
+                <a:spcPct val="20000"/>
+              </a:spcBef>
+              <a:spcAft>
+                <a:spcPts val="600"/>
+              </a:spcAft>
+              <a:buClr>
+                <a:schemeClr val="tx1"/>
+              </a:buClr>
+              <a:buSzPct val="80000"/>
               <a:buFont typeface="+mj-lt"/>
               <a:buAutoNum type="arabicPeriod"/>
+              <a:tabLst/>
+              <a:defRPr/>
             </a:pPr>
             <a:r>
-              <a:rPr lang="ru-RU" dirty="0" smtClean="0"/>
+              <a:rPr kumimoji="0" lang="ru-RU" sz="2000" b="0" i="0" u="none" strike="noStrike" kern="1200" cap="none" spc="0" normalizeH="0" baseline="0" noProof="0" dirty="0" smtClean="0">
+                <a:ln>
+                  <a:noFill/>
+                </a:ln>
+                <a:solidFill>
+                  <a:schemeClr val="tx1"/>
+                </a:solidFill>
+                <a:effectLst/>
+                <a:uLnTx/>
+                <a:uFillTx/>
+                <a:latin typeface="+mn-lt"/>
+                <a:ea typeface="+mn-ea"/>
+                <a:cs typeface="+mn-cs"/>
+              </a:rPr>
               <a:t>Заявка формируется на основе двух входных данных, «откуда» и «куда»</a:t>
             </a:r>
           </a:p>
           <a:p>
-            <a:pPr marL="457200" indent="-457200">
+            <a:pPr marL="457200" marR="0" lvl="0" indent="-457200" algn="l" defTabSz="457200" rtl="0" eaLnBrk="1" fontAlgn="auto" latinLnBrk="0" hangingPunct="1">
+              <a:lnSpc>
+                <a:spcPct val="100000"/>
+              </a:lnSpc>
+              <a:spcBef>
+                <a:spcPct val="20000"/>
+              </a:spcBef>
+              <a:spcAft>
+                <a:spcPts val="600"/>
+              </a:spcAft>
+              <a:buClr>
+                <a:schemeClr val="tx1"/>
+              </a:buClr>
+              <a:buSzPct val="80000"/>
               <a:buFont typeface="+mj-lt"/>
               <a:buAutoNum type="arabicPeriod"/>
+              <a:tabLst/>
+              <a:defRPr/>
             </a:pPr>
-            <a:endParaRPr lang="ru-RU" dirty="0" smtClean="0"/>
-          </a:p>
-          <a:p>
-            <a:pPr marL="457200" indent="-457200">
+            <a:endParaRPr kumimoji="0" lang="ru-RU" sz="2000" b="0" i="0" u="none" strike="noStrike" kern="1200" cap="none" spc="0" normalizeH="0" baseline="0" noProof="0" dirty="0" smtClean="0">
+              <a:ln>
+                <a:noFill/>
+              </a:ln>
+              <a:solidFill>
+                <a:schemeClr val="tx1"/>
+              </a:solidFill>
+              <a:effectLst/>
+              <a:uLnTx/>
+              <a:uFillTx/>
+              <a:latin typeface="+mn-lt"/>
+              <a:ea typeface="+mn-ea"/>
+              <a:cs typeface="+mn-cs"/>
+            </a:endParaRPr>
+          </a:p>
+          <a:p>
+            <a:pPr marL="457200" marR="0" lvl="0" indent="-457200" algn="l" defTabSz="457200" rtl="0" eaLnBrk="1" fontAlgn="auto" latinLnBrk="0" hangingPunct="1">
+              <a:lnSpc>
+                <a:spcPct val="100000"/>
+              </a:lnSpc>
+              <a:spcBef>
+                <a:spcPct val="20000"/>
+              </a:spcBef>
+              <a:spcAft>
+                <a:spcPts val="600"/>
+              </a:spcAft>
+              <a:buClr>
+                <a:schemeClr val="tx1"/>
+              </a:buClr>
+              <a:buSzPct val="80000"/>
               <a:buFont typeface="+mj-lt"/>
               <a:buAutoNum type="arabicPeriod"/>
+              <a:tabLst/>
+              <a:defRPr/>
             </a:pPr>
             <a:r>
-              <a:rPr lang="ru-RU" dirty="0" smtClean="0"/>
+              <a:rPr kumimoji="0" lang="ru-RU" sz="2000" b="0" i="0" u="none" strike="noStrike" kern="1200" cap="none" spc="0" normalizeH="0" baseline="0" noProof="0" dirty="0" smtClean="0">
+                <a:ln>
+                  <a:noFill/>
+                </a:ln>
+                <a:solidFill>
+                  <a:schemeClr val="tx1"/>
+                </a:solidFill>
+                <a:effectLst/>
+                <a:uLnTx/>
+                <a:uFillTx/>
+                <a:latin typeface="+mn-lt"/>
+                <a:ea typeface="+mn-ea"/>
+                <a:cs typeface="+mn-cs"/>
+              </a:rPr>
               <a:t>Поиск кратчайшего пути осуществляется по алгоритму </a:t>
             </a:r>
             <a:r>
-              <a:rPr lang="ru-RU" dirty="0" err="1"/>
-              <a:t>Д</a:t>
-            </a:r>
-            <a:r>
-              <a:rPr lang="ru-RU" dirty="0" err="1" smtClean="0"/>
-              <a:t>ейкстры</a:t>
-            </a:r>
-            <a:r>
-              <a:rPr lang="ru-RU" dirty="0" smtClean="0"/>
+              <a:rPr kumimoji="0" lang="ru-RU" sz="2000" b="0" i="0" u="none" strike="noStrike" kern="1200" cap="none" spc="0" normalizeH="0" baseline="0" noProof="0" dirty="0" err="1" smtClean="0">
+                <a:ln>
+                  <a:noFill/>
+                </a:ln>
+                <a:solidFill>
+                  <a:schemeClr val="tx1"/>
+                </a:solidFill>
+                <a:effectLst/>
+                <a:uLnTx/>
+                <a:uFillTx/>
+                <a:latin typeface="+mn-lt"/>
+                <a:ea typeface="+mn-ea"/>
+                <a:cs typeface="+mn-cs"/>
+              </a:rPr>
+              <a:t>Дейкстры</a:t>
+            </a:r>
+            <a:r>
+              <a:rPr kumimoji="0" lang="ru-RU" sz="2000" b="0" i="0" u="none" strike="noStrike" kern="1200" cap="none" spc="0" normalizeH="0" baseline="0" noProof="0" dirty="0" smtClean="0">
+                <a:ln>
+                  <a:noFill/>
+                </a:ln>
+                <a:solidFill>
+                  <a:schemeClr val="tx1"/>
+                </a:solidFill>
+                <a:effectLst/>
+                <a:uLnTx/>
+                <a:uFillTx/>
+                <a:latin typeface="+mn-lt"/>
+                <a:ea typeface="+mn-ea"/>
+                <a:cs typeface="+mn-cs"/>
+              </a:rPr>
               <a:t>.</a:t>
             </a:r>
           </a:p>
           <a:p>
-            <a:pPr marL="457200" indent="-457200">
+            <a:pPr marL="457200" marR="0" lvl="0" indent="-457200" algn="l" defTabSz="457200" rtl="0" eaLnBrk="1" fontAlgn="auto" latinLnBrk="0" hangingPunct="1">
+              <a:lnSpc>
+                <a:spcPct val="100000"/>
+              </a:lnSpc>
+              <a:spcBef>
+                <a:spcPct val="20000"/>
+              </a:spcBef>
+              <a:spcAft>
+                <a:spcPts val="600"/>
+              </a:spcAft>
+              <a:buClr>
+                <a:schemeClr val="tx1"/>
+              </a:buClr>
+              <a:buSzPct val="80000"/>
               <a:buFont typeface="+mj-lt"/>
               <a:buAutoNum type="arabicPeriod"/>
+              <a:tabLst/>
+              <a:defRPr/>
             </a:pPr>
-            <a:endParaRPr lang="ru-RU" dirty="0" smtClean="0"/>
-          </a:p>
-          <a:p>
-            <a:pPr marL="457200" indent="-457200">
+            <a:endParaRPr kumimoji="0" lang="ru-RU" sz="2000" b="0" i="0" u="none" strike="noStrike" kern="1200" cap="none" spc="0" normalizeH="0" baseline="0" noProof="0" dirty="0" smtClean="0">
+              <a:ln>
+                <a:noFill/>
+              </a:ln>
+              <a:solidFill>
+                <a:schemeClr val="tx1"/>
+              </a:solidFill>
+              <a:effectLst/>
+              <a:uLnTx/>
+              <a:uFillTx/>
+              <a:latin typeface="+mn-lt"/>
+              <a:ea typeface="+mn-ea"/>
+              <a:cs typeface="+mn-cs"/>
+            </a:endParaRPr>
+          </a:p>
+          <a:p>
+            <a:pPr marL="457200" marR="0" lvl="0" indent="-457200" algn="l" defTabSz="457200" rtl="0" eaLnBrk="1" fontAlgn="auto" latinLnBrk="0" hangingPunct="1">
+              <a:lnSpc>
+                <a:spcPct val="100000"/>
+              </a:lnSpc>
+              <a:spcBef>
+                <a:spcPct val="20000"/>
+              </a:spcBef>
+              <a:spcAft>
+                <a:spcPts val="600"/>
+              </a:spcAft>
+              <a:buClr>
+                <a:schemeClr val="tx1"/>
+              </a:buClr>
+              <a:buSzPct val="80000"/>
               <a:buFont typeface="+mj-lt"/>
               <a:buAutoNum type="arabicPeriod"/>
+              <a:tabLst/>
+              <a:defRPr/>
             </a:pPr>
             <a:r>
-              <a:rPr lang="ru-RU" dirty="0" smtClean="0"/>
+              <a:rPr kumimoji="0" lang="ru-RU" sz="2000" b="0" i="0" u="none" strike="noStrike" kern="1200" cap="none" spc="0" normalizeH="0" baseline="0" noProof="0" dirty="0" smtClean="0">
+                <a:ln>
+                  <a:noFill/>
+                </a:ln>
+                <a:solidFill>
+                  <a:schemeClr val="tx1"/>
+                </a:solidFill>
+                <a:effectLst/>
+                <a:uLnTx/>
+                <a:uFillTx/>
+                <a:latin typeface="+mn-lt"/>
+                <a:ea typeface="+mn-ea"/>
+                <a:cs typeface="+mn-cs"/>
+              </a:rPr>
               <a:t>Конвертация из пути в алгоритм</a:t>
             </a:r>
-            <a:endParaRPr lang="en-US" dirty="0" smtClean="0"/>
+            <a:endParaRPr kumimoji="0" lang="en-US" sz="2000" b="0" i="0" u="none" strike="noStrike" kern="1200" cap="none" spc="0" normalizeH="0" baseline="0" noProof="0" dirty="0" smtClean="0">
+              <a:ln>
+                <a:noFill/>
+              </a:ln>
+              <a:solidFill>
+                <a:schemeClr val="tx1"/>
+              </a:solidFill>
+              <a:effectLst/>
+              <a:uLnTx/>
+              <a:uFillTx/>
+              <a:latin typeface="+mn-lt"/>
+              <a:ea typeface="+mn-ea"/>
+              <a:cs typeface="+mn-cs"/>
+            </a:endParaRPr>
           </a:p>
         </p:txBody>
       </p:sp>
     </p:spTree>
     <p:extLst>
       <p:ext uri="{BB962C8B-B14F-4D97-AF65-F5344CB8AC3E}">
-        <p14:creationId xmlns:p14="http://schemas.microsoft.com/office/powerpoint/2010/main" val="470562920"/>
+        <p14:creationId xmlns:p14="http://schemas.microsoft.com/office/powerpoint/2010/main" xmlns="" val="470562920"/>
       </p:ext>
     </p:extLst>
   </p:cSld>
@@ -6634,30 +6913,49 @@
               <a:t>Связь осуществляется череп </a:t>
             </a:r>
             <a:r>
+              <a:rPr lang="ru-RU" dirty="0" smtClean="0"/>
+              <a:t>пару </a:t>
+            </a:r>
+            <a:r>
               <a:rPr lang="ru-RU" dirty="0" err="1" smtClean="0"/>
-              <a:t>радиомодуль</a:t>
+              <a:t>радиомодулей</a:t>
             </a:r>
             <a:r>
               <a:rPr lang="ru-RU" dirty="0" smtClean="0"/>
-              <a:t>, подключённый к компьютеру и роботу. Данные о заказе преобразуются в готовый алгоритм, который приходит на робота.</a:t>
+              <a:t>. </a:t>
+            </a:r>
+            <a:r>
+              <a:rPr lang="ru-RU" dirty="0" smtClean="0"/>
+              <a:t>Данные о заказе преобразуются в готовый алгоритм, который приходит на робота</a:t>
+            </a:r>
+            <a:r>
+              <a:rPr lang="ru-RU" dirty="0" smtClean="0"/>
+              <a:t>.</a:t>
             </a:r>
           </a:p>
           <a:p>
             <a:pPr marL="0" indent="0">
               <a:buNone/>
             </a:pPr>
+            <a:endParaRPr lang="ru-RU" dirty="0" smtClean="0"/>
+          </a:p>
+          <a:p>
+            <a:pPr marL="0" indent="0">
+              <a:buNone/>
+            </a:pPr>
+            <a:endParaRPr lang="ru-RU" dirty="0" smtClean="0"/>
+          </a:p>
+          <a:p>
+            <a:pPr marL="0" indent="0">
+              <a:buNone/>
+            </a:pPr>
             <a:r>
               <a:rPr lang="ru-RU" dirty="0" smtClean="0"/>
-              <a:t>Все действия робота это всего лишь проезд до следующей клетки, поворот до следующей линии направо и налево, поэтому приложение шифрует весь алгоритм до последовательности цифр, пример: «13142133».</a:t>
-            </a:r>
-          </a:p>
-          <a:p>
-            <a:pPr marL="0" indent="0">
-              <a:buNone/>
-            </a:pPr>
+              <a:t>«</a:t>
+            </a:r>
             <a:r>
               <a:rPr lang="ru-RU" dirty="0" smtClean="0"/>
-              <a:t>«1» – проезд до следующей клетки</a:t>
+              <a:t>1» – проезд до следующей клетки</a:t>
             </a:r>
           </a:p>
           <a:p>
@@ -6692,7 +6990,7 @@
     </p:spTree>
     <p:extLst>
       <p:ext uri="{BB962C8B-B14F-4D97-AF65-F5344CB8AC3E}">
-        <p14:creationId xmlns:p14="http://schemas.microsoft.com/office/powerpoint/2010/main" val="2619913407"/>
+        <p14:creationId xmlns:p14="http://schemas.microsoft.com/office/powerpoint/2010/main" xmlns="" val="2619913407"/>
       </p:ext>
     </p:extLst>
   </p:cSld>
@@ -6752,7 +7050,7 @@
     </a:clrScheme>
     <a:fontScheme name="Сектор">
       <a:majorFont>
-        <a:latin typeface="Century Gothic" panose="020B0502020202020204"/>
+        <a:latin typeface="Century Gothic"/>
         <a:ea typeface=""/>
         <a:cs typeface=""/>
         <a:font script="Jpan" typeface="メイリオ"/>
@@ -6787,7 +7085,7 @@
         <a:font script="Geor" typeface="Sylfaen"/>
       </a:majorFont>
       <a:minorFont>
-        <a:latin typeface="Century Gothic" panose="020B0502020202020204"/>
+        <a:latin typeface="Century Gothic"/>
         <a:ea typeface=""/>
         <a:cs typeface=""/>
         <a:font script="Jpan" typeface="メイリオ"/>
@@ -6979,7 +7277,7 @@
   <a:extraClrSchemeLst/>
   <a:extLst>
     <a:ext uri="{05A4C25C-085E-4340-85A3-A5531E510DB2}">
-      <thm15:themeFamily xmlns:thm15="http://schemas.microsoft.com/office/thememl/2012/main" name="Slice" id="{0507925B-6AC9-4358-8E18-C330545D08F8}" vid="{2903AAAE-3EA5-424A-B142-CC51DC1F897D}"/>
+      <thm15:themeFamily xmlns:thm15="http://schemas.microsoft.com/office/thememl/2012/main" xmlns="" name="Slice" id="{0507925B-6AC9-4358-8E18-C330545D08F8}" vid="{2903AAAE-3EA5-424A-B142-CC51DC1F897D}"/>
     </a:ext>
   </a:extLst>
 </a:theme>

--- a/Проект «Робот-логист».pptx
+++ b/Проект «Робот-логист».pptx
@@ -1,29 +1,34 @@
 
 <file path=ppt/presentation.xml><?xml version="1.0" encoding="utf-8"?>
-<p:presentation xmlns:a="http://schemas.openxmlformats.org/drawingml/2006/main" xmlns:r="http://schemas.openxmlformats.org/officeDocument/2006/relationships" xmlns:p="http://schemas.openxmlformats.org/presentationml/2006/main" saveSubsetFonts="1">
+<p:presentation xmlns:a="http://schemas.openxmlformats.org/drawingml/2006/main" xmlns:r="http://schemas.openxmlformats.org/officeDocument/2006/relationships" xmlns:p="http://schemas.openxmlformats.org/presentationml/2006/main" xmlns:m="http://schemas.openxmlformats.org/officeDocument/2006/math" xmlns:w="http://schemas.openxmlformats.org/wordprocessingml/2006/main" saveSubsetFonts="1">
   <p:sldMasterIdLst>
-    <p:sldMasterId id="2147483792" r:id="rId1"/>
+    <p:sldMasterId id="2147483648" r:id="rId1"/>
   </p:sldMasterIdLst>
   <p:sldIdLst>
-    <p:sldId id="256" r:id="rId2"/>
-    <p:sldId id="257" r:id="rId3"/>
-    <p:sldId id="259" r:id="rId4"/>
-    <p:sldId id="260" r:id="rId5"/>
-    <p:sldId id="266" r:id="rId6"/>
-    <p:sldId id="261" r:id="rId7"/>
-    <p:sldId id="264" r:id="rId8"/>
-    <p:sldId id="265" r:id="rId9"/>
-    <p:sldId id="262" r:id="rId10"/>
-    <p:sldId id="263" r:id="rId11"/>
+    <p:sldId id="256" r:id="rId3"/>
+    <p:sldId id="257" r:id="rId4"/>
+    <p:sldId id="258" r:id="rId5"/>
+    <p:sldId id="259" r:id="rId6"/>
+    <p:sldId id="260" r:id="rId7"/>
+    <p:sldId id="261" r:id="rId8"/>
+    <p:sldId id="262" r:id="rId9"/>
+    <p:sldId id="263" r:id="rId10"/>
+    <p:sldId id="264" r:id="rId11"/>
+    <p:sldId id="265" r:id="rId12"/>
+    <p:sldId id="266" r:id="rId13"/>
+    <p:sldId id="267" r:id="rId14"/>
+    <p:sldId id="268" r:id="rId15"/>
+    <p:sldId id="269" r:id="rId16"/>
+    <p:sldId id="270" r:id="rId17"/>
   </p:sldIdLst>
   <p:sldSz cx="12192000" cy="6858000"/>
-  <p:notesSz cx="6858000" cy="9144000"/>
+  <p:notesSz cx="12192000" cy="6858000"/>
   <p:defaultTextStyle>
     <a:defPPr>
       <a:defRPr lang="en-US"/>
     </a:defPPr>
-    <a:lvl1pPr marL="0" algn="l" defTabSz="457200" rtl="0" eaLnBrk="1" latinLnBrk="0" hangingPunct="1">
-      <a:defRPr sz="1800" kern="1200">
+    <a:lvl1pPr marL="0" algn="l" defTabSz="457200">
+      <a:defRPr sz="1800">
         <a:solidFill>
           <a:schemeClr val="tx1"/>
         </a:solidFill>
@@ -32,8 +37,8 @@
         <a:cs typeface="+mn-cs"/>
       </a:defRPr>
     </a:lvl1pPr>
-    <a:lvl2pPr marL="457200" algn="l" defTabSz="457200" rtl="0" eaLnBrk="1" latinLnBrk="0" hangingPunct="1">
-      <a:defRPr sz="1800" kern="1200">
+    <a:lvl2pPr marL="457200" algn="l" defTabSz="457200">
+      <a:defRPr sz="1800">
         <a:solidFill>
           <a:schemeClr val="tx1"/>
         </a:solidFill>
@@ -42,8 +47,8 @@
         <a:cs typeface="+mn-cs"/>
       </a:defRPr>
     </a:lvl2pPr>
-    <a:lvl3pPr marL="914400" algn="l" defTabSz="457200" rtl="0" eaLnBrk="1" latinLnBrk="0" hangingPunct="1">
-      <a:defRPr sz="1800" kern="1200">
+    <a:lvl3pPr marL="914400" algn="l" defTabSz="457200">
+      <a:defRPr sz="1800">
         <a:solidFill>
           <a:schemeClr val="tx1"/>
         </a:solidFill>
@@ -52,8 +57,8 @@
         <a:cs typeface="+mn-cs"/>
       </a:defRPr>
     </a:lvl3pPr>
-    <a:lvl4pPr marL="1371600" algn="l" defTabSz="457200" rtl="0" eaLnBrk="1" latinLnBrk="0" hangingPunct="1">
-      <a:defRPr sz="1800" kern="1200">
+    <a:lvl4pPr marL="1371600" algn="l" defTabSz="457200">
+      <a:defRPr sz="1800">
         <a:solidFill>
           <a:schemeClr val="tx1"/>
         </a:solidFill>
@@ -62,8 +67,8 @@
         <a:cs typeface="+mn-cs"/>
       </a:defRPr>
     </a:lvl4pPr>
-    <a:lvl5pPr marL="1828800" algn="l" defTabSz="457200" rtl="0" eaLnBrk="1" latinLnBrk="0" hangingPunct="1">
-      <a:defRPr sz="1800" kern="1200">
+    <a:lvl5pPr marL="1828800" algn="l" defTabSz="457200">
+      <a:defRPr sz="1800">
         <a:solidFill>
           <a:schemeClr val="tx1"/>
         </a:solidFill>
@@ -72,8 +77,8 @@
         <a:cs typeface="+mn-cs"/>
       </a:defRPr>
     </a:lvl5pPr>
-    <a:lvl6pPr marL="2286000" algn="l" defTabSz="457200" rtl="0" eaLnBrk="1" latinLnBrk="0" hangingPunct="1">
-      <a:defRPr sz="1800" kern="1200">
+    <a:lvl6pPr marL="2286000" algn="l" defTabSz="457200">
+      <a:defRPr sz="1800">
         <a:solidFill>
           <a:schemeClr val="tx1"/>
         </a:solidFill>
@@ -82,8 +87,8 @@
         <a:cs typeface="+mn-cs"/>
       </a:defRPr>
     </a:lvl6pPr>
-    <a:lvl7pPr marL="2743200" algn="l" defTabSz="457200" rtl="0" eaLnBrk="1" latinLnBrk="0" hangingPunct="1">
-      <a:defRPr sz="1800" kern="1200">
+    <a:lvl7pPr marL="2743200" algn="l" defTabSz="457200">
+      <a:defRPr sz="1800">
         <a:solidFill>
           <a:schemeClr val="tx1"/>
         </a:solidFill>
@@ -92,8 +97,8 @@
         <a:cs typeface="+mn-cs"/>
       </a:defRPr>
     </a:lvl7pPr>
-    <a:lvl8pPr marL="3200400" algn="l" defTabSz="457200" rtl="0" eaLnBrk="1" latinLnBrk="0" hangingPunct="1">
-      <a:defRPr sz="1800" kern="1200">
+    <a:lvl8pPr marL="3200400" algn="l" defTabSz="457200">
+      <a:defRPr sz="1800">
         <a:solidFill>
           <a:schemeClr val="tx1"/>
         </a:solidFill>
@@ -102,8 +107,8 @@
         <a:cs typeface="+mn-cs"/>
       </a:defRPr>
     </a:lvl8pPr>
-    <a:lvl9pPr marL="3657600" algn="l" defTabSz="457200" rtl="0" eaLnBrk="1" latinLnBrk="0" hangingPunct="1">
-      <a:defRPr sz="1800" kern="1200">
+    <a:lvl9pPr marL="3657600" algn="l" defTabSz="457200">
+      <a:defRPr sz="1800">
         <a:solidFill>
           <a:schemeClr val="tx1"/>
         </a:solidFill>
@@ -113,16 +118,11 @@
       </a:defRPr>
     </a:lvl9pPr>
   </p:defaultTextStyle>
-  <p:extLst>
-    <p:ext uri="{EFAFB233-063F-42B5-8137-9DF3F51BA10A}">
-      <p15:sldGuideLst xmlns:p15="http://schemas.microsoft.com/office/powerpoint/2012/main" xmlns=""/>
-    </p:ext>
-  </p:extLst>
 </p:presentation>
 </file>
 
 <file path=ppt/slideLayouts/slideLayout1.xml><?xml version="1.0" encoding="utf-8"?>
-<p:sldLayout xmlns:a="http://schemas.openxmlformats.org/drawingml/2006/main" xmlns:r="http://schemas.openxmlformats.org/officeDocument/2006/relationships" xmlns:p="http://schemas.openxmlformats.org/presentationml/2006/main" showMasterSp="0" type="title" preserve="1">
+<p:sldLayout xmlns:a="http://schemas.openxmlformats.org/drawingml/2006/main" xmlns:r="http://schemas.openxmlformats.org/officeDocument/2006/relationships" xmlns:p="http://schemas.openxmlformats.org/presentationml/2006/main" xmlns:m="http://schemas.openxmlformats.org/officeDocument/2006/math" xmlns:w="http://schemas.openxmlformats.org/wordprocessingml/2006/main" matchingName="" preserve="1" showMasterPhAnim="0" showMasterSp="0" type="title" userDrawn="1">
   <p:cSld name="Титульный слайд">
     <p:spTree>
       <p:nvGrpSpPr>
@@ -130,7 +130,7 @@
         <p:cNvGrpSpPr/>
         <p:nvPr/>
       </p:nvGrpSpPr>
-      <p:grpSpPr>
+      <p:grpSpPr bwMode="auto">
         <a:xfrm>
           <a:off x="0" y="0"/>
           <a:ext cx="0" cy="0"/>
@@ -148,10 +148,10 @@
             <p:ph type="ctrTitle"/>
           </p:nvPr>
         </p:nvSpPr>
-        <p:spPr>
+        <p:spPr bwMode="auto">
           <a:xfrm>
             <a:off x="684212" y="685799"/>
-            <a:ext cx="8001000" cy="2971801"/>
+            <a:ext cx="8001000" cy="2971800"/>
           </a:xfrm>
         </p:spPr>
         <p:txBody>
@@ -160,17 +160,18 @@
           </a:bodyPr>
           <a:lstStyle>
             <a:lvl1pPr algn="l">
-              <a:defRPr sz="4800">
-                <a:effectLst/>
-              </a:defRPr>
+              <a:defRPr sz="4800"/>
             </a:lvl1pPr>
           </a:lstStyle>
           <a:p>
-            <a:r>
-              <a:rPr lang="ru-RU" smtClean="0"/>
+            <a:pPr>
+              <a:defRPr/>
+            </a:pPr>
+            <a:r>
+              <a:rPr lang="ru-RU"/>
               <a:t>Образец заголовка</a:t>
             </a:r>
-            <a:endParaRPr lang="en-US" dirty="0"/>
+            <a:endParaRPr lang="en-US"/>
           </a:p>
         </p:txBody>
       </p:sp>
@@ -184,7 +185,7 @@
             <p:ph type="subTitle" idx="1"/>
           </p:nvPr>
         </p:nvSpPr>
-        <p:spPr>
+        <p:spPr bwMode="auto">
           <a:xfrm>
             <a:off x="684212" y="3843867"/>
             <a:ext cx="6400800" cy="1947333"/>
@@ -285,11 +286,14 @@
             </a:lvl9pPr>
           </a:lstStyle>
           <a:p>
-            <a:r>
-              <a:rPr lang="ru-RU" smtClean="0"/>
+            <a:pPr>
+              <a:defRPr/>
+            </a:pPr>
+            <a:r>
+              <a:rPr lang="ru-RU"/>
               <a:t>Образец подзаголовка</a:t>
             </a:r>
-            <a:endParaRPr lang="en-US" dirty="0"/>
+            <a:endParaRPr lang="en-US"/>
           </a:p>
         </p:txBody>
       </p:sp>
@@ -303,15 +307,17 @@
             <p:ph type="dt" sz="half" idx="10"/>
           </p:nvPr>
         </p:nvSpPr>
-        <p:spPr/>
+        <p:spPr bwMode="auto"/>
         <p:txBody>
           <a:bodyPr/>
           <a:lstStyle/>
           <a:p>
+            <a:pPr>
+              <a:defRPr/>
+            </a:pPr>
             <a:fld id="{289319FC-3B99-49AD-81CA-FE67D43B35DB}" type="datetimeFigureOut">
-              <a:rPr lang="ru-RU" smtClean="0"/>
-              <a:pPr/>
-              <a:t>20.04.2024</a:t>
+              <a:rPr lang="ru-RU"/>
+              <a:t/>
             </a:fld>
             <a:endParaRPr lang="ru-RU"/>
           </a:p>
@@ -327,11 +333,14 @@
             <p:ph type="ftr" sz="quarter" idx="11"/>
           </p:nvPr>
         </p:nvSpPr>
-        <p:spPr/>
+        <p:spPr bwMode="auto"/>
         <p:txBody>
           <a:bodyPr/>
           <a:lstStyle/>
           <a:p>
+            <a:pPr>
+              <a:defRPr/>
+            </a:pPr>
             <a:endParaRPr lang="ru-RU"/>
           </a:p>
         </p:txBody>
@@ -346,15 +355,17 @@
             <p:ph type="sldNum" sz="quarter" idx="12"/>
           </p:nvPr>
         </p:nvSpPr>
-        <p:spPr/>
+        <p:spPr bwMode="auto"/>
         <p:txBody>
           <a:bodyPr/>
           <a:lstStyle/>
           <a:p>
+            <a:pPr>
+              <a:defRPr/>
+            </a:pPr>
             <a:fld id="{228F7DB4-CDBA-464A-B46E-E265EF20157F}" type="slidenum">
-              <a:rPr lang="ru-RU" smtClean="0"/>
-              <a:pPr/>
-              <a:t>‹#›</a:t>
+              <a:rPr lang="ru-RU"/>
+              <a:t/>
             </a:fld>
             <a:endParaRPr lang="ru-RU"/>
           </a:p>
@@ -363,10 +374,12 @@
       <p:cxnSp>
         <p:nvCxnSpPr>
           <p:cNvPr id="16" name="Straight Connector 15"/>
-          <p:cNvCxnSpPr/>
+          <p:cNvCxnSpPr>
+            <a:cxnSpLocks/>
+          </p:cNvCxnSpPr>
           <p:nvPr/>
         </p:nvCxnSpPr>
-        <p:spPr>
+        <p:spPr bwMode="auto">
           <a:xfrm flipH="1">
             <a:off x="8228012" y="8467"/>
             <a:ext cx="3810000" cy="3810000"/>
@@ -398,10 +411,12 @@
       <p:cxnSp>
         <p:nvCxnSpPr>
           <p:cNvPr id="17" name="Straight Connector 16"/>
-          <p:cNvCxnSpPr/>
+          <p:cNvCxnSpPr>
+            <a:cxnSpLocks/>
+          </p:cNvCxnSpPr>
           <p:nvPr/>
         </p:nvCxnSpPr>
-        <p:spPr>
+        <p:spPr bwMode="auto">
           <a:xfrm flipH="1">
             <a:off x="6108170" y="91545"/>
             <a:ext cx="6080655" cy="6080655"/>
@@ -433,10 +448,12 @@
       <p:cxnSp>
         <p:nvCxnSpPr>
           <p:cNvPr id="19" name="Straight Connector 18"/>
-          <p:cNvCxnSpPr/>
+          <p:cNvCxnSpPr>
+            <a:cxnSpLocks/>
+          </p:cNvCxnSpPr>
           <p:nvPr/>
         </p:nvCxnSpPr>
-        <p:spPr>
+        <p:spPr bwMode="auto">
           <a:xfrm flipH="1">
             <a:off x="7235825" y="228600"/>
             <a:ext cx="4953000" cy="4953000"/>
@@ -468,10 +485,12 @@
       <p:cxnSp>
         <p:nvCxnSpPr>
           <p:cNvPr id="21" name="Straight Connector 20"/>
-          <p:cNvCxnSpPr/>
+          <p:cNvCxnSpPr>
+            <a:cxnSpLocks/>
+          </p:cNvCxnSpPr>
           <p:nvPr/>
         </p:nvCxnSpPr>
-        <p:spPr>
+        <p:spPr bwMode="auto">
           <a:xfrm flipH="1">
             <a:off x="7335837" y="32278"/>
             <a:ext cx="4852989" cy="4852989"/>
@@ -503,10 +522,12 @@
       <p:cxnSp>
         <p:nvCxnSpPr>
           <p:cNvPr id="23" name="Straight Connector 22"/>
-          <p:cNvCxnSpPr/>
+          <p:cNvCxnSpPr>
+            <a:cxnSpLocks/>
+          </p:cNvCxnSpPr>
           <p:nvPr/>
         </p:nvCxnSpPr>
-        <p:spPr>
+        <p:spPr bwMode="auto">
           <a:xfrm flipH="1">
             <a:off x="7845426" y="609601"/>
             <a:ext cx="4343399" cy="4343399"/>
@@ -536,11 +557,6 @@
         </p:style>
       </p:cxnSp>
     </p:spTree>
-    <p:extLst>
-      <p:ext uri="{BB962C8B-B14F-4D97-AF65-F5344CB8AC3E}">
-        <p14:creationId xmlns:p14="http://schemas.microsoft.com/office/powerpoint/2010/main" xmlns="" val="400143774"/>
-      </p:ext>
-    </p:extLst>
   </p:cSld>
   <p:clrMapOvr>
     <a:masterClrMapping/>
@@ -549,7 +565,7 @@
 </file>
 
 <file path=ppt/slideLayouts/slideLayout10.xml><?xml version="1.0" encoding="utf-8"?>
-<p:sldLayout xmlns:a="http://schemas.openxmlformats.org/drawingml/2006/main" xmlns:r="http://schemas.openxmlformats.org/officeDocument/2006/relationships" xmlns:p="http://schemas.openxmlformats.org/presentationml/2006/main" preserve="1">
+<p:sldLayout xmlns:a="http://schemas.openxmlformats.org/drawingml/2006/main" xmlns:r="http://schemas.openxmlformats.org/officeDocument/2006/relationships" xmlns:p="http://schemas.openxmlformats.org/presentationml/2006/main" xmlns:m="http://schemas.openxmlformats.org/officeDocument/2006/math" xmlns:w="http://schemas.openxmlformats.org/wordprocessingml/2006/main" matchingName="" preserve="1" showMasterPhAnim="0" userDrawn="1">
   <p:cSld name="Панорамная фотография с подписью">
     <p:spTree>
       <p:nvGrpSpPr>
@@ -557,7 +573,7 @@
         <p:cNvGrpSpPr/>
         <p:nvPr/>
       </p:nvGrpSpPr>
-      <p:grpSpPr>
+      <p:grpSpPr bwMode="auto">
         <a:xfrm>
           <a:off x="0" y="0"/>
           <a:ext cx="0" cy="0"/>
@@ -575,16 +591,19 @@
             <p:ph type="title"/>
           </p:nvPr>
         </p:nvSpPr>
-        <p:spPr/>
+        <p:spPr bwMode="auto"/>
         <p:txBody>
           <a:bodyPr/>
           <a:lstStyle/>
           <a:p>
-            <a:r>
-              <a:rPr lang="ru-RU" smtClean="0"/>
+            <a:pPr>
+              <a:defRPr/>
+            </a:pPr>
+            <a:r>
+              <a:rPr lang="ru-RU"/>
               <a:t>Образец заголовка</a:t>
             </a:r>
-            <a:endParaRPr lang="en-US" dirty="0"/>
+            <a:endParaRPr lang="en-US"/>
           </a:p>
         </p:txBody>
       </p:sp>
@@ -592,16 +611,16 @@
         <p:nvSpPr>
           <p:cNvPr id="17" name="Picture Placeholder 2"/>
           <p:cNvSpPr>
-            <a:spLocks noGrp="1" noChangeAspect="1"/>
+            <a:spLocks noChangeAspect="1" noGrp="1"/>
           </p:cNvSpPr>
           <p:nvPr>
             <p:ph type="pic" idx="13"/>
           </p:nvPr>
         </p:nvSpPr>
-        <p:spPr>
+        <p:spPr bwMode="auto">
           <a:xfrm>
             <a:off x="685800" y="533400"/>
-            <a:ext cx="10818812" cy="3124200"/>
+            <a:ext cx="10818811" cy="3124200"/>
           </a:xfrm>
           <a:prstGeom prst="snip2DiagRect">
             <a:avLst>
@@ -667,11 +686,14 @@
             </a:lvl9pPr>
           </a:lstStyle>
           <a:p>
-            <a:r>
-              <a:rPr lang="ru-RU" smtClean="0"/>
+            <a:pPr>
+              <a:defRPr/>
+            </a:pPr>
+            <a:r>
+              <a:rPr lang="ru-RU"/>
               <a:t>Вставка рисунка</a:t>
             </a:r>
-            <a:endParaRPr lang="en-US" dirty="0"/>
+            <a:endParaRPr lang="en-US"/>
           </a:p>
         </p:txBody>
       </p:sp>
@@ -685,7 +707,7 @@
             <p:ph type="body" sz="quarter" idx="14"/>
           </p:nvPr>
         </p:nvSpPr>
-        <p:spPr>
+        <p:spPr bwMode="auto">
           <a:xfrm>
             <a:off x="914402" y="3843867"/>
             <a:ext cx="8304210" cy="457200"/>
@@ -723,11 +745,14 @@
             </a:lvl5pPr>
           </a:lstStyle>
           <a:p>
-            <a:pPr lvl="0"/>
-            <a:r>
-              <a:rPr lang="ru-RU" smtClean="0"/>
+            <a:pPr lvl="0">
+              <a:defRPr/>
+            </a:pPr>
+            <a:r>
+              <a:rPr lang="ru-RU"/>
               <a:t>Образец текста</a:t>
             </a:r>
+            <a:endParaRPr/>
           </a:p>
         </p:txBody>
       </p:sp>
@@ -741,15 +766,17 @@
             <p:ph type="dt" sz="half" idx="10"/>
           </p:nvPr>
         </p:nvSpPr>
-        <p:spPr/>
+        <p:spPr bwMode="auto"/>
         <p:txBody>
           <a:bodyPr/>
           <a:lstStyle/>
           <a:p>
+            <a:pPr>
+              <a:defRPr/>
+            </a:pPr>
             <a:fld id="{289319FC-3B99-49AD-81CA-FE67D43B35DB}" type="datetimeFigureOut">
-              <a:rPr lang="ru-RU" smtClean="0"/>
-              <a:pPr/>
-              <a:t>20.04.2024</a:t>
+              <a:rPr lang="ru-RU"/>
+              <a:t/>
             </a:fld>
             <a:endParaRPr lang="ru-RU"/>
           </a:p>
@@ -765,11 +792,14 @@
             <p:ph type="ftr" sz="quarter" idx="11"/>
           </p:nvPr>
         </p:nvSpPr>
-        <p:spPr/>
+        <p:spPr bwMode="auto"/>
         <p:txBody>
           <a:bodyPr/>
           <a:lstStyle/>
           <a:p>
+            <a:pPr>
+              <a:defRPr/>
+            </a:pPr>
             <a:endParaRPr lang="ru-RU"/>
           </a:p>
         </p:txBody>
@@ -784,26 +814,23 @@
             <p:ph type="sldNum" sz="quarter" idx="12"/>
           </p:nvPr>
         </p:nvSpPr>
-        <p:spPr/>
+        <p:spPr bwMode="auto"/>
         <p:txBody>
           <a:bodyPr/>
           <a:lstStyle/>
           <a:p>
+            <a:pPr>
+              <a:defRPr/>
+            </a:pPr>
             <a:fld id="{228F7DB4-CDBA-464A-B46E-E265EF20157F}" type="slidenum">
-              <a:rPr lang="ru-RU" smtClean="0"/>
-              <a:pPr/>
-              <a:t>‹#›</a:t>
+              <a:rPr lang="ru-RU"/>
+              <a:t/>
             </a:fld>
             <a:endParaRPr lang="ru-RU"/>
           </a:p>
         </p:txBody>
       </p:sp>
     </p:spTree>
-    <p:extLst>
-      <p:ext uri="{BB962C8B-B14F-4D97-AF65-F5344CB8AC3E}">
-        <p14:creationId xmlns:p14="http://schemas.microsoft.com/office/powerpoint/2010/main" xmlns="" val="93388604"/>
-      </p:ext>
-    </p:extLst>
   </p:cSld>
   <p:clrMapOvr>
     <a:masterClrMapping/>
@@ -812,7 +839,7 @@
 </file>
 
 <file path=ppt/slideLayouts/slideLayout11.xml><?xml version="1.0" encoding="utf-8"?>
-<p:sldLayout xmlns:a="http://schemas.openxmlformats.org/drawingml/2006/main" xmlns:r="http://schemas.openxmlformats.org/officeDocument/2006/relationships" xmlns:p="http://schemas.openxmlformats.org/presentationml/2006/main" preserve="1">
+<p:sldLayout xmlns:a="http://schemas.openxmlformats.org/drawingml/2006/main" xmlns:r="http://schemas.openxmlformats.org/officeDocument/2006/relationships" xmlns:p="http://schemas.openxmlformats.org/presentationml/2006/main" xmlns:m="http://schemas.openxmlformats.org/officeDocument/2006/math" xmlns:w="http://schemas.openxmlformats.org/wordprocessingml/2006/main" matchingName="" preserve="1" showMasterPhAnim="0" userDrawn="1">
   <p:cSld name="Заголовок и подпись">
     <p:spTree>
       <p:nvGrpSpPr>
@@ -820,7 +847,7 @@
         <p:cNvGrpSpPr/>
         <p:nvPr/>
       </p:nvGrpSpPr>
-      <p:grpSpPr>
+      <p:grpSpPr bwMode="auto">
         <a:xfrm>
           <a:off x="0" y="0"/>
           <a:ext cx="0" cy="0"/>
@@ -838,7 +865,7 @@
             <p:ph type="title"/>
           </p:nvPr>
         </p:nvSpPr>
-        <p:spPr>
+        <p:spPr bwMode="auto">
           <a:xfrm>
             <a:off x="684213" y="685800"/>
             <a:ext cx="10058400" cy="2743200"/>
@@ -854,11 +881,14 @@
             </a:lvl1pPr>
           </a:lstStyle>
           <a:p>
-            <a:r>
-              <a:rPr lang="ru-RU" smtClean="0"/>
+            <a:pPr>
+              <a:defRPr/>
+            </a:pPr>
+            <a:r>
+              <a:rPr lang="ru-RU"/>
               <a:t>Образец заголовка</a:t>
             </a:r>
-            <a:endParaRPr lang="en-US" dirty="0"/>
+            <a:endParaRPr lang="en-US"/>
           </a:p>
         </p:txBody>
       </p:sp>
@@ -872,7 +902,7 @@
             <p:ph type="body" idx="1"/>
           </p:nvPr>
         </p:nvSpPr>
-        <p:spPr>
+        <p:spPr bwMode="auto">
           <a:xfrm>
             <a:off x="684212" y="4114800"/>
             <a:ext cx="8535988" cy="1879600"/>
@@ -973,11 +1003,14 @@
             </a:lvl9pPr>
           </a:lstStyle>
           <a:p>
-            <a:pPr lvl="0"/>
-            <a:r>
-              <a:rPr lang="ru-RU" smtClean="0"/>
+            <a:pPr lvl="0">
+              <a:defRPr/>
+            </a:pPr>
+            <a:r>
+              <a:rPr lang="ru-RU"/>
               <a:t>Образец текста</a:t>
             </a:r>
+            <a:endParaRPr/>
           </a:p>
         </p:txBody>
       </p:sp>
@@ -991,15 +1024,17 @@
             <p:ph type="dt" sz="half" idx="10"/>
           </p:nvPr>
         </p:nvSpPr>
-        <p:spPr/>
+        <p:spPr bwMode="auto"/>
         <p:txBody>
           <a:bodyPr/>
           <a:lstStyle/>
           <a:p>
+            <a:pPr>
+              <a:defRPr/>
+            </a:pPr>
             <a:fld id="{289319FC-3B99-49AD-81CA-FE67D43B35DB}" type="datetimeFigureOut">
-              <a:rPr lang="ru-RU" smtClean="0"/>
-              <a:pPr/>
-              <a:t>20.04.2024</a:t>
+              <a:rPr lang="ru-RU"/>
+              <a:t/>
             </a:fld>
             <a:endParaRPr lang="ru-RU"/>
           </a:p>
@@ -1015,11 +1050,14 @@
             <p:ph type="ftr" sz="quarter" idx="11"/>
           </p:nvPr>
         </p:nvSpPr>
-        <p:spPr/>
+        <p:spPr bwMode="auto"/>
         <p:txBody>
           <a:bodyPr/>
           <a:lstStyle/>
           <a:p>
+            <a:pPr>
+              <a:defRPr/>
+            </a:pPr>
             <a:endParaRPr lang="ru-RU"/>
           </a:p>
         </p:txBody>
@@ -1034,26 +1072,23 @@
             <p:ph type="sldNum" sz="quarter" idx="12"/>
           </p:nvPr>
         </p:nvSpPr>
-        <p:spPr/>
+        <p:spPr bwMode="auto"/>
         <p:txBody>
           <a:bodyPr/>
           <a:lstStyle/>
           <a:p>
+            <a:pPr>
+              <a:defRPr/>
+            </a:pPr>
             <a:fld id="{228F7DB4-CDBA-464A-B46E-E265EF20157F}" type="slidenum">
-              <a:rPr lang="ru-RU" smtClean="0"/>
-              <a:pPr/>
-              <a:t>‹#›</a:t>
+              <a:rPr lang="ru-RU"/>
+              <a:t/>
             </a:fld>
             <a:endParaRPr lang="ru-RU"/>
           </a:p>
         </p:txBody>
       </p:sp>
     </p:spTree>
-    <p:extLst>
-      <p:ext uri="{BB962C8B-B14F-4D97-AF65-F5344CB8AC3E}">
-        <p14:creationId xmlns:p14="http://schemas.microsoft.com/office/powerpoint/2010/main" xmlns="" val="444315885"/>
-      </p:ext>
-    </p:extLst>
   </p:cSld>
   <p:clrMapOvr>
     <a:masterClrMapping/>
@@ -1062,7 +1097,7 @@
 </file>
 
 <file path=ppt/slideLayouts/slideLayout12.xml><?xml version="1.0" encoding="utf-8"?>
-<p:sldLayout xmlns:a="http://schemas.openxmlformats.org/drawingml/2006/main" xmlns:r="http://schemas.openxmlformats.org/officeDocument/2006/relationships" xmlns:p="http://schemas.openxmlformats.org/presentationml/2006/main" preserve="1">
+<p:sldLayout xmlns:a="http://schemas.openxmlformats.org/drawingml/2006/main" xmlns:r="http://schemas.openxmlformats.org/officeDocument/2006/relationships" xmlns:p="http://schemas.openxmlformats.org/presentationml/2006/main" xmlns:m="http://schemas.openxmlformats.org/officeDocument/2006/math" xmlns:w="http://schemas.openxmlformats.org/wordprocessingml/2006/main" matchingName="" preserve="1" showMasterPhAnim="0" userDrawn="1">
   <p:cSld name="Цитата с подписью">
     <p:spTree>
       <p:nvGrpSpPr>
@@ -1070,7 +1105,7 @@
         <p:cNvGrpSpPr/>
         <p:nvPr/>
       </p:nvGrpSpPr>
-      <p:grpSpPr>
+      <p:grpSpPr bwMode="auto">
         <a:xfrm>
           <a:off x="0" y="0"/>
           <a:ext cx="0" cy="0"/>
@@ -1088,7 +1123,7 @@
             <p:ph type="title"/>
           </p:nvPr>
         </p:nvSpPr>
-        <p:spPr>
+        <p:spPr bwMode="auto">
           <a:xfrm>
             <a:off x="1141411" y="685800"/>
             <a:ext cx="9144001" cy="2743200"/>
@@ -1108,11 +1143,14 @@
             </a:lvl1pPr>
           </a:lstStyle>
           <a:p>
-            <a:r>
-              <a:rPr lang="ru-RU" smtClean="0"/>
+            <a:pPr>
+              <a:defRPr/>
+            </a:pPr>
+            <a:r>
+              <a:rPr lang="ru-RU"/>
               <a:t>Образец заголовка</a:t>
             </a:r>
-            <a:endParaRPr lang="en-US" dirty="0"/>
+            <a:endParaRPr lang="en-US"/>
           </a:p>
         </p:txBody>
       </p:sp>
@@ -1126,7 +1164,7 @@
             <p:ph type="body" sz="quarter" idx="13"/>
           </p:nvPr>
         </p:nvSpPr>
-        <p:spPr>
+        <p:spPr bwMode="auto">
           <a:xfrm>
             <a:off x="1446212" y="3429000"/>
             <a:ext cx="8534400" cy="381000"/>
@@ -1162,11 +1200,14 @@
             </a:lvl5pPr>
           </a:lstStyle>
           <a:p>
-            <a:pPr lvl="0"/>
-            <a:r>
-              <a:rPr lang="ru-RU" smtClean="0"/>
+            <a:pPr lvl="0">
+              <a:defRPr/>
+            </a:pPr>
+            <a:r>
+              <a:rPr lang="ru-RU"/>
               <a:t>Образец текста</a:t>
             </a:r>
+            <a:endParaRPr/>
           </a:p>
         </p:txBody>
       </p:sp>
@@ -1180,7 +1221,7 @@
             <p:ph type="body" idx="1"/>
           </p:nvPr>
         </p:nvSpPr>
-        <p:spPr>
+        <p:spPr bwMode="auto">
           <a:xfrm>
             <a:off x="684213" y="4301067"/>
             <a:ext cx="8534400" cy="1684865"/>
@@ -1281,11 +1322,14 @@
             </a:lvl9pPr>
           </a:lstStyle>
           <a:p>
-            <a:pPr lvl="0"/>
-            <a:r>
-              <a:rPr lang="ru-RU" smtClean="0"/>
+            <a:pPr lvl="0">
+              <a:defRPr/>
+            </a:pPr>
+            <a:r>
+              <a:rPr lang="ru-RU"/>
               <a:t>Образец текста</a:t>
             </a:r>
+            <a:endParaRPr/>
           </a:p>
         </p:txBody>
       </p:sp>
@@ -1299,15 +1343,17 @@
             <p:ph type="dt" sz="half" idx="10"/>
           </p:nvPr>
         </p:nvSpPr>
-        <p:spPr/>
+        <p:spPr bwMode="auto"/>
         <p:txBody>
           <a:bodyPr/>
           <a:lstStyle/>
           <a:p>
+            <a:pPr>
+              <a:defRPr/>
+            </a:pPr>
             <a:fld id="{289319FC-3B99-49AD-81CA-FE67D43B35DB}" type="datetimeFigureOut">
-              <a:rPr lang="ru-RU" smtClean="0"/>
-              <a:pPr/>
-              <a:t>20.04.2024</a:t>
+              <a:rPr lang="ru-RU"/>
+              <a:t/>
             </a:fld>
             <a:endParaRPr lang="ru-RU"/>
           </a:p>
@@ -1323,11 +1369,14 @@
             <p:ph type="ftr" sz="quarter" idx="11"/>
           </p:nvPr>
         </p:nvSpPr>
-        <p:spPr/>
+        <p:spPr bwMode="auto"/>
         <p:txBody>
           <a:bodyPr/>
           <a:lstStyle/>
           <a:p>
+            <a:pPr>
+              <a:defRPr/>
+            </a:pPr>
             <a:endParaRPr lang="ru-RU"/>
           </a:p>
         </p:txBody>
@@ -1342,15 +1391,17 @@
             <p:ph type="sldNum" sz="quarter" idx="12"/>
           </p:nvPr>
         </p:nvSpPr>
-        <p:spPr/>
+        <p:spPr bwMode="auto"/>
         <p:txBody>
           <a:bodyPr/>
           <a:lstStyle/>
           <a:p>
+            <a:pPr>
+              <a:defRPr/>
+            </a:pPr>
             <a:fld id="{228F7DB4-CDBA-464A-B46E-E265EF20157F}" type="slidenum">
-              <a:rPr lang="ru-RU" smtClean="0"/>
-              <a:pPr/>
-              <a:t>‹#›</a:t>
+              <a:rPr lang="ru-RU"/>
+              <a:t/>
             </a:fld>
             <a:endParaRPr lang="ru-RU"/>
           </a:p>
@@ -1362,10 +1413,10 @@
           <p:cNvSpPr txBox="1"/>
           <p:nvPr/>
         </p:nvSpPr>
-        <p:spPr>
+        <p:spPr bwMode="auto">
           <a:xfrm>
             <a:off x="531812" y="812222"/>
-            <a:ext cx="609600" cy="584776"/>
+            <a:ext cx="609600" cy="584775"/>
           </a:xfrm>
           <a:prstGeom prst="rect">
             <a:avLst/>
@@ -1377,16 +1428,18 @@
           </a:bodyPr>
           <a:lstStyle/>
           <a:p>
-            <a:pPr lvl="0"/>
-            <a:r>
-              <a:rPr lang="en-US" sz="8000" dirty="0">
+            <a:pPr lvl="0">
+              <a:defRPr/>
+            </a:pPr>
+            <a:r>
+              <a:rPr lang="en-US" sz="8000">
                 <a:solidFill>
                   <a:schemeClr val="tx1"/>
                 </a:solidFill>
-                <a:effectLst/>
               </a:rPr>
               <a:t>“</a:t>
             </a:r>
+            <a:endParaRPr/>
           </a:p>
         </p:txBody>
       </p:sp>
@@ -1396,10 +1449,10 @@
           <p:cNvSpPr txBox="1"/>
           <p:nvPr/>
         </p:nvSpPr>
-        <p:spPr>
+        <p:spPr bwMode="auto">
           <a:xfrm>
             <a:off x="10285412" y="2768601"/>
-            <a:ext cx="609600" cy="584776"/>
+            <a:ext cx="609600" cy="584775"/>
           </a:xfrm>
           <a:prstGeom prst="rect">
             <a:avLst/>
@@ -1411,25 +1464,22 @@
           </a:bodyPr>
           <a:lstStyle/>
           <a:p>
-            <a:pPr lvl="0" algn="r"/>
-            <a:r>
-              <a:rPr lang="en-US" sz="8000" dirty="0">
+            <a:pPr lvl="0" algn="r">
+              <a:defRPr/>
+            </a:pPr>
+            <a:r>
+              <a:rPr lang="en-US" sz="8000">
                 <a:solidFill>
                   <a:schemeClr val="tx1"/>
                 </a:solidFill>
-                <a:effectLst/>
               </a:rPr>
               <a:t>”</a:t>
             </a:r>
+            <a:endParaRPr/>
           </a:p>
         </p:txBody>
       </p:sp>
     </p:spTree>
-    <p:extLst>
-      <p:ext uri="{BB962C8B-B14F-4D97-AF65-F5344CB8AC3E}">
-        <p14:creationId xmlns:p14="http://schemas.microsoft.com/office/powerpoint/2010/main" xmlns="" val="3960849245"/>
-      </p:ext>
-    </p:extLst>
   </p:cSld>
   <p:clrMapOvr>
     <a:masterClrMapping/>
@@ -1438,7 +1488,7 @@
 </file>
 
 <file path=ppt/slideLayouts/slideLayout13.xml><?xml version="1.0" encoding="utf-8"?>
-<p:sldLayout xmlns:a="http://schemas.openxmlformats.org/drawingml/2006/main" xmlns:r="http://schemas.openxmlformats.org/officeDocument/2006/relationships" xmlns:p="http://schemas.openxmlformats.org/presentationml/2006/main" preserve="1">
+<p:sldLayout xmlns:a="http://schemas.openxmlformats.org/drawingml/2006/main" xmlns:r="http://schemas.openxmlformats.org/officeDocument/2006/relationships" xmlns:p="http://schemas.openxmlformats.org/presentationml/2006/main" xmlns:m="http://schemas.openxmlformats.org/officeDocument/2006/math" xmlns:w="http://schemas.openxmlformats.org/wordprocessingml/2006/main" matchingName="" preserve="1" showMasterPhAnim="0" userDrawn="1">
   <p:cSld name="Карточка имени">
     <p:spTree>
       <p:nvGrpSpPr>
@@ -1446,7 +1496,7 @@
         <p:cNvGrpSpPr/>
         <p:nvPr/>
       </p:nvGrpSpPr>
-      <p:grpSpPr>
+      <p:grpSpPr bwMode="auto">
         <a:xfrm>
           <a:off x="0" y="0"/>
           <a:ext cx="0" cy="0"/>
@@ -1464,7 +1514,7 @@
             <p:ph type="title"/>
           </p:nvPr>
         </p:nvSpPr>
-        <p:spPr>
+        <p:spPr bwMode="auto">
           <a:xfrm>
             <a:off x="684212" y="3429000"/>
             <a:ext cx="8534400" cy="1697400"/>
@@ -1480,11 +1530,14 @@
             </a:lvl1pPr>
           </a:lstStyle>
           <a:p>
-            <a:r>
-              <a:rPr lang="ru-RU" smtClean="0"/>
+            <a:pPr>
+              <a:defRPr/>
+            </a:pPr>
+            <a:r>
+              <a:rPr lang="ru-RU"/>
               <a:t>Образец заголовка</a:t>
             </a:r>
-            <a:endParaRPr lang="en-US" dirty="0"/>
+            <a:endParaRPr lang="en-US"/>
           </a:p>
         </p:txBody>
       </p:sp>
@@ -1498,7 +1551,7 @@
             <p:ph type="body" idx="1"/>
           </p:nvPr>
         </p:nvSpPr>
-        <p:spPr>
+        <p:spPr bwMode="auto">
           <a:xfrm>
             <a:off x="684211" y="5132981"/>
             <a:ext cx="8535990" cy="860400"/>
@@ -1599,11 +1652,14 @@
             </a:lvl9pPr>
           </a:lstStyle>
           <a:p>
-            <a:pPr lvl="0"/>
-            <a:r>
-              <a:rPr lang="ru-RU" smtClean="0"/>
+            <a:pPr lvl="0">
+              <a:defRPr/>
+            </a:pPr>
+            <a:r>
+              <a:rPr lang="ru-RU"/>
               <a:t>Образец текста</a:t>
             </a:r>
+            <a:endParaRPr/>
           </a:p>
         </p:txBody>
       </p:sp>
@@ -1617,15 +1673,17 @@
             <p:ph type="dt" sz="half" idx="10"/>
           </p:nvPr>
         </p:nvSpPr>
-        <p:spPr/>
+        <p:spPr bwMode="auto"/>
         <p:txBody>
           <a:bodyPr/>
           <a:lstStyle/>
           <a:p>
+            <a:pPr>
+              <a:defRPr/>
+            </a:pPr>
             <a:fld id="{289319FC-3B99-49AD-81CA-FE67D43B35DB}" type="datetimeFigureOut">
-              <a:rPr lang="ru-RU" smtClean="0"/>
-              <a:pPr/>
-              <a:t>20.04.2024</a:t>
+              <a:rPr lang="ru-RU"/>
+              <a:t/>
             </a:fld>
             <a:endParaRPr lang="ru-RU"/>
           </a:p>
@@ -1641,11 +1699,14 @@
             <p:ph type="ftr" sz="quarter" idx="11"/>
           </p:nvPr>
         </p:nvSpPr>
-        <p:spPr/>
+        <p:spPr bwMode="auto"/>
         <p:txBody>
           <a:bodyPr/>
           <a:lstStyle/>
           <a:p>
+            <a:pPr>
+              <a:defRPr/>
+            </a:pPr>
             <a:endParaRPr lang="ru-RU"/>
           </a:p>
         </p:txBody>
@@ -1660,26 +1721,23 @@
             <p:ph type="sldNum" sz="quarter" idx="12"/>
           </p:nvPr>
         </p:nvSpPr>
-        <p:spPr/>
+        <p:spPr bwMode="auto"/>
         <p:txBody>
           <a:bodyPr/>
           <a:lstStyle/>
           <a:p>
+            <a:pPr>
+              <a:defRPr/>
+            </a:pPr>
             <a:fld id="{228F7DB4-CDBA-464A-B46E-E265EF20157F}" type="slidenum">
-              <a:rPr lang="ru-RU" smtClean="0"/>
-              <a:pPr/>
-              <a:t>‹#›</a:t>
+              <a:rPr lang="ru-RU"/>
+              <a:t/>
             </a:fld>
             <a:endParaRPr lang="ru-RU"/>
           </a:p>
         </p:txBody>
       </p:sp>
     </p:spTree>
-    <p:extLst>
-      <p:ext uri="{BB962C8B-B14F-4D97-AF65-F5344CB8AC3E}">
-        <p14:creationId xmlns:p14="http://schemas.microsoft.com/office/powerpoint/2010/main" xmlns="" val="2778654995"/>
-      </p:ext>
-    </p:extLst>
   </p:cSld>
   <p:clrMapOvr>
     <a:masterClrMapping/>
@@ -1688,7 +1746,7 @@
 </file>
 
 <file path=ppt/slideLayouts/slideLayout14.xml><?xml version="1.0" encoding="utf-8"?>
-<p:sldLayout xmlns:a="http://schemas.openxmlformats.org/drawingml/2006/main" xmlns:r="http://schemas.openxmlformats.org/officeDocument/2006/relationships" xmlns:p="http://schemas.openxmlformats.org/presentationml/2006/main" preserve="1">
+<p:sldLayout xmlns:a="http://schemas.openxmlformats.org/drawingml/2006/main" xmlns:r="http://schemas.openxmlformats.org/officeDocument/2006/relationships" xmlns:p="http://schemas.openxmlformats.org/presentationml/2006/main" xmlns:m="http://schemas.openxmlformats.org/officeDocument/2006/math" xmlns:w="http://schemas.openxmlformats.org/wordprocessingml/2006/main" matchingName="" preserve="1" showMasterPhAnim="0" userDrawn="1">
   <p:cSld name="Цитата карточки имени">
     <p:spTree>
       <p:nvGrpSpPr>
@@ -1696,7 +1754,7 @@
         <p:cNvGrpSpPr/>
         <p:nvPr/>
       </p:nvGrpSpPr>
-      <p:grpSpPr>
+      <p:grpSpPr bwMode="auto">
         <a:xfrm>
           <a:off x="0" y="0"/>
           <a:ext cx="0" cy="0"/>
@@ -1714,7 +1772,7 @@
             <p:ph type="title"/>
           </p:nvPr>
         </p:nvSpPr>
-        <p:spPr>
+        <p:spPr bwMode="auto">
           <a:xfrm>
             <a:off x="1141413" y="685800"/>
             <a:ext cx="9144000" cy="2743200"/>
@@ -1734,11 +1792,14 @@
             </a:lvl1pPr>
           </a:lstStyle>
           <a:p>
-            <a:r>
-              <a:rPr lang="ru-RU" smtClean="0"/>
+            <a:pPr>
+              <a:defRPr/>
+            </a:pPr>
+            <a:r>
+              <a:rPr lang="ru-RU"/>
               <a:t>Образец заголовка</a:t>
             </a:r>
-            <a:endParaRPr lang="en-US" dirty="0"/>
+            <a:endParaRPr lang="en-US"/>
           </a:p>
         </p:txBody>
       </p:sp>
@@ -1752,7 +1813,7 @@
             <p:ph type="body" sz="quarter" idx="13"/>
           </p:nvPr>
         </p:nvSpPr>
-        <p:spPr>
+        <p:spPr bwMode="auto">
           <a:xfrm>
             <a:off x="684212" y="3928534"/>
             <a:ext cx="8534401" cy="1049866"/>
@@ -1765,28 +1826,29 @@
           <a:lstStyle>
             <a:lvl1pPr>
               <a:buNone/>
-              <a:defRPr lang="en-US" sz="2400" b="0" cap="all" dirty="0">
+              <a:defRPr lang="en-US" sz="2400" b="0" cap="all">
                 <a:ln w="3175" cmpd="sng">
                   <a:noFill/>
                 </a:ln>
                 <a:solidFill>
                   <a:schemeClr val="tx1"/>
                 </a:solidFill>
-                <a:effectLst/>
               </a:defRPr>
             </a:lvl1pPr>
           </a:lstStyle>
           <a:p>
             <a:pPr marL="0" lvl="0">
               <a:spcBef>
-                <a:spcPct val="0"/>
+                <a:spcPts val="0"/>
               </a:spcBef>
               <a:buNone/>
-            </a:pPr>
-            <a:r>
-              <a:rPr lang="ru-RU" smtClean="0"/>
+              <a:defRPr/>
+            </a:pPr>
+            <a:r>
+              <a:rPr lang="ru-RU"/>
               <a:t>Образец текста</a:t>
             </a:r>
+            <a:endParaRPr/>
           </a:p>
         </p:txBody>
       </p:sp>
@@ -1800,7 +1862,7 @@
             <p:ph type="body" idx="1"/>
           </p:nvPr>
         </p:nvSpPr>
-        <p:spPr>
+        <p:spPr bwMode="auto">
           <a:xfrm>
             <a:off x="684211" y="4978400"/>
             <a:ext cx="8534401" cy="1016000"/>
@@ -1901,11 +1963,14 @@
             </a:lvl9pPr>
           </a:lstStyle>
           <a:p>
-            <a:pPr lvl="0"/>
-            <a:r>
-              <a:rPr lang="ru-RU" smtClean="0"/>
+            <a:pPr lvl="0">
+              <a:defRPr/>
+            </a:pPr>
+            <a:r>
+              <a:rPr lang="ru-RU"/>
               <a:t>Образец текста</a:t>
             </a:r>
+            <a:endParaRPr/>
           </a:p>
         </p:txBody>
       </p:sp>
@@ -1919,15 +1984,17 @@
             <p:ph type="dt" sz="half" idx="10"/>
           </p:nvPr>
         </p:nvSpPr>
-        <p:spPr/>
+        <p:spPr bwMode="auto"/>
         <p:txBody>
           <a:bodyPr/>
           <a:lstStyle/>
           <a:p>
+            <a:pPr>
+              <a:defRPr/>
+            </a:pPr>
             <a:fld id="{289319FC-3B99-49AD-81CA-FE67D43B35DB}" type="datetimeFigureOut">
-              <a:rPr lang="ru-RU" smtClean="0"/>
-              <a:pPr/>
-              <a:t>20.04.2024</a:t>
+              <a:rPr lang="ru-RU"/>
+              <a:t/>
             </a:fld>
             <a:endParaRPr lang="ru-RU"/>
           </a:p>
@@ -1943,11 +2010,14 @@
             <p:ph type="ftr" sz="quarter" idx="11"/>
           </p:nvPr>
         </p:nvSpPr>
-        <p:spPr/>
+        <p:spPr bwMode="auto"/>
         <p:txBody>
           <a:bodyPr/>
           <a:lstStyle/>
           <a:p>
+            <a:pPr>
+              <a:defRPr/>
+            </a:pPr>
             <a:endParaRPr lang="ru-RU"/>
           </a:p>
         </p:txBody>
@@ -1962,15 +2032,17 @@
             <p:ph type="sldNum" sz="quarter" idx="12"/>
           </p:nvPr>
         </p:nvSpPr>
-        <p:spPr/>
+        <p:spPr bwMode="auto"/>
         <p:txBody>
           <a:bodyPr/>
           <a:lstStyle/>
           <a:p>
+            <a:pPr>
+              <a:defRPr/>
+            </a:pPr>
             <a:fld id="{228F7DB4-CDBA-464A-B46E-E265EF20157F}" type="slidenum">
-              <a:rPr lang="ru-RU" smtClean="0"/>
-              <a:pPr/>
-              <a:t>‹#›</a:t>
+              <a:rPr lang="ru-RU"/>
+              <a:t/>
             </a:fld>
             <a:endParaRPr lang="ru-RU"/>
           </a:p>
@@ -1982,10 +2054,10 @@
           <p:cNvSpPr txBox="1"/>
           <p:nvPr/>
         </p:nvSpPr>
-        <p:spPr>
+        <p:spPr bwMode="auto">
           <a:xfrm>
             <a:off x="531812" y="812222"/>
-            <a:ext cx="609600" cy="584776"/>
+            <a:ext cx="609600" cy="584775"/>
           </a:xfrm>
           <a:prstGeom prst="rect">
             <a:avLst/>
@@ -1997,16 +2069,18 @@
           </a:bodyPr>
           <a:lstStyle/>
           <a:p>
-            <a:pPr lvl="0"/>
-            <a:r>
-              <a:rPr lang="en-US" sz="8000" dirty="0">
+            <a:pPr lvl="0">
+              <a:defRPr/>
+            </a:pPr>
+            <a:r>
+              <a:rPr lang="en-US" sz="8000">
                 <a:solidFill>
                   <a:schemeClr val="tx1"/>
                 </a:solidFill>
-                <a:effectLst/>
               </a:rPr>
               <a:t>“</a:t>
             </a:r>
+            <a:endParaRPr/>
           </a:p>
         </p:txBody>
       </p:sp>
@@ -2016,10 +2090,10 @@
           <p:cNvSpPr txBox="1"/>
           <p:nvPr/>
         </p:nvSpPr>
-        <p:spPr>
+        <p:spPr bwMode="auto">
           <a:xfrm>
             <a:off x="10285412" y="2768601"/>
-            <a:ext cx="609600" cy="584776"/>
+            <a:ext cx="609600" cy="584775"/>
           </a:xfrm>
           <a:prstGeom prst="rect">
             <a:avLst/>
@@ -2031,25 +2105,22 @@
           </a:bodyPr>
           <a:lstStyle/>
           <a:p>
-            <a:pPr lvl="0" algn="r"/>
-            <a:r>
-              <a:rPr lang="en-US" sz="8000" dirty="0">
+            <a:pPr lvl="0" algn="r">
+              <a:defRPr/>
+            </a:pPr>
+            <a:r>
+              <a:rPr lang="en-US" sz="8000">
                 <a:solidFill>
                   <a:schemeClr val="tx1"/>
                 </a:solidFill>
-                <a:effectLst/>
               </a:rPr>
               <a:t>”</a:t>
             </a:r>
+            <a:endParaRPr/>
           </a:p>
         </p:txBody>
       </p:sp>
     </p:spTree>
-    <p:extLst>
-      <p:ext uri="{BB962C8B-B14F-4D97-AF65-F5344CB8AC3E}">
-        <p14:creationId xmlns:p14="http://schemas.microsoft.com/office/powerpoint/2010/main" xmlns="" val="477574210"/>
-      </p:ext>
-    </p:extLst>
   </p:cSld>
   <p:clrMapOvr>
     <a:masterClrMapping/>
@@ -2058,7 +2129,7 @@
 </file>
 
 <file path=ppt/slideLayouts/slideLayout15.xml><?xml version="1.0" encoding="utf-8"?>
-<p:sldLayout xmlns:a="http://schemas.openxmlformats.org/drawingml/2006/main" xmlns:r="http://schemas.openxmlformats.org/officeDocument/2006/relationships" xmlns:p="http://schemas.openxmlformats.org/presentationml/2006/main" preserve="1">
+<p:sldLayout xmlns:a="http://schemas.openxmlformats.org/drawingml/2006/main" xmlns:r="http://schemas.openxmlformats.org/officeDocument/2006/relationships" xmlns:p="http://schemas.openxmlformats.org/presentationml/2006/main" xmlns:m="http://schemas.openxmlformats.org/officeDocument/2006/math" xmlns:w="http://schemas.openxmlformats.org/wordprocessingml/2006/main" matchingName="" preserve="1" showMasterPhAnim="0" userDrawn="1">
   <p:cSld name="Истина или ложь">
     <p:spTree>
       <p:nvGrpSpPr>
@@ -2066,7 +2137,7 @@
         <p:cNvGrpSpPr/>
         <p:nvPr/>
       </p:nvGrpSpPr>
-      <p:grpSpPr>
+      <p:grpSpPr bwMode="auto">
         <a:xfrm>
           <a:off x="0" y="0"/>
           <a:ext cx="0" cy="0"/>
@@ -2084,7 +2155,7 @@
             <p:ph type="title"/>
           </p:nvPr>
         </p:nvSpPr>
-        <p:spPr>
+        <p:spPr bwMode="auto">
           <a:xfrm>
             <a:off x="684213" y="685800"/>
             <a:ext cx="10058400" cy="2743200"/>
@@ -2096,16 +2167,18 @@
           </a:bodyPr>
           <a:lstStyle>
             <a:lvl1pPr>
-              <a:defRPr lang="en-US" b="0" dirty="0"/>
+              <a:defRPr lang="en-US" b="0"/>
             </a:lvl1pPr>
           </a:lstStyle>
           <a:p>
-            <a:pPr marL="0" lvl="0"/>
-            <a:r>
-              <a:rPr lang="ru-RU" smtClean="0"/>
+            <a:pPr marL="0" lvl="0">
+              <a:defRPr/>
+            </a:pPr>
+            <a:r>
+              <a:rPr lang="ru-RU"/>
               <a:t>Образец заголовка</a:t>
             </a:r>
-            <a:endParaRPr lang="en-US" dirty="0"/>
+            <a:endParaRPr lang="en-US"/>
           </a:p>
         </p:txBody>
       </p:sp>
@@ -2119,7 +2192,7 @@
             <p:ph type="body" sz="quarter" idx="13"/>
           </p:nvPr>
         </p:nvSpPr>
-        <p:spPr>
+        <p:spPr bwMode="auto">
           <a:xfrm>
             <a:off x="684212" y="3928534"/>
             <a:ext cx="8534400" cy="838200"/>
@@ -2132,28 +2205,29 @@
           <a:lstStyle>
             <a:lvl1pPr>
               <a:buNone/>
-              <a:defRPr lang="en-US" sz="2400" b="0" cap="all" dirty="0">
+              <a:defRPr lang="en-US" sz="2400" b="0" cap="all">
                 <a:ln w="3175" cmpd="sng">
                   <a:noFill/>
                 </a:ln>
                 <a:solidFill>
                   <a:schemeClr val="tx1"/>
                 </a:solidFill>
-                <a:effectLst/>
               </a:defRPr>
             </a:lvl1pPr>
           </a:lstStyle>
           <a:p>
             <a:pPr marL="0" lvl="0">
               <a:spcBef>
-                <a:spcPct val="0"/>
+                <a:spcPts val="0"/>
               </a:spcBef>
               <a:buNone/>
-            </a:pPr>
-            <a:r>
-              <a:rPr lang="ru-RU" smtClean="0"/>
+              <a:defRPr/>
+            </a:pPr>
+            <a:r>
+              <a:rPr lang="ru-RU"/>
               <a:t>Образец текста</a:t>
             </a:r>
+            <a:endParaRPr/>
           </a:p>
         </p:txBody>
       </p:sp>
@@ -2167,7 +2241,7 @@
             <p:ph type="body" idx="1"/>
           </p:nvPr>
         </p:nvSpPr>
-        <p:spPr>
+        <p:spPr bwMode="auto">
           <a:xfrm>
             <a:off x="684211" y="4766732"/>
             <a:ext cx="8534401" cy="1227667"/>
@@ -2268,11 +2342,14 @@
             </a:lvl9pPr>
           </a:lstStyle>
           <a:p>
-            <a:pPr lvl="0"/>
-            <a:r>
-              <a:rPr lang="ru-RU" smtClean="0"/>
+            <a:pPr lvl="0">
+              <a:defRPr/>
+            </a:pPr>
+            <a:r>
+              <a:rPr lang="ru-RU"/>
               <a:t>Образец текста</a:t>
             </a:r>
+            <a:endParaRPr/>
           </a:p>
         </p:txBody>
       </p:sp>
@@ -2286,15 +2363,17 @@
             <p:ph type="dt" sz="half" idx="10"/>
           </p:nvPr>
         </p:nvSpPr>
-        <p:spPr/>
+        <p:spPr bwMode="auto"/>
         <p:txBody>
           <a:bodyPr/>
           <a:lstStyle/>
           <a:p>
+            <a:pPr>
+              <a:defRPr/>
+            </a:pPr>
             <a:fld id="{289319FC-3B99-49AD-81CA-FE67D43B35DB}" type="datetimeFigureOut">
-              <a:rPr lang="ru-RU" smtClean="0"/>
-              <a:pPr/>
-              <a:t>20.04.2024</a:t>
+              <a:rPr lang="ru-RU"/>
+              <a:t/>
             </a:fld>
             <a:endParaRPr lang="ru-RU"/>
           </a:p>
@@ -2310,11 +2389,14 @@
             <p:ph type="ftr" sz="quarter" idx="11"/>
           </p:nvPr>
         </p:nvSpPr>
-        <p:spPr/>
+        <p:spPr bwMode="auto"/>
         <p:txBody>
           <a:bodyPr/>
           <a:lstStyle/>
           <a:p>
+            <a:pPr>
+              <a:defRPr/>
+            </a:pPr>
             <a:endParaRPr lang="ru-RU"/>
           </a:p>
         </p:txBody>
@@ -2329,26 +2411,23 @@
             <p:ph type="sldNum" sz="quarter" idx="12"/>
           </p:nvPr>
         </p:nvSpPr>
-        <p:spPr/>
+        <p:spPr bwMode="auto"/>
         <p:txBody>
           <a:bodyPr/>
           <a:lstStyle/>
           <a:p>
+            <a:pPr>
+              <a:defRPr/>
+            </a:pPr>
             <a:fld id="{228F7DB4-CDBA-464A-B46E-E265EF20157F}" type="slidenum">
-              <a:rPr lang="ru-RU" smtClean="0"/>
-              <a:pPr/>
-              <a:t>‹#›</a:t>
+              <a:rPr lang="ru-RU"/>
+              <a:t/>
             </a:fld>
             <a:endParaRPr lang="ru-RU"/>
           </a:p>
         </p:txBody>
       </p:sp>
     </p:spTree>
-    <p:extLst>
-      <p:ext uri="{BB962C8B-B14F-4D97-AF65-F5344CB8AC3E}">
-        <p14:creationId xmlns:p14="http://schemas.microsoft.com/office/powerpoint/2010/main" xmlns="" val="654529767"/>
-      </p:ext>
-    </p:extLst>
   </p:cSld>
   <p:clrMapOvr>
     <a:masterClrMapping/>
@@ -2357,7 +2436,7 @@
 </file>
 
 <file path=ppt/slideLayouts/slideLayout16.xml><?xml version="1.0" encoding="utf-8"?>
-<p:sldLayout xmlns:a="http://schemas.openxmlformats.org/drawingml/2006/main" xmlns:r="http://schemas.openxmlformats.org/officeDocument/2006/relationships" xmlns:p="http://schemas.openxmlformats.org/presentationml/2006/main" type="vertTx" preserve="1">
+<p:sldLayout xmlns:a="http://schemas.openxmlformats.org/drawingml/2006/main" xmlns:r="http://schemas.openxmlformats.org/officeDocument/2006/relationships" xmlns:p="http://schemas.openxmlformats.org/presentationml/2006/main" xmlns:m="http://schemas.openxmlformats.org/officeDocument/2006/math" xmlns:w="http://schemas.openxmlformats.org/wordprocessingml/2006/main" matchingName="" preserve="1" showMasterPhAnim="0" type="vertTx" userDrawn="1">
   <p:cSld name="Заголовок и вертикальный текст">
     <p:spTree>
       <p:nvGrpSpPr>
@@ -2365,7 +2444,7 @@
         <p:cNvGrpSpPr/>
         <p:nvPr/>
       </p:nvGrpSpPr>
-      <p:grpSpPr>
+      <p:grpSpPr bwMode="auto">
         <a:xfrm>
           <a:off x="0" y="0"/>
           <a:ext cx="0" cy="0"/>
@@ -2383,7 +2462,7 @@
             <p:ph type="title"/>
           </p:nvPr>
         </p:nvSpPr>
-        <p:spPr/>
+        <p:spPr bwMode="auto"/>
         <p:txBody>
           <a:bodyPr/>
           <a:lstStyle>
@@ -2392,11 +2471,14 @@
             </a:lvl1pPr>
           </a:lstStyle>
           <a:p>
-            <a:r>
-              <a:rPr lang="ru-RU" smtClean="0"/>
+            <a:pPr>
+              <a:defRPr/>
+            </a:pPr>
+            <a:r>
+              <a:rPr lang="ru-RU"/>
               <a:t>Образец заголовка</a:t>
             </a:r>
-            <a:endParaRPr lang="en-US" dirty="0"/>
+            <a:endParaRPr lang="en-US"/>
           </a:p>
         </p:txBody>
       </p:sp>
@@ -2410,45 +2492,59 @@
             <p:ph type="body" orient="vert" idx="1"/>
           </p:nvPr>
         </p:nvSpPr>
-        <p:spPr/>
+        <p:spPr bwMode="auto"/>
         <p:txBody>
           <a:bodyPr vert="eaVert" anchor="t"/>
           <a:lstStyle/>
           <a:p>
-            <a:pPr lvl="0"/>
-            <a:r>
-              <a:rPr lang="ru-RU" smtClean="0"/>
+            <a:pPr lvl="0">
+              <a:defRPr/>
+            </a:pPr>
+            <a:r>
+              <a:rPr lang="ru-RU"/>
               <a:t>Образец текста</a:t>
             </a:r>
-          </a:p>
-          <a:p>
-            <a:pPr lvl="1"/>
-            <a:r>
-              <a:rPr lang="ru-RU" smtClean="0"/>
+            <a:endParaRPr/>
+          </a:p>
+          <a:p>
+            <a:pPr lvl="1">
+              <a:defRPr/>
+            </a:pPr>
+            <a:r>
+              <a:rPr lang="ru-RU"/>
               <a:t>Второй уровень</a:t>
             </a:r>
-          </a:p>
-          <a:p>
-            <a:pPr lvl="2"/>
-            <a:r>
-              <a:rPr lang="ru-RU" smtClean="0"/>
+            <a:endParaRPr/>
+          </a:p>
+          <a:p>
+            <a:pPr lvl="2">
+              <a:defRPr/>
+            </a:pPr>
+            <a:r>
+              <a:rPr lang="ru-RU"/>
               <a:t>Третий уровень</a:t>
             </a:r>
-          </a:p>
-          <a:p>
-            <a:pPr lvl="3"/>
-            <a:r>
-              <a:rPr lang="ru-RU" smtClean="0"/>
+            <a:endParaRPr/>
+          </a:p>
+          <a:p>
+            <a:pPr lvl="3">
+              <a:defRPr/>
+            </a:pPr>
+            <a:r>
+              <a:rPr lang="ru-RU"/>
               <a:t>Четвертый уровень</a:t>
             </a:r>
-          </a:p>
-          <a:p>
-            <a:pPr lvl="4"/>
-            <a:r>
-              <a:rPr lang="ru-RU" smtClean="0"/>
+            <a:endParaRPr/>
+          </a:p>
+          <a:p>
+            <a:pPr lvl="4">
+              <a:defRPr/>
+            </a:pPr>
+            <a:r>
+              <a:rPr lang="ru-RU"/>
               <a:t>Пятый уровень</a:t>
             </a:r>
-            <a:endParaRPr lang="en-US" dirty="0"/>
+            <a:endParaRPr lang="en-US"/>
           </a:p>
         </p:txBody>
       </p:sp>
@@ -2462,15 +2558,17 @@
             <p:ph type="dt" sz="half" idx="10"/>
           </p:nvPr>
         </p:nvSpPr>
-        <p:spPr/>
+        <p:spPr bwMode="auto"/>
         <p:txBody>
           <a:bodyPr/>
           <a:lstStyle/>
           <a:p>
+            <a:pPr>
+              <a:defRPr/>
+            </a:pPr>
             <a:fld id="{289319FC-3B99-49AD-81CA-FE67D43B35DB}" type="datetimeFigureOut">
-              <a:rPr lang="ru-RU" smtClean="0"/>
-              <a:pPr/>
-              <a:t>20.04.2024</a:t>
+              <a:rPr lang="ru-RU"/>
+              <a:t/>
             </a:fld>
             <a:endParaRPr lang="ru-RU"/>
           </a:p>
@@ -2486,11 +2584,14 @@
             <p:ph type="ftr" sz="quarter" idx="11"/>
           </p:nvPr>
         </p:nvSpPr>
-        <p:spPr/>
+        <p:spPr bwMode="auto"/>
         <p:txBody>
           <a:bodyPr/>
           <a:lstStyle/>
           <a:p>
+            <a:pPr>
+              <a:defRPr/>
+            </a:pPr>
             <a:endParaRPr lang="ru-RU"/>
           </a:p>
         </p:txBody>
@@ -2505,26 +2606,23 @@
             <p:ph type="sldNum" sz="quarter" idx="12"/>
           </p:nvPr>
         </p:nvSpPr>
-        <p:spPr/>
+        <p:spPr bwMode="auto"/>
         <p:txBody>
           <a:bodyPr/>
           <a:lstStyle/>
           <a:p>
+            <a:pPr>
+              <a:defRPr/>
+            </a:pPr>
             <a:fld id="{228F7DB4-CDBA-464A-B46E-E265EF20157F}" type="slidenum">
-              <a:rPr lang="ru-RU" smtClean="0"/>
-              <a:pPr/>
-              <a:t>‹#›</a:t>
+              <a:rPr lang="ru-RU"/>
+              <a:t/>
             </a:fld>
             <a:endParaRPr lang="ru-RU"/>
           </a:p>
         </p:txBody>
       </p:sp>
     </p:spTree>
-    <p:extLst>
-      <p:ext uri="{BB962C8B-B14F-4D97-AF65-F5344CB8AC3E}">
-        <p14:creationId xmlns:p14="http://schemas.microsoft.com/office/powerpoint/2010/main" xmlns="" val="10010352"/>
-      </p:ext>
-    </p:extLst>
   </p:cSld>
   <p:clrMapOvr>
     <a:masterClrMapping/>
@@ -2533,7 +2631,7 @@
 </file>
 
 <file path=ppt/slideLayouts/slideLayout17.xml><?xml version="1.0" encoding="utf-8"?>
-<p:sldLayout xmlns:a="http://schemas.openxmlformats.org/drawingml/2006/main" xmlns:r="http://schemas.openxmlformats.org/officeDocument/2006/relationships" xmlns:p="http://schemas.openxmlformats.org/presentationml/2006/main" type="vertTitleAndTx" preserve="1">
+<p:sldLayout xmlns:a="http://schemas.openxmlformats.org/drawingml/2006/main" xmlns:r="http://schemas.openxmlformats.org/officeDocument/2006/relationships" xmlns:p="http://schemas.openxmlformats.org/presentationml/2006/main" xmlns:m="http://schemas.openxmlformats.org/officeDocument/2006/math" xmlns:w="http://schemas.openxmlformats.org/wordprocessingml/2006/main" matchingName="" preserve="1" showMasterPhAnim="0" type="vertTitleAndTx" userDrawn="1">
   <p:cSld name="Вертикальный заголовок и текст">
     <p:spTree>
       <p:nvGrpSpPr>
@@ -2541,7 +2639,7 @@
         <p:cNvGrpSpPr/>
         <p:nvPr/>
       </p:nvGrpSpPr>
-      <p:grpSpPr>
+      <p:grpSpPr bwMode="auto">
         <a:xfrm>
           <a:off x="0" y="0"/>
           <a:ext cx="0" cy="0"/>
@@ -2559,7 +2657,7 @@
             <p:ph type="title" orient="vert"/>
           </p:nvPr>
         </p:nvSpPr>
-        <p:spPr>
+        <p:spPr bwMode="auto">
           <a:xfrm>
             <a:off x="8685212" y="685800"/>
             <a:ext cx="2057400" cy="4572000"/>
@@ -2569,11 +2667,14 @@
           <a:bodyPr vert="eaVert"/>
           <a:lstStyle/>
           <a:p>
-            <a:r>
-              <a:rPr lang="ru-RU" smtClean="0"/>
+            <a:pPr>
+              <a:defRPr/>
+            </a:pPr>
+            <a:r>
+              <a:rPr lang="ru-RU"/>
               <a:t>Образец заголовка</a:t>
             </a:r>
-            <a:endParaRPr lang="en-US" dirty="0"/>
+            <a:endParaRPr lang="en-US"/>
           </a:p>
         </p:txBody>
       </p:sp>
@@ -2587,7 +2688,7 @@
             <p:ph type="body" orient="vert" idx="1"/>
           </p:nvPr>
         </p:nvSpPr>
-        <p:spPr>
+        <p:spPr bwMode="auto">
           <a:xfrm>
             <a:off x="685800" y="685800"/>
             <a:ext cx="7823200" cy="5308600"/>
@@ -2597,40 +2698,54 @@
           <a:bodyPr vert="eaVert" anchor="t"/>
           <a:lstStyle/>
           <a:p>
-            <a:pPr lvl="0"/>
-            <a:r>
-              <a:rPr lang="ru-RU" smtClean="0"/>
+            <a:pPr lvl="0">
+              <a:defRPr/>
+            </a:pPr>
+            <a:r>
+              <a:rPr lang="ru-RU"/>
               <a:t>Образец текста</a:t>
             </a:r>
-          </a:p>
-          <a:p>
-            <a:pPr lvl="1"/>
-            <a:r>
-              <a:rPr lang="ru-RU" smtClean="0"/>
+            <a:endParaRPr/>
+          </a:p>
+          <a:p>
+            <a:pPr lvl="1">
+              <a:defRPr/>
+            </a:pPr>
+            <a:r>
+              <a:rPr lang="ru-RU"/>
               <a:t>Второй уровень</a:t>
             </a:r>
-          </a:p>
-          <a:p>
-            <a:pPr lvl="2"/>
-            <a:r>
-              <a:rPr lang="ru-RU" smtClean="0"/>
+            <a:endParaRPr/>
+          </a:p>
+          <a:p>
+            <a:pPr lvl="2">
+              <a:defRPr/>
+            </a:pPr>
+            <a:r>
+              <a:rPr lang="ru-RU"/>
               <a:t>Третий уровень</a:t>
             </a:r>
-          </a:p>
-          <a:p>
-            <a:pPr lvl="3"/>
-            <a:r>
-              <a:rPr lang="ru-RU" smtClean="0"/>
+            <a:endParaRPr/>
+          </a:p>
+          <a:p>
+            <a:pPr lvl="3">
+              <a:defRPr/>
+            </a:pPr>
+            <a:r>
+              <a:rPr lang="ru-RU"/>
               <a:t>Четвертый уровень</a:t>
             </a:r>
-          </a:p>
-          <a:p>
-            <a:pPr lvl="4"/>
-            <a:r>
-              <a:rPr lang="ru-RU" smtClean="0"/>
+            <a:endParaRPr/>
+          </a:p>
+          <a:p>
+            <a:pPr lvl="4">
+              <a:defRPr/>
+            </a:pPr>
+            <a:r>
+              <a:rPr lang="ru-RU"/>
               <a:t>Пятый уровень</a:t>
             </a:r>
-            <a:endParaRPr lang="en-US" dirty="0"/>
+            <a:endParaRPr lang="en-US"/>
           </a:p>
         </p:txBody>
       </p:sp>
@@ -2644,15 +2759,17 @@
             <p:ph type="dt" sz="half" idx="10"/>
           </p:nvPr>
         </p:nvSpPr>
-        <p:spPr/>
+        <p:spPr bwMode="auto"/>
         <p:txBody>
           <a:bodyPr/>
           <a:lstStyle/>
           <a:p>
+            <a:pPr>
+              <a:defRPr/>
+            </a:pPr>
             <a:fld id="{289319FC-3B99-49AD-81CA-FE67D43B35DB}" type="datetimeFigureOut">
-              <a:rPr lang="ru-RU" smtClean="0"/>
-              <a:pPr/>
-              <a:t>20.04.2024</a:t>
+              <a:rPr lang="ru-RU"/>
+              <a:t/>
             </a:fld>
             <a:endParaRPr lang="ru-RU"/>
           </a:p>
@@ -2668,11 +2785,14 @@
             <p:ph type="ftr" sz="quarter" idx="11"/>
           </p:nvPr>
         </p:nvSpPr>
-        <p:spPr/>
+        <p:spPr bwMode="auto"/>
         <p:txBody>
           <a:bodyPr/>
           <a:lstStyle/>
           <a:p>
+            <a:pPr>
+              <a:defRPr/>
+            </a:pPr>
             <a:endParaRPr lang="ru-RU"/>
           </a:p>
         </p:txBody>
@@ -2687,26 +2807,23 @@
             <p:ph type="sldNum" sz="quarter" idx="12"/>
           </p:nvPr>
         </p:nvSpPr>
-        <p:spPr/>
+        <p:spPr bwMode="auto"/>
         <p:txBody>
           <a:bodyPr/>
           <a:lstStyle/>
           <a:p>
+            <a:pPr>
+              <a:defRPr/>
+            </a:pPr>
             <a:fld id="{228F7DB4-CDBA-464A-B46E-E265EF20157F}" type="slidenum">
-              <a:rPr lang="ru-RU" smtClean="0"/>
-              <a:pPr/>
-              <a:t>‹#›</a:t>
+              <a:rPr lang="ru-RU"/>
+              <a:t/>
             </a:fld>
             <a:endParaRPr lang="ru-RU"/>
           </a:p>
         </p:txBody>
       </p:sp>
     </p:spTree>
-    <p:extLst>
-      <p:ext uri="{BB962C8B-B14F-4D97-AF65-F5344CB8AC3E}">
-        <p14:creationId xmlns:p14="http://schemas.microsoft.com/office/powerpoint/2010/main" xmlns="" val="1454943900"/>
-      </p:ext>
-    </p:extLst>
   </p:cSld>
   <p:clrMapOvr>
     <a:masterClrMapping/>
@@ -2715,7 +2832,7 @@
 </file>
 
 <file path=ppt/slideLayouts/slideLayout2.xml><?xml version="1.0" encoding="utf-8"?>
-<p:sldLayout xmlns:a="http://schemas.openxmlformats.org/drawingml/2006/main" xmlns:r="http://schemas.openxmlformats.org/officeDocument/2006/relationships" xmlns:p="http://schemas.openxmlformats.org/presentationml/2006/main" type="obj" preserve="1">
+<p:sldLayout xmlns:a="http://schemas.openxmlformats.org/drawingml/2006/main" xmlns:r="http://schemas.openxmlformats.org/officeDocument/2006/relationships" xmlns:p="http://schemas.openxmlformats.org/presentationml/2006/main" xmlns:m="http://schemas.openxmlformats.org/officeDocument/2006/math" xmlns:w="http://schemas.openxmlformats.org/wordprocessingml/2006/main" matchingName="" preserve="1" showMasterPhAnim="0" type="obj" userDrawn="1">
   <p:cSld name="Заголовок и объект">
     <p:spTree>
       <p:nvGrpSpPr>
@@ -2723,7 +2840,7 @@
         <p:cNvGrpSpPr/>
         <p:nvPr/>
       </p:nvGrpSpPr>
-      <p:grpSpPr>
+      <p:grpSpPr bwMode="auto">
         <a:xfrm>
           <a:off x="0" y="0"/>
           <a:ext cx="0" cy="0"/>
@@ -2741,16 +2858,19 @@
             <p:ph type="title"/>
           </p:nvPr>
         </p:nvSpPr>
-        <p:spPr/>
+        <p:spPr bwMode="auto"/>
         <p:txBody>
           <a:bodyPr/>
           <a:lstStyle/>
           <a:p>
-            <a:r>
-              <a:rPr lang="ru-RU" smtClean="0"/>
+            <a:pPr>
+              <a:defRPr/>
+            </a:pPr>
+            <a:r>
+              <a:rPr lang="ru-RU"/>
               <a:t>Образец заголовка</a:t>
             </a:r>
-            <a:endParaRPr lang="en-US" dirty="0"/>
+            <a:endParaRPr lang="en-US"/>
           </a:p>
         </p:txBody>
       </p:sp>
@@ -2764,45 +2884,59 @@
             <p:ph idx="1"/>
           </p:nvPr>
         </p:nvSpPr>
-        <p:spPr/>
+        <p:spPr bwMode="auto"/>
         <p:txBody>
           <a:bodyPr anchor="ctr"/>
           <a:lstStyle/>
           <a:p>
-            <a:pPr lvl="0"/>
-            <a:r>
-              <a:rPr lang="ru-RU" smtClean="0"/>
+            <a:pPr lvl="0">
+              <a:defRPr/>
+            </a:pPr>
+            <a:r>
+              <a:rPr lang="ru-RU"/>
               <a:t>Образец текста</a:t>
             </a:r>
-          </a:p>
-          <a:p>
-            <a:pPr lvl="1"/>
-            <a:r>
-              <a:rPr lang="ru-RU" smtClean="0"/>
+            <a:endParaRPr/>
+          </a:p>
+          <a:p>
+            <a:pPr lvl="1">
+              <a:defRPr/>
+            </a:pPr>
+            <a:r>
+              <a:rPr lang="ru-RU"/>
               <a:t>Второй уровень</a:t>
             </a:r>
-          </a:p>
-          <a:p>
-            <a:pPr lvl="2"/>
-            <a:r>
-              <a:rPr lang="ru-RU" smtClean="0"/>
+            <a:endParaRPr/>
+          </a:p>
+          <a:p>
+            <a:pPr lvl="2">
+              <a:defRPr/>
+            </a:pPr>
+            <a:r>
+              <a:rPr lang="ru-RU"/>
               <a:t>Третий уровень</a:t>
             </a:r>
-          </a:p>
-          <a:p>
-            <a:pPr lvl="3"/>
-            <a:r>
-              <a:rPr lang="ru-RU" smtClean="0"/>
+            <a:endParaRPr/>
+          </a:p>
+          <a:p>
+            <a:pPr lvl="3">
+              <a:defRPr/>
+            </a:pPr>
+            <a:r>
+              <a:rPr lang="ru-RU"/>
               <a:t>Четвертый уровень</a:t>
             </a:r>
-          </a:p>
-          <a:p>
-            <a:pPr lvl="4"/>
-            <a:r>
-              <a:rPr lang="ru-RU" smtClean="0"/>
+            <a:endParaRPr/>
+          </a:p>
+          <a:p>
+            <a:pPr lvl="4">
+              <a:defRPr/>
+            </a:pPr>
+            <a:r>
+              <a:rPr lang="ru-RU"/>
               <a:t>Пятый уровень</a:t>
             </a:r>
-            <a:endParaRPr lang="en-US" dirty="0"/>
+            <a:endParaRPr lang="en-US"/>
           </a:p>
         </p:txBody>
       </p:sp>
@@ -2816,15 +2950,17 @@
             <p:ph type="dt" sz="half" idx="10"/>
           </p:nvPr>
         </p:nvSpPr>
-        <p:spPr/>
+        <p:spPr bwMode="auto"/>
         <p:txBody>
           <a:bodyPr/>
           <a:lstStyle/>
           <a:p>
+            <a:pPr>
+              <a:defRPr/>
+            </a:pPr>
             <a:fld id="{289319FC-3B99-49AD-81CA-FE67D43B35DB}" type="datetimeFigureOut">
-              <a:rPr lang="ru-RU" smtClean="0"/>
-              <a:pPr/>
-              <a:t>20.04.2024</a:t>
+              <a:rPr lang="ru-RU"/>
+              <a:t/>
             </a:fld>
             <a:endParaRPr lang="ru-RU"/>
           </a:p>
@@ -2840,11 +2976,14 @@
             <p:ph type="ftr" sz="quarter" idx="11"/>
           </p:nvPr>
         </p:nvSpPr>
-        <p:spPr/>
+        <p:spPr bwMode="auto"/>
         <p:txBody>
           <a:bodyPr/>
           <a:lstStyle/>
           <a:p>
+            <a:pPr>
+              <a:defRPr/>
+            </a:pPr>
             <a:endParaRPr lang="ru-RU"/>
           </a:p>
         </p:txBody>
@@ -2859,26 +2998,23 @@
             <p:ph type="sldNum" sz="quarter" idx="12"/>
           </p:nvPr>
         </p:nvSpPr>
-        <p:spPr/>
+        <p:spPr bwMode="auto"/>
         <p:txBody>
           <a:bodyPr/>
           <a:lstStyle/>
           <a:p>
+            <a:pPr>
+              <a:defRPr/>
+            </a:pPr>
             <a:fld id="{228F7DB4-CDBA-464A-B46E-E265EF20157F}" type="slidenum">
-              <a:rPr lang="ru-RU" smtClean="0"/>
-              <a:pPr/>
-              <a:t>‹#›</a:t>
+              <a:rPr lang="ru-RU"/>
+              <a:t/>
             </a:fld>
             <a:endParaRPr lang="ru-RU"/>
           </a:p>
         </p:txBody>
       </p:sp>
     </p:spTree>
-    <p:extLst>
-      <p:ext uri="{BB962C8B-B14F-4D97-AF65-F5344CB8AC3E}">
-        <p14:creationId xmlns:p14="http://schemas.microsoft.com/office/powerpoint/2010/main" xmlns="" val="2231977222"/>
-      </p:ext>
-    </p:extLst>
   </p:cSld>
   <p:clrMapOvr>
     <a:masterClrMapping/>
@@ -2887,7 +3023,7 @@
 </file>
 
 <file path=ppt/slideLayouts/slideLayout3.xml><?xml version="1.0" encoding="utf-8"?>
-<p:sldLayout xmlns:a="http://schemas.openxmlformats.org/drawingml/2006/main" xmlns:r="http://schemas.openxmlformats.org/officeDocument/2006/relationships" xmlns:p="http://schemas.openxmlformats.org/presentationml/2006/main" type="secHead" preserve="1">
+<p:sldLayout xmlns:a="http://schemas.openxmlformats.org/drawingml/2006/main" xmlns:r="http://schemas.openxmlformats.org/officeDocument/2006/relationships" xmlns:p="http://schemas.openxmlformats.org/presentationml/2006/main" xmlns:m="http://schemas.openxmlformats.org/officeDocument/2006/math" xmlns:w="http://schemas.openxmlformats.org/wordprocessingml/2006/main" matchingName="" preserve="1" showMasterPhAnim="0" type="secHead" userDrawn="1">
   <p:cSld name="Заголовок раздела">
     <p:spTree>
       <p:nvGrpSpPr>
@@ -2895,7 +3031,7 @@
         <p:cNvGrpSpPr/>
         <p:nvPr/>
       </p:nvGrpSpPr>
-      <p:grpSpPr>
+      <p:grpSpPr bwMode="auto">
         <a:xfrm>
           <a:off x="0" y="0"/>
           <a:ext cx="0" cy="0"/>
@@ -2913,7 +3049,7 @@
             <p:ph type="title"/>
           </p:nvPr>
         </p:nvSpPr>
-        <p:spPr>
+        <p:spPr bwMode="auto">
           <a:xfrm>
             <a:off x="684211" y="2006600"/>
             <a:ext cx="8534401" cy="2281600"/>
@@ -2929,11 +3065,14 @@
             </a:lvl1pPr>
           </a:lstStyle>
           <a:p>
-            <a:r>
-              <a:rPr lang="ru-RU" smtClean="0"/>
+            <a:pPr>
+              <a:defRPr/>
+            </a:pPr>
+            <a:r>
+              <a:rPr lang="ru-RU"/>
               <a:t>Образец заголовка</a:t>
             </a:r>
-            <a:endParaRPr lang="en-US" dirty="0"/>
+            <a:endParaRPr lang="en-US"/>
           </a:p>
         </p:txBody>
       </p:sp>
@@ -2947,7 +3086,7 @@
             <p:ph type="body" idx="1"/>
           </p:nvPr>
         </p:nvSpPr>
-        <p:spPr>
+        <p:spPr bwMode="auto">
           <a:xfrm>
             <a:off x="684213" y="4495800"/>
             <a:ext cx="8534400" cy="1498600"/>
@@ -3048,11 +3187,14 @@
             </a:lvl9pPr>
           </a:lstStyle>
           <a:p>
-            <a:pPr lvl="0"/>
-            <a:r>
-              <a:rPr lang="ru-RU" smtClean="0"/>
+            <a:pPr lvl="0">
+              <a:defRPr/>
+            </a:pPr>
+            <a:r>
+              <a:rPr lang="ru-RU"/>
               <a:t>Образец текста</a:t>
             </a:r>
+            <a:endParaRPr/>
           </a:p>
         </p:txBody>
       </p:sp>
@@ -3066,15 +3208,17 @@
             <p:ph type="dt" sz="half" idx="10"/>
           </p:nvPr>
         </p:nvSpPr>
-        <p:spPr/>
+        <p:spPr bwMode="auto"/>
         <p:txBody>
           <a:bodyPr/>
           <a:lstStyle/>
           <a:p>
+            <a:pPr>
+              <a:defRPr/>
+            </a:pPr>
             <a:fld id="{289319FC-3B99-49AD-81CA-FE67D43B35DB}" type="datetimeFigureOut">
-              <a:rPr lang="ru-RU" smtClean="0"/>
-              <a:pPr/>
-              <a:t>20.04.2024</a:t>
+              <a:rPr lang="ru-RU"/>
+              <a:t/>
             </a:fld>
             <a:endParaRPr lang="ru-RU"/>
           </a:p>
@@ -3090,11 +3234,14 @@
             <p:ph type="ftr" sz="quarter" idx="11"/>
           </p:nvPr>
         </p:nvSpPr>
-        <p:spPr/>
+        <p:spPr bwMode="auto"/>
         <p:txBody>
           <a:bodyPr/>
           <a:lstStyle/>
           <a:p>
+            <a:pPr>
+              <a:defRPr/>
+            </a:pPr>
             <a:endParaRPr lang="ru-RU"/>
           </a:p>
         </p:txBody>
@@ -3109,26 +3256,23 @@
             <p:ph type="sldNum" sz="quarter" idx="12"/>
           </p:nvPr>
         </p:nvSpPr>
-        <p:spPr/>
+        <p:spPr bwMode="auto"/>
         <p:txBody>
           <a:bodyPr/>
           <a:lstStyle/>
           <a:p>
+            <a:pPr>
+              <a:defRPr/>
+            </a:pPr>
             <a:fld id="{228F7DB4-CDBA-464A-B46E-E265EF20157F}" type="slidenum">
-              <a:rPr lang="ru-RU" smtClean="0"/>
-              <a:pPr/>
-              <a:t>‹#›</a:t>
+              <a:rPr lang="ru-RU"/>
+              <a:t/>
             </a:fld>
             <a:endParaRPr lang="ru-RU"/>
           </a:p>
         </p:txBody>
       </p:sp>
     </p:spTree>
-    <p:extLst>
-      <p:ext uri="{BB962C8B-B14F-4D97-AF65-F5344CB8AC3E}">
-        <p14:creationId xmlns:p14="http://schemas.microsoft.com/office/powerpoint/2010/main" xmlns="" val="2367940784"/>
-      </p:ext>
-    </p:extLst>
   </p:cSld>
   <p:clrMapOvr>
     <a:masterClrMapping/>
@@ -3137,7 +3281,7 @@
 </file>
 
 <file path=ppt/slideLayouts/slideLayout4.xml><?xml version="1.0" encoding="utf-8"?>
-<p:sldLayout xmlns:a="http://schemas.openxmlformats.org/drawingml/2006/main" xmlns:r="http://schemas.openxmlformats.org/officeDocument/2006/relationships" xmlns:p="http://schemas.openxmlformats.org/presentationml/2006/main" type="twoObj" preserve="1">
+<p:sldLayout xmlns:a="http://schemas.openxmlformats.org/drawingml/2006/main" xmlns:r="http://schemas.openxmlformats.org/officeDocument/2006/relationships" xmlns:p="http://schemas.openxmlformats.org/presentationml/2006/main" xmlns:m="http://schemas.openxmlformats.org/officeDocument/2006/math" xmlns:w="http://schemas.openxmlformats.org/wordprocessingml/2006/main" matchingName="" preserve="1" showMasterPhAnim="0" type="twoObj" userDrawn="1">
   <p:cSld name="Два объекта">
     <p:spTree>
       <p:nvGrpSpPr>
@@ -3145,7 +3289,7 @@
         <p:cNvGrpSpPr/>
         <p:nvPr/>
       </p:nvGrpSpPr>
-      <p:grpSpPr>
+      <p:grpSpPr bwMode="auto">
         <a:xfrm>
           <a:off x="0" y="0"/>
           <a:ext cx="0" cy="0"/>
@@ -3163,16 +3307,19 @@
             <p:ph type="title"/>
           </p:nvPr>
         </p:nvSpPr>
-        <p:spPr/>
+        <p:spPr bwMode="auto"/>
         <p:txBody>
           <a:bodyPr/>
           <a:lstStyle/>
           <a:p>
-            <a:r>
-              <a:rPr lang="ru-RU" smtClean="0"/>
+            <a:pPr>
+              <a:defRPr/>
+            </a:pPr>
+            <a:r>
+              <a:rPr lang="ru-RU"/>
               <a:t>Образец заголовка</a:t>
             </a:r>
-            <a:endParaRPr lang="en-US" dirty="0"/>
+            <a:endParaRPr lang="en-US"/>
           </a:p>
         </p:txBody>
       </p:sp>
@@ -3186,7 +3333,7 @@
             <p:ph sz="half" idx="1"/>
           </p:nvPr>
         </p:nvSpPr>
-        <p:spPr>
+        <p:spPr bwMode="auto">
           <a:xfrm>
             <a:off x="684211" y="685800"/>
             <a:ext cx="4937655" cy="3615267"/>
@@ -3198,40 +3345,54 @@
           </a:bodyPr>
           <a:lstStyle/>
           <a:p>
-            <a:pPr lvl="0"/>
-            <a:r>
-              <a:rPr lang="ru-RU" smtClean="0"/>
+            <a:pPr lvl="0">
+              <a:defRPr/>
+            </a:pPr>
+            <a:r>
+              <a:rPr lang="ru-RU"/>
               <a:t>Образец текста</a:t>
             </a:r>
-          </a:p>
-          <a:p>
-            <a:pPr lvl="1"/>
-            <a:r>
-              <a:rPr lang="ru-RU" smtClean="0"/>
+            <a:endParaRPr/>
+          </a:p>
+          <a:p>
+            <a:pPr lvl="1">
+              <a:defRPr/>
+            </a:pPr>
+            <a:r>
+              <a:rPr lang="ru-RU"/>
               <a:t>Второй уровень</a:t>
             </a:r>
-          </a:p>
-          <a:p>
-            <a:pPr lvl="2"/>
-            <a:r>
-              <a:rPr lang="ru-RU" smtClean="0"/>
+            <a:endParaRPr/>
+          </a:p>
+          <a:p>
+            <a:pPr lvl="2">
+              <a:defRPr/>
+            </a:pPr>
+            <a:r>
+              <a:rPr lang="ru-RU"/>
               <a:t>Третий уровень</a:t>
             </a:r>
-          </a:p>
-          <a:p>
-            <a:pPr lvl="3"/>
-            <a:r>
-              <a:rPr lang="ru-RU" smtClean="0"/>
+            <a:endParaRPr/>
+          </a:p>
+          <a:p>
+            <a:pPr lvl="3">
+              <a:defRPr/>
+            </a:pPr>
+            <a:r>
+              <a:rPr lang="ru-RU"/>
               <a:t>Четвертый уровень</a:t>
             </a:r>
-          </a:p>
-          <a:p>
-            <a:pPr lvl="4"/>
-            <a:r>
-              <a:rPr lang="ru-RU" smtClean="0"/>
+            <a:endParaRPr/>
+          </a:p>
+          <a:p>
+            <a:pPr lvl="4">
+              <a:defRPr/>
+            </a:pPr>
+            <a:r>
+              <a:rPr lang="ru-RU"/>
               <a:t>Пятый уровень</a:t>
             </a:r>
-            <a:endParaRPr lang="en-US" dirty="0"/>
+            <a:endParaRPr lang="en-US"/>
           </a:p>
         </p:txBody>
       </p:sp>
@@ -3245,7 +3406,7 @@
             <p:ph sz="half" idx="2"/>
           </p:nvPr>
         </p:nvSpPr>
-        <p:spPr>
+        <p:spPr bwMode="auto">
           <a:xfrm>
             <a:off x="5808133" y="685801"/>
             <a:ext cx="4934479" cy="3615266"/>
@@ -3257,40 +3418,54 @@
           </a:bodyPr>
           <a:lstStyle/>
           <a:p>
-            <a:pPr lvl="0"/>
-            <a:r>
-              <a:rPr lang="ru-RU" smtClean="0"/>
+            <a:pPr lvl="0">
+              <a:defRPr/>
+            </a:pPr>
+            <a:r>
+              <a:rPr lang="ru-RU"/>
               <a:t>Образец текста</a:t>
             </a:r>
-          </a:p>
-          <a:p>
-            <a:pPr lvl="1"/>
-            <a:r>
-              <a:rPr lang="ru-RU" smtClean="0"/>
+            <a:endParaRPr/>
+          </a:p>
+          <a:p>
+            <a:pPr lvl="1">
+              <a:defRPr/>
+            </a:pPr>
+            <a:r>
+              <a:rPr lang="ru-RU"/>
               <a:t>Второй уровень</a:t>
             </a:r>
-          </a:p>
-          <a:p>
-            <a:pPr lvl="2"/>
-            <a:r>
-              <a:rPr lang="ru-RU" smtClean="0"/>
+            <a:endParaRPr/>
+          </a:p>
+          <a:p>
+            <a:pPr lvl="2">
+              <a:defRPr/>
+            </a:pPr>
+            <a:r>
+              <a:rPr lang="ru-RU"/>
               <a:t>Третий уровень</a:t>
             </a:r>
-          </a:p>
-          <a:p>
-            <a:pPr lvl="3"/>
-            <a:r>
-              <a:rPr lang="ru-RU" smtClean="0"/>
+            <a:endParaRPr/>
+          </a:p>
+          <a:p>
+            <a:pPr lvl="3">
+              <a:defRPr/>
+            </a:pPr>
+            <a:r>
+              <a:rPr lang="ru-RU"/>
               <a:t>Четвертый уровень</a:t>
             </a:r>
-          </a:p>
-          <a:p>
-            <a:pPr lvl="4"/>
-            <a:r>
-              <a:rPr lang="ru-RU" smtClean="0"/>
+            <a:endParaRPr/>
+          </a:p>
+          <a:p>
+            <a:pPr lvl="4">
+              <a:defRPr/>
+            </a:pPr>
+            <a:r>
+              <a:rPr lang="ru-RU"/>
               <a:t>Пятый уровень</a:t>
             </a:r>
-            <a:endParaRPr lang="en-US" dirty="0"/>
+            <a:endParaRPr lang="en-US"/>
           </a:p>
         </p:txBody>
       </p:sp>
@@ -3304,15 +3479,17 @@
             <p:ph type="dt" sz="half" idx="10"/>
           </p:nvPr>
         </p:nvSpPr>
-        <p:spPr/>
+        <p:spPr bwMode="auto"/>
         <p:txBody>
           <a:bodyPr/>
           <a:lstStyle/>
           <a:p>
+            <a:pPr>
+              <a:defRPr/>
+            </a:pPr>
             <a:fld id="{289319FC-3B99-49AD-81CA-FE67D43B35DB}" type="datetimeFigureOut">
-              <a:rPr lang="ru-RU" smtClean="0"/>
-              <a:pPr/>
-              <a:t>20.04.2024</a:t>
+              <a:rPr lang="ru-RU"/>
+              <a:t/>
             </a:fld>
             <a:endParaRPr lang="ru-RU"/>
           </a:p>
@@ -3328,11 +3505,14 @@
             <p:ph type="ftr" sz="quarter" idx="11"/>
           </p:nvPr>
         </p:nvSpPr>
-        <p:spPr/>
+        <p:spPr bwMode="auto"/>
         <p:txBody>
           <a:bodyPr/>
           <a:lstStyle/>
           <a:p>
+            <a:pPr>
+              <a:defRPr/>
+            </a:pPr>
             <a:endParaRPr lang="ru-RU"/>
           </a:p>
         </p:txBody>
@@ -3347,26 +3527,23 @@
             <p:ph type="sldNum" sz="quarter" idx="12"/>
           </p:nvPr>
         </p:nvSpPr>
-        <p:spPr/>
+        <p:spPr bwMode="auto"/>
         <p:txBody>
           <a:bodyPr/>
           <a:lstStyle/>
           <a:p>
+            <a:pPr>
+              <a:defRPr/>
+            </a:pPr>
             <a:fld id="{228F7DB4-CDBA-464A-B46E-E265EF20157F}" type="slidenum">
-              <a:rPr lang="ru-RU" smtClean="0"/>
-              <a:pPr/>
-              <a:t>‹#›</a:t>
+              <a:rPr lang="ru-RU"/>
+              <a:t/>
             </a:fld>
             <a:endParaRPr lang="ru-RU"/>
           </a:p>
         </p:txBody>
       </p:sp>
     </p:spTree>
-    <p:extLst>
-      <p:ext uri="{BB962C8B-B14F-4D97-AF65-F5344CB8AC3E}">
-        <p14:creationId xmlns:p14="http://schemas.microsoft.com/office/powerpoint/2010/main" xmlns="" val="1050845854"/>
-      </p:ext>
-    </p:extLst>
   </p:cSld>
   <p:clrMapOvr>
     <a:masterClrMapping/>
@@ -3375,7 +3552,7 @@
 </file>
 
 <file path=ppt/slideLayouts/slideLayout5.xml><?xml version="1.0" encoding="utf-8"?>
-<p:sldLayout xmlns:a="http://schemas.openxmlformats.org/drawingml/2006/main" xmlns:r="http://schemas.openxmlformats.org/officeDocument/2006/relationships" xmlns:p="http://schemas.openxmlformats.org/presentationml/2006/main" type="twoTxTwoObj" preserve="1">
+<p:sldLayout xmlns:a="http://schemas.openxmlformats.org/drawingml/2006/main" xmlns:r="http://schemas.openxmlformats.org/officeDocument/2006/relationships" xmlns:p="http://schemas.openxmlformats.org/presentationml/2006/main" xmlns:m="http://schemas.openxmlformats.org/officeDocument/2006/math" xmlns:w="http://schemas.openxmlformats.org/wordprocessingml/2006/main" matchingName="" preserve="1" showMasterPhAnim="0" type="twoTxTwoObj" userDrawn="1">
   <p:cSld name="Сравнение">
     <p:spTree>
       <p:nvGrpSpPr>
@@ -3383,7 +3560,7 @@
         <p:cNvGrpSpPr/>
         <p:nvPr/>
       </p:nvGrpSpPr>
-      <p:grpSpPr>
+      <p:grpSpPr bwMode="auto">
         <a:xfrm>
           <a:off x="0" y="0"/>
           <a:ext cx="0" cy="0"/>
@@ -3401,7 +3578,7 @@
             <p:ph type="title"/>
           </p:nvPr>
         </p:nvSpPr>
-        <p:spPr/>
+        <p:spPr bwMode="auto"/>
         <p:txBody>
           <a:bodyPr/>
           <a:lstStyle>
@@ -3410,11 +3587,14 @@
             </a:lvl1pPr>
           </a:lstStyle>
           <a:p>
-            <a:r>
-              <a:rPr lang="ru-RU" smtClean="0"/>
+            <a:pPr>
+              <a:defRPr/>
+            </a:pPr>
+            <a:r>
+              <a:rPr lang="ru-RU"/>
               <a:t>Образец заголовка</a:t>
             </a:r>
-            <a:endParaRPr lang="en-US" dirty="0"/>
+            <a:endParaRPr lang="en-US"/>
           </a:p>
         </p:txBody>
       </p:sp>
@@ -3428,7 +3608,7 @@
             <p:ph type="body" idx="1"/>
           </p:nvPr>
         </p:nvSpPr>
-        <p:spPr>
+        <p:spPr bwMode="auto">
           <a:xfrm>
             <a:off x="972080" y="685800"/>
             <a:ext cx="4649787" cy="576262"/>
@@ -3481,11 +3661,14 @@
             </a:lvl9pPr>
           </a:lstStyle>
           <a:p>
-            <a:pPr lvl="0"/>
-            <a:r>
-              <a:rPr lang="ru-RU" smtClean="0"/>
+            <a:pPr lvl="0">
+              <a:defRPr/>
+            </a:pPr>
+            <a:r>
+              <a:rPr lang="ru-RU"/>
               <a:t>Образец текста</a:t>
             </a:r>
+            <a:endParaRPr/>
           </a:p>
         </p:txBody>
       </p:sp>
@@ -3499,7 +3682,7 @@
             <p:ph sz="half" idx="2"/>
           </p:nvPr>
         </p:nvSpPr>
-        <p:spPr>
+        <p:spPr bwMode="auto">
           <a:xfrm>
             <a:off x="684211" y="1270529"/>
             <a:ext cx="4937655" cy="3030538"/>
@@ -3511,40 +3694,54 @@
           </a:bodyPr>
           <a:lstStyle/>
           <a:p>
-            <a:pPr lvl="0"/>
-            <a:r>
-              <a:rPr lang="ru-RU" smtClean="0"/>
+            <a:pPr lvl="0">
+              <a:defRPr/>
+            </a:pPr>
+            <a:r>
+              <a:rPr lang="ru-RU"/>
               <a:t>Образец текста</a:t>
             </a:r>
-          </a:p>
-          <a:p>
-            <a:pPr lvl="1"/>
-            <a:r>
-              <a:rPr lang="ru-RU" smtClean="0"/>
+            <a:endParaRPr/>
+          </a:p>
+          <a:p>
+            <a:pPr lvl="1">
+              <a:defRPr/>
+            </a:pPr>
+            <a:r>
+              <a:rPr lang="ru-RU"/>
               <a:t>Второй уровень</a:t>
             </a:r>
-          </a:p>
-          <a:p>
-            <a:pPr lvl="2"/>
-            <a:r>
-              <a:rPr lang="ru-RU" smtClean="0"/>
+            <a:endParaRPr/>
+          </a:p>
+          <a:p>
+            <a:pPr lvl="2">
+              <a:defRPr/>
+            </a:pPr>
+            <a:r>
+              <a:rPr lang="ru-RU"/>
               <a:t>Третий уровень</a:t>
             </a:r>
-          </a:p>
-          <a:p>
-            <a:pPr lvl="3"/>
-            <a:r>
-              <a:rPr lang="ru-RU" smtClean="0"/>
+            <a:endParaRPr/>
+          </a:p>
+          <a:p>
+            <a:pPr lvl="3">
+              <a:defRPr/>
+            </a:pPr>
+            <a:r>
+              <a:rPr lang="ru-RU"/>
               <a:t>Четвертый уровень</a:t>
             </a:r>
-          </a:p>
-          <a:p>
-            <a:pPr lvl="4"/>
-            <a:r>
-              <a:rPr lang="ru-RU" smtClean="0"/>
+            <a:endParaRPr/>
+          </a:p>
+          <a:p>
+            <a:pPr lvl="4">
+              <a:defRPr/>
+            </a:pPr>
+            <a:r>
+              <a:rPr lang="ru-RU"/>
               <a:t>Пятый уровень</a:t>
             </a:r>
-            <a:endParaRPr lang="en-US" dirty="0"/>
+            <a:endParaRPr lang="en-US"/>
           </a:p>
         </p:txBody>
       </p:sp>
@@ -3558,7 +3755,7 @@
             <p:ph type="body" sz="quarter" idx="3"/>
           </p:nvPr>
         </p:nvSpPr>
-        <p:spPr>
+        <p:spPr bwMode="auto">
           <a:xfrm>
             <a:off x="6079066" y="685800"/>
             <a:ext cx="4665134" cy="576262"/>
@@ -3611,11 +3808,14 @@
             </a:lvl9pPr>
           </a:lstStyle>
           <a:p>
-            <a:pPr lvl="0"/>
-            <a:r>
-              <a:rPr lang="ru-RU" smtClean="0"/>
+            <a:pPr lvl="0">
+              <a:defRPr/>
+            </a:pPr>
+            <a:r>
+              <a:rPr lang="ru-RU"/>
               <a:t>Образец текста</a:t>
             </a:r>
+            <a:endParaRPr/>
           </a:p>
         </p:txBody>
       </p:sp>
@@ -3629,7 +3829,7 @@
             <p:ph sz="quarter" idx="4"/>
           </p:nvPr>
         </p:nvSpPr>
-        <p:spPr>
+        <p:spPr bwMode="auto">
           <a:xfrm>
             <a:off x="5806545" y="1262062"/>
             <a:ext cx="4929188" cy="3030538"/>
@@ -3641,40 +3841,54 @@
           </a:bodyPr>
           <a:lstStyle/>
           <a:p>
-            <a:pPr lvl="0"/>
-            <a:r>
-              <a:rPr lang="ru-RU" smtClean="0"/>
+            <a:pPr lvl="0">
+              <a:defRPr/>
+            </a:pPr>
+            <a:r>
+              <a:rPr lang="ru-RU"/>
               <a:t>Образец текста</a:t>
             </a:r>
-          </a:p>
-          <a:p>
-            <a:pPr lvl="1"/>
-            <a:r>
-              <a:rPr lang="ru-RU" smtClean="0"/>
+            <a:endParaRPr/>
+          </a:p>
+          <a:p>
+            <a:pPr lvl="1">
+              <a:defRPr/>
+            </a:pPr>
+            <a:r>
+              <a:rPr lang="ru-RU"/>
               <a:t>Второй уровень</a:t>
             </a:r>
-          </a:p>
-          <a:p>
-            <a:pPr lvl="2"/>
-            <a:r>
-              <a:rPr lang="ru-RU" smtClean="0"/>
+            <a:endParaRPr/>
+          </a:p>
+          <a:p>
+            <a:pPr lvl="2">
+              <a:defRPr/>
+            </a:pPr>
+            <a:r>
+              <a:rPr lang="ru-RU"/>
               <a:t>Третий уровень</a:t>
             </a:r>
-          </a:p>
-          <a:p>
-            <a:pPr lvl="3"/>
-            <a:r>
-              <a:rPr lang="ru-RU" smtClean="0"/>
+            <a:endParaRPr/>
+          </a:p>
+          <a:p>
+            <a:pPr lvl="3">
+              <a:defRPr/>
+            </a:pPr>
+            <a:r>
+              <a:rPr lang="ru-RU"/>
               <a:t>Четвертый уровень</a:t>
             </a:r>
-          </a:p>
-          <a:p>
-            <a:pPr lvl="4"/>
-            <a:r>
-              <a:rPr lang="ru-RU" smtClean="0"/>
+            <a:endParaRPr/>
+          </a:p>
+          <a:p>
+            <a:pPr lvl="4">
+              <a:defRPr/>
+            </a:pPr>
+            <a:r>
+              <a:rPr lang="ru-RU"/>
               <a:t>Пятый уровень</a:t>
             </a:r>
-            <a:endParaRPr lang="en-US" dirty="0"/>
+            <a:endParaRPr lang="en-US"/>
           </a:p>
         </p:txBody>
       </p:sp>
@@ -3688,15 +3902,17 @@
             <p:ph type="dt" sz="half" idx="10"/>
           </p:nvPr>
         </p:nvSpPr>
-        <p:spPr/>
+        <p:spPr bwMode="auto"/>
         <p:txBody>
           <a:bodyPr/>
           <a:lstStyle/>
           <a:p>
+            <a:pPr>
+              <a:defRPr/>
+            </a:pPr>
             <a:fld id="{289319FC-3B99-49AD-81CA-FE67D43B35DB}" type="datetimeFigureOut">
-              <a:rPr lang="ru-RU" smtClean="0"/>
-              <a:pPr/>
-              <a:t>20.04.2024</a:t>
+              <a:rPr lang="ru-RU"/>
+              <a:t/>
             </a:fld>
             <a:endParaRPr lang="ru-RU"/>
           </a:p>
@@ -3712,11 +3928,14 @@
             <p:ph type="ftr" sz="quarter" idx="11"/>
           </p:nvPr>
         </p:nvSpPr>
-        <p:spPr/>
+        <p:spPr bwMode="auto"/>
         <p:txBody>
           <a:bodyPr/>
           <a:lstStyle/>
           <a:p>
+            <a:pPr>
+              <a:defRPr/>
+            </a:pPr>
             <a:endParaRPr lang="ru-RU"/>
           </a:p>
         </p:txBody>
@@ -3731,26 +3950,23 @@
             <p:ph type="sldNum" sz="quarter" idx="12"/>
           </p:nvPr>
         </p:nvSpPr>
-        <p:spPr/>
+        <p:spPr bwMode="auto"/>
         <p:txBody>
           <a:bodyPr/>
           <a:lstStyle/>
           <a:p>
+            <a:pPr>
+              <a:defRPr/>
+            </a:pPr>
             <a:fld id="{228F7DB4-CDBA-464A-B46E-E265EF20157F}" type="slidenum">
-              <a:rPr lang="ru-RU" smtClean="0"/>
-              <a:pPr/>
-              <a:t>‹#›</a:t>
+              <a:rPr lang="ru-RU"/>
+              <a:t/>
             </a:fld>
             <a:endParaRPr lang="ru-RU"/>
           </a:p>
         </p:txBody>
       </p:sp>
     </p:spTree>
-    <p:extLst>
-      <p:ext uri="{BB962C8B-B14F-4D97-AF65-F5344CB8AC3E}">
-        <p14:creationId xmlns:p14="http://schemas.microsoft.com/office/powerpoint/2010/main" xmlns="" val="323782547"/>
-      </p:ext>
-    </p:extLst>
   </p:cSld>
   <p:clrMapOvr>
     <a:masterClrMapping/>
@@ -3759,7 +3975,7 @@
 </file>
 
 <file path=ppt/slideLayouts/slideLayout6.xml><?xml version="1.0" encoding="utf-8"?>
-<p:sldLayout xmlns:a="http://schemas.openxmlformats.org/drawingml/2006/main" xmlns:r="http://schemas.openxmlformats.org/officeDocument/2006/relationships" xmlns:p="http://schemas.openxmlformats.org/presentationml/2006/main" type="titleOnly" preserve="1">
+<p:sldLayout xmlns:a="http://schemas.openxmlformats.org/drawingml/2006/main" xmlns:r="http://schemas.openxmlformats.org/officeDocument/2006/relationships" xmlns:p="http://schemas.openxmlformats.org/presentationml/2006/main" xmlns:m="http://schemas.openxmlformats.org/officeDocument/2006/math" xmlns:w="http://schemas.openxmlformats.org/wordprocessingml/2006/main" matchingName="" preserve="1" showMasterPhAnim="0" type="titleOnly" userDrawn="1">
   <p:cSld name="Только заголовок">
     <p:spTree>
       <p:nvGrpSpPr>
@@ -3767,7 +3983,7 @@
         <p:cNvGrpSpPr/>
         <p:nvPr/>
       </p:nvGrpSpPr>
-      <p:grpSpPr>
+      <p:grpSpPr bwMode="auto">
         <a:xfrm>
           <a:off x="0" y="0"/>
           <a:ext cx="0" cy="0"/>
@@ -3785,16 +4001,19 @@
             <p:ph type="title"/>
           </p:nvPr>
         </p:nvSpPr>
-        <p:spPr/>
+        <p:spPr bwMode="auto"/>
         <p:txBody>
           <a:bodyPr/>
           <a:lstStyle/>
           <a:p>
-            <a:r>
-              <a:rPr lang="ru-RU" smtClean="0"/>
+            <a:pPr>
+              <a:defRPr/>
+            </a:pPr>
+            <a:r>
+              <a:rPr lang="ru-RU"/>
               <a:t>Образец заголовка</a:t>
             </a:r>
-            <a:endParaRPr lang="en-US" dirty="0"/>
+            <a:endParaRPr lang="en-US"/>
           </a:p>
         </p:txBody>
       </p:sp>
@@ -3808,15 +4027,17 @@
             <p:ph type="dt" sz="half" idx="10"/>
           </p:nvPr>
         </p:nvSpPr>
-        <p:spPr/>
+        <p:spPr bwMode="auto"/>
         <p:txBody>
           <a:bodyPr/>
           <a:lstStyle/>
           <a:p>
+            <a:pPr>
+              <a:defRPr/>
+            </a:pPr>
             <a:fld id="{289319FC-3B99-49AD-81CA-FE67D43B35DB}" type="datetimeFigureOut">
-              <a:rPr lang="ru-RU" smtClean="0"/>
-              <a:pPr/>
-              <a:t>20.04.2024</a:t>
+              <a:rPr lang="ru-RU"/>
+              <a:t/>
             </a:fld>
             <a:endParaRPr lang="ru-RU"/>
           </a:p>
@@ -3832,11 +4053,14 @@
             <p:ph type="ftr" sz="quarter" idx="11"/>
           </p:nvPr>
         </p:nvSpPr>
-        <p:spPr/>
+        <p:spPr bwMode="auto"/>
         <p:txBody>
           <a:bodyPr/>
           <a:lstStyle/>
           <a:p>
+            <a:pPr>
+              <a:defRPr/>
+            </a:pPr>
             <a:endParaRPr lang="ru-RU"/>
           </a:p>
         </p:txBody>
@@ -3851,26 +4075,23 @@
             <p:ph type="sldNum" sz="quarter" idx="12"/>
           </p:nvPr>
         </p:nvSpPr>
-        <p:spPr/>
+        <p:spPr bwMode="auto"/>
         <p:txBody>
           <a:bodyPr/>
           <a:lstStyle/>
           <a:p>
+            <a:pPr>
+              <a:defRPr/>
+            </a:pPr>
             <a:fld id="{228F7DB4-CDBA-464A-B46E-E265EF20157F}" type="slidenum">
-              <a:rPr lang="ru-RU" smtClean="0"/>
-              <a:pPr/>
-              <a:t>‹#›</a:t>
+              <a:rPr lang="ru-RU"/>
+              <a:t/>
             </a:fld>
             <a:endParaRPr lang="ru-RU"/>
           </a:p>
         </p:txBody>
       </p:sp>
     </p:spTree>
-    <p:extLst>
-      <p:ext uri="{BB962C8B-B14F-4D97-AF65-F5344CB8AC3E}">
-        <p14:creationId xmlns:p14="http://schemas.microsoft.com/office/powerpoint/2010/main" xmlns="" val="4212558689"/>
-      </p:ext>
-    </p:extLst>
   </p:cSld>
   <p:clrMapOvr>
     <a:masterClrMapping/>
@@ -3879,7 +4100,7 @@
 </file>
 
 <file path=ppt/slideLayouts/slideLayout7.xml><?xml version="1.0" encoding="utf-8"?>
-<p:sldLayout xmlns:a="http://schemas.openxmlformats.org/drawingml/2006/main" xmlns:r="http://schemas.openxmlformats.org/officeDocument/2006/relationships" xmlns:p="http://schemas.openxmlformats.org/presentationml/2006/main" type="blank" preserve="1">
+<p:sldLayout xmlns:a="http://schemas.openxmlformats.org/drawingml/2006/main" xmlns:r="http://schemas.openxmlformats.org/officeDocument/2006/relationships" xmlns:p="http://schemas.openxmlformats.org/presentationml/2006/main" xmlns:m="http://schemas.openxmlformats.org/officeDocument/2006/math" xmlns:w="http://schemas.openxmlformats.org/wordprocessingml/2006/main" matchingName="" preserve="1" showMasterPhAnim="0" type="blank" userDrawn="1">
   <p:cSld name="Пустой слайд">
     <p:spTree>
       <p:nvGrpSpPr>
@@ -3887,7 +4108,7 @@
         <p:cNvGrpSpPr/>
         <p:nvPr/>
       </p:nvGrpSpPr>
-      <p:grpSpPr>
+      <p:grpSpPr bwMode="auto">
         <a:xfrm>
           <a:off x="0" y="0"/>
           <a:ext cx="0" cy="0"/>
@@ -3905,15 +4126,17 @@
             <p:ph type="dt" sz="half" idx="10"/>
           </p:nvPr>
         </p:nvSpPr>
-        <p:spPr/>
+        <p:spPr bwMode="auto"/>
         <p:txBody>
           <a:bodyPr/>
           <a:lstStyle/>
           <a:p>
+            <a:pPr>
+              <a:defRPr/>
+            </a:pPr>
             <a:fld id="{289319FC-3B99-49AD-81CA-FE67D43B35DB}" type="datetimeFigureOut">
-              <a:rPr lang="ru-RU" smtClean="0"/>
-              <a:pPr/>
-              <a:t>20.04.2024</a:t>
+              <a:rPr lang="ru-RU"/>
+              <a:t/>
             </a:fld>
             <a:endParaRPr lang="ru-RU"/>
           </a:p>
@@ -3929,11 +4152,14 @@
             <p:ph type="ftr" sz="quarter" idx="11"/>
           </p:nvPr>
         </p:nvSpPr>
-        <p:spPr/>
+        <p:spPr bwMode="auto"/>
         <p:txBody>
           <a:bodyPr/>
           <a:lstStyle/>
           <a:p>
+            <a:pPr>
+              <a:defRPr/>
+            </a:pPr>
             <a:endParaRPr lang="ru-RU"/>
           </a:p>
         </p:txBody>
@@ -3948,26 +4174,23 @@
             <p:ph type="sldNum" sz="quarter" idx="12"/>
           </p:nvPr>
         </p:nvSpPr>
-        <p:spPr/>
+        <p:spPr bwMode="auto"/>
         <p:txBody>
           <a:bodyPr/>
           <a:lstStyle/>
           <a:p>
+            <a:pPr>
+              <a:defRPr/>
+            </a:pPr>
             <a:fld id="{228F7DB4-CDBA-464A-B46E-E265EF20157F}" type="slidenum">
-              <a:rPr lang="ru-RU" smtClean="0"/>
-              <a:pPr/>
-              <a:t>‹#›</a:t>
+              <a:rPr lang="ru-RU"/>
+              <a:t/>
             </a:fld>
             <a:endParaRPr lang="ru-RU"/>
           </a:p>
         </p:txBody>
       </p:sp>
     </p:spTree>
-    <p:extLst>
-      <p:ext uri="{BB962C8B-B14F-4D97-AF65-F5344CB8AC3E}">
-        <p14:creationId xmlns:p14="http://schemas.microsoft.com/office/powerpoint/2010/main" xmlns="" val="2754897585"/>
-      </p:ext>
-    </p:extLst>
   </p:cSld>
   <p:clrMapOvr>
     <a:masterClrMapping/>
@@ -3976,7 +4199,7 @@
 </file>
 
 <file path=ppt/slideLayouts/slideLayout8.xml><?xml version="1.0" encoding="utf-8"?>
-<p:sldLayout xmlns:a="http://schemas.openxmlformats.org/drawingml/2006/main" xmlns:r="http://schemas.openxmlformats.org/officeDocument/2006/relationships" xmlns:p="http://schemas.openxmlformats.org/presentationml/2006/main" type="objTx" preserve="1">
+<p:sldLayout xmlns:a="http://schemas.openxmlformats.org/drawingml/2006/main" xmlns:r="http://schemas.openxmlformats.org/officeDocument/2006/relationships" xmlns:p="http://schemas.openxmlformats.org/presentationml/2006/main" xmlns:m="http://schemas.openxmlformats.org/officeDocument/2006/math" xmlns:w="http://schemas.openxmlformats.org/wordprocessingml/2006/main" matchingName="" preserve="1" showMasterPhAnim="0" type="objTx" userDrawn="1">
   <p:cSld name="Объект с подписью">
     <p:spTree>
       <p:nvGrpSpPr>
@@ -3984,7 +4207,7 @@
         <p:cNvGrpSpPr/>
         <p:nvPr/>
       </p:nvGrpSpPr>
-      <p:grpSpPr>
+      <p:grpSpPr bwMode="auto">
         <a:xfrm>
           <a:off x="0" y="0"/>
           <a:ext cx="0" cy="0"/>
@@ -4002,7 +4225,7 @@
             <p:ph type="title"/>
           </p:nvPr>
         </p:nvSpPr>
-        <p:spPr>
+        <p:spPr bwMode="auto">
           <a:xfrm>
             <a:off x="7085012" y="685800"/>
             <a:ext cx="3657600" cy="1371600"/>
@@ -4018,11 +4241,14 @@
             </a:lvl1pPr>
           </a:lstStyle>
           <a:p>
-            <a:r>
-              <a:rPr lang="ru-RU" smtClean="0"/>
+            <a:pPr>
+              <a:defRPr/>
+            </a:pPr>
+            <a:r>
+              <a:rPr lang="ru-RU"/>
               <a:t>Образец заголовка</a:t>
             </a:r>
-            <a:endParaRPr lang="en-US" dirty="0"/>
+            <a:endParaRPr lang="en-US"/>
           </a:p>
         </p:txBody>
       </p:sp>
@@ -4036,7 +4262,7 @@
             <p:ph idx="1"/>
           </p:nvPr>
         </p:nvSpPr>
-        <p:spPr>
+        <p:spPr bwMode="auto">
           <a:xfrm>
             <a:off x="684212" y="685800"/>
             <a:ext cx="5943601" cy="5308600"/>
@@ -4048,40 +4274,54 @@
           </a:bodyPr>
           <a:lstStyle/>
           <a:p>
-            <a:pPr lvl="0"/>
-            <a:r>
-              <a:rPr lang="ru-RU" smtClean="0"/>
+            <a:pPr lvl="0">
+              <a:defRPr/>
+            </a:pPr>
+            <a:r>
+              <a:rPr lang="ru-RU"/>
               <a:t>Образец текста</a:t>
             </a:r>
-          </a:p>
-          <a:p>
-            <a:pPr lvl="1"/>
-            <a:r>
-              <a:rPr lang="ru-RU" smtClean="0"/>
+            <a:endParaRPr/>
+          </a:p>
+          <a:p>
+            <a:pPr lvl="1">
+              <a:defRPr/>
+            </a:pPr>
+            <a:r>
+              <a:rPr lang="ru-RU"/>
               <a:t>Второй уровень</a:t>
             </a:r>
-          </a:p>
-          <a:p>
-            <a:pPr lvl="2"/>
-            <a:r>
-              <a:rPr lang="ru-RU" smtClean="0"/>
+            <a:endParaRPr/>
+          </a:p>
+          <a:p>
+            <a:pPr lvl="2">
+              <a:defRPr/>
+            </a:pPr>
+            <a:r>
+              <a:rPr lang="ru-RU"/>
               <a:t>Третий уровень</a:t>
             </a:r>
-          </a:p>
-          <a:p>
-            <a:pPr lvl="3"/>
-            <a:r>
-              <a:rPr lang="ru-RU" smtClean="0"/>
+            <a:endParaRPr/>
+          </a:p>
+          <a:p>
+            <a:pPr lvl="3">
+              <a:defRPr/>
+            </a:pPr>
+            <a:r>
+              <a:rPr lang="ru-RU"/>
               <a:t>Четвертый уровень</a:t>
             </a:r>
-          </a:p>
-          <a:p>
-            <a:pPr lvl="4"/>
-            <a:r>
-              <a:rPr lang="ru-RU" smtClean="0"/>
+            <a:endParaRPr/>
+          </a:p>
+          <a:p>
+            <a:pPr lvl="4">
+              <a:defRPr/>
+            </a:pPr>
+            <a:r>
+              <a:rPr lang="ru-RU"/>
               <a:t>Пятый уровень</a:t>
             </a:r>
-            <a:endParaRPr lang="en-US" dirty="0"/>
+            <a:endParaRPr lang="en-US"/>
           </a:p>
         </p:txBody>
       </p:sp>
@@ -4095,7 +4335,7 @@
             <p:ph type="body" sz="half" idx="2"/>
           </p:nvPr>
         </p:nvSpPr>
-        <p:spPr>
+        <p:spPr bwMode="auto">
           <a:xfrm>
             <a:off x="7085012" y="2209799"/>
             <a:ext cx="3657600" cy="2091267"/>
@@ -4144,11 +4384,14 @@
             </a:lvl9pPr>
           </a:lstStyle>
           <a:p>
-            <a:pPr lvl="0"/>
-            <a:r>
-              <a:rPr lang="ru-RU" smtClean="0"/>
+            <a:pPr lvl="0">
+              <a:defRPr/>
+            </a:pPr>
+            <a:r>
+              <a:rPr lang="ru-RU"/>
               <a:t>Образец текста</a:t>
             </a:r>
+            <a:endParaRPr/>
           </a:p>
         </p:txBody>
       </p:sp>
@@ -4162,15 +4405,17 @@
             <p:ph type="dt" sz="half" idx="10"/>
           </p:nvPr>
         </p:nvSpPr>
-        <p:spPr/>
+        <p:spPr bwMode="auto"/>
         <p:txBody>
           <a:bodyPr/>
           <a:lstStyle/>
           <a:p>
+            <a:pPr>
+              <a:defRPr/>
+            </a:pPr>
             <a:fld id="{289319FC-3B99-49AD-81CA-FE67D43B35DB}" type="datetimeFigureOut">
-              <a:rPr lang="ru-RU" smtClean="0"/>
-              <a:pPr/>
-              <a:t>20.04.2024</a:t>
+              <a:rPr lang="ru-RU"/>
+              <a:t/>
             </a:fld>
             <a:endParaRPr lang="ru-RU"/>
           </a:p>
@@ -4186,11 +4431,14 @@
             <p:ph type="ftr" sz="quarter" idx="11"/>
           </p:nvPr>
         </p:nvSpPr>
-        <p:spPr/>
+        <p:spPr bwMode="auto"/>
         <p:txBody>
           <a:bodyPr/>
           <a:lstStyle/>
           <a:p>
+            <a:pPr>
+              <a:defRPr/>
+            </a:pPr>
             <a:endParaRPr lang="ru-RU"/>
           </a:p>
         </p:txBody>
@@ -4205,26 +4453,23 @@
             <p:ph type="sldNum" sz="quarter" idx="12"/>
           </p:nvPr>
         </p:nvSpPr>
-        <p:spPr/>
+        <p:spPr bwMode="auto"/>
         <p:txBody>
           <a:bodyPr/>
           <a:lstStyle/>
           <a:p>
+            <a:pPr>
+              <a:defRPr/>
+            </a:pPr>
             <a:fld id="{228F7DB4-CDBA-464A-B46E-E265EF20157F}" type="slidenum">
-              <a:rPr lang="ru-RU" smtClean="0"/>
-              <a:pPr/>
-              <a:t>‹#›</a:t>
+              <a:rPr lang="ru-RU"/>
+              <a:t/>
             </a:fld>
             <a:endParaRPr lang="ru-RU"/>
           </a:p>
         </p:txBody>
       </p:sp>
     </p:spTree>
-    <p:extLst>
-      <p:ext uri="{BB962C8B-B14F-4D97-AF65-F5344CB8AC3E}">
-        <p14:creationId xmlns:p14="http://schemas.microsoft.com/office/powerpoint/2010/main" xmlns="" val="1474165170"/>
-      </p:ext>
-    </p:extLst>
   </p:cSld>
   <p:clrMapOvr>
     <a:masterClrMapping/>
@@ -4233,7 +4478,7 @@
 </file>
 
 <file path=ppt/slideLayouts/slideLayout9.xml><?xml version="1.0" encoding="utf-8"?>
-<p:sldLayout xmlns:a="http://schemas.openxmlformats.org/drawingml/2006/main" xmlns:r="http://schemas.openxmlformats.org/officeDocument/2006/relationships" xmlns:p="http://schemas.openxmlformats.org/presentationml/2006/main" type="picTx" preserve="1">
+<p:sldLayout xmlns:a="http://schemas.openxmlformats.org/drawingml/2006/main" xmlns:r="http://schemas.openxmlformats.org/officeDocument/2006/relationships" xmlns:p="http://schemas.openxmlformats.org/presentationml/2006/main" xmlns:m="http://schemas.openxmlformats.org/officeDocument/2006/math" xmlns:w="http://schemas.openxmlformats.org/wordprocessingml/2006/main" matchingName="" preserve="1" showMasterPhAnim="0" type="picTx" userDrawn="1">
   <p:cSld name="Рисунок с подписью">
     <p:spTree>
       <p:nvGrpSpPr>
@@ -4241,7 +4486,7 @@
         <p:cNvGrpSpPr/>
         <p:nvPr/>
       </p:nvGrpSpPr>
-      <p:grpSpPr>
+      <p:grpSpPr bwMode="auto">
         <a:xfrm>
           <a:off x="0" y="0"/>
           <a:ext cx="0" cy="0"/>
@@ -4259,7 +4504,7 @@
             <p:ph type="title"/>
           </p:nvPr>
         </p:nvSpPr>
-        <p:spPr>
+        <p:spPr bwMode="auto">
           <a:xfrm>
             <a:off x="4722812" y="1447800"/>
             <a:ext cx="6019800" cy="1143000"/>
@@ -4275,11 +4520,14 @@
             </a:lvl1pPr>
           </a:lstStyle>
           <a:p>
-            <a:r>
-              <a:rPr lang="ru-RU" smtClean="0"/>
+            <a:pPr>
+              <a:defRPr/>
+            </a:pPr>
+            <a:r>
+              <a:rPr lang="ru-RU"/>
               <a:t>Образец заголовка</a:t>
             </a:r>
-            <a:endParaRPr lang="en-US" dirty="0"/>
+            <a:endParaRPr lang="en-US"/>
           </a:p>
         </p:txBody>
       </p:sp>
@@ -4287,13 +4535,13 @@
         <p:nvSpPr>
           <p:cNvPr id="14" name="Picture Placeholder 2"/>
           <p:cNvSpPr>
-            <a:spLocks noGrp="1" noChangeAspect="1"/>
+            <a:spLocks noChangeAspect="1" noGrp="1"/>
           </p:cNvSpPr>
           <p:nvPr>
             <p:ph type="pic" idx="1"/>
           </p:nvPr>
         </p:nvSpPr>
-        <p:spPr>
+        <p:spPr bwMode="auto">
           <a:xfrm>
             <a:off x="989012" y="914400"/>
             <a:ext cx="3280974" cy="4572000"/>
@@ -4362,11 +4610,14 @@
             </a:lvl9pPr>
           </a:lstStyle>
           <a:p>
-            <a:r>
-              <a:rPr lang="ru-RU" smtClean="0"/>
+            <a:pPr>
+              <a:defRPr/>
+            </a:pPr>
+            <a:r>
+              <a:rPr lang="ru-RU"/>
               <a:t>Вставка рисунка</a:t>
             </a:r>
-            <a:endParaRPr lang="en-US" dirty="0"/>
+            <a:endParaRPr lang="en-US"/>
           </a:p>
         </p:txBody>
       </p:sp>
@@ -4380,7 +4631,7 @@
             <p:ph type="body" sz="half" idx="2"/>
           </p:nvPr>
         </p:nvSpPr>
-        <p:spPr>
+        <p:spPr bwMode="auto">
           <a:xfrm>
             <a:off x="4722812" y="2777066"/>
             <a:ext cx="6021388" cy="2048933"/>
@@ -4429,11 +4680,14 @@
             </a:lvl9pPr>
           </a:lstStyle>
           <a:p>
-            <a:pPr lvl="0"/>
-            <a:r>
-              <a:rPr lang="ru-RU" smtClean="0"/>
+            <a:pPr lvl="0">
+              <a:defRPr/>
+            </a:pPr>
+            <a:r>
+              <a:rPr lang="ru-RU"/>
               <a:t>Образец текста</a:t>
             </a:r>
+            <a:endParaRPr/>
           </a:p>
         </p:txBody>
       </p:sp>
@@ -4447,15 +4701,17 @@
             <p:ph type="dt" sz="half" idx="10"/>
           </p:nvPr>
         </p:nvSpPr>
-        <p:spPr/>
+        <p:spPr bwMode="auto"/>
         <p:txBody>
           <a:bodyPr/>
           <a:lstStyle/>
           <a:p>
+            <a:pPr>
+              <a:defRPr/>
+            </a:pPr>
             <a:fld id="{289319FC-3B99-49AD-81CA-FE67D43B35DB}" type="datetimeFigureOut">
-              <a:rPr lang="ru-RU" smtClean="0"/>
-              <a:pPr/>
-              <a:t>20.04.2024</a:t>
+              <a:rPr lang="ru-RU"/>
+              <a:t/>
             </a:fld>
             <a:endParaRPr lang="ru-RU"/>
           </a:p>
@@ -4471,11 +4727,14 @@
             <p:ph type="ftr" sz="quarter" idx="11"/>
           </p:nvPr>
         </p:nvSpPr>
-        <p:spPr/>
+        <p:spPr bwMode="auto"/>
         <p:txBody>
           <a:bodyPr/>
           <a:lstStyle/>
           <a:p>
+            <a:pPr>
+              <a:defRPr/>
+            </a:pPr>
             <a:endParaRPr lang="ru-RU"/>
           </a:p>
         </p:txBody>
@@ -4490,26 +4749,23 @@
             <p:ph type="sldNum" sz="quarter" idx="12"/>
           </p:nvPr>
         </p:nvSpPr>
-        <p:spPr/>
+        <p:spPr bwMode="auto"/>
         <p:txBody>
           <a:bodyPr/>
           <a:lstStyle/>
           <a:p>
+            <a:pPr>
+              <a:defRPr/>
+            </a:pPr>
             <a:fld id="{228F7DB4-CDBA-464A-B46E-E265EF20157F}" type="slidenum">
-              <a:rPr lang="ru-RU" smtClean="0"/>
-              <a:pPr/>
-              <a:t>‹#›</a:t>
+              <a:rPr lang="ru-RU"/>
+              <a:t/>
             </a:fld>
             <a:endParaRPr lang="ru-RU"/>
           </a:p>
         </p:txBody>
       </p:sp>
     </p:spTree>
-    <p:extLst>
-      <p:ext uri="{BB962C8B-B14F-4D97-AF65-F5344CB8AC3E}">
-        <p14:creationId xmlns:p14="http://schemas.microsoft.com/office/powerpoint/2010/main" xmlns="" val="3795297399"/>
-      </p:ext>
-    </p:extLst>
   </p:cSld>
   <p:clrMapOvr>
     <a:masterClrMapping/>
@@ -4518,8 +4774,8 @@
 </file>
 
 <file path=ppt/slideMasters/slideMaster1.xml><?xml version="1.0" encoding="utf-8"?>
-<p:sldMaster xmlns:a="http://schemas.openxmlformats.org/drawingml/2006/main" xmlns:r="http://schemas.openxmlformats.org/officeDocument/2006/relationships" xmlns:p="http://schemas.openxmlformats.org/presentationml/2006/main">
-  <p:cSld>
+<p:sldMaster xmlns:a="http://schemas.openxmlformats.org/drawingml/2006/main" xmlns:r="http://schemas.openxmlformats.org/officeDocument/2006/relationships" xmlns:p="http://schemas.openxmlformats.org/presentationml/2006/main" xmlns:m="http://schemas.openxmlformats.org/officeDocument/2006/math" xmlns:w="http://schemas.openxmlformats.org/wordprocessingml/2006/main" preserve="0">
+  <p:cSld name="">
     <p:bg>
       <p:bgRef idx="1002">
         <a:schemeClr val="bg2"/>
@@ -4531,7 +4787,7 @@
         <p:cNvGrpSpPr/>
         <p:nvPr/>
       </p:nvGrpSpPr>
-      <p:grpSpPr>
+      <p:grpSpPr bwMode="auto">
         <a:xfrm>
           <a:off x="0" y="0"/>
           <a:ext cx="0" cy="0"/>
@@ -4545,7 +4801,7 @@
           <p:cNvGrpSpPr/>
           <p:nvPr/>
         </p:nvGrpSpPr>
-        <p:grpSpPr>
+        <p:grpSpPr bwMode="auto">
           <a:xfrm>
             <a:off x="9206969" y="2963333"/>
             <a:ext cx="2981858" cy="3208867"/>
@@ -4556,10 +4812,12 @@
         <p:cxnSp>
           <p:nvCxnSpPr>
             <p:cNvPr id="8" name="Straight Connector 7"/>
-            <p:cNvCxnSpPr/>
+            <p:cNvCxnSpPr>
+              <a:cxnSpLocks/>
+            </p:cNvCxnSpPr>
             <p:nvPr/>
           </p:nvCxnSpPr>
-          <p:spPr>
+          <p:spPr bwMode="auto">
             <a:xfrm flipH="1">
               <a:off x="11276012" y="2963333"/>
               <a:ext cx="912814" cy="912812"/>
@@ -4591,10 +4849,12 @@
         <p:cxnSp>
           <p:nvCxnSpPr>
             <p:cNvPr id="9" name="Straight Connector 8"/>
-            <p:cNvCxnSpPr/>
+            <p:cNvCxnSpPr>
+              <a:cxnSpLocks/>
+            </p:cNvCxnSpPr>
             <p:nvPr/>
           </p:nvCxnSpPr>
-          <p:spPr>
+          <p:spPr bwMode="auto">
             <a:xfrm flipH="1">
               <a:off x="9206969" y="3190344"/>
               <a:ext cx="2981857" cy="2981856"/>
@@ -4626,13 +4886,15 @@
         <p:cxnSp>
           <p:nvCxnSpPr>
             <p:cNvPr id="10" name="Straight Connector 9"/>
-            <p:cNvCxnSpPr/>
+            <p:cNvCxnSpPr>
+              <a:cxnSpLocks/>
+            </p:cNvCxnSpPr>
             <p:nvPr/>
           </p:nvCxnSpPr>
-          <p:spPr>
+          <p:spPr bwMode="auto">
             <a:xfrm flipH="1">
               <a:off x="10292292" y="3285067"/>
-              <a:ext cx="1896534" cy="1896533"/>
+              <a:ext cx="1896534" cy="1896532"/>
             </a:xfrm>
             <a:prstGeom prst="line">
               <a:avLst/>
@@ -4661,10 +4923,12 @@
         <p:cxnSp>
           <p:nvCxnSpPr>
             <p:cNvPr id="11" name="Straight Connector 10"/>
-            <p:cNvCxnSpPr/>
+            <p:cNvCxnSpPr>
+              <a:cxnSpLocks/>
+            </p:cNvCxnSpPr>
             <p:nvPr/>
           </p:nvCxnSpPr>
-          <p:spPr>
+          <p:spPr bwMode="auto">
             <a:xfrm flipH="1">
               <a:off x="10443103" y="3131080"/>
               <a:ext cx="1745722" cy="1745720"/>
@@ -4696,10 +4960,12 @@
         <p:cxnSp>
           <p:nvCxnSpPr>
             <p:cNvPr id="12" name="Straight Connector 11"/>
-            <p:cNvCxnSpPr/>
+            <p:cNvCxnSpPr>
+              <a:cxnSpLocks/>
+            </p:cNvCxnSpPr>
             <p:nvPr/>
           </p:nvCxnSpPr>
-          <p:spPr>
+          <p:spPr bwMode="auto">
             <a:xfrm flipH="1">
               <a:off x="10918826" y="3683001"/>
               <a:ext cx="1270001" cy="1269999"/>
@@ -4739,7 +5005,7 @@
             <p:ph type="title"/>
           </p:nvPr>
         </p:nvSpPr>
-        <p:spPr>
+        <p:spPr bwMode="auto">
           <a:xfrm>
             <a:off x="684212" y="4487332"/>
             <a:ext cx="8534400" cy="1507067"/>
@@ -4755,11 +5021,14 @@
           </a:bodyPr>
           <a:lstStyle/>
           <a:p>
-            <a:r>
-              <a:rPr lang="ru-RU" smtClean="0"/>
+            <a:pPr>
+              <a:defRPr/>
+            </a:pPr>
+            <a:r>
+              <a:rPr lang="ru-RU"/>
               <a:t>Образец заголовка</a:t>
             </a:r>
-            <a:endParaRPr lang="en-US" dirty="0"/>
+            <a:endParaRPr lang="en-US"/>
           </a:p>
         </p:txBody>
       </p:sp>
@@ -4773,7 +5042,7 @@
             <p:ph type="body" idx="1"/>
           </p:nvPr>
         </p:nvSpPr>
-        <p:spPr>
+        <p:spPr bwMode="auto">
           <a:xfrm>
             <a:off x="684212" y="685800"/>
             <a:ext cx="8534400" cy="3615267"/>
@@ -4788,40 +5057,54 @@
           </a:bodyPr>
           <a:lstStyle/>
           <a:p>
-            <a:pPr lvl="0"/>
-            <a:r>
-              <a:rPr lang="ru-RU" smtClean="0"/>
+            <a:pPr lvl="0">
+              <a:defRPr/>
+            </a:pPr>
+            <a:r>
+              <a:rPr lang="ru-RU"/>
               <a:t>Образец текста</a:t>
             </a:r>
-          </a:p>
-          <a:p>
-            <a:pPr lvl="1"/>
-            <a:r>
-              <a:rPr lang="ru-RU" smtClean="0"/>
+            <a:endParaRPr/>
+          </a:p>
+          <a:p>
+            <a:pPr lvl="1">
+              <a:defRPr/>
+            </a:pPr>
+            <a:r>
+              <a:rPr lang="ru-RU"/>
               <a:t>Второй уровень</a:t>
             </a:r>
-          </a:p>
-          <a:p>
-            <a:pPr lvl="2"/>
-            <a:r>
-              <a:rPr lang="ru-RU" smtClean="0"/>
+            <a:endParaRPr/>
+          </a:p>
+          <a:p>
+            <a:pPr lvl="2">
+              <a:defRPr/>
+            </a:pPr>
+            <a:r>
+              <a:rPr lang="ru-RU"/>
               <a:t>Третий уровень</a:t>
             </a:r>
-          </a:p>
-          <a:p>
-            <a:pPr lvl="3"/>
-            <a:r>
-              <a:rPr lang="ru-RU" smtClean="0"/>
+            <a:endParaRPr/>
+          </a:p>
+          <a:p>
+            <a:pPr lvl="3">
+              <a:defRPr/>
+            </a:pPr>
+            <a:r>
+              <a:rPr lang="ru-RU"/>
               <a:t>Четвертый уровень</a:t>
             </a:r>
-          </a:p>
-          <a:p>
-            <a:pPr lvl="4"/>
-            <a:r>
-              <a:rPr lang="ru-RU" smtClean="0"/>
+            <a:endParaRPr/>
+          </a:p>
+          <a:p>
+            <a:pPr lvl="4">
+              <a:defRPr/>
+            </a:pPr>
+            <a:r>
+              <a:rPr lang="ru-RU"/>
               <a:t>Пятый уровень</a:t>
             </a:r>
-            <a:endParaRPr lang="en-US" dirty="0"/>
+            <a:endParaRPr lang="en-US"/>
           </a:p>
         </p:txBody>
       </p:sp>
@@ -4835,7 +5118,7 @@
             <p:ph type="dt" sz="half" idx="2"/>
           </p:nvPr>
         </p:nvSpPr>
-        <p:spPr>
+        <p:spPr bwMode="auto">
           <a:xfrm>
             <a:off x="9904412" y="6172200"/>
             <a:ext cx="1600200" cy="365125"/>
@@ -4854,16 +5137,17 @@
                     <a:lumMod val="50000"/>
                   </a:schemeClr>
                 </a:solidFill>
-                <a:effectLst/>
                 <a:latin typeface="+mn-lt"/>
               </a:defRPr>
             </a:lvl1pPr>
           </a:lstStyle>
           <a:p>
+            <a:pPr>
+              <a:defRPr/>
+            </a:pPr>
             <a:fld id="{289319FC-3B99-49AD-81CA-FE67D43B35DB}" type="datetimeFigureOut">
-              <a:rPr lang="ru-RU" smtClean="0"/>
-              <a:pPr/>
-              <a:t>20.04.2024</a:t>
+              <a:rPr lang="ru-RU"/>
+              <a:t/>
             </a:fld>
             <a:endParaRPr lang="ru-RU"/>
           </a:p>
@@ -4879,7 +5163,7 @@
             <p:ph type="ftr" sz="quarter" idx="3"/>
           </p:nvPr>
         </p:nvSpPr>
-        <p:spPr>
+        <p:spPr bwMode="auto">
           <a:xfrm>
             <a:off x="684212" y="6172200"/>
             <a:ext cx="7543800" cy="365125"/>
@@ -4898,12 +5182,14 @@
                     <a:lumMod val="50000"/>
                   </a:schemeClr>
                 </a:solidFill>
-                <a:effectLst/>
                 <a:latin typeface="+mn-lt"/>
               </a:defRPr>
             </a:lvl1pPr>
           </a:lstStyle>
           <a:p>
+            <a:pPr>
+              <a:defRPr/>
+            </a:pPr>
             <a:endParaRPr lang="ru-RU"/>
           </a:p>
         </p:txBody>
@@ -4918,7 +5204,7 @@
             <p:ph type="sldNum" sz="quarter" idx="4"/>
           </p:nvPr>
         </p:nvSpPr>
-        <p:spPr>
+        <p:spPr bwMode="auto">
           <a:xfrm>
             <a:off x="10363200" y="5578475"/>
             <a:ext cx="1142245" cy="669925"/>
@@ -4937,118 +5223,113 @@
                     <a:lumMod val="50000"/>
                   </a:schemeClr>
                 </a:solidFill>
-                <a:effectLst/>
                 <a:latin typeface="+mn-lt"/>
               </a:defRPr>
             </a:lvl1pPr>
           </a:lstStyle>
           <a:p>
+            <a:pPr>
+              <a:defRPr/>
+            </a:pPr>
             <a:fld id="{228F7DB4-CDBA-464A-B46E-E265EF20157F}" type="slidenum">
-              <a:rPr lang="ru-RU" smtClean="0"/>
-              <a:pPr/>
-              <a:t>‹#›</a:t>
+              <a:rPr lang="ru-RU"/>
+              <a:t/>
             </a:fld>
             <a:endParaRPr lang="ru-RU"/>
           </a:p>
         </p:txBody>
       </p:sp>
     </p:spTree>
-    <p:extLst>
-      <p:ext uri="{BB962C8B-B14F-4D97-AF65-F5344CB8AC3E}">
-        <p14:creationId xmlns:p14="http://schemas.microsoft.com/office/powerpoint/2010/main" xmlns="" val="1063951056"/>
-      </p:ext>
-    </p:extLst>
   </p:cSld>
   <p:clrMap bg1="dk1" tx1="lt1" bg2="dk2" tx2="lt2" accent1="accent1" accent2="accent2" accent3="accent3" accent4="accent4" accent5="accent5" accent6="accent6" hlink="hlink" folHlink="folHlink"/>
   <p:sldLayoutIdLst>
-    <p:sldLayoutId id="2147483793" r:id="rId1"/>
-    <p:sldLayoutId id="2147483794" r:id="rId2"/>
-    <p:sldLayoutId id="2147483795" r:id="rId3"/>
-    <p:sldLayoutId id="2147483796" r:id="rId4"/>
-    <p:sldLayoutId id="2147483797" r:id="rId5"/>
-    <p:sldLayoutId id="2147483798" r:id="rId6"/>
-    <p:sldLayoutId id="2147483799" r:id="rId7"/>
-    <p:sldLayoutId id="2147483800" r:id="rId8"/>
-    <p:sldLayoutId id="2147483801" r:id="rId9"/>
-    <p:sldLayoutId id="2147483802" r:id="rId10"/>
-    <p:sldLayoutId id="2147483803" r:id="rId11"/>
-    <p:sldLayoutId id="2147483804" r:id="rId12"/>
-    <p:sldLayoutId id="2147483805" r:id="rId13"/>
-    <p:sldLayoutId id="2147483806" r:id="rId14"/>
-    <p:sldLayoutId id="2147483807" r:id="rId15"/>
-    <p:sldLayoutId id="2147483808" r:id="rId16"/>
-    <p:sldLayoutId id="2147483809" r:id="rId17"/>
+    <p:sldLayoutId id="2147483649" r:id="rId1"/>
+    <p:sldLayoutId id="2147483650" r:id="rId2"/>
+    <p:sldLayoutId id="2147483651" r:id="rId3"/>
+    <p:sldLayoutId id="2147483652" r:id="rId4"/>
+    <p:sldLayoutId id="2147483653" r:id="rId5"/>
+    <p:sldLayoutId id="2147483654" r:id="rId6"/>
+    <p:sldLayoutId id="2147483655" r:id="rId7"/>
+    <p:sldLayoutId id="2147483656" r:id="rId8"/>
+    <p:sldLayoutId id="2147483657" r:id="rId9"/>
+    <p:sldLayoutId id="2147483658" r:id="rId10"/>
+    <p:sldLayoutId id="2147483659" r:id="rId11"/>
+    <p:sldLayoutId id="2147483660" r:id="rId12"/>
+    <p:sldLayoutId id="2147483661" r:id="rId13"/>
+    <p:sldLayoutId id="2147483662" r:id="rId14"/>
+    <p:sldLayoutId id="2147483663" r:id="rId15"/>
+    <p:sldLayoutId id="2147483664" r:id="rId16"/>
+    <p:sldLayoutId id="2147483665" r:id="rId17"/>
   </p:sldLayoutIdLst>
   <p:txStyles>
     <p:titleStyle>
-      <a:lvl1pPr algn="l" defTabSz="457200" rtl="0" eaLnBrk="1" latinLnBrk="0" hangingPunct="1">
+      <a:lvl1pPr algn="l" defTabSz="457200">
         <a:spcBef>
-          <a:spcPct val="0"/>
+          <a:spcPts val="0"/>
         </a:spcBef>
         <a:buNone/>
-        <a:defRPr sz="3600" kern="1200" cap="all">
+        <a:defRPr sz="3600" cap="all">
           <a:ln w="3175" cmpd="sng">
             <a:noFill/>
           </a:ln>
           <a:solidFill>
             <a:schemeClr val="tx1"/>
           </a:solidFill>
-          <a:effectLst/>
           <a:latin typeface="+mj-lt"/>
           <a:ea typeface="+mj-ea"/>
           <a:cs typeface="+mj-cs"/>
         </a:defRPr>
       </a:lvl1pPr>
-      <a:lvl2pPr eaLnBrk="1" hangingPunct="1">
+      <a:lvl2pPr>
         <a:defRPr>
           <a:solidFill>
             <a:schemeClr val="tx2"/>
           </a:solidFill>
         </a:defRPr>
       </a:lvl2pPr>
-      <a:lvl3pPr eaLnBrk="1" hangingPunct="1">
+      <a:lvl3pPr>
         <a:defRPr>
           <a:solidFill>
             <a:schemeClr val="tx2"/>
           </a:solidFill>
         </a:defRPr>
       </a:lvl3pPr>
-      <a:lvl4pPr eaLnBrk="1" hangingPunct="1">
+      <a:lvl4pPr>
         <a:defRPr>
           <a:solidFill>
             <a:schemeClr val="tx2"/>
           </a:solidFill>
         </a:defRPr>
       </a:lvl4pPr>
-      <a:lvl5pPr eaLnBrk="1" hangingPunct="1">
+      <a:lvl5pPr>
         <a:defRPr>
           <a:solidFill>
             <a:schemeClr val="tx2"/>
           </a:solidFill>
         </a:defRPr>
       </a:lvl5pPr>
-      <a:lvl6pPr eaLnBrk="1" hangingPunct="1">
+      <a:lvl6pPr>
         <a:defRPr>
           <a:solidFill>
             <a:schemeClr val="tx2"/>
           </a:solidFill>
         </a:defRPr>
       </a:lvl6pPr>
-      <a:lvl7pPr eaLnBrk="1" hangingPunct="1">
+      <a:lvl7pPr>
         <a:defRPr>
           <a:solidFill>
             <a:schemeClr val="tx2"/>
           </a:solidFill>
         </a:defRPr>
       </a:lvl7pPr>
-      <a:lvl8pPr eaLnBrk="1" hangingPunct="1">
+      <a:lvl8pPr>
         <a:defRPr>
           <a:solidFill>
             <a:schemeClr val="tx2"/>
           </a:solidFill>
         </a:defRPr>
       </a:lvl8pPr>
-      <a:lvl9pPr eaLnBrk="1" hangingPunct="1">
+      <a:lvl9pPr>
         <a:defRPr>
           <a:solidFill>
             <a:schemeClr val="tx2"/>
@@ -5057,9 +5338,9 @@
       </a:lvl9pPr>
     </p:titleStyle>
     <p:bodyStyle>
-      <a:lvl1pPr marL="285750" indent="-285750" algn="l" defTabSz="457200" rtl="0" eaLnBrk="1" latinLnBrk="0" hangingPunct="1">
+      <a:lvl1pPr marL="285750" indent="-285750" algn="l" defTabSz="457200">
         <a:spcBef>
-          <a:spcPct val="20000"/>
+          <a:spcPts val="0"/>
         </a:spcBef>
         <a:spcAft>
           <a:spcPts val="600"/>
@@ -5068,21 +5349,20 @@
           <a:schemeClr val="tx1"/>
         </a:buClr>
         <a:buSzPct val="80000"/>
-        <a:buFont typeface="Wingdings 3" panose="05040102010807070707" pitchFamily="18" charset="2"/>
+        <a:buFont typeface="Wingdings 3"/>
         <a:buChar char=""/>
-        <a:defRPr sz="2000" kern="1200" cap="none">
+        <a:defRPr sz="2000" cap="none">
           <a:solidFill>
             <a:schemeClr val="tx1"/>
           </a:solidFill>
-          <a:effectLst/>
           <a:latin typeface="+mn-lt"/>
           <a:ea typeface="+mn-ea"/>
           <a:cs typeface="+mn-cs"/>
         </a:defRPr>
       </a:lvl1pPr>
-      <a:lvl2pPr marL="742950" indent="-285750" algn="l" defTabSz="457200" rtl="0" eaLnBrk="1" latinLnBrk="0" hangingPunct="1">
+      <a:lvl2pPr marL="742950" indent="-285750" algn="l" defTabSz="457200">
         <a:spcBef>
-          <a:spcPct val="20000"/>
+          <a:spcPts val="0"/>
         </a:spcBef>
         <a:spcAft>
           <a:spcPts val="600"/>
@@ -5091,21 +5371,20 @@
           <a:schemeClr val="tx1"/>
         </a:buClr>
         <a:buSzPct val="80000"/>
-        <a:buFont typeface="Wingdings 3" panose="05040102010807070707" pitchFamily="18" charset="2"/>
+        <a:buFont typeface="Wingdings 3"/>
         <a:buChar char=""/>
-        <a:defRPr sz="1800" kern="1200" cap="none">
+        <a:defRPr sz="1800" cap="none">
           <a:solidFill>
             <a:schemeClr val="tx1"/>
           </a:solidFill>
-          <a:effectLst/>
           <a:latin typeface="+mn-lt"/>
           <a:ea typeface="+mn-ea"/>
           <a:cs typeface="+mn-cs"/>
         </a:defRPr>
       </a:lvl2pPr>
-      <a:lvl3pPr marL="1200150" indent="-285750" algn="l" defTabSz="457200" rtl="0" eaLnBrk="1" latinLnBrk="0" hangingPunct="1">
+      <a:lvl3pPr marL="1200150" indent="-285750" algn="l" defTabSz="457200">
         <a:spcBef>
-          <a:spcPct val="20000"/>
+          <a:spcPts val="0"/>
         </a:spcBef>
         <a:spcAft>
           <a:spcPts val="600"/>
@@ -5114,21 +5393,20 @@
           <a:schemeClr val="tx1"/>
         </a:buClr>
         <a:buSzPct val="80000"/>
-        <a:buFont typeface="Wingdings 3" panose="05040102010807070707" pitchFamily="18" charset="2"/>
+        <a:buFont typeface="Wingdings 3"/>
         <a:buChar char=""/>
-        <a:defRPr sz="1600" kern="1200" cap="none">
+        <a:defRPr sz="1600" cap="none">
           <a:solidFill>
             <a:schemeClr val="tx1"/>
           </a:solidFill>
-          <a:effectLst/>
           <a:latin typeface="+mn-lt"/>
           <a:ea typeface="+mn-ea"/>
           <a:cs typeface="+mn-cs"/>
         </a:defRPr>
       </a:lvl3pPr>
-      <a:lvl4pPr marL="1543050" indent="-171450" algn="l" defTabSz="457200" rtl="0" eaLnBrk="1" latinLnBrk="0" hangingPunct="1">
+      <a:lvl4pPr marL="1543050" indent="-171450" algn="l" defTabSz="457200">
         <a:spcBef>
-          <a:spcPct val="20000"/>
+          <a:spcPts val="0"/>
         </a:spcBef>
         <a:spcAft>
           <a:spcPts val="600"/>
@@ -5137,21 +5415,20 @@
           <a:schemeClr val="tx1"/>
         </a:buClr>
         <a:buSzPct val="80000"/>
-        <a:buFont typeface="Wingdings 3" panose="05040102010807070707" pitchFamily="18" charset="2"/>
+        <a:buFont typeface="Wingdings 3"/>
         <a:buChar char=""/>
-        <a:defRPr sz="1400" kern="1200" cap="none">
+        <a:defRPr sz="1400" cap="none">
           <a:solidFill>
             <a:schemeClr val="tx1"/>
           </a:solidFill>
-          <a:effectLst/>
           <a:latin typeface="+mn-lt"/>
           <a:ea typeface="+mn-ea"/>
           <a:cs typeface="+mn-cs"/>
         </a:defRPr>
       </a:lvl4pPr>
-      <a:lvl5pPr marL="2000250" indent="-171450" algn="l" defTabSz="457200" rtl="0" eaLnBrk="1" latinLnBrk="0" hangingPunct="1">
+      <a:lvl5pPr marL="2000250" indent="-171450" algn="l" defTabSz="457200">
         <a:spcBef>
-          <a:spcPct val="20000"/>
+          <a:spcPts val="0"/>
         </a:spcBef>
         <a:spcAft>
           <a:spcPts val="600"/>
@@ -5160,21 +5437,20 @@
           <a:schemeClr val="tx1"/>
         </a:buClr>
         <a:buSzPct val="80000"/>
-        <a:buFont typeface="Wingdings 3" panose="05040102010807070707" pitchFamily="18" charset="2"/>
+        <a:buFont typeface="Wingdings 3"/>
         <a:buChar char=""/>
-        <a:defRPr sz="1400" kern="1200" cap="none">
+        <a:defRPr sz="1400" cap="none">
           <a:solidFill>
             <a:schemeClr val="tx1"/>
           </a:solidFill>
-          <a:effectLst/>
           <a:latin typeface="+mn-lt"/>
           <a:ea typeface="+mn-ea"/>
           <a:cs typeface="+mn-cs"/>
         </a:defRPr>
       </a:lvl5pPr>
-      <a:lvl6pPr marL="2514600" indent="-228600" algn="l" defTabSz="457200" rtl="0" eaLnBrk="1" latinLnBrk="0" hangingPunct="1">
+      <a:lvl6pPr marL="2514600" indent="-228600" algn="l" defTabSz="457200">
         <a:spcBef>
-          <a:spcPct val="20000"/>
+          <a:spcPts val="0"/>
         </a:spcBef>
         <a:spcAft>
           <a:spcPts val="600"/>
@@ -5183,21 +5459,20 @@
           <a:schemeClr val="tx1"/>
         </a:buClr>
         <a:buSzPct val="80000"/>
-        <a:buFont typeface="Wingdings 3" panose="05040102010807070707" pitchFamily="18" charset="2"/>
+        <a:buFont typeface="Wingdings 3"/>
         <a:buChar char=""/>
-        <a:defRPr sz="1400" kern="1200" cap="none">
+        <a:defRPr sz="1400" cap="none">
           <a:solidFill>
             <a:schemeClr val="tx1"/>
           </a:solidFill>
-          <a:effectLst/>
           <a:latin typeface="+mn-lt"/>
           <a:ea typeface="+mn-ea"/>
           <a:cs typeface="+mn-cs"/>
         </a:defRPr>
       </a:lvl6pPr>
-      <a:lvl7pPr marL="2971800" indent="-228600" algn="l" defTabSz="457200" rtl="0" eaLnBrk="1" latinLnBrk="0" hangingPunct="1">
+      <a:lvl7pPr marL="2971800" indent="-228600" algn="l" defTabSz="457200">
         <a:spcBef>
-          <a:spcPct val="20000"/>
+          <a:spcPts val="0"/>
         </a:spcBef>
         <a:spcAft>
           <a:spcPts val="600"/>
@@ -5206,21 +5481,20 @@
           <a:schemeClr val="tx1"/>
         </a:buClr>
         <a:buSzPct val="80000"/>
-        <a:buFont typeface="Wingdings 3" panose="05040102010807070707" pitchFamily="18" charset="2"/>
+        <a:buFont typeface="Wingdings 3"/>
         <a:buChar char=""/>
-        <a:defRPr sz="1400" kern="1200" cap="none">
+        <a:defRPr sz="1400" cap="none">
           <a:solidFill>
             <a:schemeClr val="tx1"/>
           </a:solidFill>
-          <a:effectLst/>
           <a:latin typeface="+mn-lt"/>
           <a:ea typeface="+mn-ea"/>
           <a:cs typeface="+mn-cs"/>
         </a:defRPr>
       </a:lvl7pPr>
-      <a:lvl8pPr marL="3429000" indent="-228600" algn="l" defTabSz="457200" rtl="0" eaLnBrk="1" latinLnBrk="0" hangingPunct="1">
+      <a:lvl8pPr marL="3429000" indent="-228600" algn="l" defTabSz="457200">
         <a:spcBef>
-          <a:spcPct val="20000"/>
+          <a:spcPts val="0"/>
         </a:spcBef>
         <a:spcAft>
           <a:spcPts val="600"/>
@@ -5229,21 +5503,20 @@
           <a:schemeClr val="tx1"/>
         </a:buClr>
         <a:buSzPct val="80000"/>
-        <a:buFont typeface="Wingdings 3" panose="05040102010807070707" pitchFamily="18" charset="2"/>
+        <a:buFont typeface="Wingdings 3"/>
         <a:buChar char=""/>
-        <a:defRPr sz="1400" kern="1200" cap="none">
+        <a:defRPr sz="1400" cap="none">
           <a:solidFill>
             <a:schemeClr val="tx1"/>
           </a:solidFill>
-          <a:effectLst/>
           <a:latin typeface="+mn-lt"/>
           <a:ea typeface="+mn-ea"/>
           <a:cs typeface="+mn-cs"/>
         </a:defRPr>
       </a:lvl8pPr>
-      <a:lvl9pPr marL="3886200" indent="-228600" algn="l" defTabSz="457200" rtl="0" eaLnBrk="1" latinLnBrk="0" hangingPunct="1">
+      <a:lvl9pPr marL="3886200" indent="-228600" algn="l" defTabSz="457200">
         <a:spcBef>
-          <a:spcPct val="20000"/>
+          <a:spcPts val="0"/>
         </a:spcBef>
         <a:spcAft>
           <a:spcPts val="600"/>
@@ -5252,13 +5525,12 @@
           <a:schemeClr val="tx1"/>
         </a:buClr>
         <a:buSzPct val="80000"/>
-        <a:buFont typeface="Wingdings 3" panose="05040102010807070707" pitchFamily="18" charset="2"/>
+        <a:buFont typeface="Wingdings 3"/>
         <a:buChar char=""/>
-        <a:defRPr sz="1400" kern="1200" cap="none">
+        <a:defRPr sz="1400" cap="none">
           <a:solidFill>
             <a:schemeClr val="tx1"/>
           </a:solidFill>
-          <a:effectLst/>
           <a:latin typeface="+mn-lt"/>
           <a:ea typeface="+mn-ea"/>
           <a:cs typeface="+mn-cs"/>
@@ -5269,8 +5541,8 @@
       <a:defPPr>
         <a:defRPr lang="en-US"/>
       </a:defPPr>
-      <a:lvl1pPr marL="0" algn="l" defTabSz="457200" rtl="0" eaLnBrk="1" latinLnBrk="0" hangingPunct="1">
-        <a:defRPr sz="1800" kern="1200">
+      <a:lvl1pPr marL="0" algn="l" defTabSz="457200">
+        <a:defRPr sz="1800">
           <a:solidFill>
             <a:schemeClr val="tx1"/>
           </a:solidFill>
@@ -5279,8 +5551,8 @@
           <a:cs typeface="+mn-cs"/>
         </a:defRPr>
       </a:lvl1pPr>
-      <a:lvl2pPr marL="457200" algn="l" defTabSz="457200" rtl="0" eaLnBrk="1" latinLnBrk="0" hangingPunct="1">
-        <a:defRPr sz="1800" kern="1200">
+      <a:lvl2pPr marL="457200" algn="l" defTabSz="457200">
+        <a:defRPr sz="1800">
           <a:solidFill>
             <a:schemeClr val="tx1"/>
           </a:solidFill>
@@ -5289,8 +5561,8 @@
           <a:cs typeface="+mn-cs"/>
         </a:defRPr>
       </a:lvl2pPr>
-      <a:lvl3pPr marL="914400" algn="l" defTabSz="457200" rtl="0" eaLnBrk="1" latinLnBrk="0" hangingPunct="1">
-        <a:defRPr sz="1800" kern="1200">
+      <a:lvl3pPr marL="914400" algn="l" defTabSz="457200">
+        <a:defRPr sz="1800">
           <a:solidFill>
             <a:schemeClr val="tx1"/>
           </a:solidFill>
@@ -5299,8 +5571,8 @@
           <a:cs typeface="+mn-cs"/>
         </a:defRPr>
       </a:lvl3pPr>
-      <a:lvl4pPr marL="1371600" algn="l" defTabSz="457200" rtl="0" eaLnBrk="1" latinLnBrk="0" hangingPunct="1">
-        <a:defRPr sz="1800" kern="1200">
+      <a:lvl4pPr marL="1371600" algn="l" defTabSz="457200">
+        <a:defRPr sz="1800">
           <a:solidFill>
             <a:schemeClr val="tx1"/>
           </a:solidFill>
@@ -5309,8 +5581,8 @@
           <a:cs typeface="+mn-cs"/>
         </a:defRPr>
       </a:lvl4pPr>
-      <a:lvl5pPr marL="1828800" algn="l" defTabSz="457200" rtl="0" eaLnBrk="1" latinLnBrk="0" hangingPunct="1">
-        <a:defRPr sz="1800" kern="1200">
+      <a:lvl5pPr marL="1828800" algn="l" defTabSz="457200">
+        <a:defRPr sz="1800">
           <a:solidFill>
             <a:schemeClr val="tx1"/>
           </a:solidFill>
@@ -5319,8 +5591,8 @@
           <a:cs typeface="+mn-cs"/>
         </a:defRPr>
       </a:lvl5pPr>
-      <a:lvl6pPr marL="2286000" algn="l" defTabSz="457200" rtl="0" eaLnBrk="1" latinLnBrk="0" hangingPunct="1">
-        <a:defRPr sz="1800" kern="1200">
+      <a:lvl6pPr marL="2286000" algn="l" defTabSz="457200">
+        <a:defRPr sz="1800">
           <a:solidFill>
             <a:schemeClr val="tx1"/>
           </a:solidFill>
@@ -5329,8 +5601,8 @@
           <a:cs typeface="+mn-cs"/>
         </a:defRPr>
       </a:lvl6pPr>
-      <a:lvl7pPr marL="2743200" algn="l" defTabSz="457200" rtl="0" eaLnBrk="1" latinLnBrk="0" hangingPunct="1">
-        <a:defRPr sz="1800" kern="1200">
+      <a:lvl7pPr marL="2743200" algn="l" defTabSz="457200">
+        <a:defRPr sz="1800">
           <a:solidFill>
             <a:schemeClr val="tx1"/>
           </a:solidFill>
@@ -5339,8 +5611,8 @@
           <a:cs typeface="+mn-cs"/>
         </a:defRPr>
       </a:lvl7pPr>
-      <a:lvl8pPr marL="3200400" algn="l" defTabSz="457200" rtl="0" eaLnBrk="1" latinLnBrk="0" hangingPunct="1">
-        <a:defRPr sz="1800" kern="1200">
+      <a:lvl8pPr marL="3200400" algn="l" defTabSz="457200">
+        <a:defRPr sz="1800">
           <a:solidFill>
             <a:schemeClr val="tx1"/>
           </a:solidFill>
@@ -5349,8 +5621,8 @@
           <a:cs typeface="+mn-cs"/>
         </a:defRPr>
       </a:lvl8pPr>
-      <a:lvl9pPr marL="3657600" algn="l" defTabSz="457200" rtl="0" eaLnBrk="1" latinLnBrk="0" hangingPunct="1">
-        <a:defRPr sz="1800" kern="1200">
+      <a:lvl9pPr marL="3657600" algn="l" defTabSz="457200">
+        <a:defRPr sz="1800">
           <a:solidFill>
             <a:schemeClr val="tx1"/>
           </a:solidFill>
@@ -5361,24 +5633,19 @@
       </a:lvl9pPr>
     </p:otherStyle>
   </p:txStyles>
-  <p:extLst>
-    <p:ext uri="{27BBF7A9-308A-43DC-89C8-2F10F3537804}">
-      <p15:sldGuideLst xmlns:p15="http://schemas.microsoft.com/office/powerpoint/2012/main" xmlns=""/>
-    </p:ext>
-  </p:extLst>
 </p:sldMaster>
 </file>
 
 <file path=ppt/slides/slide1.xml><?xml version="1.0" encoding="utf-8"?>
-<p:sld xmlns:a="http://schemas.openxmlformats.org/drawingml/2006/main" xmlns:r="http://schemas.openxmlformats.org/officeDocument/2006/relationships" xmlns:p="http://schemas.openxmlformats.org/presentationml/2006/main">
-  <p:cSld>
+<p:sld xmlns:a="http://schemas.openxmlformats.org/drawingml/2006/main" xmlns:r="http://schemas.openxmlformats.org/officeDocument/2006/relationships" xmlns:p="http://schemas.openxmlformats.org/presentationml/2006/main" xmlns:m="http://schemas.openxmlformats.org/officeDocument/2006/math" xmlns:w="http://schemas.openxmlformats.org/wordprocessingml/2006/main" showMasterPhAnim="0" show="1">
+  <p:cSld name="">
     <p:spTree>
       <p:nvGrpSpPr>
         <p:cNvPr id="1" name=""/>
         <p:cNvGrpSpPr/>
         <p:nvPr/>
       </p:nvGrpSpPr>
-      <p:grpSpPr>
+      <p:grpSpPr bwMode="auto">
         <a:xfrm>
           <a:off x="0" y="0"/>
           <a:ext cx="0" cy="0"/>
@@ -5396,16 +5663,24 @@
             <p:ph type="ctrTitle"/>
           </p:nvPr>
         </p:nvSpPr>
-        <p:spPr/>
+        <p:spPr bwMode="auto">
+          <a:xfrm flipH="0" flipV="0">
+            <a:off x="684211" y="685799"/>
+            <a:ext cx="11366538" cy="1679576"/>
+          </a:xfrm>
+        </p:spPr>
         <p:txBody>
           <a:bodyPr/>
           <a:lstStyle/>
           <a:p>
-            <a:r>
-              <a:rPr lang="ru-RU" dirty="0" smtClean="0"/>
+            <a:pPr>
+              <a:defRPr/>
+            </a:pPr>
+            <a:r>
+              <a:rPr lang="ru-RU"/>
               <a:t>Проект «Робот-логист»</a:t>
             </a:r>
-            <a:endParaRPr lang="ru-RU" dirty="0"/>
+            <a:endParaRPr lang="ru-RU"/>
           </a:p>
         </p:txBody>
       </p:sp>
@@ -5419,48 +5694,113 @@
             <p:ph type="subTitle" idx="1"/>
           </p:nvPr>
         </p:nvSpPr>
-        <p:spPr>
-          <a:xfrm>
-            <a:off x="0" y="5848865"/>
-            <a:ext cx="6400800" cy="1009135"/>
-          </a:xfrm>
-        </p:spPr>
-        <p:txBody>
-          <a:bodyPr/>
-          <a:lstStyle/>
-          <a:p>
-            <a:r>
-              <a:rPr lang="ru-RU" dirty="0" smtClean="0"/>
+        <p:spPr bwMode="auto">
+          <a:xfrm flipH="0" flipV="0">
+            <a:off x="0" y="4839730"/>
+            <a:ext cx="12193625" cy="2034144"/>
+          </a:xfrm>
+        </p:spPr>
+        <p:txBody>
+          <a:bodyPr vertOverflow="overflow" horzOverflow="overflow" vert="horz" wrap="square" lIns="91440" tIns="45720" rIns="91440" bIns="45720" numCol="1" spcCol="0" rtlCol="0" fromWordArt="0" anchor="t" anchorCtr="0" forceAA="0" upright="0" compatLnSpc="0">
+            <a:normAutofit/>
+          </a:bodyPr>
+          <a:lstStyle/>
+          <a:p>
+            <a:pPr>
+              <a:defRPr/>
+            </a:pPr>
+            <a:r>
+              <a:rPr lang="ru-RU"/>
               <a:t>Выполнили: Селин Андрей Сергеевич</a:t>
             </a:r>
             <a:br>
-              <a:rPr lang="ru-RU" dirty="0" smtClean="0"/>
+              <a:rPr lang="ru-RU"/>
             </a:br>
             <a:r>
-              <a:rPr lang="ru-RU" dirty="0" smtClean="0"/>
+              <a:rPr lang="ru-RU"/>
               <a:t>                     </a:t>
             </a:r>
             <a:r>
-              <a:rPr lang="ru-RU" dirty="0" err="1"/>
+              <a:rPr lang="ru-RU"/>
               <a:t>Матухова</a:t>
             </a:r>
             <a:r>
-              <a:rPr lang="ru-RU" dirty="0"/>
+              <a:rPr lang="ru-RU"/>
               <a:t> Тамара Романовна</a:t>
             </a:r>
+            <a:endParaRPr lang="ru-RU"/>
+          </a:p>
+          <a:p>
+            <a:pPr>
+              <a:defRPr/>
+            </a:pPr>
+            <a:r>
+              <a:rPr lang="ru-RU"/>
+              <a:t>Руководитель: Ефаринов Павел Андреевич</a:t>
+            </a:r>
+            <a:endParaRPr lang="ru-RU"/>
+          </a:p>
+          <a:p>
+            <a:pPr>
+              <a:defRPr/>
+            </a:pPr>
+            <a:r>
+              <a:rPr lang="ru-RU"/>
+              <a:t>Учитель информатики: Арефьева Галина Павловна</a:t>
+            </a:r>
+            <a:endParaRPr lang="ru-RU"/>
+          </a:p>
+        </p:txBody>
+      </p:sp>
+      <p:sp>
+        <p:nvSpPr>
+          <p:cNvPr id="797087934" name=""/>
+          <p:cNvSpPr txBox="1"/>
+          <p:nvPr/>
+        </p:nvSpPr>
+        <p:spPr bwMode="auto">
+          <a:xfrm flipH="0" flipV="0">
+            <a:off x="684211" y="2365375"/>
+            <a:ext cx="3980589" cy="366119"/>
+          </a:xfrm>
+          <a:prstGeom prst="rect">
+            <a:avLst/>
+          </a:prstGeom>
+          <a:noFill/>
+        </p:spPr>
+        <p:txBody>
+          <a:bodyPr vertOverflow="overflow" horzOverflow="overflow" vert="horz" wrap="none" lIns="91440" tIns="45720" rIns="91440" bIns="45720" numCol="1" spcCol="0" rtlCol="0" fromWordArt="0" anchor="t" anchorCtr="0" forceAA="0" upright="0" compatLnSpc="0">
+            <a:spAutoFit/>
+          </a:bodyPr>
+          <a:p>
+            <a:pPr>
+              <a:defRPr/>
+            </a:pPr>
+            <a:r>
+              <a:rPr/>
+              <a:t>годовой проект курса изучения С++</a:t>
+            </a:r>
+            <a:endParaRPr/>
           </a:p>
         </p:txBody>
       </p:sp>
     </p:spTree>
-    <p:extLst>
-      <p:ext uri="{BB962C8B-B14F-4D97-AF65-F5344CB8AC3E}">
-        <p14:creationId xmlns:p14="http://schemas.microsoft.com/office/powerpoint/2010/main" xmlns="" val="1800726498"/>
-      </p:ext>
-    </p:extLst>
   </p:cSld>
   <p:clrMapOvr>
     <a:masterClrMapping/>
   </p:clrMapOvr>
+  <mc:AlternateContent xmlns:mc="http://schemas.openxmlformats.org/markup-compatibility/2006">
+    <mc:Choice xmlns:p14="http://schemas.microsoft.com/office/powerpoint/2010/main" Requires="p14">
+      <p:transition spd="slow" p14:dur="2000" advClick="1">
+        <p:push dir="r"/>
+      </p:transition>
+    </mc:Choice>
+    <mc:Fallback>
+      <p:transition spd="slow" advClick="1">
+        <p:push dir="r"/>
+      </p:transition>
+    </mc:Fallback>
+  </mc:AlternateContent>
   <p:timing>
     <p:tnLst>
       <p:par>
@@ -5472,15 +5812,15 @@
 </file>
 
 <file path=ppt/slides/slide10.xml><?xml version="1.0" encoding="utf-8"?>
-<p:sld xmlns:a="http://schemas.openxmlformats.org/drawingml/2006/main" xmlns:r="http://schemas.openxmlformats.org/officeDocument/2006/relationships" xmlns:p="http://schemas.openxmlformats.org/presentationml/2006/main">
-  <p:cSld>
+<p:sld xmlns:a="http://schemas.openxmlformats.org/drawingml/2006/main" xmlns:r="http://schemas.openxmlformats.org/officeDocument/2006/relationships" xmlns:p="http://schemas.openxmlformats.org/presentationml/2006/main" xmlns:m="http://schemas.openxmlformats.org/officeDocument/2006/math" xmlns:w="http://schemas.openxmlformats.org/wordprocessingml/2006/main" showMasterPhAnim="0" show="1">
+  <p:cSld name="">
     <p:spTree>
       <p:nvGrpSpPr>
         <p:cNvPr id="1" name=""/>
         <p:cNvGrpSpPr/>
         <p:nvPr/>
       </p:nvGrpSpPr>
-      <p:grpSpPr>
+      <p:grpSpPr bwMode="auto">
         <a:xfrm>
           <a:off x="0" y="0"/>
           <a:ext cx="0" cy="0"/>
@@ -5498,7 +5838,7 @@
             <p:ph type="title"/>
           </p:nvPr>
         </p:nvSpPr>
-        <p:spPr>
+        <p:spPr bwMode="auto">
           <a:xfrm>
             <a:off x="684212" y="685800"/>
             <a:ext cx="8534400" cy="1507067"/>
@@ -5508,11 +5848,14 @@
           <a:bodyPr/>
           <a:lstStyle/>
           <a:p>
-            <a:r>
-              <a:rPr lang="ru-RU" dirty="0" smtClean="0"/>
-              <a:t>Заключение</a:t>
-            </a:r>
-            <a:endParaRPr lang="ru-RU" dirty="0"/>
+            <a:pPr>
+              <a:defRPr/>
+            </a:pPr>
+            <a:r>
+              <a:rPr lang="ru-RU"/>
+              <a:t>СВЯЗЬ</a:t>
+            </a:r>
+            <a:endParaRPr lang="ru-RU"/>
           </a:p>
         </p:txBody>
       </p:sp>
@@ -5526,10 +5869,10 @@
             <p:ph idx="1"/>
           </p:nvPr>
         </p:nvSpPr>
-        <p:spPr>
+        <p:spPr bwMode="auto">
           <a:xfrm>
-            <a:off x="684212" y="2133601"/>
-            <a:ext cx="8534400" cy="4324863"/>
+            <a:off x="684212" y="1705233"/>
+            <a:ext cx="8534400" cy="4753232"/>
           </a:xfrm>
         </p:spPr>
         <p:txBody>
@@ -5538,33 +5881,971 @@
           <a:p>
             <a:pPr marL="0" indent="0">
               <a:buNone/>
-            </a:pPr>
-            <a:r>
-              <a:rPr lang="ru-RU" dirty="0" smtClean="0"/>
-              <a:t>В текущем состоянии наш робот способен выполнять главную задачу, </a:t>
-            </a:r>
-            <a:r>
-              <a:rPr lang="ru-RU" dirty="0" smtClean="0"/>
-              <a:t>но </a:t>
-            </a:r>
-            <a:r>
-              <a:rPr lang="ru-RU" dirty="0" smtClean="0"/>
-              <a:t>у него есть огромные потенциал для развития</a:t>
-            </a:r>
-            <a:endParaRPr lang="ru-RU" dirty="0"/>
-          </a:p>
-        </p:txBody>
-      </p:sp>
+              <a:defRPr/>
+            </a:pPr>
+            <a:r>
+              <a:rPr lang="ru-RU"/>
+              <a:t>Связь осуществляется череп </a:t>
+            </a:r>
+            <a:r>
+              <a:rPr lang="ru-RU"/>
+              <a:t>пару </a:t>
+            </a:r>
+            <a:r>
+              <a:rPr lang="ru-RU"/>
+              <a:t>радио-модулей, работающих на собственной частоте</a:t>
+            </a:r>
+            <a:r>
+              <a:rPr lang="ru-RU"/>
+              <a:t>. </a:t>
+            </a:r>
+            <a:r>
+              <a:rPr lang="ru-RU"/>
+              <a:t>Данные о заказе преобразуются в готовый алгоритм, который приходит на робота</a:t>
+            </a:r>
+            <a:r>
+              <a:rPr lang="ru-RU"/>
+              <a:t>.</a:t>
+            </a:r>
+            <a:endParaRPr/>
+          </a:p>
+        </p:txBody>
+      </p:sp>
+      <p:pic>
+        <p:nvPicPr>
+          <p:cNvPr id="304283307" name=""/>
+          <p:cNvPicPr>
+            <a:picLocks noChangeAspect="1"/>
+          </p:cNvPicPr>
+          <p:nvPr/>
+        </p:nvPicPr>
+        <p:blipFill>
+          <a:blip r:embed="rId2"/>
+          <a:stretch/>
+        </p:blipFill>
+        <p:spPr bwMode="auto">
+          <a:xfrm flipH="0" flipV="0">
+            <a:off x="8731250" y="2252625"/>
+            <a:ext cx="3351249" cy="3351249"/>
+          </a:xfrm>
+          <a:prstGeom prst="rect">
+            <a:avLst/>
+          </a:prstGeom>
+        </p:spPr>
+      </p:pic>
     </p:spTree>
-    <p:extLst>
-      <p:ext uri="{BB962C8B-B14F-4D97-AF65-F5344CB8AC3E}">
-        <p14:creationId xmlns:p14="http://schemas.microsoft.com/office/powerpoint/2010/main" xmlns="" val="52305158"/>
-      </p:ext>
-    </p:extLst>
   </p:cSld>
   <p:clrMapOvr>
     <a:masterClrMapping/>
   </p:clrMapOvr>
+  <mc:AlternateContent xmlns:mc="http://schemas.openxmlformats.org/markup-compatibility/2006">
+    <mc:Choice xmlns:p14="http://schemas.microsoft.com/office/powerpoint/2010/main" Requires="p14">
+      <p:transition spd="slow" p14:dur="2000" advClick="1">
+        <p:push dir="r"/>
+      </p:transition>
+    </mc:Choice>
+    <mc:Fallback>
+      <p:transition spd="slow" advClick="1">
+        <p:push dir="r"/>
+      </p:transition>
+    </mc:Fallback>
+  </mc:AlternateContent>
+  <p:timing>
+    <p:tnLst>
+      <p:par>
+        <p:cTn id="1" dur="indefinite" restart="never" nodeType="tmRoot"/>
+      </p:par>
+    </p:tnLst>
+  </p:timing>
+</p:sld>
+</file>
+
+<file path=ppt/slides/slide11.xml><?xml version="1.0" encoding="utf-8"?>
+<p:sld xmlns:a="http://schemas.openxmlformats.org/drawingml/2006/main" xmlns:r="http://schemas.openxmlformats.org/officeDocument/2006/relationships" xmlns:p="http://schemas.openxmlformats.org/presentationml/2006/main" xmlns:m="http://schemas.openxmlformats.org/officeDocument/2006/math" xmlns:w="http://schemas.openxmlformats.org/wordprocessingml/2006/main" showMasterPhAnim="0" show="1">
+  <p:cSld name="">
+    <p:spTree>
+      <p:nvGrpSpPr>
+        <p:cNvPr id="1" name=""/>
+        <p:cNvGrpSpPr/>
+        <p:nvPr/>
+      </p:nvGrpSpPr>
+      <p:grpSpPr bwMode="auto">
+        <a:xfrm>
+          <a:off x="0" y="0"/>
+          <a:ext cx="0" cy="0"/>
+          <a:chOff x="0" y="0"/>
+          <a:chExt cx="0" cy="0"/>
+        </a:xfrm>
+      </p:grpSpPr>
+      <p:sp>
+        <p:nvSpPr>
+          <p:cNvPr id="393358415" name="Заголовок 1"/>
+          <p:cNvSpPr>
+            <a:spLocks noGrp="1"/>
+          </p:cNvSpPr>
+          <p:nvPr>
+            <p:ph type="title"/>
+          </p:nvPr>
+        </p:nvSpPr>
+        <p:spPr bwMode="auto">
+          <a:xfrm>
+            <a:off x="684212" y="59724"/>
+            <a:ext cx="8534400" cy="1507067"/>
+          </a:xfrm>
+        </p:spPr>
+        <p:txBody>
+          <a:bodyPr/>
+          <a:lstStyle/>
+          <a:p>
+            <a:pPr>
+              <a:defRPr/>
+            </a:pPr>
+            <a:r>
+              <a:rPr lang="ru-RU"/>
+              <a:t>Математическая модель</a:t>
+            </a:r>
+            <a:endParaRPr lang="ru-RU"/>
+          </a:p>
+        </p:txBody>
+      </p:sp>
+      <p:sp>
+        <p:nvSpPr>
+          <p:cNvPr id="692784200" name="Объект 2"/>
+          <p:cNvSpPr>
+            <a:spLocks noGrp="1"/>
+          </p:cNvSpPr>
+          <p:nvPr>
+            <p:ph idx="1"/>
+          </p:nvPr>
+        </p:nvSpPr>
+        <p:spPr bwMode="auto">
+          <a:xfrm flipH="0" flipV="0">
+            <a:off x="1624" y="1682749"/>
+            <a:ext cx="6042502" cy="5191125"/>
+          </a:xfrm>
+        </p:spPr>
+        <p:txBody>
+          <a:bodyPr vertOverflow="overflow" horzOverflow="overflow" vert="horz" wrap="square" lIns="91440" tIns="45720" rIns="91440" bIns="45720" numCol="1" spcCol="0" rtlCol="0" fromWordArt="0" anchor="ctr" anchorCtr="0" forceAA="0" upright="0" compatLnSpc="0">
+            <a:normAutofit/>
+          </a:bodyPr>
+          <a:lstStyle/>
+          <a:p>
+            <a:pPr marL="0" indent="0">
+              <a:buClr>
+                <a:schemeClr val="tx1"/>
+              </a:buClr>
+              <a:buSzPct val="80000"/>
+              <a:buFont typeface="+mj-lt"/>
+              <a:buNone/>
+              <a:defRPr/>
+            </a:pPr>
+            <a:r>
+              <a:rPr lang="en-US"/>
+              <a:t>Путь для робота считается по алггоритму Дейкстры. </a:t>
+            </a:r>
+            <a:endParaRPr lang="en-US"/>
+          </a:p>
+          <a:p>
+            <a:pPr marL="0" indent="0">
+              <a:buClr>
+                <a:schemeClr val="tx1"/>
+              </a:buClr>
+              <a:buSzPct val="80000"/>
+              <a:buFont typeface="+mj-lt"/>
+              <a:buNone/>
+              <a:defRPr/>
+            </a:pPr>
+            <a:r>
+              <a:rPr lang="en-US"/>
+              <a:t>В качестве вершин графа я использую точки перекрёстов, рёбра – линии между перекрёстками. </a:t>
+            </a:r>
+            <a:endParaRPr lang="en-US"/>
+          </a:p>
+          <a:p>
+            <a:pPr marL="0" indent="0">
+              <a:buClr>
+                <a:schemeClr val="tx1"/>
+              </a:buClr>
+              <a:buSzPct val="80000"/>
+              <a:buFont typeface="+mj-lt"/>
+              <a:buNone/>
+              <a:defRPr/>
+            </a:pPr>
+            <a:r>
+              <a:rPr lang="en-US"/>
+              <a:t>Д</a:t>
+            </a:r>
+            <a:r>
+              <a:rPr lang="en-US"/>
+              <a:t>линна рёбер либо 1 если линия короткая, либо 2, если длинная.</a:t>
+            </a:r>
+            <a:endParaRPr lang="en-US"/>
+          </a:p>
+        </p:txBody>
+      </p:sp>
+      <p:pic>
+        <p:nvPicPr>
+          <p:cNvPr id="780825852" name=""/>
+          <p:cNvPicPr>
+            <a:picLocks noChangeAspect="1"/>
+          </p:cNvPicPr>
+          <p:nvPr/>
+        </p:nvPicPr>
+        <p:blipFill>
+          <a:blip r:embed="rId2"/>
+          <a:stretch/>
+        </p:blipFill>
+        <p:spPr bwMode="auto">
+          <a:xfrm flipH="0" flipV="0">
+            <a:off x="6044127" y="1682749"/>
+            <a:ext cx="6146147" cy="5191125"/>
+          </a:xfrm>
+          <a:prstGeom prst="rect">
+            <a:avLst/>
+          </a:prstGeom>
+          <a:ln w="19049">
+            <a:solidFill>
+              <a:schemeClr val="tx1"/>
+            </a:solidFill>
+            <a:prstDash val="solid"/>
+          </a:ln>
+        </p:spPr>
+      </p:pic>
+    </p:spTree>
+  </p:cSld>
+  <p:clrMapOvr>
+    <a:masterClrMapping/>
+  </p:clrMapOvr>
+  <mc:AlternateContent xmlns:mc="http://schemas.openxmlformats.org/markup-compatibility/2006">
+    <mc:Choice xmlns:p14="http://schemas.microsoft.com/office/powerpoint/2010/main" Requires="p14">
+      <p:transition spd="slow" p14:dur="2000" advClick="1">
+        <p:push dir="r"/>
+      </p:transition>
+    </mc:Choice>
+    <mc:Fallback>
+      <p:transition spd="slow" advClick="1">
+        <p:push dir="r"/>
+      </p:transition>
+    </mc:Fallback>
+  </mc:AlternateContent>
+  <p:timing>
+    <p:tnLst>
+      <p:par>
+        <p:cTn id="1" dur="indefinite" restart="never" nodeType="tmRoot"/>
+      </p:par>
+    </p:tnLst>
+  </p:timing>
+</p:sld>
+</file>
+
+<file path=ppt/slides/slide12.xml><?xml version="1.0" encoding="utf-8"?>
+<p:sld xmlns:a="http://schemas.openxmlformats.org/drawingml/2006/main" xmlns:r="http://schemas.openxmlformats.org/officeDocument/2006/relationships" xmlns:p="http://schemas.openxmlformats.org/presentationml/2006/main" xmlns:m="http://schemas.openxmlformats.org/officeDocument/2006/math" xmlns:w="http://schemas.openxmlformats.org/wordprocessingml/2006/main" showMasterPhAnim="0" show="1">
+  <p:cSld name="">
+    <p:spTree>
+      <p:nvGrpSpPr>
+        <p:cNvPr id="1" name=""/>
+        <p:cNvGrpSpPr/>
+        <p:nvPr/>
+      </p:nvGrpSpPr>
+      <p:grpSpPr bwMode="auto">
+        <a:xfrm>
+          <a:off x="0" y="0"/>
+          <a:ext cx="0" cy="0"/>
+          <a:chOff x="0" y="0"/>
+          <a:chExt cx="0" cy="0"/>
+        </a:xfrm>
+      </p:grpSpPr>
+      <p:sp>
+        <p:nvSpPr>
+          <p:cNvPr id="2015451467" name="Заголовок 1"/>
+          <p:cNvSpPr>
+            <a:spLocks noGrp="1"/>
+          </p:cNvSpPr>
+          <p:nvPr>
+            <p:ph type="title"/>
+          </p:nvPr>
+        </p:nvSpPr>
+        <p:spPr bwMode="auto">
+          <a:xfrm>
+            <a:off x="684212" y="685800"/>
+            <a:ext cx="8534400" cy="1507067"/>
+          </a:xfrm>
+        </p:spPr>
+        <p:txBody>
+          <a:bodyPr/>
+          <a:lstStyle/>
+          <a:p>
+            <a:pPr>
+              <a:defRPr/>
+            </a:pPr>
+            <a:r>
+              <a:rPr lang="ru-RU"/>
+              <a:t>СТРУКТУРА ДАННЫХ</a:t>
+            </a:r>
+            <a:endParaRPr lang="ru-RU"/>
+          </a:p>
+        </p:txBody>
+      </p:sp>
+      <p:sp>
+        <p:nvSpPr>
+          <p:cNvPr id="157503692" name="Объект 2"/>
+          <p:cNvSpPr>
+            <a:spLocks noGrp="1"/>
+          </p:cNvSpPr>
+          <p:nvPr>
+            <p:ph idx="1"/>
+          </p:nvPr>
+        </p:nvSpPr>
+        <p:spPr bwMode="auto">
+          <a:xfrm>
+            <a:off x="684212" y="2133601"/>
+            <a:ext cx="8534400" cy="4324863"/>
+          </a:xfrm>
+        </p:spPr>
+        <p:txBody>
+          <a:bodyPr/>
+          <a:lstStyle/>
+          <a:p>
+            <a:pPr marL="0" indent="0">
+              <a:buClr>
+                <a:schemeClr val="tx1"/>
+              </a:buClr>
+              <a:buSzPct val="80000"/>
+              <a:buFont typeface="Arial"/>
+              <a:buNone/>
+              <a:defRPr/>
+            </a:pPr>
+            <a:r>
+              <a:rPr lang="ru-RU"/>
+              <a:t>Алгоритм для робота делится на 2 части: </a:t>
+            </a:r>
+            <a:endParaRPr lang="ru-RU"/>
+          </a:p>
+          <a:p>
+            <a:pPr marL="0" indent="0">
+              <a:buClr>
+                <a:schemeClr val="tx1"/>
+              </a:buClr>
+              <a:buSzPct val="80000"/>
+              <a:buFont typeface="Arial"/>
+              <a:buNone/>
+              <a:defRPr/>
+            </a:pPr>
+            <a:r>
+              <a:rPr lang="ru-RU"/>
+              <a:t>проезд до начала и проезд до конца. Разделение обосновано тем, то в момент начала выполнения запроса робот может находится где угодно, а взять груз нужно из чётко определённого места.</a:t>
+            </a:r>
+            <a:endParaRPr lang="ru-RU"/>
+          </a:p>
+          <a:p>
+            <a:pPr marL="0" indent="0">
+              <a:buClr>
+                <a:schemeClr val="tx1"/>
+              </a:buClr>
+              <a:buSzPct val="80000"/>
+              <a:buFont typeface="Arial"/>
+              <a:buNone/>
+              <a:defRPr/>
+            </a:pPr>
+            <a:endParaRPr lang="ru-RU"/>
+          </a:p>
+        </p:txBody>
+      </p:sp>
+      <p:sp>
+        <p:nvSpPr>
+          <p:cNvPr id="1868264527" name=""/>
+          <p:cNvSpPr txBox="1"/>
+          <p:nvPr/>
+        </p:nvSpPr>
+        <p:spPr bwMode="auto">
+          <a:xfrm flipH="0" flipV="0">
+            <a:off x="9113875" y="-30659"/>
+            <a:ext cx="2257489" cy="3993240"/>
+          </a:xfrm>
+          <a:prstGeom prst="rect">
+            <a:avLst/>
+          </a:prstGeom>
+          <a:noFill/>
+        </p:spPr>
+        <p:txBody>
+          <a:bodyPr vertOverflow="overflow" horzOverflow="overflow" vert="horz" wrap="square" lIns="91440" tIns="45720" rIns="91440" bIns="45720" numCol="1" spcCol="0" rtlCol="0" fromWordArt="0" anchor="t" anchorCtr="0" forceAA="0" upright="0" compatLnSpc="0">
+            <a:spAutoFit/>
+          </a:bodyPr>
+          <a:p>
+            <a:pPr>
+              <a:defRPr/>
+            </a:pPr>
+            <a:r>
+              <a:rPr sz="6400"/>
+              <a:t>“1”</a:t>
+            </a:r>
+            <a:br>
+              <a:rPr sz="6400"/>
+            </a:br>
+            <a:r>
+              <a:rPr sz="6400"/>
+              <a:t>“2”</a:t>
+            </a:r>
+            <a:br>
+              <a:rPr sz="6400"/>
+            </a:br>
+            <a:r>
+              <a:rPr sz="6400"/>
+              <a:t>“3”</a:t>
+            </a:r>
+            <a:endParaRPr sz="6400"/>
+          </a:p>
+          <a:p>
+            <a:pPr>
+              <a:defRPr/>
+            </a:pPr>
+            <a:r>
+              <a:rPr sz="6400"/>
+              <a:t>“4”</a:t>
+            </a:r>
+            <a:endParaRPr sz="4800"/>
+          </a:p>
+        </p:txBody>
+      </p:sp>
+      <p:pic>
+        <p:nvPicPr>
+          <p:cNvPr id="793687221" name=""/>
+          <p:cNvPicPr>
+            <a:picLocks noChangeAspect="1"/>
+          </p:cNvPicPr>
+          <p:nvPr/>
+        </p:nvPicPr>
+        <p:blipFill>
+          <a:blip r:embed="rId2"/>
+          <a:stretch/>
+        </p:blipFill>
+        <p:spPr bwMode="auto">
+          <a:xfrm>
+            <a:off x="10685565" y="165099"/>
+            <a:ext cx="685800" cy="685800"/>
+          </a:xfrm>
+          <a:prstGeom prst="rect">
+            <a:avLst/>
+          </a:prstGeom>
+        </p:spPr>
+      </p:pic>
+      <p:pic>
+        <p:nvPicPr>
+          <p:cNvPr id="1959271929" name=""/>
+          <p:cNvPicPr>
+            <a:picLocks noChangeAspect="1"/>
+          </p:cNvPicPr>
+          <p:nvPr/>
+        </p:nvPicPr>
+        <p:blipFill>
+          <a:blip r:embed="rId3"/>
+          <a:stretch/>
+        </p:blipFill>
+        <p:spPr bwMode="auto">
+          <a:xfrm>
+            <a:off x="10685565" y="1096433"/>
+            <a:ext cx="685800" cy="685800"/>
+          </a:xfrm>
+          <a:prstGeom prst="rect">
+            <a:avLst/>
+          </a:prstGeom>
+        </p:spPr>
+      </p:pic>
+      <p:pic>
+        <p:nvPicPr>
+          <p:cNvPr id="803629824" name=""/>
+          <p:cNvPicPr>
+            <a:picLocks noChangeAspect="1"/>
+          </p:cNvPicPr>
+          <p:nvPr/>
+        </p:nvPicPr>
+        <p:blipFill>
+          <a:blip r:embed="rId4"/>
+          <a:stretch/>
+        </p:blipFill>
+        <p:spPr bwMode="auto">
+          <a:xfrm flipH="1" flipV="0">
+            <a:off x="10569677" y="2038349"/>
+            <a:ext cx="801687" cy="685800"/>
+          </a:xfrm>
+          <a:prstGeom prst="rect">
+            <a:avLst/>
+          </a:prstGeom>
+        </p:spPr>
+      </p:pic>
+      <p:pic>
+        <p:nvPicPr>
+          <p:cNvPr id="42428908" name=""/>
+          <p:cNvPicPr>
+            <a:picLocks noChangeAspect="1"/>
+          </p:cNvPicPr>
+          <p:nvPr/>
+        </p:nvPicPr>
+        <p:blipFill>
+          <a:blip r:embed="rId5"/>
+          <a:stretch/>
+        </p:blipFill>
+        <p:spPr bwMode="auto">
+          <a:xfrm>
+            <a:off x="10685565" y="3086100"/>
+            <a:ext cx="685800" cy="685800"/>
+          </a:xfrm>
+          <a:prstGeom prst="rect">
+            <a:avLst/>
+          </a:prstGeom>
+        </p:spPr>
+      </p:pic>
+    </p:spTree>
+  </p:cSld>
+  <p:clrMapOvr>
+    <a:masterClrMapping/>
+  </p:clrMapOvr>
+  <mc:AlternateContent xmlns:mc="http://schemas.openxmlformats.org/markup-compatibility/2006">
+    <mc:Choice xmlns:p14="http://schemas.microsoft.com/office/powerpoint/2010/main" Requires="p14">
+      <p:transition spd="slow" p14:dur="2000" advClick="1">
+        <p:push dir="r"/>
+      </p:transition>
+    </mc:Choice>
+    <mc:Fallback>
+      <p:transition spd="slow" advClick="1">
+        <p:push dir="r"/>
+      </p:transition>
+    </mc:Fallback>
+  </mc:AlternateContent>
+  <p:timing>
+    <p:tnLst>
+      <p:par>
+        <p:cTn id="1" dur="indefinite" restart="never" nodeType="tmRoot"/>
+      </p:par>
+    </p:tnLst>
+  </p:timing>
+</p:sld>
+</file>
+
+<file path=ppt/slides/slide13.xml><?xml version="1.0" encoding="utf-8"?>
+<p:sld xmlns:a="http://schemas.openxmlformats.org/drawingml/2006/main" xmlns:r="http://schemas.openxmlformats.org/officeDocument/2006/relationships" xmlns:p="http://schemas.openxmlformats.org/presentationml/2006/main" xmlns:m="http://schemas.openxmlformats.org/officeDocument/2006/math" xmlns:w="http://schemas.openxmlformats.org/wordprocessingml/2006/main" showMasterPhAnim="0" show="1">
+  <p:cSld name="">
+    <p:spTree>
+      <p:nvGrpSpPr>
+        <p:cNvPr id="1" name=""/>
+        <p:cNvGrpSpPr/>
+        <p:nvPr/>
+      </p:nvGrpSpPr>
+      <p:grpSpPr bwMode="auto">
+        <a:xfrm>
+          <a:off x="0" y="0"/>
+          <a:ext cx="0" cy="0"/>
+          <a:chOff x="0" y="0"/>
+          <a:chExt cx="0" cy="0"/>
+        </a:xfrm>
+      </p:grpSpPr>
+      <p:sp>
+        <p:nvSpPr>
+          <p:cNvPr id="883060458" name="Title 1"/>
+          <p:cNvSpPr>
+            <a:spLocks noGrp="1"/>
+          </p:cNvSpPr>
+          <p:nvPr>
+            <p:ph type="title"/>
+          </p:nvPr>
+        </p:nvSpPr>
+        <p:spPr bwMode="auto">
+          <a:xfrm>
+            <a:off x="1828800" y="2675466"/>
+            <a:ext cx="8534400" cy="1507067"/>
+          </a:xfrm>
+        </p:spPr>
+        <p:txBody>
+          <a:bodyPr/>
+          <a:lstStyle/>
+          <a:p>
+            <a:pPr algn="ctr">
+              <a:defRPr/>
+            </a:pPr>
+            <a:r>
+              <a:rPr/>
+              <a:t>Пример работы программы</a:t>
+            </a:r>
+            <a:endParaRPr/>
+          </a:p>
+        </p:txBody>
+      </p:sp>
+    </p:spTree>
+  </p:cSld>
+  <p:clrMapOvr>
+    <a:masterClrMapping/>
+  </p:clrMapOvr>
+  <mc:AlternateContent xmlns:mc="http://schemas.openxmlformats.org/markup-compatibility/2006">
+    <mc:Choice xmlns:p14="http://schemas.microsoft.com/office/powerpoint/2010/main" Requires="p14">
+      <p:transition spd="slow" p14:dur="2000" advClick="1">
+        <p:push dir="r"/>
+      </p:transition>
+    </mc:Choice>
+    <mc:Fallback>
+      <p:transition spd="slow" advClick="1">
+        <p:push dir="r"/>
+      </p:transition>
+    </mc:Fallback>
+  </mc:AlternateContent>
+</p:sld>
+</file>
+
+<file path=ppt/slides/slide14.xml><?xml version="1.0" encoding="utf-8"?>
+<p:sld xmlns:a="http://schemas.openxmlformats.org/drawingml/2006/main" xmlns:r="http://schemas.openxmlformats.org/officeDocument/2006/relationships" xmlns:p="http://schemas.openxmlformats.org/presentationml/2006/main" xmlns:m="http://schemas.openxmlformats.org/officeDocument/2006/math" xmlns:w="http://schemas.openxmlformats.org/wordprocessingml/2006/main" showMasterPhAnim="0" show="1">
+  <p:cSld name="">
+    <p:spTree>
+      <p:nvGrpSpPr>
+        <p:cNvPr id="1" name=""/>
+        <p:cNvGrpSpPr/>
+        <p:nvPr/>
+      </p:nvGrpSpPr>
+      <p:grpSpPr bwMode="auto">
+        <a:xfrm>
+          <a:off x="0" y="0"/>
+          <a:ext cx="0" cy="0"/>
+          <a:chOff x="0" y="0"/>
+          <a:chExt cx="0" cy="0"/>
+        </a:xfrm>
+      </p:grpSpPr>
+      <p:sp>
+        <p:nvSpPr>
+          <p:cNvPr id="265917082" name="Заголовок 1"/>
+          <p:cNvSpPr>
+            <a:spLocks noGrp="1"/>
+          </p:cNvSpPr>
+          <p:nvPr>
+            <p:ph type="title"/>
+          </p:nvPr>
+        </p:nvSpPr>
+        <p:spPr bwMode="auto">
+          <a:xfrm>
+            <a:off x="684212" y="685800"/>
+            <a:ext cx="8534400" cy="1507067"/>
+          </a:xfrm>
+        </p:spPr>
+        <p:txBody>
+          <a:bodyPr/>
+          <a:lstStyle/>
+          <a:p>
+            <a:pPr>
+              <a:defRPr/>
+            </a:pPr>
+            <a:r>
+              <a:rPr lang="ru-RU"/>
+              <a:t>Возникшие</a:t>
+            </a:r>
+            <a:r>
+              <a:rPr lang="ru-RU"/>
+              <a:t> затруднения</a:t>
+            </a:r>
+            <a:endParaRPr lang="ru-RU"/>
+          </a:p>
+        </p:txBody>
+      </p:sp>
+      <p:sp>
+        <p:nvSpPr>
+          <p:cNvPr id="1255451824" name="Объект 2"/>
+          <p:cNvSpPr>
+            <a:spLocks noGrp="1"/>
+          </p:cNvSpPr>
+          <p:nvPr>
+            <p:ph idx="1"/>
+          </p:nvPr>
+        </p:nvSpPr>
+        <p:spPr bwMode="auto">
+          <a:xfrm>
+            <a:off x="684212" y="1705233"/>
+            <a:ext cx="8534400" cy="4753232"/>
+          </a:xfrm>
+        </p:spPr>
+        <p:txBody>
+          <a:bodyPr/>
+          <a:lstStyle/>
+          <a:p>
+            <a:pPr marL="0" indent="0">
+              <a:buNone/>
+              <a:defRPr/>
+            </a:pPr>
+            <a:r>
+              <a:rPr lang="ru-RU"/>
+              <a:t>Изучение Алгоритма Дейкстры</a:t>
+            </a:r>
+            <a:br>
+              <a:rPr lang="ru-RU"/>
+            </a:br>
+            <a:br>
+              <a:rPr lang="ru-RU"/>
+            </a:br>
+            <a:r>
+              <a:rPr lang="ru-RU"/>
+              <a:t>Правильное разделение программы по структуре</a:t>
+            </a:r>
+            <a:endParaRPr lang="ru-RU"/>
+          </a:p>
+          <a:p>
+            <a:pPr marL="0" indent="0">
+              <a:buNone/>
+              <a:defRPr/>
+            </a:pPr>
+            <a:endParaRPr lang="ru-RU"/>
+          </a:p>
+          <a:p>
+            <a:pPr marL="0" indent="0">
+              <a:buNone/>
+              <a:defRPr/>
+            </a:pPr>
+            <a:r>
+              <a:rPr lang="ru-RU"/>
+              <a:t>Калибровка кода на роботе</a:t>
+            </a:r>
+            <a:endParaRPr lang="ru-RU"/>
+          </a:p>
+          <a:p>
+            <a:pPr marL="0" indent="0">
+              <a:buNone/>
+              <a:defRPr/>
+            </a:pPr>
+            <a:endParaRPr/>
+          </a:p>
+          <a:p>
+            <a:pPr marL="0" indent="0">
+              <a:buNone/>
+              <a:defRPr/>
+            </a:pPr>
+            <a:r>
+              <a:rPr lang="ru-RU"/>
+              <a:t> </a:t>
+            </a:r>
+            <a:endParaRPr lang="ru-RU"/>
+          </a:p>
+          <a:p>
+            <a:pPr marL="0" indent="0">
+              <a:buNone/>
+              <a:defRPr/>
+            </a:pPr>
+            <a:endParaRPr lang="ru-RU"/>
+          </a:p>
+          <a:p>
+            <a:pPr marL="0" indent="0">
+              <a:buNone/>
+              <a:defRPr/>
+            </a:pPr>
+            <a:endParaRPr lang="ru-RU"/>
+          </a:p>
+        </p:txBody>
+      </p:sp>
+      <p:pic>
+        <p:nvPicPr>
+          <p:cNvPr id="799520806" name=""/>
+          <p:cNvPicPr>
+            <a:picLocks noChangeAspect="1"/>
+          </p:cNvPicPr>
+          <p:nvPr/>
+        </p:nvPicPr>
+        <p:blipFill>
+          <a:blip r:embed="rId2"/>
+          <a:stretch/>
+        </p:blipFill>
+        <p:spPr bwMode="auto">
+          <a:xfrm flipH="0" flipV="0">
+            <a:off x="8151812" y="685799"/>
+            <a:ext cx="3812822" cy="2451100"/>
+          </a:xfrm>
+          <a:prstGeom prst="rect">
+            <a:avLst/>
+          </a:prstGeom>
+        </p:spPr>
+      </p:pic>
+    </p:spTree>
+  </p:cSld>
+  <p:clrMapOvr>
+    <a:masterClrMapping/>
+  </p:clrMapOvr>
+  <mc:AlternateContent xmlns:mc="http://schemas.openxmlformats.org/markup-compatibility/2006">
+    <mc:Choice xmlns:p14="http://schemas.microsoft.com/office/powerpoint/2010/main" Requires="p14">
+      <p:transition spd="slow" p14:dur="2000" advClick="1">
+        <p:push dir="r"/>
+      </p:transition>
+    </mc:Choice>
+    <mc:Fallback>
+      <p:transition spd="slow" advClick="1">
+        <p:push dir="r"/>
+      </p:transition>
+    </mc:Fallback>
+  </mc:AlternateContent>
+  <p:timing>
+    <p:tnLst>
+      <p:par>
+        <p:cTn id="1" dur="indefinite" restart="never" nodeType="tmRoot"/>
+      </p:par>
+    </p:tnLst>
+  </p:timing>
+</p:sld>
+</file>
+
+<file path=ppt/slides/slide15.xml><?xml version="1.0" encoding="utf-8"?>
+<p:sld xmlns:a="http://schemas.openxmlformats.org/drawingml/2006/main" xmlns:r="http://schemas.openxmlformats.org/officeDocument/2006/relationships" xmlns:p="http://schemas.openxmlformats.org/presentationml/2006/main" xmlns:m="http://schemas.openxmlformats.org/officeDocument/2006/math" xmlns:w="http://schemas.openxmlformats.org/wordprocessingml/2006/main" showMasterPhAnim="0" show="1">
+  <p:cSld name="">
+    <p:spTree>
+      <p:nvGrpSpPr>
+        <p:cNvPr id="1" name=""/>
+        <p:cNvGrpSpPr/>
+        <p:nvPr/>
+      </p:nvGrpSpPr>
+      <p:grpSpPr bwMode="auto">
+        <a:xfrm>
+          <a:off x="0" y="0"/>
+          <a:ext cx="0" cy="0"/>
+          <a:chOff x="0" y="0"/>
+          <a:chExt cx="0" cy="0"/>
+        </a:xfrm>
+      </p:grpSpPr>
+      <p:sp>
+        <p:nvSpPr>
+          <p:cNvPr id="2" name="Заголовок 1"/>
+          <p:cNvSpPr>
+            <a:spLocks noGrp="1"/>
+          </p:cNvSpPr>
+          <p:nvPr>
+            <p:ph type="title"/>
+          </p:nvPr>
+        </p:nvSpPr>
+        <p:spPr bwMode="auto">
+          <a:xfrm>
+            <a:off x="684212" y="685800"/>
+            <a:ext cx="8534400" cy="1507067"/>
+          </a:xfrm>
+        </p:spPr>
+        <p:txBody>
+          <a:bodyPr/>
+          <a:lstStyle/>
+          <a:p>
+            <a:pPr>
+              <a:defRPr/>
+            </a:pPr>
+            <a:r>
+              <a:rPr lang="ru-RU"/>
+              <a:t>Расширение</a:t>
+            </a:r>
+            <a:endParaRPr lang="ru-RU"/>
+          </a:p>
+        </p:txBody>
+      </p:sp>
+      <p:sp>
+        <p:nvSpPr>
+          <p:cNvPr id="3" name="Объект 2"/>
+          <p:cNvSpPr>
+            <a:spLocks noGrp="1"/>
+          </p:cNvSpPr>
+          <p:nvPr>
+            <p:ph idx="1"/>
+          </p:nvPr>
+        </p:nvSpPr>
+        <p:spPr bwMode="auto">
+          <a:xfrm flipH="0" flipV="0">
+            <a:off x="684212" y="1863726"/>
+            <a:ext cx="8534400" cy="4375149"/>
+          </a:xfrm>
+        </p:spPr>
+        <p:txBody>
+          <a:bodyPr/>
+          <a:lstStyle/>
+          <a:p>
+            <a:pPr marL="0" indent="0">
+              <a:buNone/>
+              <a:defRPr/>
+            </a:pPr>
+            <a:r>
+              <a:rPr lang="ru-RU"/>
+              <a:t>В текущем состоянии наш робот способен выполнять главную задачу, </a:t>
+            </a:r>
+            <a:r>
+              <a:rPr lang="ru-RU"/>
+              <a:t>но </a:t>
+            </a:r>
+            <a:r>
+              <a:rPr lang="ru-RU"/>
+              <a:t>у него есть огромные потенциал для развития как конструкционно, так и программно.</a:t>
+            </a:r>
+            <a:endParaRPr lang="ru-RU"/>
+          </a:p>
+          <a:p>
+            <a:pPr marL="0" indent="0">
+              <a:buNone/>
+              <a:defRPr/>
+            </a:pPr>
+            <a:endParaRPr lang="ru-RU"/>
+          </a:p>
+          <a:p>
+            <a:pPr marL="0" indent="0">
+              <a:buNone/>
+              <a:defRPr/>
+            </a:pPr>
+            <a:r>
+              <a:rPr lang="ru-RU"/>
+              <a:t>Можно расширить систему до нескольких машин</a:t>
+            </a:r>
+            <a:endParaRPr lang="ru-RU"/>
+          </a:p>
+          <a:p>
+            <a:pPr marL="0" indent="0">
+              <a:buNone/>
+              <a:defRPr/>
+            </a:pPr>
+            <a:endParaRPr lang="ru-RU"/>
+          </a:p>
+          <a:p>
+            <a:pPr marL="0" indent="0">
+              <a:buNone/>
+              <a:defRPr/>
+            </a:pPr>
+            <a:r>
+              <a:rPr lang="ru-RU"/>
+              <a:t>Избавится от потребности в чётких линиях для ориентировки робота</a:t>
+            </a:r>
+            <a:endParaRPr lang="ru-RU"/>
+          </a:p>
+        </p:txBody>
+      </p:sp>
+      <p:pic>
+        <p:nvPicPr>
+          <p:cNvPr id="1407563899" name=""/>
+          <p:cNvPicPr>
+            <a:picLocks noChangeAspect="1"/>
+          </p:cNvPicPr>
+          <p:nvPr/>
+        </p:nvPicPr>
+        <p:blipFill>
+          <a:blip r:embed="rId2"/>
+          <a:stretch/>
+        </p:blipFill>
+        <p:spPr bwMode="auto">
+          <a:xfrm>
+            <a:off x="7848599" y="22224"/>
+            <a:ext cx="4876800" cy="4876800"/>
+          </a:xfrm>
+          <a:prstGeom prst="rect">
+            <a:avLst/>
+          </a:prstGeom>
+        </p:spPr>
+      </p:pic>
+    </p:spTree>
+  </p:cSld>
+  <p:clrMapOvr>
+    <a:masterClrMapping/>
+  </p:clrMapOvr>
+  <mc:AlternateContent xmlns:mc="http://schemas.openxmlformats.org/markup-compatibility/2006">
+    <mc:Choice xmlns:p14="http://schemas.microsoft.com/office/powerpoint/2010/main" Requires="p14">
+      <p:transition spd="slow" p14:dur="2000" advClick="1">
+        <p:push dir="r"/>
+      </p:transition>
+    </mc:Choice>
+    <mc:Fallback>
+      <p:transition spd="slow" advClick="1">
+        <p:push dir="r"/>
+      </p:transition>
+    </mc:Fallback>
+  </mc:AlternateContent>
   <p:timing>
     <p:tnLst>
       <p:par>
@@ -5576,15 +6857,15 @@
 </file>
 
 <file path=ppt/slides/slide2.xml><?xml version="1.0" encoding="utf-8"?>
-<p:sld xmlns:a="http://schemas.openxmlformats.org/drawingml/2006/main" xmlns:r="http://schemas.openxmlformats.org/officeDocument/2006/relationships" xmlns:p="http://schemas.openxmlformats.org/presentationml/2006/main">
-  <p:cSld>
+<p:sld xmlns:a="http://schemas.openxmlformats.org/drawingml/2006/main" xmlns:r="http://schemas.openxmlformats.org/officeDocument/2006/relationships" xmlns:p="http://schemas.openxmlformats.org/presentationml/2006/main" xmlns:m="http://schemas.openxmlformats.org/officeDocument/2006/math" xmlns:w="http://schemas.openxmlformats.org/wordprocessingml/2006/main" showMasterPhAnim="0" show="1">
+  <p:cSld name="">
     <p:spTree>
       <p:nvGrpSpPr>
         <p:cNvPr id="1" name=""/>
         <p:cNvGrpSpPr/>
         <p:nvPr/>
       </p:nvGrpSpPr>
-      <p:grpSpPr>
+      <p:grpSpPr bwMode="auto">
         <a:xfrm>
           <a:off x="0" y="0"/>
           <a:ext cx="0" cy="0"/>
@@ -5602,7 +6883,7 @@
             <p:ph type="title"/>
           </p:nvPr>
         </p:nvSpPr>
-        <p:spPr>
+        <p:spPr bwMode="auto">
           <a:xfrm>
             <a:off x="684212" y="685800"/>
             <a:ext cx="8534400" cy="1507067"/>
@@ -5612,11 +6893,14 @@
           <a:bodyPr/>
           <a:lstStyle/>
           <a:p>
-            <a:r>
-              <a:rPr lang="ru-RU" dirty="0" smtClean="0"/>
-              <a:t>Цель проекта</a:t>
-            </a:r>
-            <a:endParaRPr lang="ru-RU" dirty="0"/>
+            <a:pPr>
+              <a:defRPr/>
+            </a:pPr>
+            <a:r>
+              <a:rPr lang="ru-RU"/>
+              <a:t>Постановка задачи</a:t>
+            </a:r>
+            <a:endParaRPr lang="ru-RU"/>
           </a:p>
         </p:txBody>
       </p:sp>
@@ -5630,7 +6914,7 @@
             <p:ph idx="1"/>
           </p:nvPr>
         </p:nvSpPr>
-        <p:spPr>
+        <p:spPr bwMode="auto">
           <a:xfrm>
             <a:off x="684212" y="2133602"/>
             <a:ext cx="8534400" cy="1639328"/>
@@ -5642,24 +6926,25 @@
           <a:p>
             <a:pPr marL="0" indent="0">
               <a:buNone/>
-            </a:pPr>
-            <a:r>
-              <a:rPr lang="ru-RU" dirty="0"/>
+              <a:defRPr/>
+            </a:pPr>
+            <a:r>
+              <a:rPr lang="ru-RU"/>
               <a:t>С</a:t>
             </a:r>
             <a:r>
-              <a:rPr lang="ru-RU" dirty="0" smtClean="0"/>
+              <a:rPr lang="ru-RU"/>
               <a:t>оздать робота-логиста, который может передвигаться между назначенными точками,</a:t>
             </a:r>
             <a:r>
-              <a:rPr lang="en-US" dirty="0" smtClean="0"/>
+              <a:rPr lang="en-US"/>
               <a:t> </a:t>
             </a:r>
             <a:r>
-              <a:rPr lang="ru-RU" dirty="0" smtClean="0"/>
+              <a:rPr lang="ru-RU"/>
               <a:t>и приложение, которое будет осуществлять связь между потребителем и роботом</a:t>
             </a:r>
-            <a:endParaRPr lang="en-US" dirty="0" smtClean="0"/>
+            <a:endParaRPr lang="en-US"/>
           </a:p>
         </p:txBody>
       </p:sp>
@@ -5672,11 +6957,8 @@
           <p:nvPr/>
         </p:nvPicPr>
         <p:blipFill>
-          <a:blip r:embed="rId2" cstate="print"/>
-          <a:srcRect/>
-          <a:stretch>
-            <a:fillRect/>
-          </a:stretch>
+          <a:blip r:embed="rId2"/>
+          <a:stretch/>
         </p:blipFill>
         <p:spPr bwMode="auto">
           <a:xfrm>
@@ -5690,15 +6972,22 @@
         </p:spPr>
       </p:pic>
     </p:spTree>
-    <p:extLst>
-      <p:ext uri="{BB962C8B-B14F-4D97-AF65-F5344CB8AC3E}">
-        <p14:creationId xmlns:p14="http://schemas.microsoft.com/office/powerpoint/2010/main" xmlns="" val="3112040342"/>
-      </p:ext>
-    </p:extLst>
   </p:cSld>
   <p:clrMapOvr>
     <a:masterClrMapping/>
   </p:clrMapOvr>
+  <mc:AlternateContent xmlns:mc="http://schemas.openxmlformats.org/markup-compatibility/2006">
+    <mc:Choice xmlns:p14="http://schemas.microsoft.com/office/powerpoint/2010/main" Requires="p14">
+      <p:transition spd="slow" p14:dur="2000" advClick="1">
+        <p:push dir="r"/>
+      </p:transition>
+    </mc:Choice>
+    <mc:Fallback>
+      <p:transition spd="slow" advClick="1">
+        <p:push dir="r"/>
+      </p:transition>
+    </mc:Fallback>
+  </mc:AlternateContent>
   <p:timing>
     <p:tnLst>
       <p:par>
@@ -5710,15 +6999,15 @@
 </file>
 
 <file path=ppt/slides/slide3.xml><?xml version="1.0" encoding="utf-8"?>
-<p:sld xmlns:a="http://schemas.openxmlformats.org/drawingml/2006/main" xmlns:r="http://schemas.openxmlformats.org/officeDocument/2006/relationships" xmlns:p="http://schemas.openxmlformats.org/presentationml/2006/main">
-  <p:cSld>
+<p:sld xmlns:a="http://schemas.openxmlformats.org/drawingml/2006/main" xmlns:r="http://schemas.openxmlformats.org/officeDocument/2006/relationships" xmlns:p="http://schemas.openxmlformats.org/presentationml/2006/main" xmlns:m="http://schemas.openxmlformats.org/officeDocument/2006/math" xmlns:w="http://schemas.openxmlformats.org/wordprocessingml/2006/main" showMasterPhAnim="0" show="1">
+  <p:cSld name="">
     <p:spTree>
       <p:nvGrpSpPr>
         <p:cNvPr id="1" name=""/>
         <p:cNvGrpSpPr/>
         <p:nvPr/>
       </p:nvGrpSpPr>
-      <p:grpSpPr>
+      <p:grpSpPr bwMode="auto">
         <a:xfrm>
           <a:off x="0" y="0"/>
           <a:ext cx="0" cy="0"/>
@@ -5736,7 +7025,7 @@
             <p:ph type="title"/>
           </p:nvPr>
         </p:nvSpPr>
-        <p:spPr>
+        <p:spPr bwMode="auto">
           <a:xfrm>
             <a:off x="684212" y="685800"/>
             <a:ext cx="8534400" cy="1507067"/>
@@ -5746,11 +7035,14 @@
           <a:bodyPr/>
           <a:lstStyle/>
           <a:p>
-            <a:r>
-              <a:rPr lang="ru-RU" dirty="0" smtClean="0"/>
+            <a:pPr>
+              <a:defRPr/>
+            </a:pPr>
+            <a:r>
+              <a:rPr lang="ru-RU"/>
               <a:t>Задачи ПРОЕКТА</a:t>
             </a:r>
-            <a:endParaRPr lang="ru-RU" dirty="0"/>
+            <a:endParaRPr lang="ru-RU"/>
           </a:p>
         </p:txBody>
       </p:sp>
@@ -5764,7 +7056,7 @@
             <p:ph idx="1"/>
           </p:nvPr>
         </p:nvSpPr>
-        <p:spPr>
+        <p:spPr bwMode="auto">
           <a:xfrm>
             <a:off x="684212" y="2133601"/>
             <a:ext cx="8534400" cy="4324863"/>
@@ -5774,47 +7066,180 @@
           <a:bodyPr/>
           <a:lstStyle/>
           <a:p>
-            <a:r>
-              <a:rPr lang="ru-RU" dirty="0" smtClean="0"/>
+            <a:pPr>
+              <a:defRPr/>
+            </a:pPr>
+            <a:r>
+              <a:rPr lang="ru-RU"/>
               <a:t>Написать рабочую программу к роботу</a:t>
             </a:r>
             <a:r>
-              <a:rPr lang="en-US" dirty="0" smtClean="0"/>
+              <a:rPr lang="en-US"/>
               <a:t> </a:t>
             </a:r>
             <a:r>
-              <a:rPr lang="ru-RU" dirty="0" smtClean="0"/>
-              <a:t>для движения по полигону в виде графа</a:t>
-            </a:r>
-          </a:p>
-          <a:p>
-            <a:r>
-              <a:rPr lang="ru-RU" dirty="0" smtClean="0"/>
+              <a:rPr lang="ru-RU"/>
+              <a:t>для движения по полигону </a:t>
+            </a:r>
+            <a:r>
+              <a:rPr lang="ru-RU"/>
+              <a:t>виде графа</a:t>
+            </a:r>
+            <a:endParaRPr lang="ru-RU"/>
+          </a:p>
+          <a:p>
+            <a:pPr>
+              <a:defRPr/>
+            </a:pPr>
+            <a:endParaRPr/>
+          </a:p>
+          <a:p>
+            <a:pPr marL="0" indent="0">
+              <a:buClr>
+                <a:schemeClr val="tx1"/>
+              </a:buClr>
+              <a:buSzPct val="80000"/>
+              <a:buFont typeface="Wingdings 3"/>
+              <a:buNone/>
+              <a:defRPr/>
+            </a:pPr>
+            <a:endParaRPr/>
+          </a:p>
+          <a:p>
+            <a:pPr>
+              <a:defRPr/>
+            </a:pPr>
+            <a:r>
+              <a:rPr lang="ru-RU"/>
               <a:t>Написать приложение с понятным оформлением </a:t>
             </a:r>
-            <a:endParaRPr lang="en-US" dirty="0" smtClean="0"/>
-          </a:p>
-          <a:p>
-            <a:r>
-              <a:rPr lang="ru-RU" dirty="0" smtClean="0"/>
+            <a:endParaRPr lang="ru-RU"/>
+          </a:p>
+          <a:p>
+            <a:pPr marL="0" indent="0">
+              <a:buClr>
+                <a:schemeClr val="tx1"/>
+              </a:buClr>
+              <a:buSzPct val="80000"/>
+              <a:buFont typeface="Wingdings 3"/>
+              <a:buNone/>
+              <a:defRPr/>
+            </a:pPr>
+            <a:endParaRPr lang="en-US"/>
+          </a:p>
+          <a:p>
+            <a:pPr marL="0" indent="0">
+              <a:buClr>
+                <a:schemeClr val="tx1"/>
+              </a:buClr>
+              <a:buSzPct val="80000"/>
+              <a:buFont typeface="Wingdings 3"/>
+              <a:buNone/>
+              <a:defRPr/>
+            </a:pPr>
+            <a:endParaRPr lang="en-US"/>
+          </a:p>
+          <a:p>
+            <a:pPr>
+              <a:defRPr/>
+            </a:pPr>
+            <a:r>
+              <a:rPr lang="ru-RU"/>
               <a:t>Организовать связь между приложением на компьютере и роботом</a:t>
             </a:r>
-          </a:p>
-          <a:p>
-            <a:endParaRPr lang="en-US" dirty="0" smtClean="0"/>
-          </a:p>
-        </p:txBody>
-      </p:sp>
+            <a:endParaRPr/>
+          </a:p>
+          <a:p>
+            <a:pPr>
+              <a:defRPr/>
+            </a:pPr>
+            <a:endParaRPr lang="en-US"/>
+          </a:p>
+        </p:txBody>
+      </p:sp>
+      <p:pic>
+        <p:nvPicPr>
+          <p:cNvPr id="1600513757" name=""/>
+          <p:cNvPicPr>
+            <a:picLocks noChangeAspect="1"/>
+          </p:cNvPicPr>
+          <p:nvPr/>
+        </p:nvPicPr>
+        <p:blipFill>
+          <a:blip r:embed="rId2"/>
+          <a:stretch/>
+        </p:blipFill>
+        <p:spPr bwMode="auto">
+          <a:xfrm flipH="0" flipV="0">
+            <a:off x="8207727" y="1915583"/>
+            <a:ext cx="3033397" cy="1703916"/>
+          </a:xfrm>
+          <a:prstGeom prst="rect">
+            <a:avLst/>
+          </a:prstGeom>
+        </p:spPr>
+      </p:pic>
+      <p:pic>
+        <p:nvPicPr>
+          <p:cNvPr id="38006466" name=""/>
+          <p:cNvPicPr>
+            <a:picLocks noChangeAspect="1"/>
+          </p:cNvPicPr>
+          <p:nvPr/>
+        </p:nvPicPr>
+        <p:blipFill>
+          <a:blip r:embed="rId3"/>
+          <a:stretch/>
+        </p:blipFill>
+        <p:spPr bwMode="auto">
+          <a:xfrm flipH="0" flipV="0">
+            <a:off x="6427276" y="3438490"/>
+            <a:ext cx="2576651" cy="1715083"/>
+          </a:xfrm>
+          <a:prstGeom prst="rect">
+            <a:avLst/>
+          </a:prstGeom>
+        </p:spPr>
+      </p:pic>
+      <p:pic>
+        <p:nvPicPr>
+          <p:cNvPr id="1248703888" name=""/>
+          <p:cNvPicPr>
+            <a:picLocks noChangeAspect="1"/>
+          </p:cNvPicPr>
+          <p:nvPr/>
+        </p:nvPicPr>
+        <p:blipFill>
+          <a:blip r:embed="rId4"/>
+          <a:stretch/>
+        </p:blipFill>
+        <p:spPr bwMode="auto">
+          <a:xfrm flipH="0" flipV="0">
+            <a:off x="9114734" y="4872475"/>
+            <a:ext cx="997132" cy="997132"/>
+          </a:xfrm>
+          <a:prstGeom prst="rect">
+            <a:avLst/>
+          </a:prstGeom>
+        </p:spPr>
+      </p:pic>
     </p:spTree>
-    <p:extLst>
-      <p:ext uri="{BB962C8B-B14F-4D97-AF65-F5344CB8AC3E}">
-        <p14:creationId xmlns:p14="http://schemas.microsoft.com/office/powerpoint/2010/main" xmlns="" val="199550505"/>
-      </p:ext>
-    </p:extLst>
   </p:cSld>
   <p:clrMapOvr>
     <a:masterClrMapping/>
   </p:clrMapOvr>
+  <mc:AlternateContent xmlns:mc="http://schemas.openxmlformats.org/markup-compatibility/2006">
+    <mc:Choice xmlns:p14="http://schemas.microsoft.com/office/powerpoint/2010/main" Requires="p14">
+      <p:transition spd="slow" p14:dur="2000" advClick="1">
+        <p:push dir="r"/>
+      </p:transition>
+    </mc:Choice>
+    <mc:Fallback>
+      <p:transition spd="slow" advClick="1">
+        <p:push dir="r"/>
+      </p:transition>
+    </mc:Fallback>
+  </mc:AlternateContent>
   <p:timing>
     <p:tnLst>
       <p:par>
@@ -5826,15 +7251,15 @@
 </file>
 
 <file path=ppt/slides/slide4.xml><?xml version="1.0" encoding="utf-8"?>
-<p:sld xmlns:a="http://schemas.openxmlformats.org/drawingml/2006/main" xmlns:r="http://schemas.openxmlformats.org/officeDocument/2006/relationships" xmlns:p="http://schemas.openxmlformats.org/presentationml/2006/main">
-  <p:cSld>
+<p:sld xmlns:a="http://schemas.openxmlformats.org/drawingml/2006/main" xmlns:r="http://schemas.openxmlformats.org/officeDocument/2006/relationships" xmlns:p="http://schemas.openxmlformats.org/presentationml/2006/main" xmlns:m="http://schemas.openxmlformats.org/officeDocument/2006/math" xmlns:w="http://schemas.openxmlformats.org/wordprocessingml/2006/main" showMasterPhAnim="0" show="1">
+  <p:cSld name="">
     <p:spTree>
       <p:nvGrpSpPr>
         <p:cNvPr id="1" name=""/>
         <p:cNvGrpSpPr/>
         <p:nvPr/>
       </p:nvGrpSpPr>
-      <p:grpSpPr>
+      <p:grpSpPr bwMode="auto">
         <a:xfrm>
           <a:off x="0" y="0"/>
           <a:ext cx="0" cy="0"/>
@@ -5852,7 +7277,7 @@
             <p:ph type="title"/>
           </p:nvPr>
         </p:nvSpPr>
-        <p:spPr>
+        <p:spPr bwMode="auto">
           <a:xfrm>
             <a:off x="684212" y="685800"/>
             <a:ext cx="8534400" cy="1507067"/>
@@ -5862,11 +7287,14 @@
           <a:bodyPr/>
           <a:lstStyle/>
           <a:p>
-            <a:r>
-              <a:rPr lang="ru-RU" dirty="0" smtClean="0"/>
+            <a:pPr>
+              <a:defRPr/>
+            </a:pPr>
+            <a:r>
+              <a:rPr lang="ru-RU"/>
               <a:t>РОБОТ</a:t>
             </a:r>
-            <a:endParaRPr lang="ru-RU" dirty="0"/>
+            <a:endParaRPr lang="ru-RU"/>
           </a:p>
         </p:txBody>
       </p:sp>
@@ -5880,7 +7308,7 @@
             <p:ph idx="1"/>
           </p:nvPr>
         </p:nvSpPr>
-        <p:spPr>
+        <p:spPr bwMode="auto">
           <a:xfrm>
             <a:off x="684212" y="2133601"/>
             <a:ext cx="8534400" cy="4324863"/>
@@ -5890,53 +7318,76 @@
           <a:bodyPr/>
           <a:lstStyle/>
           <a:p>
-            <a:r>
-              <a:rPr lang="ru-RU" dirty="0" smtClean="0"/>
+            <a:pPr>
+              <a:defRPr/>
+            </a:pPr>
+            <a:r>
+              <a:rPr lang="ru-RU"/>
               <a:t>Робот собран на фанерной основе</a:t>
             </a:r>
-          </a:p>
-          <a:p>
-            <a:r>
-              <a:rPr lang="ru-RU" dirty="0"/>
+            <a:endParaRPr/>
+          </a:p>
+          <a:p>
+            <a:pPr>
+              <a:defRPr/>
+            </a:pPr>
+            <a:r>
+              <a:rPr lang="ru-RU"/>
               <a:t>О</a:t>
             </a:r>
             <a:r>
-              <a:rPr lang="ru-RU" dirty="0" smtClean="0"/>
-              <a:t>снащён 2-мя цифровыми датчиками освещённости</a:t>
-            </a:r>
-          </a:p>
-          <a:p>
-            <a:r>
-              <a:rPr lang="ru-RU" dirty="0" smtClean="0"/>
+              <a:rPr lang="ru-RU"/>
+              <a:t>снащён 2 цифровыми датчиками освещённости</a:t>
+            </a:r>
+            <a:endParaRPr/>
+          </a:p>
+          <a:p>
+            <a:pPr>
+              <a:defRPr/>
+            </a:pPr>
+            <a:r>
+              <a:rPr lang="ru-RU"/>
               <a:t>Имеет 2 мотора для езды </a:t>
             </a:r>
-          </a:p>
-          <a:p>
-            <a:r>
-              <a:rPr lang="ru-RU" dirty="0" smtClean="0"/>
+            <a:endParaRPr/>
+          </a:p>
+          <a:p>
+            <a:pPr>
+              <a:defRPr/>
+            </a:pPr>
+            <a:r>
+              <a:rPr lang="ru-RU"/>
               <a:t>Управление осуществляется через плату </a:t>
             </a:r>
             <a:r>
-              <a:rPr lang="en-US" dirty="0" smtClean="0"/>
+              <a:rPr lang="en-US"/>
               <a:t>Arduino Mega</a:t>
             </a:r>
             <a:r>
-              <a:rPr lang="ru-RU" dirty="0" smtClean="0"/>
+              <a:rPr lang="ru-RU"/>
               <a:t> и расширитель для платы с драйверами моторов.</a:t>
             </a:r>
+            <a:endParaRPr/>
           </a:p>
         </p:txBody>
       </p:sp>
     </p:spTree>
-    <p:extLst>
-      <p:ext uri="{BB962C8B-B14F-4D97-AF65-F5344CB8AC3E}">
-        <p14:creationId xmlns:p14="http://schemas.microsoft.com/office/powerpoint/2010/main" xmlns="" val="2309966309"/>
-      </p:ext>
-    </p:extLst>
   </p:cSld>
   <p:clrMapOvr>
     <a:masterClrMapping/>
   </p:clrMapOvr>
+  <mc:AlternateContent xmlns:mc="http://schemas.openxmlformats.org/markup-compatibility/2006">
+    <mc:Choice xmlns:p14="http://schemas.microsoft.com/office/powerpoint/2010/main" Requires="p14">
+      <p:transition spd="slow" p14:dur="2000" advClick="1">
+        <p:push dir="r"/>
+      </p:transition>
+    </mc:Choice>
+    <mc:Fallback>
+      <p:transition spd="slow" advClick="1">
+        <p:push dir="r"/>
+      </p:transition>
+    </mc:Fallback>
+  </mc:AlternateContent>
   <p:timing>
     <p:tnLst>
       <p:par>
@@ -5948,15 +7399,15 @@
 </file>
 
 <file path=ppt/slides/slide5.xml><?xml version="1.0" encoding="utf-8"?>
-<p:sld xmlns:a="http://schemas.openxmlformats.org/drawingml/2006/main" xmlns:r="http://schemas.openxmlformats.org/officeDocument/2006/relationships" xmlns:p="http://schemas.openxmlformats.org/presentationml/2006/main">
-  <p:cSld>
+<p:sld xmlns:a="http://schemas.openxmlformats.org/drawingml/2006/main" xmlns:r="http://schemas.openxmlformats.org/officeDocument/2006/relationships" xmlns:p="http://schemas.openxmlformats.org/presentationml/2006/main" xmlns:m="http://schemas.openxmlformats.org/officeDocument/2006/math" xmlns:w="http://schemas.openxmlformats.org/wordprocessingml/2006/main" showMasterPhAnim="0" show="1">
+  <p:cSld name="">
     <p:spTree>
       <p:nvGrpSpPr>
         <p:cNvPr id="1" name=""/>
         <p:cNvGrpSpPr/>
         <p:nvPr/>
       </p:nvGrpSpPr>
-      <p:grpSpPr>
+      <p:grpSpPr bwMode="auto">
         <a:xfrm>
           <a:off x="0" y="0"/>
           <a:ext cx="0" cy="0"/>
@@ -5974,7 +7425,7 @@
             <p:ph type="title"/>
           </p:nvPr>
         </p:nvSpPr>
-        <p:spPr>
+        <p:spPr bwMode="auto">
           <a:xfrm>
             <a:off x="684212" y="685800"/>
             <a:ext cx="8534400" cy="1507067"/>
@@ -5984,11 +7435,14 @@
           <a:bodyPr/>
           <a:lstStyle/>
           <a:p>
-            <a:r>
-              <a:rPr lang="ru-RU" dirty="0" smtClean="0"/>
+            <a:pPr>
+              <a:defRPr/>
+            </a:pPr>
+            <a:r>
+              <a:rPr lang="ru-RU"/>
               <a:t>РОБОТ</a:t>
             </a:r>
-            <a:endParaRPr lang="ru-RU" dirty="0"/>
+            <a:endParaRPr lang="ru-RU"/>
           </a:p>
         </p:txBody>
       </p:sp>
@@ -6002,58 +7456,116 @@
             <p:ph idx="1"/>
           </p:nvPr>
         </p:nvSpPr>
-        <p:spPr>
-          <a:xfrm>
-            <a:off x="684212" y="2133601"/>
-            <a:ext cx="8534400" cy="4324863"/>
+        <p:spPr bwMode="auto">
+          <a:xfrm flipH="0" flipV="0">
+            <a:off x="684212" y="2133600"/>
+            <a:ext cx="7858162" cy="4324863"/>
           </a:xfrm>
         </p:spPr>
         <p:txBody>
           <a:bodyPr/>
           <a:lstStyle/>
           <a:p>
-            <a:r>
-              <a:rPr lang="ru-RU" dirty="0" smtClean="0"/>
+            <a:pPr>
+              <a:buClr>
+                <a:schemeClr val="tx1"/>
+              </a:buClr>
+              <a:buSzPct val="80000"/>
+              <a:buFont typeface="Arial"/>
+              <a:buChar char="•"/>
+              <a:defRPr/>
+            </a:pPr>
+            <a:r>
+              <a:rPr lang="ru-RU"/>
               <a:t>Программа написана на </a:t>
             </a:r>
             <a:r>
-              <a:rPr lang="en-US" dirty="0" smtClean="0"/>
+              <a:rPr lang="en-US"/>
               <a:t>C++</a:t>
             </a:r>
             <a:r>
-              <a:rPr lang="ru-RU" dirty="0"/>
+              <a:rPr lang="ru-RU"/>
               <a:t> </a:t>
             </a:r>
             <a:r>
-              <a:rPr lang="ru-RU" dirty="0" smtClean="0"/>
+              <a:rPr lang="ru-RU"/>
               <a:t>и представляет собой конечный автомат</a:t>
             </a:r>
-          </a:p>
-          <a:p>
-            <a:r>
-              <a:rPr lang="ru-RU" dirty="0" smtClean="0"/>
+            <a:endParaRPr/>
+          </a:p>
+          <a:p>
+            <a:pPr>
+              <a:buClr>
+                <a:schemeClr val="tx1"/>
+              </a:buClr>
+              <a:buSzPct val="80000"/>
+              <a:buFont typeface="Arial"/>
+              <a:buChar char="•"/>
+              <a:defRPr/>
+            </a:pPr>
+            <a:r>
+              <a:rPr lang="ru-RU"/>
               <a:t>Робот постоянно отправляет на компьютер свой статус, который отображается в приложении</a:t>
             </a:r>
-          </a:p>
-          <a:p>
-            <a:r>
-              <a:rPr lang="ru-RU" dirty="0" smtClean="0"/>
+            <a:endParaRPr/>
+          </a:p>
+          <a:p>
+            <a:pPr>
+              <a:buClr>
+                <a:schemeClr val="tx1"/>
+              </a:buClr>
+              <a:buSzPct val="80000"/>
+              <a:buFont typeface="Arial"/>
+              <a:buChar char="•"/>
+              <a:defRPr/>
+            </a:pPr>
+            <a:r>
+              <a:rPr lang="ru-RU"/>
               <a:t>Движение по линии работает через пропорциональный регулятор (смысла в более продвинутых регуляторах нет из-за достаточно примитивной конструкции)</a:t>
             </a:r>
-            <a:endParaRPr lang="en-US" dirty="0" smtClean="0"/>
-          </a:p>
-        </p:txBody>
-      </p:sp>
+            <a:endParaRPr lang="en-US"/>
+          </a:p>
+        </p:txBody>
+      </p:sp>
+      <p:pic>
+        <p:nvPicPr>
+          <p:cNvPr id="1332803876" name=""/>
+          <p:cNvPicPr>
+            <a:picLocks noChangeAspect="1"/>
+          </p:cNvPicPr>
+          <p:nvPr/>
+        </p:nvPicPr>
+        <p:blipFill>
+          <a:blip r:embed="rId2"/>
+          <a:stretch/>
+        </p:blipFill>
+        <p:spPr bwMode="auto">
+          <a:xfrm rot="16199999" flipH="0" flipV="0">
+            <a:off x="6892584" y="1662573"/>
+            <a:ext cx="7054683" cy="3532853"/>
+          </a:xfrm>
+          <a:prstGeom prst="rect">
+            <a:avLst/>
+          </a:prstGeom>
+        </p:spPr>
+      </p:pic>
     </p:spTree>
-    <p:extLst>
-      <p:ext uri="{BB962C8B-B14F-4D97-AF65-F5344CB8AC3E}">
-        <p14:creationId xmlns:p14="http://schemas.microsoft.com/office/powerpoint/2010/main" xmlns="" val="1292651629"/>
-      </p:ext>
-    </p:extLst>
   </p:cSld>
   <p:clrMapOvr>
     <a:masterClrMapping/>
   </p:clrMapOvr>
+  <mc:AlternateContent xmlns:mc="http://schemas.openxmlformats.org/markup-compatibility/2006">
+    <mc:Choice xmlns:p14="http://schemas.microsoft.com/office/powerpoint/2010/main" Requires="p14">
+      <p:transition spd="slow" p14:dur="2000" advClick="1">
+        <p:wipe dir="r"/>
+      </p:transition>
+    </mc:Choice>
+    <mc:Fallback>
+      <p:transition spd="slow" advClick="1">
+        <p:wipe dir="r"/>
+      </p:transition>
+    </mc:Fallback>
+  </mc:AlternateContent>
   <p:timing>
     <p:tnLst>
       <p:par>
@@ -6065,15 +7577,15 @@
 </file>
 
 <file path=ppt/slides/slide6.xml><?xml version="1.0" encoding="utf-8"?>
-<p:sld xmlns:a="http://schemas.openxmlformats.org/drawingml/2006/main" xmlns:r="http://schemas.openxmlformats.org/officeDocument/2006/relationships" xmlns:p="http://schemas.openxmlformats.org/presentationml/2006/main">
-  <p:cSld>
+<p:sld xmlns:a="http://schemas.openxmlformats.org/drawingml/2006/main" xmlns:r="http://schemas.openxmlformats.org/officeDocument/2006/relationships" xmlns:p="http://schemas.openxmlformats.org/presentationml/2006/main" xmlns:m="http://schemas.openxmlformats.org/officeDocument/2006/math" xmlns:w="http://schemas.openxmlformats.org/wordprocessingml/2006/main" showMasterPhAnim="0" show="1">
+  <p:cSld name="">
     <p:spTree>
       <p:nvGrpSpPr>
         <p:cNvPr id="1" name=""/>
         <p:cNvGrpSpPr/>
         <p:nvPr/>
       </p:nvGrpSpPr>
-      <p:grpSpPr>
+      <p:grpSpPr bwMode="auto">
         <a:xfrm>
           <a:off x="0" y="0"/>
           <a:ext cx="0" cy="0"/>
@@ -6091,7 +7603,7 @@
             <p:ph type="title"/>
           </p:nvPr>
         </p:nvSpPr>
-        <p:spPr>
+        <p:spPr bwMode="auto">
           <a:xfrm>
             <a:off x="684212" y="685800"/>
             <a:ext cx="8534400" cy="1507067"/>
@@ -6101,11 +7613,14 @@
           <a:bodyPr/>
           <a:lstStyle/>
           <a:p>
-            <a:r>
-              <a:rPr lang="ru-RU" dirty="0" smtClean="0"/>
+            <a:pPr>
+              <a:defRPr/>
+            </a:pPr>
+            <a:r>
+              <a:rPr lang="ru-RU"/>
               <a:t>ПРИЛОЖЕНИЕ</a:t>
             </a:r>
-            <a:endParaRPr lang="ru-RU" dirty="0"/>
+            <a:endParaRPr lang="ru-RU"/>
           </a:p>
         </p:txBody>
       </p:sp>
@@ -6119,7 +7634,7 @@
             <p:ph idx="1"/>
           </p:nvPr>
         </p:nvSpPr>
-        <p:spPr>
+        <p:spPr bwMode="auto">
           <a:xfrm>
             <a:off x="684212" y="2133601"/>
             <a:ext cx="8534400" cy="4324863"/>
@@ -6129,54 +7644,100 @@
           <a:bodyPr/>
           <a:lstStyle/>
           <a:p>
-            <a:r>
-              <a:rPr lang="ru-RU" dirty="0" smtClean="0"/>
+            <a:pPr>
+              <a:buClr>
+                <a:schemeClr val="tx1"/>
+              </a:buClr>
+              <a:buSzPct val="80000"/>
+              <a:buFont typeface="Arial"/>
+              <a:buChar char="•"/>
+              <a:defRPr/>
+            </a:pPr>
+            <a:r>
+              <a:rPr lang="ru-RU"/>
               <a:t>Приложение было написано на языке </a:t>
             </a:r>
             <a:r>
-              <a:rPr lang="en-US" dirty="0" smtClean="0"/>
+              <a:rPr lang="en-US"/>
               <a:t>C++</a:t>
             </a:r>
             <a:r>
-              <a:rPr lang="ru-RU" dirty="0" smtClean="0"/>
+              <a:rPr lang="ru-RU"/>
               <a:t>, с помощью библиотеки </a:t>
             </a:r>
             <a:r>
-              <a:rPr lang="en-US" dirty="0" err="1" smtClean="0"/>
+              <a:rPr lang="en-US"/>
               <a:t>RayLib</a:t>
             </a:r>
             <a:r>
-              <a:rPr lang="en-US" dirty="0" smtClean="0"/>
+              <a:rPr lang="en-US"/>
               <a:t>. </a:t>
             </a:r>
-            <a:endParaRPr lang="ru-RU" dirty="0" smtClean="0"/>
-          </a:p>
-          <a:p>
-            <a:endParaRPr lang="ru-RU" dirty="0" smtClean="0"/>
-          </a:p>
-          <a:p>
-            <a:r>
-              <a:rPr lang="ru-RU" dirty="0" smtClean="0"/>
+            <a:endParaRPr lang="ru-RU"/>
+          </a:p>
+          <a:p>
+            <a:pPr>
+              <a:buClr>
+                <a:schemeClr val="tx1"/>
+              </a:buClr>
+              <a:buSzPct val="80000"/>
+              <a:buFont typeface="Arial"/>
+              <a:buChar char="•"/>
+              <a:defRPr/>
+            </a:pPr>
+            <a:endParaRPr lang="ru-RU"/>
+          </a:p>
+          <a:p>
+            <a:pPr>
+              <a:buClr>
+                <a:schemeClr val="tx1"/>
+              </a:buClr>
+              <a:buSzPct val="80000"/>
+              <a:buFont typeface="Arial"/>
+              <a:buChar char="•"/>
+              <a:defRPr/>
+            </a:pPr>
+            <a:r>
+              <a:rPr lang="ru-RU"/>
               <a:t>Основное меню позволяет оформить и отправить заказ роботу. </a:t>
             </a:r>
-          </a:p>
-          <a:p>
-            <a:endParaRPr lang="ru-RU" dirty="0" smtClean="0"/>
-          </a:p>
-          <a:p>
-            <a:r>
-              <a:rPr lang="ru-RU" dirty="0" smtClean="0"/>
+            <a:endParaRPr/>
+          </a:p>
+          <a:p>
+            <a:pPr>
+              <a:buClr>
+                <a:schemeClr val="tx1"/>
+              </a:buClr>
+              <a:buSzPct val="80000"/>
+              <a:buFont typeface="Arial"/>
+              <a:buChar char="•"/>
+              <a:defRPr/>
+            </a:pPr>
+            <a:endParaRPr lang="ru-RU"/>
+          </a:p>
+          <a:p>
+            <a:pPr>
+              <a:buClr>
+                <a:schemeClr val="tx1"/>
+              </a:buClr>
+              <a:buSzPct val="80000"/>
+              <a:buFont typeface="Arial"/>
+              <a:buChar char="•"/>
+              <a:defRPr/>
+            </a:pPr>
+            <a:r>
+              <a:rPr lang="ru-RU"/>
               <a:t>Как только заказ достигает первого места в очереди, и робот состоянии</a:t>
             </a:r>
             <a:r>
-              <a:rPr lang="en-US" dirty="0"/>
+              <a:rPr lang="en-US"/>
               <a:t> </a:t>
             </a:r>
             <a:r>
-              <a:rPr lang="ru-RU" dirty="0" smtClean="0"/>
+              <a:rPr lang="ru-RU"/>
               <a:t>его принять, заказ отправляется.  </a:t>
             </a:r>
-            <a:endParaRPr lang="ru-RU" dirty="0"/>
+            <a:endParaRPr lang="ru-RU"/>
           </a:p>
         </p:txBody>
       </p:sp>
@@ -6188,18 +7749,12 @@
           </p:cNvPicPr>
           <p:nvPr/>
         </p:nvPicPr>
-        <p:blipFill rotWithShape="1">
-          <a:blip r:embed="rId2" cstate="print">
-            <a:extLst>
-              <a:ext uri="{28A0092B-C50C-407E-A947-70E740481C1C}">
-                <a14:useLocalDpi xmlns:a14="http://schemas.microsoft.com/office/drawing/2010/main" xmlns="" val="0"/>
-              </a:ext>
-            </a:extLst>
-          </a:blip>
-          <a:srcRect t="60993" b="-1"/>
+        <p:blipFill>
+          <a:blip r:embed="rId2"/>
+          <a:srcRect l="0" t="60993" r="0" b="-1"/>
           <a:stretch/>
         </p:blipFill>
-        <p:spPr>
+        <p:spPr bwMode="auto">
           <a:xfrm>
             <a:off x="9080176" y="148281"/>
             <a:ext cx="2642266" cy="6427480"/>
@@ -6210,15 +7765,22 @@
         </p:spPr>
       </p:pic>
     </p:spTree>
-    <p:extLst>
-      <p:ext uri="{BB962C8B-B14F-4D97-AF65-F5344CB8AC3E}">
-        <p14:creationId xmlns:p14="http://schemas.microsoft.com/office/powerpoint/2010/main" xmlns="" val="3685596823"/>
-      </p:ext>
-    </p:extLst>
   </p:cSld>
   <p:clrMapOvr>
     <a:masterClrMapping/>
   </p:clrMapOvr>
+  <mc:AlternateContent xmlns:mc="http://schemas.openxmlformats.org/markup-compatibility/2006">
+    <mc:Choice xmlns:p14="http://schemas.microsoft.com/office/powerpoint/2010/main" Requires="p14">
+      <p:transition spd="slow" p14:dur="2000" advClick="1">
+        <p:push dir="r"/>
+      </p:transition>
+    </mc:Choice>
+    <mc:Fallback>
+      <p:transition spd="slow" advClick="1">
+        <p:push dir="r"/>
+      </p:transition>
+    </mc:Fallback>
+  </mc:AlternateContent>
   <p:timing>
     <p:tnLst>
       <p:par>
@@ -6230,15 +7792,15 @@
 </file>
 
 <file path=ppt/slides/slide7.xml><?xml version="1.0" encoding="utf-8"?>
-<p:sld xmlns:a="http://schemas.openxmlformats.org/drawingml/2006/main" xmlns:r="http://schemas.openxmlformats.org/officeDocument/2006/relationships" xmlns:p="http://schemas.openxmlformats.org/presentationml/2006/main">
-  <p:cSld>
+<p:sld xmlns:a="http://schemas.openxmlformats.org/drawingml/2006/main" xmlns:r="http://schemas.openxmlformats.org/officeDocument/2006/relationships" xmlns:p="http://schemas.openxmlformats.org/presentationml/2006/main" xmlns:m="http://schemas.openxmlformats.org/officeDocument/2006/math" xmlns:w="http://schemas.openxmlformats.org/wordprocessingml/2006/main" showMasterPhAnim="0" show="1">
+  <p:cSld name="">
     <p:spTree>
       <p:nvGrpSpPr>
         <p:cNvPr id="1" name=""/>
         <p:cNvGrpSpPr/>
         <p:nvPr/>
       </p:nvGrpSpPr>
-      <p:grpSpPr>
+      <p:grpSpPr bwMode="auto">
         <a:xfrm>
           <a:off x="0" y="0"/>
           <a:ext cx="0" cy="0"/>
@@ -6256,7 +7818,7 @@
             <p:ph type="title"/>
           </p:nvPr>
         </p:nvSpPr>
-        <p:spPr>
+        <p:spPr bwMode="auto">
           <a:xfrm>
             <a:off x="684212" y="59724"/>
             <a:ext cx="8534400" cy="1507067"/>
@@ -6266,11 +7828,14 @@
           <a:bodyPr/>
           <a:lstStyle/>
           <a:p>
-            <a:r>
-              <a:rPr lang="ru-RU" dirty="0" smtClean="0"/>
-              <a:t>Разделение приложения</a:t>
-            </a:r>
-            <a:endParaRPr lang="ru-RU" dirty="0"/>
+            <a:pPr>
+              <a:defRPr/>
+            </a:pPr>
+            <a:r>
+              <a:rPr lang="ru-RU"/>
+              <a:t>Структура программы</a:t>
+            </a:r>
+            <a:endParaRPr lang="ru-RU"/>
           </a:p>
         </p:txBody>
       </p:sp>
@@ -6284,7 +7849,7 @@
             <p:ph idx="1"/>
           </p:nvPr>
         </p:nvSpPr>
-        <p:spPr>
+        <p:spPr bwMode="auto">
           <a:xfrm>
             <a:off x="684212" y="1474574"/>
             <a:ext cx="11178274" cy="4728518"/>
@@ -6297,187 +7862,233 @@
             <a:pPr marL="457200" indent="-457200">
               <a:buFont typeface="+mj-lt"/>
               <a:buAutoNum type="arabicPeriod"/>
-            </a:pPr>
-            <a:r>
-              <a:rPr lang="en-US" dirty="0" smtClean="0"/>
+              <a:defRPr/>
+            </a:pPr>
+            <a:r>
+              <a:rPr lang="en-US"/>
               <a:t>SRC</a:t>
             </a:r>
             <a:r>
-              <a:rPr lang="ru-RU" dirty="0" smtClean="0"/>
+              <a:rPr lang="ru-RU"/>
               <a:t> (ядро программы)</a:t>
             </a:r>
-            <a:endParaRPr lang="en-US" dirty="0" smtClean="0"/>
+            <a:endParaRPr lang="en-US"/>
           </a:p>
           <a:p>
             <a:pPr marL="914400" lvl="1" indent="-457200">
               <a:buFont typeface="+mj-lt"/>
               <a:buAutoNum type="arabicPeriod"/>
-            </a:pPr>
-            <a:r>
-              <a:rPr lang="en-US" dirty="0" smtClean="0"/>
+              <a:defRPr/>
+            </a:pPr>
+            <a:r>
+              <a:rPr lang="en-US"/>
               <a:t>Main (</a:t>
             </a:r>
             <a:r>
-              <a:rPr lang="ru-RU" dirty="0" smtClean="0"/>
+              <a:rPr lang="ru-RU"/>
               <a:t>основной файл)</a:t>
             </a:r>
-            <a:endParaRPr lang="en-US" dirty="0" smtClean="0"/>
+            <a:endParaRPr lang="en-US"/>
           </a:p>
           <a:p>
             <a:pPr marL="914400" lvl="1" indent="-457200">
               <a:buFont typeface="+mj-lt"/>
               <a:buAutoNum type="arabicPeriod"/>
-            </a:pPr>
-            <a:r>
-              <a:rPr lang="en-US" dirty="0" smtClean="0"/>
+              <a:defRPr/>
+            </a:pPr>
+            <a:r>
+              <a:rPr lang="en-US"/>
               <a:t>App</a:t>
             </a:r>
             <a:r>
-              <a:rPr lang="ru-RU" dirty="0" smtClean="0"/>
+              <a:rPr lang="ru-RU"/>
               <a:t> (логика и </a:t>
             </a:r>
             <a:r>
-              <a:rPr lang="ru-RU" dirty="0" err="1" smtClean="0"/>
+              <a:rPr lang="ru-RU"/>
               <a:t>отрисовка</a:t>
             </a:r>
             <a:r>
-              <a:rPr lang="ru-RU" dirty="0" smtClean="0"/>
+              <a:rPr lang="ru-RU"/>
               <a:t> приложения)</a:t>
             </a:r>
-            <a:endParaRPr lang="en-US" dirty="0" smtClean="0"/>
+            <a:endParaRPr lang="en-US"/>
           </a:p>
           <a:p>
             <a:pPr marL="457200" indent="-457200">
               <a:buFont typeface="+mj-lt"/>
               <a:buAutoNum type="arabicPeriod"/>
-            </a:pPr>
-            <a:r>
-              <a:rPr lang="en-US" dirty="0" smtClean="0"/>
+              <a:defRPr/>
+            </a:pPr>
+            <a:r>
+              <a:rPr lang="en-US"/>
               <a:t>Classes</a:t>
             </a:r>
             <a:r>
-              <a:rPr lang="ru-RU" dirty="0" smtClean="0"/>
+              <a:rPr lang="ru-RU"/>
               <a:t> (классы)</a:t>
             </a:r>
-            <a:endParaRPr lang="en-US" dirty="0" smtClean="0"/>
+            <a:endParaRPr lang="en-US"/>
           </a:p>
           <a:p>
             <a:pPr marL="914400" lvl="1" indent="-457200">
               <a:buFont typeface="+mj-lt"/>
               <a:buAutoNum type="arabicPeriod"/>
-            </a:pPr>
-            <a:r>
-              <a:rPr lang="en-US" dirty="0" smtClean="0"/>
+              <a:defRPr/>
+            </a:pPr>
+            <a:r>
+              <a:rPr lang="en-US"/>
               <a:t>Button</a:t>
             </a:r>
             <a:r>
-              <a:rPr lang="ru-RU" dirty="0" smtClean="0"/>
+              <a:rPr lang="ru-RU"/>
               <a:t> (одиночная кнопка без текстур)</a:t>
             </a:r>
-            <a:endParaRPr lang="en-US" dirty="0" smtClean="0"/>
+            <a:endParaRPr lang="en-US"/>
           </a:p>
           <a:p>
             <a:pPr marL="914400" lvl="1" indent="-457200">
               <a:buFont typeface="+mj-lt"/>
               <a:buAutoNum type="arabicPeriod"/>
-            </a:pPr>
-            <a:r>
-              <a:rPr lang="en-US" dirty="0" smtClean="0"/>
+              <a:defRPr/>
+            </a:pPr>
+            <a:r>
+              <a:rPr lang="en-US"/>
               <a:t>Graf</a:t>
             </a:r>
             <a:r>
-              <a:rPr lang="ru-RU" dirty="0" smtClean="0"/>
+              <a:rPr lang="ru-RU"/>
               <a:t> (описание графа, по которому ездит робот)</a:t>
             </a:r>
-            <a:endParaRPr lang="en-US" dirty="0" smtClean="0"/>
+            <a:endParaRPr lang="en-US"/>
           </a:p>
           <a:p>
             <a:pPr marL="914400" lvl="1" indent="-457200">
               <a:buFont typeface="+mj-lt"/>
               <a:buAutoNum type="arabicPeriod"/>
-            </a:pPr>
-            <a:r>
-              <a:rPr lang="en-US" dirty="0" smtClean="0"/>
+              <a:defRPr/>
+            </a:pPr>
+            <a:r>
+              <a:rPr lang="en-US"/>
               <a:t>Queue</a:t>
             </a:r>
             <a:r>
-              <a:rPr lang="ru-RU" dirty="0" smtClean="0"/>
+              <a:rPr lang="ru-RU"/>
               <a:t> (очередь, отправка запроса)</a:t>
             </a:r>
-            <a:endParaRPr lang="en-US" dirty="0" smtClean="0"/>
+            <a:endParaRPr lang="en-US"/>
           </a:p>
           <a:p>
             <a:pPr marL="914400" lvl="1" indent="-457200">
               <a:buFont typeface="+mj-lt"/>
               <a:buAutoNum type="arabicPeriod"/>
-            </a:pPr>
-            <a:r>
-              <a:rPr lang="en-US" dirty="0" err="1" smtClean="0"/>
+              <a:defRPr/>
+            </a:pPr>
+            <a:r>
+              <a:rPr lang="en-US"/>
               <a:t>RadioButton</a:t>
             </a:r>
             <a:r>
-              <a:rPr lang="ru-RU" dirty="0" smtClean="0"/>
+              <a:rPr lang="ru-RU"/>
               <a:t> (кнопка в составе группы, которая может быть активна)</a:t>
             </a:r>
-            <a:endParaRPr lang="en-US" dirty="0" smtClean="0"/>
+            <a:endParaRPr lang="en-US"/>
           </a:p>
           <a:p>
             <a:pPr marL="914400" lvl="1" indent="-457200">
               <a:buFont typeface="+mj-lt"/>
               <a:buAutoNum type="arabicPeriod"/>
-            </a:pPr>
-            <a:r>
-              <a:rPr lang="en-US" dirty="0" err="1" smtClean="0"/>
+              <a:defRPr/>
+            </a:pPr>
+            <a:r>
+              <a:rPr lang="en-US"/>
               <a:t>RadioButtonControl</a:t>
             </a:r>
             <a:r>
-              <a:rPr lang="ru-RU" dirty="0" smtClean="0"/>
+              <a:rPr lang="ru-RU"/>
               <a:t> (управление группой радиокнопок)</a:t>
             </a:r>
-            <a:endParaRPr lang="en-US" dirty="0" smtClean="0"/>
+            <a:endParaRPr lang="en-US"/>
           </a:p>
           <a:p>
             <a:pPr marL="914400" lvl="1" indent="-457200">
               <a:buFont typeface="+mj-lt"/>
               <a:buAutoNum type="arabicPeriod"/>
-            </a:pPr>
-            <a:r>
-              <a:rPr lang="en-US" dirty="0" smtClean="0"/>
+              <a:defRPr/>
+            </a:pPr>
+            <a:r>
+              <a:rPr lang="en-US"/>
               <a:t>Request</a:t>
             </a:r>
             <a:r>
-              <a:rPr lang="ru-RU" dirty="0" smtClean="0"/>
+              <a:rPr lang="ru-RU"/>
               <a:t> (заявка, определение пути и создание алгоритма)</a:t>
             </a:r>
-            <a:endParaRPr lang="en-US" dirty="0" smtClean="0"/>
+            <a:endParaRPr lang="en-US"/>
           </a:p>
           <a:p>
             <a:pPr marL="914400" lvl="1" indent="-457200">
               <a:buFont typeface="+mj-lt"/>
               <a:buAutoNum type="arabicPeriod"/>
-            </a:pPr>
-            <a:r>
-              <a:rPr lang="en-US" dirty="0" err="1" smtClean="0"/>
-              <a:t>Texturebutton</a:t>
-            </a:r>
-            <a:r>
-              <a:rPr lang="ru-RU" dirty="0" smtClean="0"/>
+              <a:defRPr/>
+            </a:pPr>
+            <a:r>
+              <a:rPr lang="en-US"/>
+              <a:t>TextureButton</a:t>
+            </a:r>
+            <a:r>
+              <a:rPr lang="ru-RU"/>
               <a:t> (кнопка с текстурой)</a:t>
             </a:r>
-            <a:endParaRPr lang="en-US" dirty="0" smtClean="0"/>
-          </a:p>
-        </p:txBody>
-      </p:sp>
+            <a:endParaRPr lang="en-US"/>
+          </a:p>
+        </p:txBody>
+      </p:sp>
+      <p:pic>
+        <p:nvPicPr>
+          <p:cNvPr id="20607288" name=""/>
+          <p:cNvPicPr>
+            <a:picLocks noChangeAspect="1"/>
+          </p:cNvPicPr>
+          <p:nvPr/>
+        </p:nvPicPr>
+        <p:blipFill>
+          <a:blip r:embed="rId2"/>
+          <a:stretch/>
+        </p:blipFill>
+        <p:spPr bwMode="auto">
+          <a:xfrm flipH="0" flipV="0">
+            <a:off x="9523473" y="388937"/>
+            <a:ext cx="2405001" cy="6080125"/>
+          </a:xfrm>
+          <a:prstGeom prst="rect">
+            <a:avLst/>
+          </a:prstGeom>
+          <a:ln w="19049">
+            <a:solidFill>
+              <a:schemeClr val="tx1"/>
+            </a:solidFill>
+            <a:prstDash val="solid"/>
+          </a:ln>
+        </p:spPr>
+      </p:pic>
     </p:spTree>
-    <p:extLst>
-      <p:ext uri="{BB962C8B-B14F-4D97-AF65-F5344CB8AC3E}">
-        <p14:creationId xmlns:p14="http://schemas.microsoft.com/office/powerpoint/2010/main" xmlns="" val="1137705815"/>
-      </p:ext>
-    </p:extLst>
   </p:cSld>
   <p:clrMapOvr>
     <a:masterClrMapping/>
   </p:clrMapOvr>
+  <mc:AlternateContent xmlns:mc="http://schemas.openxmlformats.org/markup-compatibility/2006">
+    <mc:Choice xmlns:p14="http://schemas.microsoft.com/office/powerpoint/2010/main" Requires="p14">
+      <p:transition spd="slow" p14:dur="2000" advClick="1">
+        <p:push dir="r"/>
+      </p:transition>
+    </mc:Choice>
+    <mc:Fallback>
+      <p:transition spd="slow" advClick="1">
+        <p:push dir="r"/>
+      </p:transition>
+    </mc:Fallback>
+  </mc:AlternateContent>
   <p:timing>
     <p:tnLst>
       <p:par>
@@ -6489,15 +8100,15 @@
 </file>
 
 <file path=ppt/slides/slide8.xml><?xml version="1.0" encoding="utf-8"?>
-<p:sld xmlns:a="http://schemas.openxmlformats.org/drawingml/2006/main" xmlns:r="http://schemas.openxmlformats.org/officeDocument/2006/relationships" xmlns:p="http://schemas.openxmlformats.org/presentationml/2006/main">
-  <p:cSld>
+<p:sld xmlns:a="http://schemas.openxmlformats.org/drawingml/2006/main" xmlns:r="http://schemas.openxmlformats.org/officeDocument/2006/relationships" xmlns:p="http://schemas.openxmlformats.org/presentationml/2006/main" xmlns:m="http://schemas.openxmlformats.org/officeDocument/2006/math" xmlns:w="http://schemas.openxmlformats.org/wordprocessingml/2006/main" showMasterPhAnim="0" show="1">
+  <p:cSld name="">
     <p:spTree>
       <p:nvGrpSpPr>
         <p:cNvPr id="1" name=""/>
         <p:cNvGrpSpPr/>
         <p:nvPr/>
       </p:nvGrpSpPr>
-      <p:grpSpPr>
+      <p:grpSpPr bwMode="auto">
         <a:xfrm>
           <a:off x="0" y="0"/>
           <a:ext cx="0" cy="0"/>
@@ -6507,7 +8118,7 @@
       </p:grpSpPr>
       <p:sp>
         <p:nvSpPr>
-          <p:cNvPr id="2" name="Заголовок 1"/>
+          <p:cNvPr id="1097442671" name="Заголовок 1"/>
           <p:cNvSpPr>
             <a:spLocks noGrp="1"/>
           </p:cNvSpPr>
@@ -6515,321 +8126,110 @@
             <p:ph type="title"/>
           </p:nvPr>
         </p:nvSpPr>
-        <p:spPr>
+        <p:spPr bwMode="auto">
           <a:xfrm>
-            <a:off x="413279" y="178257"/>
-            <a:ext cx="1965855" cy="1507067"/>
+            <a:off x="684212" y="59724"/>
+            <a:ext cx="8534400" cy="1507067"/>
           </a:xfrm>
         </p:spPr>
         <p:txBody>
           <a:bodyPr/>
           <a:lstStyle/>
           <a:p>
-            <a:r>
-              <a:rPr lang="ru-RU" dirty="0" smtClean="0"/>
-              <a:t>Заявка</a:t>
-            </a:r>
-          </a:p>
-        </p:txBody>
-      </p:sp>
-      <p:pic>
-        <p:nvPicPr>
-          <p:cNvPr id="2050" name="Picture 2"/>
-          <p:cNvPicPr>
-            <a:picLocks noChangeAspect="1" noChangeArrowheads="1"/>
-          </p:cNvPicPr>
-          <p:nvPr/>
-        </p:nvPicPr>
-        <p:blipFill>
-          <a:blip r:embed="rId2" cstate="print"/>
-          <a:srcRect/>
-          <a:stretch>
-            <a:fillRect/>
-          </a:stretch>
-        </p:blipFill>
-        <p:spPr bwMode="auto">
-          <a:xfrm>
-            <a:off x="2981312" y="1888066"/>
-            <a:ext cx="9210688" cy="4969934"/>
-          </a:xfrm>
-          <a:prstGeom prst="rect">
-            <a:avLst/>
-          </a:prstGeom>
-          <a:noFill/>
-          <a:ln w="9525">
-            <a:noFill/>
-            <a:miter lim="800000"/>
-            <a:headEnd/>
-            <a:tailEnd/>
-          </a:ln>
-        </p:spPr>
-      </p:pic>
-      <p:sp>
-        <p:nvSpPr>
-          <p:cNvPr id="6" name="Объект 2"/>
-          <p:cNvSpPr txBox="1">
-            <a:spLocks/>
-          </p:cNvSpPr>
-          <p:nvPr/>
-        </p:nvSpPr>
-        <p:spPr>
-          <a:xfrm>
-            <a:off x="2980267" y="0"/>
-            <a:ext cx="9211733" cy="1879600"/>
-          </a:xfrm>
-          <a:prstGeom prst="rect">
-            <a:avLst/>
-          </a:prstGeom>
-        </p:spPr>
-        <p:txBody>
-          <a:bodyPr vert="horz" lIns="91440" tIns="45720" rIns="91440" bIns="45720" rtlCol="0" anchor="ctr">
-            <a:normAutofit fontScale="85000" lnSpcReduction="10000"/>
-          </a:bodyPr>
-          <a:lstStyle/>
-          <a:p>
-            <a:pPr marL="457200" marR="0" lvl="0" indent="-457200" algn="l" defTabSz="457200" rtl="0" eaLnBrk="1" fontAlgn="auto" latinLnBrk="0" hangingPunct="1">
-              <a:lnSpc>
-                <a:spcPct val="100000"/>
-              </a:lnSpc>
-              <a:spcBef>
-                <a:spcPct val="20000"/>
-              </a:spcBef>
-              <a:spcAft>
-                <a:spcPts val="600"/>
-              </a:spcAft>
+            <a:pPr>
+              <a:defRPr/>
+            </a:pPr>
+            <a:r>
+              <a:rPr lang="ru-RU"/>
+              <a:t>Структура программы</a:t>
+            </a:r>
+            <a:endParaRPr lang="ru-RU"/>
+          </a:p>
+        </p:txBody>
+      </p:sp>
+      <p:sp>
+        <p:nvSpPr>
+          <p:cNvPr id="644716678" name="Объект 2"/>
+          <p:cNvSpPr>
+            <a:spLocks noGrp="1"/>
+          </p:cNvSpPr>
+          <p:nvPr>
+            <p:ph idx="1"/>
+          </p:nvPr>
+        </p:nvSpPr>
+        <p:spPr bwMode="auto">
+          <a:xfrm flipH="0" flipV="0">
+            <a:off x="684212" y="1474573"/>
+            <a:ext cx="11178274" cy="1589301"/>
+          </a:xfrm>
+        </p:spPr>
+        <p:txBody>
+          <a:bodyPr/>
+          <a:lstStyle/>
+          <a:p>
+            <a:pPr marL="0" indent="0">
               <a:buClr>
                 <a:schemeClr val="tx1"/>
               </a:buClr>
               <a:buSzPct val="80000"/>
               <a:buFont typeface="+mj-lt"/>
-              <a:buAutoNum type="arabicPeriod"/>
-              <a:tabLst/>
-              <a:defRPr/>
-            </a:pPr>
-            <a:r>
-              <a:rPr kumimoji="0" lang="ru-RU" sz="2000" b="0" i="0" u="none" strike="noStrike" kern="1200" cap="none" spc="0" normalizeH="0" baseline="0" noProof="0" dirty="0" smtClean="0">
-                <a:ln>
-                  <a:noFill/>
-                </a:ln>
-                <a:solidFill>
-                  <a:schemeClr val="tx1"/>
-                </a:solidFill>
-                <a:effectLst/>
-                <a:uLnTx/>
-                <a:uFillTx/>
-                <a:latin typeface="+mn-lt"/>
-                <a:ea typeface="+mn-ea"/>
-                <a:cs typeface="+mn-cs"/>
-              </a:rPr>
-              <a:t>Заявка формируется на основе двух входных данных, «откуда» и «куда»</a:t>
-            </a:r>
-          </a:p>
-          <a:p>
-            <a:pPr marL="457200" marR="0" lvl="0" indent="-457200" algn="l" defTabSz="457200" rtl="0" eaLnBrk="1" fontAlgn="auto" latinLnBrk="0" hangingPunct="1">
-              <a:lnSpc>
-                <a:spcPct val="100000"/>
-              </a:lnSpc>
-              <a:spcBef>
-                <a:spcPct val="20000"/>
-              </a:spcBef>
-              <a:spcAft>
-                <a:spcPts val="600"/>
-              </a:spcAft>
-              <a:buClr>
-                <a:schemeClr val="tx1"/>
-              </a:buClr>
-              <a:buSzPct val="80000"/>
-              <a:buFont typeface="+mj-lt"/>
-              <a:buAutoNum type="arabicPeriod"/>
-              <a:tabLst/>
-              <a:defRPr/>
-            </a:pPr>
-            <a:endParaRPr kumimoji="0" lang="ru-RU" sz="2000" b="0" i="0" u="none" strike="noStrike" kern="1200" cap="none" spc="0" normalizeH="0" baseline="0" noProof="0" dirty="0" smtClean="0">
-              <a:ln>
-                <a:noFill/>
-              </a:ln>
-              <a:solidFill>
-                <a:schemeClr val="tx1"/>
-              </a:solidFill>
-              <a:effectLst/>
-              <a:uLnTx/>
-              <a:uFillTx/>
-              <a:latin typeface="+mn-lt"/>
-              <a:ea typeface="+mn-ea"/>
-              <a:cs typeface="+mn-cs"/>
-            </a:endParaRPr>
-          </a:p>
-          <a:p>
-            <a:pPr marL="457200" marR="0" lvl="0" indent="-457200" algn="l" defTabSz="457200" rtl="0" eaLnBrk="1" fontAlgn="auto" latinLnBrk="0" hangingPunct="1">
-              <a:lnSpc>
-                <a:spcPct val="100000"/>
-              </a:lnSpc>
-              <a:spcBef>
-                <a:spcPct val="20000"/>
-              </a:spcBef>
-              <a:spcAft>
-                <a:spcPts val="600"/>
-              </a:spcAft>
-              <a:buClr>
-                <a:schemeClr val="tx1"/>
-              </a:buClr>
-              <a:buSzPct val="80000"/>
-              <a:buFont typeface="+mj-lt"/>
-              <a:buAutoNum type="arabicPeriod"/>
-              <a:tabLst/>
-              <a:defRPr/>
-            </a:pPr>
-            <a:r>
-              <a:rPr kumimoji="0" lang="ru-RU" sz="2000" b="0" i="0" u="none" strike="noStrike" kern="1200" cap="none" spc="0" normalizeH="0" baseline="0" noProof="0" dirty="0" smtClean="0">
-                <a:ln>
-                  <a:noFill/>
-                </a:ln>
-                <a:solidFill>
-                  <a:schemeClr val="tx1"/>
-                </a:solidFill>
-                <a:effectLst/>
-                <a:uLnTx/>
-                <a:uFillTx/>
-                <a:latin typeface="+mn-lt"/>
-                <a:ea typeface="+mn-ea"/>
-                <a:cs typeface="+mn-cs"/>
-              </a:rPr>
-              <a:t>Поиск кратчайшего пути осуществляется по алгоритму </a:t>
-            </a:r>
-            <a:r>
-              <a:rPr kumimoji="0" lang="ru-RU" sz="2000" b="0" i="0" u="none" strike="noStrike" kern="1200" cap="none" spc="0" normalizeH="0" baseline="0" noProof="0" dirty="0" err="1" smtClean="0">
-                <a:ln>
-                  <a:noFill/>
-                </a:ln>
-                <a:solidFill>
-                  <a:schemeClr val="tx1"/>
-                </a:solidFill>
-                <a:effectLst/>
-                <a:uLnTx/>
-                <a:uFillTx/>
-                <a:latin typeface="+mn-lt"/>
-                <a:ea typeface="+mn-ea"/>
-                <a:cs typeface="+mn-cs"/>
-              </a:rPr>
-              <a:t>Дейкстры</a:t>
-            </a:r>
-            <a:r>
-              <a:rPr kumimoji="0" lang="ru-RU" sz="2000" b="0" i="0" u="none" strike="noStrike" kern="1200" cap="none" spc="0" normalizeH="0" baseline="0" noProof="0" dirty="0" smtClean="0">
-                <a:ln>
-                  <a:noFill/>
-                </a:ln>
-                <a:solidFill>
-                  <a:schemeClr val="tx1"/>
-                </a:solidFill>
-                <a:effectLst/>
-                <a:uLnTx/>
-                <a:uFillTx/>
-                <a:latin typeface="+mn-lt"/>
-                <a:ea typeface="+mn-ea"/>
-                <a:cs typeface="+mn-cs"/>
-              </a:rPr>
-              <a:t>.</a:t>
-            </a:r>
-          </a:p>
-          <a:p>
-            <a:pPr marL="457200" marR="0" lvl="0" indent="-457200" algn="l" defTabSz="457200" rtl="0" eaLnBrk="1" fontAlgn="auto" latinLnBrk="0" hangingPunct="1">
-              <a:lnSpc>
-                <a:spcPct val="100000"/>
-              </a:lnSpc>
-              <a:spcBef>
-                <a:spcPct val="20000"/>
-              </a:spcBef>
-              <a:spcAft>
-                <a:spcPts val="600"/>
-              </a:spcAft>
-              <a:buClr>
-                <a:schemeClr val="tx1"/>
-              </a:buClr>
-              <a:buSzPct val="80000"/>
-              <a:buFont typeface="+mj-lt"/>
-              <a:buAutoNum type="arabicPeriod"/>
-              <a:tabLst/>
-              <a:defRPr/>
-            </a:pPr>
-            <a:endParaRPr kumimoji="0" lang="ru-RU" sz="2000" b="0" i="0" u="none" strike="noStrike" kern="1200" cap="none" spc="0" normalizeH="0" baseline="0" noProof="0" dirty="0" smtClean="0">
-              <a:ln>
-                <a:noFill/>
-              </a:ln>
-              <a:solidFill>
-                <a:schemeClr val="tx1"/>
-              </a:solidFill>
-              <a:effectLst/>
-              <a:uLnTx/>
-              <a:uFillTx/>
-              <a:latin typeface="+mn-lt"/>
-              <a:ea typeface="+mn-ea"/>
-              <a:cs typeface="+mn-cs"/>
-            </a:endParaRPr>
-          </a:p>
-          <a:p>
-            <a:pPr marL="457200" marR="0" lvl="0" indent="-457200" algn="l" defTabSz="457200" rtl="0" eaLnBrk="1" fontAlgn="auto" latinLnBrk="0" hangingPunct="1">
-              <a:lnSpc>
-                <a:spcPct val="100000"/>
-              </a:lnSpc>
-              <a:spcBef>
-                <a:spcPct val="20000"/>
-              </a:spcBef>
-              <a:spcAft>
-                <a:spcPts val="600"/>
-              </a:spcAft>
-              <a:buClr>
-                <a:schemeClr val="tx1"/>
-              </a:buClr>
-              <a:buSzPct val="80000"/>
-              <a:buFont typeface="+mj-lt"/>
-              <a:buAutoNum type="arabicPeriod"/>
-              <a:tabLst/>
-              <a:defRPr/>
-            </a:pPr>
-            <a:r>
-              <a:rPr kumimoji="0" lang="ru-RU" sz="2000" b="0" i="0" u="none" strike="noStrike" kern="1200" cap="none" spc="0" normalizeH="0" baseline="0" noProof="0" dirty="0" smtClean="0">
-                <a:ln>
-                  <a:noFill/>
-                </a:ln>
-                <a:solidFill>
-                  <a:schemeClr val="tx1"/>
-                </a:solidFill>
-                <a:effectLst/>
-                <a:uLnTx/>
-                <a:uFillTx/>
-                <a:latin typeface="+mn-lt"/>
-                <a:ea typeface="+mn-ea"/>
-                <a:cs typeface="+mn-cs"/>
-              </a:rPr>
-              <a:t>Конвертация из пути в алгоритм</a:t>
-            </a:r>
-            <a:endParaRPr kumimoji="0" lang="en-US" sz="2000" b="0" i="0" u="none" strike="noStrike" kern="1200" cap="none" spc="0" normalizeH="0" baseline="0" noProof="0" dirty="0" smtClean="0">
-              <a:ln>
-                <a:noFill/>
-              </a:ln>
-              <a:solidFill>
-                <a:schemeClr val="tx1"/>
-              </a:solidFill>
-              <a:effectLst/>
-              <a:uLnTx/>
-              <a:uFillTx/>
-              <a:latin typeface="+mn-lt"/>
-              <a:ea typeface="+mn-ea"/>
-              <a:cs typeface="+mn-cs"/>
-            </a:endParaRPr>
-          </a:p>
-        </p:txBody>
-      </p:sp>
+              <a:buNone/>
+              <a:defRPr/>
+            </a:pPr>
+            <a:r>
+              <a:rPr lang="en-US"/>
+              <a:t>Отдельно хранится код для робота, все используемые программой звуки и текстуры</a:t>
+            </a:r>
+            <a:endParaRPr lang="en-US"/>
+          </a:p>
+        </p:txBody>
+      </p:sp>
+      <p:pic>
+        <p:nvPicPr>
+          <p:cNvPr id="1424059672" name=""/>
+          <p:cNvPicPr>
+            <a:picLocks noChangeAspect="1"/>
+          </p:cNvPicPr>
+          <p:nvPr/>
+        </p:nvPicPr>
+        <p:blipFill>
+          <a:blip r:embed="rId2"/>
+          <a:stretch/>
+        </p:blipFill>
+        <p:spPr bwMode="auto">
+          <a:xfrm flipH="0" flipV="0">
+            <a:off x="1587861" y="3365500"/>
+            <a:ext cx="9370975" cy="2790518"/>
+          </a:xfrm>
+          <a:prstGeom prst="flowChartAlternateProcess">
+            <a:avLst/>
+          </a:prstGeom>
+          <a:ln w="19049">
+            <a:solidFill>
+              <a:schemeClr val="tx1"/>
+            </a:solidFill>
+            <a:prstDash val="solid"/>
+          </a:ln>
+          <a:effectLst/>
+        </p:spPr>
+      </p:pic>
     </p:spTree>
-    <p:extLst>
-      <p:ext uri="{BB962C8B-B14F-4D97-AF65-F5344CB8AC3E}">
-        <p14:creationId xmlns:p14="http://schemas.microsoft.com/office/powerpoint/2010/main" xmlns="" val="470562920"/>
-      </p:ext>
-    </p:extLst>
   </p:cSld>
   <p:clrMapOvr>
     <a:masterClrMapping/>
   </p:clrMapOvr>
+  <mc:AlternateContent xmlns:mc="http://schemas.openxmlformats.org/markup-compatibility/2006">
+    <mc:Choice xmlns:p14="http://schemas.microsoft.com/office/powerpoint/2010/main" Requires="p14">
+      <p:transition spd="slow" p14:dur="2000" advClick="1">
+        <p:wipe dir="r"/>
+      </p:transition>
+    </mc:Choice>
+    <mc:Fallback>
+      <p:transition spd="slow" advClick="1">
+        <p:wipe dir="r"/>
+      </p:transition>
+    </mc:Fallback>
+  </mc:AlternateContent>
   <p:timing>
     <p:tnLst>
       <p:par>
@@ -6841,15 +8241,15 @@
 </file>
 
 <file path=ppt/slides/slide9.xml><?xml version="1.0" encoding="utf-8"?>
-<p:sld xmlns:a="http://schemas.openxmlformats.org/drawingml/2006/main" xmlns:r="http://schemas.openxmlformats.org/officeDocument/2006/relationships" xmlns:p="http://schemas.openxmlformats.org/presentationml/2006/main">
-  <p:cSld>
+<p:sld xmlns:a="http://schemas.openxmlformats.org/drawingml/2006/main" xmlns:r="http://schemas.openxmlformats.org/officeDocument/2006/relationships" xmlns:p="http://schemas.openxmlformats.org/presentationml/2006/main" xmlns:m="http://schemas.openxmlformats.org/officeDocument/2006/math" xmlns:w="http://schemas.openxmlformats.org/wordprocessingml/2006/main" showMasterPhAnim="0" show="1">
+  <p:cSld name="">
     <p:spTree>
       <p:nvGrpSpPr>
         <p:cNvPr id="1" name=""/>
         <p:cNvGrpSpPr/>
         <p:nvPr/>
       </p:nvGrpSpPr>
-      <p:grpSpPr>
+      <p:grpSpPr bwMode="auto">
         <a:xfrm>
           <a:off x="0" y="0"/>
           <a:ext cx="0" cy="0"/>
@@ -6867,136 +8267,300 @@
             <p:ph type="title"/>
           </p:nvPr>
         </p:nvSpPr>
-        <p:spPr>
+        <p:spPr bwMode="auto">
+          <a:xfrm flipH="0" flipV="0">
+            <a:off x="81000" y="178256"/>
+            <a:ext cx="2825749" cy="1507067"/>
+          </a:xfrm>
+        </p:spPr>
+        <p:txBody>
+          <a:bodyPr/>
+          <a:lstStyle/>
+          <a:p>
+            <a:pPr algn="ctr">
+              <a:defRPr/>
+            </a:pPr>
+            <a:r>
+              <a:rPr lang="ru-RU"/>
+              <a:t>Заявка</a:t>
+            </a:r>
+            <a:endParaRPr/>
+          </a:p>
+        </p:txBody>
+      </p:sp>
+      <p:pic>
+        <p:nvPicPr>
+          <p:cNvPr id="2050" name="Picture 2"/>
+          <p:cNvPicPr>
+            <a:picLocks noChangeAspect="1" noChangeArrowheads="1"/>
+          </p:cNvPicPr>
+          <p:nvPr/>
+        </p:nvPicPr>
+        <p:blipFill>
+          <a:blip r:embed="rId2"/>
+          <a:stretch/>
+        </p:blipFill>
+        <p:spPr bwMode="auto">
           <a:xfrm>
-            <a:off x="684212" y="685800"/>
-            <a:ext cx="8534400" cy="1507067"/>
-          </a:xfrm>
-        </p:spPr>
-        <p:txBody>
-          <a:bodyPr/>
-          <a:lstStyle/>
-          <a:p>
-            <a:r>
-              <a:rPr lang="ru-RU" dirty="0" smtClean="0"/>
-              <a:t>СВЯЗЬ</a:t>
-            </a:r>
-            <a:endParaRPr lang="ru-RU" dirty="0"/>
-          </a:p>
-        </p:txBody>
-      </p:sp>
-      <p:sp>
-        <p:nvSpPr>
-          <p:cNvPr id="3" name="Объект 2"/>
-          <p:cNvSpPr>
-            <a:spLocks noGrp="1"/>
-          </p:cNvSpPr>
-          <p:nvPr>
-            <p:ph idx="1"/>
-          </p:nvPr>
-        </p:nvSpPr>
-        <p:spPr>
+            <a:off x="1266812" y="1888066"/>
+            <a:ext cx="9210688" cy="4969934"/>
+          </a:xfrm>
+          <a:prstGeom prst="rect">
+            <a:avLst/>
+          </a:prstGeom>
+          <a:noFill/>
+          <a:ln w="9525">
+            <a:noFill/>
+            <a:miter lim="800000"/>
+            <a:headEnd/>
+            <a:tailEnd/>
+          </a:ln>
+        </p:spPr>
+      </p:pic>
+      <p:sp>
+        <p:nvSpPr>
+          <p:cNvPr id="6" name="Объект 2"/>
+          <p:cNvSpPr txBox="1"/>
+          <p:nvPr/>
+        </p:nvSpPr>
+        <p:spPr bwMode="auto">
           <a:xfrm>
-            <a:off x="684212" y="1705233"/>
-            <a:ext cx="8534400" cy="4753232"/>
-          </a:xfrm>
-        </p:spPr>
-        <p:txBody>
-          <a:bodyPr/>
-          <a:lstStyle/>
-          <a:p>
-            <a:pPr marL="0" indent="0">
-              <a:buNone/>
-            </a:pPr>
-            <a:r>
-              <a:rPr lang="ru-RU" dirty="0" smtClean="0"/>
-              <a:t>Связь осуществляется череп </a:t>
-            </a:r>
-            <a:r>
-              <a:rPr lang="ru-RU" dirty="0" smtClean="0"/>
-              <a:t>пару </a:t>
-            </a:r>
-            <a:r>
-              <a:rPr lang="ru-RU" dirty="0" err="1" smtClean="0"/>
-              <a:t>радиомодулей</a:t>
-            </a:r>
-            <a:r>
-              <a:rPr lang="ru-RU" dirty="0" smtClean="0"/>
-              <a:t>. </a:t>
-            </a:r>
-            <a:r>
-              <a:rPr lang="ru-RU" dirty="0" smtClean="0"/>
-              <a:t>Данные о заказе преобразуются в готовый алгоритм, который приходит на робота</a:t>
-            </a:r>
-            <a:r>
-              <a:rPr lang="ru-RU" dirty="0" smtClean="0"/>
+            <a:off x="2980267" y="0"/>
+            <a:ext cx="9211733" cy="1879600"/>
+          </a:xfrm>
+          <a:prstGeom prst="rect">
+            <a:avLst/>
+          </a:prstGeom>
+        </p:spPr>
+        <p:txBody>
+          <a:bodyPr vertOverflow="overflow" horzOverflow="overflow" vert="horz" wrap="square" lIns="91440" tIns="45720" rIns="91440" bIns="45720" numCol="1" spcCol="0" rtlCol="0" fromWordArt="0" anchor="ctr" anchorCtr="0" forceAA="0" upright="0" compatLnSpc="0">
+            <a:normAutofit fontScale="95000" lnSpcReduction="1000"/>
+          </a:bodyPr>
+          <a:lstStyle/>
+          <a:p>
+            <a:pPr marL="457200" marR="0" lvl="0" indent="-457200" algn="l" defTabSz="457200">
+              <a:lnSpc>
+                <a:spcPct val="100000"/>
+              </a:lnSpc>
+              <a:spcBef>
+                <a:spcPts val="0"/>
+              </a:spcBef>
+              <a:spcAft>
+                <a:spcPts val="600"/>
+              </a:spcAft>
+              <a:buClr>
+                <a:schemeClr val="tx1"/>
+              </a:buClr>
+              <a:buSzPct val="80000"/>
+              <a:buFont typeface="+mj-lt"/>
+              <a:buAutoNum type="arabicPeriod"/>
+              <a:defRPr/>
+            </a:pPr>
+            <a:r>
+              <a:rPr lang="ru-RU" sz="2000" b="0" i="0" u="none" strike="noStrike" cap="none" spc="0">
+                <a:ln>
+                  <a:noFill/>
+                </a:ln>
+                <a:solidFill>
+                  <a:schemeClr val="tx1"/>
+                </a:solidFill>
+                <a:latin typeface="Century Gothic"/>
+                <a:ea typeface="Arial"/>
+                <a:cs typeface="Arial"/>
+              </a:rPr>
+              <a:t>Заявка формируется на основе двух входных данных, «откуда» и «куда»</a:t>
+            </a:r>
+            <a:endParaRPr/>
+          </a:p>
+          <a:p>
+            <a:pPr marL="457200" marR="0" lvl="0" indent="-457200" algn="l" defTabSz="457200">
+              <a:lnSpc>
+                <a:spcPct val="100000"/>
+              </a:lnSpc>
+              <a:spcBef>
+                <a:spcPts val="0"/>
+              </a:spcBef>
+              <a:spcAft>
+                <a:spcPts val="600"/>
+              </a:spcAft>
+              <a:buClr>
+                <a:schemeClr val="tx1"/>
+              </a:buClr>
+              <a:buSzPct val="80000"/>
+              <a:buFont typeface="+mj-lt"/>
+              <a:buAutoNum type="arabicPeriod"/>
+              <a:defRPr/>
+            </a:pPr>
+            <a:endParaRPr lang="ru-RU" sz="2000" b="0" i="0" u="none" strike="noStrike" cap="none" spc="0">
+              <a:ln>
+                <a:noFill/>
+              </a:ln>
+              <a:solidFill>
+                <a:schemeClr val="tx1"/>
+              </a:solidFill>
+              <a:latin typeface="Century Gothic"/>
+              <a:ea typeface="Arial"/>
+              <a:cs typeface="Arial"/>
+            </a:endParaRPr>
+          </a:p>
+          <a:p>
+            <a:pPr marL="457200" marR="0" lvl="0" indent="-457200" algn="l" defTabSz="457200">
+              <a:lnSpc>
+                <a:spcPct val="100000"/>
+              </a:lnSpc>
+              <a:spcBef>
+                <a:spcPts val="0"/>
+              </a:spcBef>
+              <a:spcAft>
+                <a:spcPts val="600"/>
+              </a:spcAft>
+              <a:buClr>
+                <a:schemeClr val="tx1"/>
+              </a:buClr>
+              <a:buSzPct val="80000"/>
+              <a:buFont typeface="+mj-lt"/>
+              <a:buAutoNum type="arabicPeriod"/>
+              <a:defRPr/>
+            </a:pPr>
+            <a:r>
+              <a:rPr lang="ru-RU" sz="2000" b="0" i="0" u="none" strike="noStrike" cap="none" spc="0">
+                <a:ln>
+                  <a:noFill/>
+                </a:ln>
+                <a:solidFill>
+                  <a:schemeClr val="tx1"/>
+                </a:solidFill>
+                <a:latin typeface="Century Gothic"/>
+                <a:ea typeface="Arial"/>
+                <a:cs typeface="Arial"/>
+              </a:rPr>
+              <a:t>Поиск кратчайшего пути осуществляется по алгоритму </a:t>
+            </a:r>
+            <a:r>
+              <a:rPr lang="ru-RU" sz="2000" b="0" i="0" u="none" strike="noStrike" cap="none" spc="0">
+                <a:ln>
+                  <a:noFill/>
+                </a:ln>
+                <a:solidFill>
+                  <a:schemeClr val="tx1"/>
+                </a:solidFill>
+                <a:latin typeface="Century Gothic"/>
+                <a:ea typeface="Arial"/>
+                <a:cs typeface="Arial"/>
+              </a:rPr>
+              <a:t>Дейкстры</a:t>
+            </a:r>
+            <a:r>
+              <a:rPr lang="ru-RU" sz="2000" b="0" i="0" u="none" strike="noStrike" cap="none" spc="0">
+                <a:ln>
+                  <a:noFill/>
+                </a:ln>
+                <a:solidFill>
+                  <a:schemeClr val="tx1"/>
+                </a:solidFill>
+                <a:latin typeface="Century Gothic"/>
+                <a:ea typeface="Arial"/>
+                <a:cs typeface="Arial"/>
+              </a:rPr>
               <a:t>.</a:t>
             </a:r>
-          </a:p>
-          <a:p>
-            <a:pPr marL="0" indent="0">
-              <a:buNone/>
-            </a:pPr>
-            <a:endParaRPr lang="ru-RU" dirty="0" smtClean="0"/>
-          </a:p>
-          <a:p>
-            <a:pPr marL="0" indent="0">
-              <a:buNone/>
-            </a:pPr>
-            <a:endParaRPr lang="ru-RU" dirty="0" smtClean="0"/>
-          </a:p>
-          <a:p>
-            <a:pPr marL="0" indent="0">
-              <a:buNone/>
-            </a:pPr>
-            <a:r>
-              <a:rPr lang="ru-RU" dirty="0" smtClean="0"/>
-              <a:t>«</a:t>
-            </a:r>
-            <a:r>
-              <a:rPr lang="ru-RU" dirty="0" smtClean="0"/>
-              <a:t>1» – проезд до следующей клетки</a:t>
-            </a:r>
-          </a:p>
-          <a:p>
-            <a:pPr marL="0" indent="0">
-              <a:buNone/>
-            </a:pPr>
-            <a:r>
-              <a:rPr lang="ru-RU" dirty="0" smtClean="0"/>
-              <a:t>«2» - поворот до линии направо</a:t>
-            </a:r>
-          </a:p>
-          <a:p>
-            <a:pPr marL="0" indent="0">
-              <a:buNone/>
-            </a:pPr>
-            <a:r>
-              <a:rPr lang="ru-RU" dirty="0" smtClean="0"/>
-              <a:t>«3» – поворот до линии налево</a:t>
-            </a:r>
-          </a:p>
-          <a:p>
-            <a:pPr marL="0" indent="0">
-              <a:buNone/>
-            </a:pPr>
-            <a:r>
-              <a:rPr lang="ru-RU" dirty="0" smtClean="0"/>
-              <a:t>«4» - разделитель алгоритма на до начальной клетки и после</a:t>
-            </a:r>
+            <a:endParaRPr lang="en-US" sz="2000" b="0" i="0" u="none" strike="noStrike" cap="none" spc="0">
+              <a:ln>
+                <a:noFill/>
+              </a:ln>
+              <a:solidFill>
+                <a:schemeClr val="tx1"/>
+              </a:solidFill>
+              <a:latin typeface="Century Gothic"/>
+              <a:ea typeface="Arial"/>
+              <a:cs typeface="Arial"/>
+            </a:endParaRPr>
+          </a:p>
+          <a:p>
+            <a:pPr marL="457200" marR="0" lvl="0" indent="-457200" algn="l" defTabSz="457200">
+              <a:lnSpc>
+                <a:spcPct val="100000"/>
+              </a:lnSpc>
+              <a:spcBef>
+                <a:spcPts val="0"/>
+              </a:spcBef>
+              <a:spcAft>
+                <a:spcPts val="600"/>
+              </a:spcAft>
+              <a:buClr>
+                <a:schemeClr val="tx1"/>
+              </a:buClr>
+              <a:buSzPct val="80000"/>
+              <a:buFont typeface="+mj-lt"/>
+              <a:buAutoNum type="arabicPeriod"/>
+              <a:defRPr/>
+            </a:pPr>
+            <a:endParaRPr lang="ru-RU" sz="2000" b="0" i="0" u="none" strike="noStrike" cap="none" spc="0">
+              <a:ln>
+                <a:noFill/>
+              </a:ln>
+              <a:solidFill>
+                <a:schemeClr val="tx1"/>
+              </a:solidFill>
+              <a:latin typeface="Century Gothic"/>
+              <a:ea typeface="Arial"/>
+              <a:cs typeface="Arial"/>
+            </a:endParaRPr>
+          </a:p>
+          <a:p>
+            <a:pPr marL="457200" marR="0" lvl="0" indent="-457200" algn="l" defTabSz="457200">
+              <a:lnSpc>
+                <a:spcPct val="100000"/>
+              </a:lnSpc>
+              <a:spcBef>
+                <a:spcPts val="0"/>
+              </a:spcBef>
+              <a:spcAft>
+                <a:spcPts val="600"/>
+              </a:spcAft>
+              <a:buClr>
+                <a:schemeClr val="tx1"/>
+              </a:buClr>
+              <a:buSzPct val="80000"/>
+              <a:buFont typeface="+mj-lt"/>
+              <a:buAutoNum type="arabicPeriod"/>
+              <a:defRPr/>
+            </a:pPr>
+            <a:r>
+              <a:rPr lang="ru-RU" sz="2000" b="0" i="0" u="none" strike="noStrike" cap="none" spc="0">
+                <a:ln>
+                  <a:noFill/>
+                </a:ln>
+                <a:solidFill>
+                  <a:schemeClr val="tx1"/>
+                </a:solidFill>
+                <a:latin typeface="Century Gothic"/>
+                <a:ea typeface="Arial"/>
+                <a:cs typeface="Arial"/>
+              </a:rPr>
+              <a:t>Сформированный алгоритм выводится на робота</a:t>
+            </a:r>
+            <a:endParaRPr/>
           </a:p>
         </p:txBody>
       </p:sp>
     </p:spTree>
-    <p:extLst>
-      <p:ext uri="{BB962C8B-B14F-4D97-AF65-F5344CB8AC3E}">
-        <p14:creationId xmlns:p14="http://schemas.microsoft.com/office/powerpoint/2010/main" xmlns="" val="2619913407"/>
-      </p:ext>
-    </p:extLst>
   </p:cSld>
   <p:clrMapOvr>
     <a:masterClrMapping/>
   </p:clrMapOvr>
+  <mc:AlternateContent xmlns:mc="http://schemas.openxmlformats.org/markup-compatibility/2006">
+    <mc:Choice xmlns:p14="http://schemas.microsoft.com/office/powerpoint/2010/main" Requires="p14">
+      <p:transition spd="slow" p14:dur="2000" advClick="1">
+        <p:push dir="r"/>
+      </p:transition>
+    </mc:Choice>
+    <mc:Fallback>
+      <p:transition spd="slow" advClick="1">
+        <p:push dir="r"/>
+      </p:transition>
+    </mc:Fallback>
+  </mc:AlternateContent>
   <p:timing>
     <p:tnLst>
       <p:par>
@@ -7008,7 +8572,7 @@
 </file>
 
 <file path=ppt/theme/theme1.xml><?xml version="1.0" encoding="utf-8"?>
-<a:theme xmlns:a="http://schemas.openxmlformats.org/drawingml/2006/main" name="Сектор">
+<a:theme xmlns:a="http://schemas.openxmlformats.org/drawingml/2006/main" xmlns:r="http://schemas.openxmlformats.org/officeDocument/2006/relationships" xmlns:p="http://schemas.openxmlformats.org/presentationml/2006/main" name="Сектор">
   <a:themeElements>
     <a:clrScheme name="Сектор">
       <a:dk1>
@@ -7051,73 +8615,13 @@
     <a:fontScheme name="Сектор">
       <a:majorFont>
         <a:latin typeface="Century Gothic"/>
-        <a:ea typeface=""/>
-        <a:cs typeface=""/>
-        <a:font script="Jpan" typeface="メイリオ"/>
-        <a:font script="Hang" typeface="HY중고딕"/>
-        <a:font script="Hans" typeface="幼圆"/>
-        <a:font script="Hant" typeface="微軟正黑體"/>
-        <a:font script="Arab" typeface="Tahoma"/>
-        <a:font script="Hebr" typeface="Gisha"/>
-        <a:font script="Thai" typeface="DilleniaUPC"/>
-        <a:font script="Ethi" typeface="Nyala"/>
-        <a:font script="Beng" typeface="Vrinda"/>
-        <a:font script="Gujr" typeface="Shruti"/>
-        <a:font script="Khmr" typeface="DaunPenh"/>
-        <a:font script="Knda" typeface="Tunga"/>
-        <a:font script="Guru" typeface="Raavi"/>
-        <a:font script="Cans" typeface="Euphemia"/>
-        <a:font script="Cher" typeface="Plantagenet Cherokee"/>
-        <a:font script="Yiii" typeface="Microsoft Yi Baiti"/>
-        <a:font script="Tibt" typeface="Microsoft Himalaya"/>
-        <a:font script="Thaa" typeface="MV Boli"/>
-        <a:font script="Deva" typeface="Mangal"/>
-        <a:font script="Telu" typeface="Gautami"/>
-        <a:font script="Taml" typeface="Latha"/>
-        <a:font script="Syrc" typeface="Estrangelo Edessa"/>
-        <a:font script="Orya" typeface="Kalinga"/>
-        <a:font script="Mlym" typeface="Kartika"/>
-        <a:font script="Laoo" typeface="DokChampa"/>
-        <a:font script="Sinh" typeface="Iskoola Pota"/>
-        <a:font script="Mong" typeface="Mongolian Baiti"/>
-        <a:font script="Viet" typeface="Tahoma"/>
-        <a:font script="Uigh" typeface="Microsoft Uighur"/>
-        <a:font script="Geor" typeface="Sylfaen"/>
+        <a:ea typeface="Arial"/>
+        <a:cs typeface="Arial"/>
       </a:majorFont>
       <a:minorFont>
         <a:latin typeface="Century Gothic"/>
-        <a:ea typeface=""/>
-        <a:cs typeface=""/>
-        <a:font script="Jpan" typeface="メイリオ"/>
-        <a:font script="Hang" typeface="HY중고딕"/>
-        <a:font script="Hans" typeface="幼圆"/>
-        <a:font script="Hant" typeface="微軟正黑體"/>
-        <a:font script="Arab" typeface="Tahoma"/>
-        <a:font script="Hebr" typeface="Gisha"/>
-        <a:font script="Thai" typeface="DilleniaUPC"/>
-        <a:font script="Ethi" typeface="Nyala"/>
-        <a:font script="Beng" typeface="Vrinda"/>
-        <a:font script="Gujr" typeface="Shruti"/>
-        <a:font script="Khmr" typeface="DaunPenh"/>
-        <a:font script="Knda" typeface="Tunga"/>
-        <a:font script="Guru" typeface="Raavi"/>
-        <a:font script="Cans" typeface="Euphemia"/>
-        <a:font script="Cher" typeface="Plantagenet Cherokee"/>
-        <a:font script="Yiii" typeface="Microsoft Yi Baiti"/>
-        <a:font script="Tibt" typeface="Microsoft Himalaya"/>
-        <a:font script="Thaa" typeface="MV Boli"/>
-        <a:font script="Deva" typeface="Mangal"/>
-        <a:font script="Telu" typeface="Gautami"/>
-        <a:font script="Taml" typeface="Latha"/>
-        <a:font script="Syrc" typeface="Estrangelo Edessa"/>
-        <a:font script="Orya" typeface="Kalinga"/>
-        <a:font script="Mlym" typeface="Kartika"/>
-        <a:font script="Laoo" typeface="DokChampa"/>
-        <a:font script="Sinh" typeface="Iskoola Pota"/>
-        <a:font script="Mong" typeface="Mongolian Baiti"/>
-        <a:font script="Viet" typeface="Tahoma"/>
-        <a:font script="Uigh" typeface="Microsoft Uighur"/>
-        <a:font script="Geor" typeface="Sylfaen"/>
+        <a:ea typeface="Arial"/>
+        <a:cs typeface="Arial"/>
       </a:minorFont>
     </a:fontScheme>
     <a:fmtScheme name="Сектор">
@@ -7125,7 +8629,7 @@
         <a:solidFill>
           <a:schemeClr val="phClr"/>
         </a:solidFill>
-        <a:gradFill rotWithShape="1">
+        <a:gradFill>
           <a:gsLst>
             <a:gs pos="0">
               <a:schemeClr val="phClr">
@@ -7144,7 +8648,7 @@
           </a:gsLst>
           <a:lin ang="5400000" scaled="0"/>
         </a:gradFill>
-        <a:gradFill rotWithShape="1">
+        <a:gradFill>
           <a:gsLst>
             <a:gs pos="0">
               <a:schemeClr val="phClr">
@@ -7169,8 +8673,8 @@
           <a:solidFill>
             <a:schemeClr val="phClr">
               <a:tint val="76000"/>
+              <a:hueMod val="94000"/>
               <a:alpha val="60000"/>
-              <a:hueMod val="94000"/>
             </a:schemeClr>
           </a:solidFill>
           <a:prstDash val="solid"/>
@@ -7192,41 +8696,38 @@
       </a:lnStyleLst>
       <a:effectStyleLst>
         <a:effectStyle>
-          <a:effectLst/>
-        </a:effectStyle>
-        <a:effectStyle>
           <a:effectLst>
-            <a:innerShdw blurRad="25400" dist="12700" dir="13500000">
+            <a:outerShdw blurRad="40000" dist="20000" dir="5400000" rotWithShape="0">
               <a:srgbClr val="000000">
-                <a:alpha val="45000"/>
+                <a:alpha val="38000"/>
               </a:srgbClr>
-            </a:innerShdw>
+            </a:outerShdw>
           </a:effectLst>
         </a:effectStyle>
         <a:effectStyle>
           <a:effectLst>
-            <a:outerShdw blurRad="50800" dist="38100" dir="5400000" rotWithShape="0">
+            <a:outerShdw blurRad="40000" dist="23000" dir="5400000" rotWithShape="0">
               <a:srgbClr val="000000">
-                <a:alpha val="46000"/>
+                <a:alpha val="35000"/>
               </a:srgbClr>
             </a:outerShdw>
           </a:effectLst>
-          <a:scene3d>
-            <a:camera prst="orthographicFront">
-              <a:rot lat="0" lon="0" rev="0"/>
-            </a:camera>
-            <a:lightRig rig="threePt" dir="t"/>
-          </a:scene3d>
-          <a:sp3d prstMaterial="plastic">
-            <a:bevelT w="25400" h="25400"/>
-          </a:sp3d>
+        </a:effectStyle>
+        <a:effectStyle>
+          <a:effectLst>
+            <a:outerShdw blurRad="40000" dist="23000" dir="5400000" rotWithShape="0">
+              <a:srgbClr val="000000">
+                <a:alpha val="35000"/>
+              </a:srgbClr>
+            </a:outerShdw>
+          </a:effectLst>
         </a:effectStyle>
       </a:effectStyleLst>
       <a:bgFillStyleLst>
         <a:solidFill>
           <a:schemeClr val="phClr"/>
         </a:solidFill>
-        <a:gradFill rotWithShape="1">
+        <a:gradFill>
           <a:gsLst>
             <a:gs pos="10000">
               <a:schemeClr val="phClr">
@@ -7247,7 +8748,7 @@
           </a:gsLst>
           <a:lin ang="6120000" scaled="1"/>
         </a:gradFill>
-        <a:gradFill rotWithShape="1">
+        <a:gradFill>
           <a:gsLst>
             <a:gs pos="0">
               <a:schemeClr val="phClr">
@@ -7266,19 +8767,11 @@
               </a:schemeClr>
             </a:gs>
           </a:gsLst>
-          <a:path path="circle">
-            <a:fillToRect b="100000"/>
-          </a:path>
+          <a:path path="circle"/>
         </a:gradFill>
       </a:bgFillStyleLst>
     </a:fmtScheme>
   </a:themeElements>
   <a:objectDefaults/>
-  <a:extraClrSchemeLst/>
-  <a:extLst>
-    <a:ext uri="{05A4C25C-085E-4340-85A3-A5531E510DB2}">
-      <thm15:themeFamily xmlns:thm15="http://schemas.microsoft.com/office/thememl/2012/main" xmlns="" name="Slice" id="{0507925B-6AC9-4358-8E18-C330545D08F8}" vid="{2903AAAE-3EA5-424A-B142-CC51DC1F897D}"/>
-    </a:ext>
-  </a:extLst>
 </a:theme>
 </file>